--- a/MOLSSIWorkshop2018.pptx
+++ b/MOLSSIWorkshop2018.pptx
@@ -2,7 +2,7 @@
 <file path=ppt/presentation.xml><?xml version="1.0" encoding="utf-8"?>
 <p:presentation xmlns:a="http://schemas.openxmlformats.org/drawingml/2006/main" xmlns:r="http://schemas.openxmlformats.org/officeDocument/2006/relationships" xmlns:p="http://schemas.openxmlformats.org/presentationml/2006/main" saveSubsetFonts="1">
   <p:sldMasterIdLst>
-    <p:sldMasterId id="2147483648" r:id="rId1"/>
+    <p:sldMasterId id="2147483782" r:id="rId1"/>
   </p:sldMasterIdLst>
   <p:sldIdLst>
     <p:sldId id="256" r:id="rId2"/>
@@ -13,9 +13,17 @@
     <p:sldId id="261" r:id="rId7"/>
     <p:sldId id="262" r:id="rId8"/>
     <p:sldId id="263" r:id="rId9"/>
-    <p:sldId id="264" r:id="rId10"/>
-    <p:sldId id="265" r:id="rId11"/>
-    <p:sldId id="266" r:id="rId12"/>
+    <p:sldId id="268" r:id="rId10"/>
+    <p:sldId id="264" r:id="rId11"/>
+    <p:sldId id="269" r:id="rId12"/>
+    <p:sldId id="270" r:id="rId13"/>
+    <p:sldId id="271" r:id="rId14"/>
+    <p:sldId id="265" r:id="rId15"/>
+    <p:sldId id="272" r:id="rId16"/>
+    <p:sldId id="273" r:id="rId17"/>
+    <p:sldId id="274" r:id="rId18"/>
+    <p:sldId id="266" r:id="rId19"/>
+    <p:sldId id="267" r:id="rId20"/>
   </p:sldIdLst>
   <p:sldSz cx="12192000" cy="6858000"/>
   <p:notesSz cx="6858000" cy="9144000"/>
@@ -23,7 +31,7 @@
     <a:defPPr>
       <a:defRPr lang="en-US"/>
     </a:defPPr>
-    <a:lvl1pPr marL="0" algn="l" defTabSz="914400" rtl="0" eaLnBrk="1" latinLnBrk="0" hangingPunct="1">
+    <a:lvl1pPr marL="0" algn="l" defTabSz="457200" rtl="0" eaLnBrk="1" latinLnBrk="0" hangingPunct="1">
       <a:defRPr sz="1800" kern="1200">
         <a:solidFill>
           <a:schemeClr val="tx1"/>
@@ -33,7 +41,7 @@
         <a:cs typeface="+mn-cs"/>
       </a:defRPr>
     </a:lvl1pPr>
-    <a:lvl2pPr marL="457200" algn="l" defTabSz="914400" rtl="0" eaLnBrk="1" latinLnBrk="0" hangingPunct="1">
+    <a:lvl2pPr marL="457200" algn="l" defTabSz="457200" rtl="0" eaLnBrk="1" latinLnBrk="0" hangingPunct="1">
       <a:defRPr sz="1800" kern="1200">
         <a:solidFill>
           <a:schemeClr val="tx1"/>
@@ -43,7 +51,7 @@
         <a:cs typeface="+mn-cs"/>
       </a:defRPr>
     </a:lvl2pPr>
-    <a:lvl3pPr marL="914400" algn="l" defTabSz="914400" rtl="0" eaLnBrk="1" latinLnBrk="0" hangingPunct="1">
+    <a:lvl3pPr marL="914400" algn="l" defTabSz="457200" rtl="0" eaLnBrk="1" latinLnBrk="0" hangingPunct="1">
       <a:defRPr sz="1800" kern="1200">
         <a:solidFill>
           <a:schemeClr val="tx1"/>
@@ -53,7 +61,7 @@
         <a:cs typeface="+mn-cs"/>
       </a:defRPr>
     </a:lvl3pPr>
-    <a:lvl4pPr marL="1371600" algn="l" defTabSz="914400" rtl="0" eaLnBrk="1" latinLnBrk="0" hangingPunct="1">
+    <a:lvl4pPr marL="1371600" algn="l" defTabSz="457200" rtl="0" eaLnBrk="1" latinLnBrk="0" hangingPunct="1">
       <a:defRPr sz="1800" kern="1200">
         <a:solidFill>
           <a:schemeClr val="tx1"/>
@@ -63,7 +71,7 @@
         <a:cs typeface="+mn-cs"/>
       </a:defRPr>
     </a:lvl4pPr>
-    <a:lvl5pPr marL="1828800" algn="l" defTabSz="914400" rtl="0" eaLnBrk="1" latinLnBrk="0" hangingPunct="1">
+    <a:lvl5pPr marL="1828800" algn="l" defTabSz="457200" rtl="0" eaLnBrk="1" latinLnBrk="0" hangingPunct="1">
       <a:defRPr sz="1800" kern="1200">
         <a:solidFill>
           <a:schemeClr val="tx1"/>
@@ -73,7 +81,7 @@
         <a:cs typeface="+mn-cs"/>
       </a:defRPr>
     </a:lvl5pPr>
-    <a:lvl6pPr marL="2286000" algn="l" defTabSz="914400" rtl="0" eaLnBrk="1" latinLnBrk="0" hangingPunct="1">
+    <a:lvl6pPr marL="2286000" algn="l" defTabSz="457200" rtl="0" eaLnBrk="1" latinLnBrk="0" hangingPunct="1">
       <a:defRPr sz="1800" kern="1200">
         <a:solidFill>
           <a:schemeClr val="tx1"/>
@@ -83,7 +91,7 @@
         <a:cs typeface="+mn-cs"/>
       </a:defRPr>
     </a:lvl6pPr>
-    <a:lvl7pPr marL="2743200" algn="l" defTabSz="914400" rtl="0" eaLnBrk="1" latinLnBrk="0" hangingPunct="1">
+    <a:lvl7pPr marL="2743200" algn="l" defTabSz="457200" rtl="0" eaLnBrk="1" latinLnBrk="0" hangingPunct="1">
       <a:defRPr sz="1800" kern="1200">
         <a:solidFill>
           <a:schemeClr val="tx1"/>
@@ -93,7 +101,7 @@
         <a:cs typeface="+mn-cs"/>
       </a:defRPr>
     </a:lvl7pPr>
-    <a:lvl8pPr marL="3200400" algn="l" defTabSz="914400" rtl="0" eaLnBrk="1" latinLnBrk="0" hangingPunct="1">
+    <a:lvl8pPr marL="3200400" algn="l" defTabSz="457200" rtl="0" eaLnBrk="1" latinLnBrk="0" hangingPunct="1">
       <a:defRPr sz="1800" kern="1200">
         <a:solidFill>
           <a:schemeClr val="tx1"/>
@@ -103,7 +111,7 @@
         <a:cs typeface="+mn-cs"/>
       </a:defRPr>
     </a:lvl8pPr>
-    <a:lvl9pPr marL="3657600" algn="l" defTabSz="914400" rtl="0" eaLnBrk="1" latinLnBrk="0" hangingPunct="1">
+    <a:lvl9pPr marL="3657600" algn="l" defTabSz="457200" rtl="0" eaLnBrk="1" latinLnBrk="0" hangingPunct="1">
       <a:defRPr sz="1800" kern="1200">
         <a:solidFill>
           <a:schemeClr val="tx1"/>
@@ -134,8 +142,16 @@
 </file>
 
 <file path=ppt/slideLayouts/slideLayout1.xml><?xml version="1.0" encoding="utf-8"?>
-<p:sldLayout xmlns:a="http://schemas.openxmlformats.org/drawingml/2006/main" xmlns:r="http://schemas.openxmlformats.org/officeDocument/2006/relationships" xmlns:p="http://schemas.openxmlformats.org/presentationml/2006/main" type="title" preserve="1">
+<p:sldLayout xmlns:a="http://schemas.openxmlformats.org/drawingml/2006/main" xmlns:r="http://schemas.openxmlformats.org/officeDocument/2006/relationships" xmlns:p="http://schemas.openxmlformats.org/presentationml/2006/main" showMasterSp="0" type="title" preserve="1">
   <p:cSld name="Title Slide">
+    <p:bg>
+      <p:bgPr>
+        <a:solidFill>
+          <a:schemeClr val="accent1"/>
+        </a:solidFill>
+        <a:effectLst/>
+      </p:bgPr>
+    </p:bg>
     <p:spTree>
       <p:nvGrpSpPr>
         <p:cNvPr id="1" name=""/>
@@ -152,13 +168,1053 @@
       </p:grpSpPr>
       <p:sp>
         <p:nvSpPr>
-          <p:cNvPr id="2" name="Title 1">
-            <a:extLst>
-              <a:ext uri="{FF2B5EF4-FFF2-40B4-BE49-F238E27FC236}">
-                <a16:creationId xmlns:a16="http://schemas.microsoft.com/office/drawing/2014/main" id="{0AEC8784-256E-4878-99E0-F3129880C338}"/>
-              </a:ext>
-            </a:extLst>
-          </p:cNvPr>
+          <p:cNvPr id="11" name="Freeform 6" title="scalloped circle"/>
+          <p:cNvSpPr/>
+          <p:nvPr/>
+        </p:nvSpPr>
+        <p:spPr bwMode="auto">
+          <a:xfrm>
+            <a:off x="3557016" y="630936"/>
+            <a:ext cx="5235575" cy="5229225"/>
+          </a:xfrm>
+          <a:custGeom>
+            <a:avLst/>
+            <a:gdLst/>
+            <a:ahLst/>
+            <a:cxnLst/>
+            <a:rect l="0" t="0" r="r" b="b"/>
+            <a:pathLst>
+              <a:path w="3298" h="3294">
+                <a:moveTo>
+                  <a:pt x="1649" y="0"/>
+                </a:moveTo>
+                <a:lnTo>
+                  <a:pt x="1681" y="3"/>
+                </a:lnTo>
+                <a:lnTo>
+                  <a:pt x="1712" y="11"/>
+                </a:lnTo>
+                <a:lnTo>
+                  <a:pt x="1742" y="23"/>
+                </a:lnTo>
+                <a:lnTo>
+                  <a:pt x="1773" y="38"/>
+                </a:lnTo>
+                <a:lnTo>
+                  <a:pt x="1802" y="55"/>
+                </a:lnTo>
+                <a:lnTo>
+                  <a:pt x="1832" y="73"/>
+                </a:lnTo>
+                <a:lnTo>
+                  <a:pt x="1862" y="89"/>
+                </a:lnTo>
+                <a:lnTo>
+                  <a:pt x="1892" y="105"/>
+                </a:lnTo>
+                <a:lnTo>
+                  <a:pt x="1921" y="117"/>
+                </a:lnTo>
+                <a:lnTo>
+                  <a:pt x="1953" y="125"/>
+                </a:lnTo>
+                <a:lnTo>
+                  <a:pt x="1984" y="129"/>
+                </a:lnTo>
+                <a:lnTo>
+                  <a:pt x="2017" y="129"/>
+                </a:lnTo>
+                <a:lnTo>
+                  <a:pt x="2051" y="127"/>
+                </a:lnTo>
+                <a:lnTo>
+                  <a:pt x="2085" y="123"/>
+                </a:lnTo>
+                <a:lnTo>
+                  <a:pt x="2119" y="118"/>
+                </a:lnTo>
+                <a:lnTo>
+                  <a:pt x="2153" y="114"/>
+                </a:lnTo>
+                <a:lnTo>
+                  <a:pt x="2187" y="111"/>
+                </a:lnTo>
+                <a:lnTo>
+                  <a:pt x="2219" y="112"/>
+                </a:lnTo>
+                <a:lnTo>
+                  <a:pt x="2250" y="116"/>
+                </a:lnTo>
+                <a:lnTo>
+                  <a:pt x="2280" y="125"/>
+                </a:lnTo>
+                <a:lnTo>
+                  <a:pt x="2305" y="138"/>
+                </a:lnTo>
+                <a:lnTo>
+                  <a:pt x="2329" y="155"/>
+                </a:lnTo>
+                <a:lnTo>
+                  <a:pt x="2350" y="175"/>
+                </a:lnTo>
+                <a:lnTo>
+                  <a:pt x="2371" y="198"/>
+                </a:lnTo>
+                <a:lnTo>
+                  <a:pt x="2390" y="222"/>
+                </a:lnTo>
+                <a:lnTo>
+                  <a:pt x="2409" y="247"/>
+                </a:lnTo>
+                <a:lnTo>
+                  <a:pt x="2428" y="272"/>
+                </a:lnTo>
+                <a:lnTo>
+                  <a:pt x="2447" y="296"/>
+                </a:lnTo>
+                <a:lnTo>
+                  <a:pt x="2467" y="319"/>
+                </a:lnTo>
+                <a:lnTo>
+                  <a:pt x="2490" y="339"/>
+                </a:lnTo>
+                <a:lnTo>
+                  <a:pt x="2512" y="357"/>
+                </a:lnTo>
+                <a:lnTo>
+                  <a:pt x="2537" y="371"/>
+                </a:lnTo>
+                <a:lnTo>
+                  <a:pt x="2564" y="383"/>
+                </a:lnTo>
+                <a:lnTo>
+                  <a:pt x="2593" y="393"/>
+                </a:lnTo>
+                <a:lnTo>
+                  <a:pt x="2623" y="402"/>
+                </a:lnTo>
+                <a:lnTo>
+                  <a:pt x="2653" y="410"/>
+                </a:lnTo>
+                <a:lnTo>
+                  <a:pt x="2684" y="418"/>
+                </a:lnTo>
+                <a:lnTo>
+                  <a:pt x="2713" y="427"/>
+                </a:lnTo>
+                <a:lnTo>
+                  <a:pt x="2742" y="437"/>
+                </a:lnTo>
+                <a:lnTo>
+                  <a:pt x="2769" y="449"/>
+                </a:lnTo>
+                <a:lnTo>
+                  <a:pt x="2793" y="464"/>
+                </a:lnTo>
+                <a:lnTo>
+                  <a:pt x="2815" y="482"/>
+                </a:lnTo>
+                <a:lnTo>
+                  <a:pt x="2833" y="504"/>
+                </a:lnTo>
+                <a:lnTo>
+                  <a:pt x="2848" y="528"/>
+                </a:lnTo>
+                <a:lnTo>
+                  <a:pt x="2860" y="555"/>
+                </a:lnTo>
+                <a:lnTo>
+                  <a:pt x="2870" y="584"/>
+                </a:lnTo>
+                <a:lnTo>
+                  <a:pt x="2879" y="613"/>
+                </a:lnTo>
+                <a:lnTo>
+                  <a:pt x="2887" y="644"/>
+                </a:lnTo>
+                <a:lnTo>
+                  <a:pt x="2895" y="674"/>
+                </a:lnTo>
+                <a:lnTo>
+                  <a:pt x="2904" y="704"/>
+                </a:lnTo>
+                <a:lnTo>
+                  <a:pt x="2914" y="733"/>
+                </a:lnTo>
+                <a:lnTo>
+                  <a:pt x="2926" y="760"/>
+                </a:lnTo>
+                <a:lnTo>
+                  <a:pt x="2940" y="785"/>
+                </a:lnTo>
+                <a:lnTo>
+                  <a:pt x="2958" y="807"/>
+                </a:lnTo>
+                <a:lnTo>
+                  <a:pt x="2978" y="830"/>
+                </a:lnTo>
+                <a:lnTo>
+                  <a:pt x="3001" y="850"/>
+                </a:lnTo>
+                <a:lnTo>
+                  <a:pt x="3025" y="869"/>
+                </a:lnTo>
+                <a:lnTo>
+                  <a:pt x="3051" y="888"/>
+                </a:lnTo>
+                <a:lnTo>
+                  <a:pt x="3076" y="907"/>
+                </a:lnTo>
+                <a:lnTo>
+                  <a:pt x="3100" y="926"/>
+                </a:lnTo>
+                <a:lnTo>
+                  <a:pt x="3123" y="947"/>
+                </a:lnTo>
+                <a:lnTo>
+                  <a:pt x="3143" y="968"/>
+                </a:lnTo>
+                <a:lnTo>
+                  <a:pt x="3160" y="992"/>
+                </a:lnTo>
+                <a:lnTo>
+                  <a:pt x="3173" y="1017"/>
+                </a:lnTo>
+                <a:lnTo>
+                  <a:pt x="3182" y="1047"/>
+                </a:lnTo>
+                <a:lnTo>
+                  <a:pt x="3186" y="1078"/>
+                </a:lnTo>
+                <a:lnTo>
+                  <a:pt x="3187" y="1110"/>
+                </a:lnTo>
+                <a:lnTo>
+                  <a:pt x="3184" y="1144"/>
+                </a:lnTo>
+                <a:lnTo>
+                  <a:pt x="3180" y="1178"/>
+                </a:lnTo>
+                <a:lnTo>
+                  <a:pt x="3175" y="1212"/>
+                </a:lnTo>
+                <a:lnTo>
+                  <a:pt x="3171" y="1246"/>
+                </a:lnTo>
+                <a:lnTo>
+                  <a:pt x="3169" y="1280"/>
+                </a:lnTo>
+                <a:lnTo>
+                  <a:pt x="3169" y="1313"/>
+                </a:lnTo>
+                <a:lnTo>
+                  <a:pt x="3173" y="1344"/>
+                </a:lnTo>
+                <a:lnTo>
+                  <a:pt x="3181" y="1375"/>
+                </a:lnTo>
+                <a:lnTo>
+                  <a:pt x="3193" y="1404"/>
+                </a:lnTo>
+                <a:lnTo>
+                  <a:pt x="3209" y="1434"/>
+                </a:lnTo>
+                <a:lnTo>
+                  <a:pt x="3225" y="1464"/>
+                </a:lnTo>
+                <a:lnTo>
+                  <a:pt x="3243" y="1494"/>
+                </a:lnTo>
+                <a:lnTo>
+                  <a:pt x="3260" y="1523"/>
+                </a:lnTo>
+                <a:lnTo>
+                  <a:pt x="3275" y="1554"/>
+                </a:lnTo>
+                <a:lnTo>
+                  <a:pt x="3287" y="1584"/>
+                </a:lnTo>
+                <a:lnTo>
+                  <a:pt x="3295" y="1615"/>
+                </a:lnTo>
+                <a:lnTo>
+                  <a:pt x="3298" y="1647"/>
+                </a:lnTo>
+                <a:lnTo>
+                  <a:pt x="3295" y="1679"/>
+                </a:lnTo>
+                <a:lnTo>
+                  <a:pt x="3287" y="1710"/>
+                </a:lnTo>
+                <a:lnTo>
+                  <a:pt x="3275" y="1740"/>
+                </a:lnTo>
+                <a:lnTo>
+                  <a:pt x="3260" y="1771"/>
+                </a:lnTo>
+                <a:lnTo>
+                  <a:pt x="3243" y="1800"/>
+                </a:lnTo>
+                <a:lnTo>
+                  <a:pt x="3225" y="1830"/>
+                </a:lnTo>
+                <a:lnTo>
+                  <a:pt x="3209" y="1860"/>
+                </a:lnTo>
+                <a:lnTo>
+                  <a:pt x="3193" y="1890"/>
+                </a:lnTo>
+                <a:lnTo>
+                  <a:pt x="3181" y="1919"/>
+                </a:lnTo>
+                <a:lnTo>
+                  <a:pt x="3173" y="1950"/>
+                </a:lnTo>
+                <a:lnTo>
+                  <a:pt x="3169" y="1981"/>
+                </a:lnTo>
+                <a:lnTo>
+                  <a:pt x="3169" y="2014"/>
+                </a:lnTo>
+                <a:lnTo>
+                  <a:pt x="3171" y="2048"/>
+                </a:lnTo>
+                <a:lnTo>
+                  <a:pt x="3175" y="2082"/>
+                </a:lnTo>
+                <a:lnTo>
+                  <a:pt x="3180" y="2116"/>
+                </a:lnTo>
+                <a:lnTo>
+                  <a:pt x="3184" y="2150"/>
+                </a:lnTo>
+                <a:lnTo>
+                  <a:pt x="3187" y="2184"/>
+                </a:lnTo>
+                <a:lnTo>
+                  <a:pt x="3186" y="2216"/>
+                </a:lnTo>
+                <a:lnTo>
+                  <a:pt x="3182" y="2247"/>
+                </a:lnTo>
+                <a:lnTo>
+                  <a:pt x="3173" y="2277"/>
+                </a:lnTo>
+                <a:lnTo>
+                  <a:pt x="3160" y="2302"/>
+                </a:lnTo>
+                <a:lnTo>
+                  <a:pt x="3143" y="2326"/>
+                </a:lnTo>
+                <a:lnTo>
+                  <a:pt x="3123" y="2347"/>
+                </a:lnTo>
+                <a:lnTo>
+                  <a:pt x="3100" y="2368"/>
+                </a:lnTo>
+                <a:lnTo>
+                  <a:pt x="3076" y="2387"/>
+                </a:lnTo>
+                <a:lnTo>
+                  <a:pt x="3051" y="2406"/>
+                </a:lnTo>
+                <a:lnTo>
+                  <a:pt x="3025" y="2425"/>
+                </a:lnTo>
+                <a:lnTo>
+                  <a:pt x="3001" y="2444"/>
+                </a:lnTo>
+                <a:lnTo>
+                  <a:pt x="2978" y="2464"/>
+                </a:lnTo>
+                <a:lnTo>
+                  <a:pt x="2958" y="2487"/>
+                </a:lnTo>
+                <a:lnTo>
+                  <a:pt x="2940" y="2509"/>
+                </a:lnTo>
+                <a:lnTo>
+                  <a:pt x="2926" y="2534"/>
+                </a:lnTo>
+                <a:lnTo>
+                  <a:pt x="2914" y="2561"/>
+                </a:lnTo>
+                <a:lnTo>
+                  <a:pt x="2904" y="2590"/>
+                </a:lnTo>
+                <a:lnTo>
+                  <a:pt x="2895" y="2620"/>
+                </a:lnTo>
+                <a:lnTo>
+                  <a:pt x="2887" y="2650"/>
+                </a:lnTo>
+                <a:lnTo>
+                  <a:pt x="2879" y="2681"/>
+                </a:lnTo>
+                <a:lnTo>
+                  <a:pt x="2870" y="2710"/>
+                </a:lnTo>
+                <a:lnTo>
+                  <a:pt x="2860" y="2739"/>
+                </a:lnTo>
+                <a:lnTo>
+                  <a:pt x="2848" y="2766"/>
+                </a:lnTo>
+                <a:lnTo>
+                  <a:pt x="2833" y="2790"/>
+                </a:lnTo>
+                <a:lnTo>
+                  <a:pt x="2815" y="2812"/>
+                </a:lnTo>
+                <a:lnTo>
+                  <a:pt x="2793" y="2830"/>
+                </a:lnTo>
+                <a:lnTo>
+                  <a:pt x="2769" y="2845"/>
+                </a:lnTo>
+                <a:lnTo>
+                  <a:pt x="2742" y="2857"/>
+                </a:lnTo>
+                <a:lnTo>
+                  <a:pt x="2713" y="2867"/>
+                </a:lnTo>
+                <a:lnTo>
+                  <a:pt x="2684" y="2876"/>
+                </a:lnTo>
+                <a:lnTo>
+                  <a:pt x="2653" y="2884"/>
+                </a:lnTo>
+                <a:lnTo>
+                  <a:pt x="2623" y="2892"/>
+                </a:lnTo>
+                <a:lnTo>
+                  <a:pt x="2593" y="2901"/>
+                </a:lnTo>
+                <a:lnTo>
+                  <a:pt x="2564" y="2911"/>
+                </a:lnTo>
+                <a:lnTo>
+                  <a:pt x="2537" y="2923"/>
+                </a:lnTo>
+                <a:lnTo>
+                  <a:pt x="2512" y="2937"/>
+                </a:lnTo>
+                <a:lnTo>
+                  <a:pt x="2490" y="2955"/>
+                </a:lnTo>
+                <a:lnTo>
+                  <a:pt x="2467" y="2975"/>
+                </a:lnTo>
+                <a:lnTo>
+                  <a:pt x="2447" y="2998"/>
+                </a:lnTo>
+                <a:lnTo>
+                  <a:pt x="2428" y="3022"/>
+                </a:lnTo>
+                <a:lnTo>
+                  <a:pt x="2409" y="3047"/>
+                </a:lnTo>
+                <a:lnTo>
+                  <a:pt x="2390" y="3072"/>
+                </a:lnTo>
+                <a:lnTo>
+                  <a:pt x="2371" y="3096"/>
+                </a:lnTo>
+                <a:lnTo>
+                  <a:pt x="2350" y="3119"/>
+                </a:lnTo>
+                <a:lnTo>
+                  <a:pt x="2329" y="3139"/>
+                </a:lnTo>
+                <a:lnTo>
+                  <a:pt x="2305" y="3156"/>
+                </a:lnTo>
+                <a:lnTo>
+                  <a:pt x="2280" y="3169"/>
+                </a:lnTo>
+                <a:lnTo>
+                  <a:pt x="2250" y="3178"/>
+                </a:lnTo>
+                <a:lnTo>
+                  <a:pt x="2219" y="3182"/>
+                </a:lnTo>
+                <a:lnTo>
+                  <a:pt x="2187" y="3183"/>
+                </a:lnTo>
+                <a:lnTo>
+                  <a:pt x="2153" y="3180"/>
+                </a:lnTo>
+                <a:lnTo>
+                  <a:pt x="2119" y="3176"/>
+                </a:lnTo>
+                <a:lnTo>
+                  <a:pt x="2085" y="3171"/>
+                </a:lnTo>
+                <a:lnTo>
+                  <a:pt x="2051" y="3167"/>
+                </a:lnTo>
+                <a:lnTo>
+                  <a:pt x="2017" y="3165"/>
+                </a:lnTo>
+                <a:lnTo>
+                  <a:pt x="1984" y="3165"/>
+                </a:lnTo>
+                <a:lnTo>
+                  <a:pt x="1953" y="3169"/>
+                </a:lnTo>
+                <a:lnTo>
+                  <a:pt x="1921" y="3177"/>
+                </a:lnTo>
+                <a:lnTo>
+                  <a:pt x="1892" y="3189"/>
+                </a:lnTo>
+                <a:lnTo>
+                  <a:pt x="1862" y="3205"/>
+                </a:lnTo>
+                <a:lnTo>
+                  <a:pt x="1832" y="3221"/>
+                </a:lnTo>
+                <a:lnTo>
+                  <a:pt x="1802" y="3239"/>
+                </a:lnTo>
+                <a:lnTo>
+                  <a:pt x="1773" y="3256"/>
+                </a:lnTo>
+                <a:lnTo>
+                  <a:pt x="1742" y="3271"/>
+                </a:lnTo>
+                <a:lnTo>
+                  <a:pt x="1712" y="3283"/>
+                </a:lnTo>
+                <a:lnTo>
+                  <a:pt x="1681" y="3291"/>
+                </a:lnTo>
+                <a:lnTo>
+                  <a:pt x="1649" y="3294"/>
+                </a:lnTo>
+                <a:lnTo>
+                  <a:pt x="1617" y="3291"/>
+                </a:lnTo>
+                <a:lnTo>
+                  <a:pt x="1586" y="3283"/>
+                </a:lnTo>
+                <a:lnTo>
+                  <a:pt x="1556" y="3271"/>
+                </a:lnTo>
+                <a:lnTo>
+                  <a:pt x="1525" y="3256"/>
+                </a:lnTo>
+                <a:lnTo>
+                  <a:pt x="1496" y="3239"/>
+                </a:lnTo>
+                <a:lnTo>
+                  <a:pt x="1466" y="3221"/>
+                </a:lnTo>
+                <a:lnTo>
+                  <a:pt x="1436" y="3205"/>
+                </a:lnTo>
+                <a:lnTo>
+                  <a:pt x="1406" y="3189"/>
+                </a:lnTo>
+                <a:lnTo>
+                  <a:pt x="1376" y="3177"/>
+                </a:lnTo>
+                <a:lnTo>
+                  <a:pt x="1345" y="3169"/>
+                </a:lnTo>
+                <a:lnTo>
+                  <a:pt x="1314" y="3165"/>
+                </a:lnTo>
+                <a:lnTo>
+                  <a:pt x="1281" y="3165"/>
+                </a:lnTo>
+                <a:lnTo>
+                  <a:pt x="1247" y="3167"/>
+                </a:lnTo>
+                <a:lnTo>
+                  <a:pt x="1213" y="3171"/>
+                </a:lnTo>
+                <a:lnTo>
+                  <a:pt x="1179" y="3176"/>
+                </a:lnTo>
+                <a:lnTo>
+                  <a:pt x="1145" y="3180"/>
+                </a:lnTo>
+                <a:lnTo>
+                  <a:pt x="1111" y="3183"/>
+                </a:lnTo>
+                <a:lnTo>
+                  <a:pt x="1079" y="3182"/>
+                </a:lnTo>
+                <a:lnTo>
+                  <a:pt x="1048" y="3178"/>
+                </a:lnTo>
+                <a:lnTo>
+                  <a:pt x="1018" y="3169"/>
+                </a:lnTo>
+                <a:lnTo>
+                  <a:pt x="993" y="3156"/>
+                </a:lnTo>
+                <a:lnTo>
+                  <a:pt x="969" y="3139"/>
+                </a:lnTo>
+                <a:lnTo>
+                  <a:pt x="948" y="3119"/>
+                </a:lnTo>
+                <a:lnTo>
+                  <a:pt x="927" y="3096"/>
+                </a:lnTo>
+                <a:lnTo>
+                  <a:pt x="908" y="3072"/>
+                </a:lnTo>
+                <a:lnTo>
+                  <a:pt x="889" y="3047"/>
+                </a:lnTo>
+                <a:lnTo>
+                  <a:pt x="870" y="3022"/>
+                </a:lnTo>
+                <a:lnTo>
+                  <a:pt x="851" y="2998"/>
+                </a:lnTo>
+                <a:lnTo>
+                  <a:pt x="831" y="2975"/>
+                </a:lnTo>
+                <a:lnTo>
+                  <a:pt x="808" y="2955"/>
+                </a:lnTo>
+                <a:lnTo>
+                  <a:pt x="786" y="2937"/>
+                </a:lnTo>
+                <a:lnTo>
+                  <a:pt x="761" y="2923"/>
+                </a:lnTo>
+                <a:lnTo>
+                  <a:pt x="734" y="2911"/>
+                </a:lnTo>
+                <a:lnTo>
+                  <a:pt x="705" y="2901"/>
+                </a:lnTo>
+                <a:lnTo>
+                  <a:pt x="675" y="2892"/>
+                </a:lnTo>
+                <a:lnTo>
+                  <a:pt x="645" y="2884"/>
+                </a:lnTo>
+                <a:lnTo>
+                  <a:pt x="614" y="2876"/>
+                </a:lnTo>
+                <a:lnTo>
+                  <a:pt x="585" y="2867"/>
+                </a:lnTo>
+                <a:lnTo>
+                  <a:pt x="556" y="2857"/>
+                </a:lnTo>
+                <a:lnTo>
+                  <a:pt x="529" y="2845"/>
+                </a:lnTo>
+                <a:lnTo>
+                  <a:pt x="505" y="2830"/>
+                </a:lnTo>
+                <a:lnTo>
+                  <a:pt x="483" y="2812"/>
+                </a:lnTo>
+                <a:lnTo>
+                  <a:pt x="465" y="2790"/>
+                </a:lnTo>
+                <a:lnTo>
+                  <a:pt x="450" y="2766"/>
+                </a:lnTo>
+                <a:lnTo>
+                  <a:pt x="438" y="2739"/>
+                </a:lnTo>
+                <a:lnTo>
+                  <a:pt x="428" y="2710"/>
+                </a:lnTo>
+                <a:lnTo>
+                  <a:pt x="419" y="2681"/>
+                </a:lnTo>
+                <a:lnTo>
+                  <a:pt x="411" y="2650"/>
+                </a:lnTo>
+                <a:lnTo>
+                  <a:pt x="403" y="2620"/>
+                </a:lnTo>
+                <a:lnTo>
+                  <a:pt x="394" y="2590"/>
+                </a:lnTo>
+                <a:lnTo>
+                  <a:pt x="384" y="2561"/>
+                </a:lnTo>
+                <a:lnTo>
+                  <a:pt x="372" y="2534"/>
+                </a:lnTo>
+                <a:lnTo>
+                  <a:pt x="358" y="2509"/>
+                </a:lnTo>
+                <a:lnTo>
+                  <a:pt x="340" y="2487"/>
+                </a:lnTo>
+                <a:lnTo>
+                  <a:pt x="320" y="2464"/>
+                </a:lnTo>
+                <a:lnTo>
+                  <a:pt x="297" y="2444"/>
+                </a:lnTo>
+                <a:lnTo>
+                  <a:pt x="272" y="2425"/>
+                </a:lnTo>
+                <a:lnTo>
+                  <a:pt x="247" y="2406"/>
+                </a:lnTo>
+                <a:lnTo>
+                  <a:pt x="222" y="2387"/>
+                </a:lnTo>
+                <a:lnTo>
+                  <a:pt x="198" y="2368"/>
+                </a:lnTo>
+                <a:lnTo>
+                  <a:pt x="175" y="2347"/>
+                </a:lnTo>
+                <a:lnTo>
+                  <a:pt x="155" y="2326"/>
+                </a:lnTo>
+                <a:lnTo>
+                  <a:pt x="138" y="2302"/>
+                </a:lnTo>
+                <a:lnTo>
+                  <a:pt x="125" y="2277"/>
+                </a:lnTo>
+                <a:lnTo>
+                  <a:pt x="116" y="2247"/>
+                </a:lnTo>
+                <a:lnTo>
+                  <a:pt x="112" y="2216"/>
+                </a:lnTo>
+                <a:lnTo>
+                  <a:pt x="111" y="2184"/>
+                </a:lnTo>
+                <a:lnTo>
+                  <a:pt x="114" y="2150"/>
+                </a:lnTo>
+                <a:lnTo>
+                  <a:pt x="118" y="2116"/>
+                </a:lnTo>
+                <a:lnTo>
+                  <a:pt x="123" y="2082"/>
+                </a:lnTo>
+                <a:lnTo>
+                  <a:pt x="127" y="2048"/>
+                </a:lnTo>
+                <a:lnTo>
+                  <a:pt x="129" y="2014"/>
+                </a:lnTo>
+                <a:lnTo>
+                  <a:pt x="129" y="1981"/>
+                </a:lnTo>
+                <a:lnTo>
+                  <a:pt x="125" y="1950"/>
+                </a:lnTo>
+                <a:lnTo>
+                  <a:pt x="117" y="1919"/>
+                </a:lnTo>
+                <a:lnTo>
+                  <a:pt x="105" y="1890"/>
+                </a:lnTo>
+                <a:lnTo>
+                  <a:pt x="90" y="1860"/>
+                </a:lnTo>
+                <a:lnTo>
+                  <a:pt x="73" y="1830"/>
+                </a:lnTo>
+                <a:lnTo>
+                  <a:pt x="55" y="1800"/>
+                </a:lnTo>
+                <a:lnTo>
+                  <a:pt x="38" y="1771"/>
+                </a:lnTo>
+                <a:lnTo>
+                  <a:pt x="23" y="1740"/>
+                </a:lnTo>
+                <a:lnTo>
+                  <a:pt x="11" y="1710"/>
+                </a:lnTo>
+                <a:lnTo>
+                  <a:pt x="3" y="1679"/>
+                </a:lnTo>
+                <a:lnTo>
+                  <a:pt x="0" y="1647"/>
+                </a:lnTo>
+                <a:lnTo>
+                  <a:pt x="3" y="1615"/>
+                </a:lnTo>
+                <a:lnTo>
+                  <a:pt x="11" y="1584"/>
+                </a:lnTo>
+                <a:lnTo>
+                  <a:pt x="23" y="1554"/>
+                </a:lnTo>
+                <a:lnTo>
+                  <a:pt x="38" y="1523"/>
+                </a:lnTo>
+                <a:lnTo>
+                  <a:pt x="55" y="1494"/>
+                </a:lnTo>
+                <a:lnTo>
+                  <a:pt x="73" y="1464"/>
+                </a:lnTo>
+                <a:lnTo>
+                  <a:pt x="90" y="1434"/>
+                </a:lnTo>
+                <a:lnTo>
+                  <a:pt x="105" y="1404"/>
+                </a:lnTo>
+                <a:lnTo>
+                  <a:pt x="117" y="1375"/>
+                </a:lnTo>
+                <a:lnTo>
+                  <a:pt x="125" y="1344"/>
+                </a:lnTo>
+                <a:lnTo>
+                  <a:pt x="129" y="1313"/>
+                </a:lnTo>
+                <a:lnTo>
+                  <a:pt x="129" y="1280"/>
+                </a:lnTo>
+                <a:lnTo>
+                  <a:pt x="127" y="1246"/>
+                </a:lnTo>
+                <a:lnTo>
+                  <a:pt x="123" y="1212"/>
+                </a:lnTo>
+                <a:lnTo>
+                  <a:pt x="118" y="1178"/>
+                </a:lnTo>
+                <a:lnTo>
+                  <a:pt x="114" y="1144"/>
+                </a:lnTo>
+                <a:lnTo>
+                  <a:pt x="111" y="1110"/>
+                </a:lnTo>
+                <a:lnTo>
+                  <a:pt x="112" y="1078"/>
+                </a:lnTo>
+                <a:lnTo>
+                  <a:pt x="116" y="1047"/>
+                </a:lnTo>
+                <a:lnTo>
+                  <a:pt x="125" y="1017"/>
+                </a:lnTo>
+                <a:lnTo>
+                  <a:pt x="138" y="992"/>
+                </a:lnTo>
+                <a:lnTo>
+                  <a:pt x="155" y="968"/>
+                </a:lnTo>
+                <a:lnTo>
+                  <a:pt x="175" y="947"/>
+                </a:lnTo>
+                <a:lnTo>
+                  <a:pt x="198" y="926"/>
+                </a:lnTo>
+                <a:lnTo>
+                  <a:pt x="222" y="907"/>
+                </a:lnTo>
+                <a:lnTo>
+                  <a:pt x="247" y="888"/>
+                </a:lnTo>
+                <a:lnTo>
+                  <a:pt x="272" y="869"/>
+                </a:lnTo>
+                <a:lnTo>
+                  <a:pt x="297" y="850"/>
+                </a:lnTo>
+                <a:lnTo>
+                  <a:pt x="320" y="830"/>
+                </a:lnTo>
+                <a:lnTo>
+                  <a:pt x="340" y="807"/>
+                </a:lnTo>
+                <a:lnTo>
+                  <a:pt x="358" y="785"/>
+                </a:lnTo>
+                <a:lnTo>
+                  <a:pt x="372" y="760"/>
+                </a:lnTo>
+                <a:lnTo>
+                  <a:pt x="384" y="733"/>
+                </a:lnTo>
+                <a:lnTo>
+                  <a:pt x="394" y="704"/>
+                </a:lnTo>
+                <a:lnTo>
+                  <a:pt x="403" y="674"/>
+                </a:lnTo>
+                <a:lnTo>
+                  <a:pt x="411" y="644"/>
+                </a:lnTo>
+                <a:lnTo>
+                  <a:pt x="419" y="613"/>
+                </a:lnTo>
+                <a:lnTo>
+                  <a:pt x="428" y="584"/>
+                </a:lnTo>
+                <a:lnTo>
+                  <a:pt x="438" y="555"/>
+                </a:lnTo>
+                <a:lnTo>
+                  <a:pt x="450" y="528"/>
+                </a:lnTo>
+                <a:lnTo>
+                  <a:pt x="465" y="504"/>
+                </a:lnTo>
+                <a:lnTo>
+                  <a:pt x="483" y="482"/>
+                </a:lnTo>
+                <a:lnTo>
+                  <a:pt x="505" y="464"/>
+                </a:lnTo>
+                <a:lnTo>
+                  <a:pt x="529" y="449"/>
+                </a:lnTo>
+                <a:lnTo>
+                  <a:pt x="556" y="437"/>
+                </a:lnTo>
+                <a:lnTo>
+                  <a:pt x="585" y="427"/>
+                </a:lnTo>
+                <a:lnTo>
+                  <a:pt x="614" y="418"/>
+                </a:lnTo>
+                <a:lnTo>
+                  <a:pt x="645" y="410"/>
+                </a:lnTo>
+                <a:lnTo>
+                  <a:pt x="675" y="402"/>
+                </a:lnTo>
+                <a:lnTo>
+                  <a:pt x="705" y="393"/>
+                </a:lnTo>
+                <a:lnTo>
+                  <a:pt x="734" y="383"/>
+                </a:lnTo>
+                <a:lnTo>
+                  <a:pt x="761" y="371"/>
+                </a:lnTo>
+                <a:lnTo>
+                  <a:pt x="786" y="357"/>
+                </a:lnTo>
+                <a:lnTo>
+                  <a:pt x="808" y="339"/>
+                </a:lnTo>
+                <a:lnTo>
+                  <a:pt x="831" y="319"/>
+                </a:lnTo>
+                <a:lnTo>
+                  <a:pt x="851" y="296"/>
+                </a:lnTo>
+                <a:lnTo>
+                  <a:pt x="870" y="272"/>
+                </a:lnTo>
+                <a:lnTo>
+                  <a:pt x="889" y="247"/>
+                </a:lnTo>
+                <a:lnTo>
+                  <a:pt x="908" y="222"/>
+                </a:lnTo>
+                <a:lnTo>
+                  <a:pt x="927" y="198"/>
+                </a:lnTo>
+                <a:lnTo>
+                  <a:pt x="948" y="175"/>
+                </a:lnTo>
+                <a:lnTo>
+                  <a:pt x="969" y="155"/>
+                </a:lnTo>
+                <a:lnTo>
+                  <a:pt x="993" y="138"/>
+                </a:lnTo>
+                <a:lnTo>
+                  <a:pt x="1018" y="125"/>
+                </a:lnTo>
+                <a:lnTo>
+                  <a:pt x="1048" y="116"/>
+                </a:lnTo>
+                <a:lnTo>
+                  <a:pt x="1079" y="112"/>
+                </a:lnTo>
+                <a:lnTo>
+                  <a:pt x="1111" y="111"/>
+                </a:lnTo>
+                <a:lnTo>
+                  <a:pt x="1145" y="114"/>
+                </a:lnTo>
+                <a:lnTo>
+                  <a:pt x="1179" y="118"/>
+                </a:lnTo>
+                <a:lnTo>
+                  <a:pt x="1213" y="123"/>
+                </a:lnTo>
+                <a:lnTo>
+                  <a:pt x="1247" y="127"/>
+                </a:lnTo>
+                <a:lnTo>
+                  <a:pt x="1281" y="129"/>
+                </a:lnTo>
+                <a:lnTo>
+                  <a:pt x="1314" y="129"/>
+                </a:lnTo>
+                <a:lnTo>
+                  <a:pt x="1345" y="125"/>
+                </a:lnTo>
+                <a:lnTo>
+                  <a:pt x="1376" y="117"/>
+                </a:lnTo>
+                <a:lnTo>
+                  <a:pt x="1406" y="105"/>
+                </a:lnTo>
+                <a:lnTo>
+                  <a:pt x="1436" y="89"/>
+                </a:lnTo>
+                <a:lnTo>
+                  <a:pt x="1466" y="73"/>
+                </a:lnTo>
+                <a:lnTo>
+                  <a:pt x="1496" y="55"/>
+                </a:lnTo>
+                <a:lnTo>
+                  <a:pt x="1525" y="38"/>
+                </a:lnTo>
+                <a:lnTo>
+                  <a:pt x="1556" y="23"/>
+                </a:lnTo>
+                <a:lnTo>
+                  <a:pt x="1586" y="11"/>
+                </a:lnTo>
+                <a:lnTo>
+                  <a:pt x="1617" y="3"/>
+                </a:lnTo>
+                <a:lnTo>
+                  <a:pt x="1649" y="0"/>
+                </a:lnTo>
+                <a:close/>
+              </a:path>
+            </a:pathLst>
+          </a:custGeom>
+          <a:solidFill>
+            <a:schemeClr val="bg2"/>
+          </a:solidFill>
+          <a:ln w="0">
+            <a:noFill/>
+            <a:prstDash val="solid"/>
+            <a:round/>
+            <a:headEnd/>
+            <a:tailEnd/>
+          </a:ln>
+        </p:spPr>
+      </p:sp>
+      <p:sp>
+        <p:nvSpPr>
+          <p:cNvPr id="2" name="Title 1"/>
           <p:cNvSpPr>
             <a:spLocks noGrp="1"/>
           </p:cNvSpPr>
@@ -168,15 +1224,17 @@
         </p:nvSpPr>
         <p:spPr>
           <a:xfrm>
-            <a:off x="1524000" y="1122363"/>
-            <a:ext cx="9144000" cy="2387600"/>
+            <a:off x="1078523" y="1098388"/>
+            <a:ext cx="10318418" cy="4394988"/>
           </a:xfrm>
         </p:spPr>
         <p:txBody>
-          <a:bodyPr anchor="b"/>
+          <a:bodyPr anchor="ctr">
+            <a:noAutofit/>
+          </a:bodyPr>
           <a:lstStyle>
             <a:lvl1pPr algn="ctr">
-              <a:defRPr sz="6000"/>
+              <a:defRPr sz="10000" spc="800" baseline="0"/>
             </a:lvl1pPr>
           </a:lstStyle>
           <a:p>
@@ -184,18 +1242,13 @@
               <a:rPr lang="en-US"/>
               <a:t>Click to edit Master title style</a:t>
             </a:r>
+            <a:endParaRPr lang="en-US" dirty="0"/>
           </a:p>
         </p:txBody>
       </p:sp>
       <p:sp>
         <p:nvSpPr>
-          <p:cNvPr id="3" name="Subtitle 2">
-            <a:extLst>
-              <a:ext uri="{FF2B5EF4-FFF2-40B4-BE49-F238E27FC236}">
-                <a16:creationId xmlns:a16="http://schemas.microsoft.com/office/drawing/2014/main" id="{E90D989A-1BEC-49F1-B571-F874E1A89876}"/>
-              </a:ext>
-            </a:extLst>
-          </p:cNvPr>
+          <p:cNvPr id="3" name="Subtitle 2"/>
           <p:cNvSpPr>
             <a:spLocks noGrp="1"/>
           </p:cNvSpPr>
@@ -205,16 +1258,25 @@
         </p:nvSpPr>
         <p:spPr>
           <a:xfrm>
-            <a:off x="1524000" y="3602038"/>
-            <a:ext cx="9144000" cy="1655762"/>
+            <a:off x="2215045" y="5979196"/>
+            <a:ext cx="8045373" cy="742279"/>
           </a:xfrm>
         </p:spPr>
         <p:txBody>
-          <a:bodyPr/>
+          <a:bodyPr anchor="t">
+            <a:normAutofit/>
+          </a:bodyPr>
           <a:lstStyle>
             <a:lvl1pPr marL="0" indent="0" algn="ctr">
+              <a:lnSpc>
+                <a:spcPct val="100000"/>
+              </a:lnSpc>
               <a:buNone/>
-              <a:defRPr sz="2400"/>
+              <a:defRPr sz="2000" b="1" i="0" cap="all" spc="400" baseline="0">
+                <a:solidFill>
+                  <a:schemeClr val="tx2"/>
+                </a:solidFill>
+              </a:defRPr>
             </a:lvl1pPr>
             <a:lvl2pPr marL="457200" indent="0" algn="ctr">
               <a:buNone/>
@@ -254,18 +1316,13 @@
               <a:rPr lang="en-US"/>
               <a:t>Click to edit Master subtitle style</a:t>
             </a:r>
+            <a:endParaRPr lang="en-US" dirty="0"/>
           </a:p>
         </p:txBody>
       </p:sp>
       <p:sp>
         <p:nvSpPr>
-          <p:cNvPr id="4" name="Date Placeholder 3">
-            <a:extLst>
-              <a:ext uri="{FF2B5EF4-FFF2-40B4-BE49-F238E27FC236}">
-                <a16:creationId xmlns:a16="http://schemas.microsoft.com/office/drawing/2014/main" id="{CF3473A6-5B56-4142-990F-0B8BF67E29C8}"/>
-              </a:ext>
-            </a:extLst>
-          </p:cNvPr>
+          <p:cNvPr id="4" name="Date Placeholder 3"/>
           <p:cNvSpPr>
             <a:spLocks noGrp="1"/>
           </p:cNvSpPr>
@@ -273,14 +1330,29 @@
             <p:ph type="dt" sz="half" idx="10"/>
           </p:nvPr>
         </p:nvSpPr>
-        <p:spPr/>
+        <p:spPr>
+          <a:xfrm>
+            <a:off x="1078523" y="6375679"/>
+            <a:ext cx="2329722" cy="348462"/>
+          </a:xfrm>
+        </p:spPr>
         <p:txBody>
           <a:bodyPr/>
-          <a:lstStyle/>
+          <a:lstStyle>
+            <a:lvl1pPr>
+              <a:defRPr baseline="0">
+                <a:solidFill>
+                  <a:schemeClr val="accent1">
+                    <a:lumMod val="50000"/>
+                  </a:schemeClr>
+                </a:solidFill>
+              </a:defRPr>
+            </a:lvl1pPr>
+          </a:lstStyle>
           <a:p>
             <a:fld id="{F219F925-99BD-4AD1-A639-9652BFEDB5F5}" type="datetimeFigureOut">
               <a:rPr lang="en-US" smtClean="0"/>
-              <a:t>7/21/2018</a:t>
+              <a:t>7/23/2018</a:t>
             </a:fld>
             <a:endParaRPr lang="en-US"/>
           </a:p>
@@ -288,13 +1360,7 @@
       </p:sp>
       <p:sp>
         <p:nvSpPr>
-          <p:cNvPr id="5" name="Footer Placeholder 4">
-            <a:extLst>
-              <a:ext uri="{FF2B5EF4-FFF2-40B4-BE49-F238E27FC236}">
-                <a16:creationId xmlns:a16="http://schemas.microsoft.com/office/drawing/2014/main" id="{97FDF731-E2E0-44A0-8D9E-75971A9F3135}"/>
-              </a:ext>
-            </a:extLst>
-          </p:cNvPr>
+          <p:cNvPr id="5" name="Footer Placeholder 4"/>
           <p:cNvSpPr>
             <a:spLocks noGrp="1"/>
           </p:cNvSpPr>
@@ -302,10 +1368,25 @@
             <p:ph type="ftr" sz="quarter" idx="11"/>
           </p:nvPr>
         </p:nvSpPr>
-        <p:spPr/>
+        <p:spPr>
+          <a:xfrm>
+            <a:off x="4180332" y="6375679"/>
+            <a:ext cx="4114800" cy="345796"/>
+          </a:xfrm>
+        </p:spPr>
         <p:txBody>
           <a:bodyPr/>
-          <a:lstStyle/>
+          <a:lstStyle>
+            <a:lvl1pPr>
+              <a:defRPr baseline="0">
+                <a:solidFill>
+                  <a:schemeClr val="accent1">
+                    <a:lumMod val="50000"/>
+                  </a:schemeClr>
+                </a:solidFill>
+              </a:defRPr>
+            </a:lvl1pPr>
+          </a:lstStyle>
           <a:p>
             <a:endParaRPr lang="en-US"/>
           </a:p>
@@ -313,13 +1394,7 @@
       </p:sp>
       <p:sp>
         <p:nvSpPr>
-          <p:cNvPr id="6" name="Slide Number Placeholder 5">
-            <a:extLst>
-              <a:ext uri="{FF2B5EF4-FFF2-40B4-BE49-F238E27FC236}">
-                <a16:creationId xmlns:a16="http://schemas.microsoft.com/office/drawing/2014/main" id="{BB2B380A-CF2F-4A1D-9441-FF82DDF996CA}"/>
-              </a:ext>
-            </a:extLst>
-          </p:cNvPr>
+          <p:cNvPr id="6" name="Slide Number Placeholder 5"/>
           <p:cNvSpPr>
             <a:spLocks noGrp="1"/>
           </p:cNvSpPr>
@@ -327,10 +1402,25 @@
             <p:ph type="sldNum" sz="quarter" idx="12"/>
           </p:nvPr>
         </p:nvSpPr>
-        <p:spPr/>
+        <p:spPr>
+          <a:xfrm>
+            <a:off x="9067218" y="6375679"/>
+            <a:ext cx="2329723" cy="345796"/>
+          </a:xfrm>
+        </p:spPr>
         <p:txBody>
           <a:bodyPr/>
-          <a:lstStyle/>
+          <a:lstStyle>
+            <a:lvl1pPr>
+              <a:defRPr baseline="0">
+                <a:solidFill>
+                  <a:schemeClr val="accent1">
+                    <a:lumMod val="50000"/>
+                  </a:schemeClr>
+                </a:solidFill>
+              </a:defRPr>
+            </a:lvl1pPr>
+          </a:lstStyle>
           <a:p>
             <a:fld id="{D930FE8B-C31B-44CE-8A34-C56E772B7907}" type="slidenum">
               <a:rPr lang="en-US" smtClean="0"/>
@@ -340,10 +1430,48 @@
           </a:p>
         </p:txBody>
       </p:sp>
+      <p:sp>
+        <p:nvSpPr>
+          <p:cNvPr id="13" name="Rectangle 12" title="left edge border"/>
+          <p:cNvSpPr/>
+          <p:nvPr/>
+        </p:nvSpPr>
+        <p:spPr>
+          <a:xfrm>
+            <a:off x="0" y="0"/>
+            <a:ext cx="283464" cy="6858000"/>
+          </a:xfrm>
+          <a:prstGeom prst="rect">
+            <a:avLst/>
+          </a:prstGeom>
+          <a:solidFill>
+            <a:schemeClr val="tx2"/>
+          </a:solidFill>
+          <a:ln>
+            <a:noFill/>
+          </a:ln>
+        </p:spPr>
+        <p:style>
+          <a:lnRef idx="2">
+            <a:schemeClr val="accent1">
+              <a:shade val="50000"/>
+            </a:schemeClr>
+          </a:lnRef>
+          <a:fillRef idx="1">
+            <a:schemeClr val="accent1"/>
+          </a:fillRef>
+          <a:effectRef idx="0">
+            <a:schemeClr val="accent1"/>
+          </a:effectRef>
+          <a:fontRef idx="minor">
+            <a:schemeClr val="lt1"/>
+          </a:fontRef>
+        </p:style>
+      </p:sp>
     </p:spTree>
     <p:extLst>
       <p:ext uri="{BB962C8B-B14F-4D97-AF65-F5344CB8AC3E}">
-        <p14:creationId xmlns:p14="http://schemas.microsoft.com/office/powerpoint/2010/main" val="4271470899"/>
+        <p14:creationId xmlns:p14="http://schemas.microsoft.com/office/powerpoint/2010/main" val="46287987"/>
       </p:ext>
     </p:extLst>
   </p:cSld>
@@ -372,13 +1500,7 @@
       </p:grpSpPr>
       <p:sp>
         <p:nvSpPr>
-          <p:cNvPr id="2" name="Title 1">
-            <a:extLst>
-              <a:ext uri="{FF2B5EF4-FFF2-40B4-BE49-F238E27FC236}">
-                <a16:creationId xmlns:a16="http://schemas.microsoft.com/office/drawing/2014/main" id="{CED35DB0-FBBB-4050-A24D-C7A2ABC014A7}"/>
-              </a:ext>
-            </a:extLst>
-          </p:cNvPr>
+          <p:cNvPr id="2" name="Title 1"/>
           <p:cNvSpPr>
             <a:spLocks noGrp="1"/>
           </p:cNvSpPr>
@@ -395,18 +1517,13 @@
               <a:rPr lang="en-US"/>
               <a:t>Click to edit Master title style</a:t>
             </a:r>
+            <a:endParaRPr lang="en-US" dirty="0"/>
           </a:p>
         </p:txBody>
       </p:sp>
       <p:sp>
         <p:nvSpPr>
-          <p:cNvPr id="3" name="Vertical Text Placeholder 2">
-            <a:extLst>
-              <a:ext uri="{FF2B5EF4-FFF2-40B4-BE49-F238E27FC236}">
-                <a16:creationId xmlns:a16="http://schemas.microsoft.com/office/drawing/2014/main" id="{1F70D550-43A0-4DD7-BBE7-31CCF2AABD66}"/>
-              </a:ext>
-            </a:extLst>
-          </p:cNvPr>
+          <p:cNvPr id="3" name="Vertical Text Placeholder 2"/>
           <p:cNvSpPr>
             <a:spLocks noGrp="1"/>
           </p:cNvSpPr>
@@ -452,18 +1569,13 @@
               <a:rPr lang="en-US"/>
               <a:t>Fifth level</a:t>
             </a:r>
+            <a:endParaRPr lang="en-US" dirty="0"/>
           </a:p>
         </p:txBody>
       </p:sp>
       <p:sp>
         <p:nvSpPr>
-          <p:cNvPr id="4" name="Date Placeholder 3">
-            <a:extLst>
-              <a:ext uri="{FF2B5EF4-FFF2-40B4-BE49-F238E27FC236}">
-                <a16:creationId xmlns:a16="http://schemas.microsoft.com/office/drawing/2014/main" id="{77A46C20-6984-464E-BDB0-9717B4522106}"/>
-              </a:ext>
-            </a:extLst>
-          </p:cNvPr>
+          <p:cNvPr id="4" name="Date Placeholder 3"/>
           <p:cNvSpPr>
             <a:spLocks noGrp="1"/>
           </p:cNvSpPr>
@@ -478,7 +1590,7 @@
           <a:p>
             <a:fld id="{F219F925-99BD-4AD1-A639-9652BFEDB5F5}" type="datetimeFigureOut">
               <a:rPr lang="en-US" smtClean="0"/>
-              <a:t>7/21/2018</a:t>
+              <a:t>7/23/2018</a:t>
             </a:fld>
             <a:endParaRPr lang="en-US"/>
           </a:p>
@@ -486,13 +1598,7 @@
       </p:sp>
       <p:sp>
         <p:nvSpPr>
-          <p:cNvPr id="5" name="Footer Placeholder 4">
-            <a:extLst>
-              <a:ext uri="{FF2B5EF4-FFF2-40B4-BE49-F238E27FC236}">
-                <a16:creationId xmlns:a16="http://schemas.microsoft.com/office/drawing/2014/main" id="{EC216372-809B-494F-9907-3C4565240A56}"/>
-              </a:ext>
-            </a:extLst>
-          </p:cNvPr>
+          <p:cNvPr id="5" name="Footer Placeholder 4"/>
           <p:cNvSpPr>
             <a:spLocks noGrp="1"/>
           </p:cNvSpPr>
@@ -511,13 +1617,7 @@
       </p:sp>
       <p:sp>
         <p:nvSpPr>
-          <p:cNvPr id="6" name="Slide Number Placeholder 5">
-            <a:extLst>
-              <a:ext uri="{FF2B5EF4-FFF2-40B4-BE49-F238E27FC236}">
-                <a16:creationId xmlns:a16="http://schemas.microsoft.com/office/drawing/2014/main" id="{B41668B0-2714-4D2F-ABF7-6BD5E57B83B5}"/>
-              </a:ext>
-            </a:extLst>
-          </p:cNvPr>
+          <p:cNvPr id="6" name="Slide Number Placeholder 5"/>
           <p:cNvSpPr>
             <a:spLocks noGrp="1"/>
           </p:cNvSpPr>
@@ -541,7 +1641,7 @@
     </p:spTree>
     <p:extLst>
       <p:ext uri="{BB962C8B-B14F-4D97-AF65-F5344CB8AC3E}">
-        <p14:creationId xmlns:p14="http://schemas.microsoft.com/office/powerpoint/2010/main" val="3362878943"/>
+        <p14:creationId xmlns:p14="http://schemas.microsoft.com/office/powerpoint/2010/main" val="3650364435"/>
       </p:ext>
     </p:extLst>
   </p:cSld>
@@ -570,13 +1670,7 @@
       </p:grpSpPr>
       <p:sp>
         <p:nvSpPr>
-          <p:cNvPr id="2" name="Vertical Title 1">
-            <a:extLst>
-              <a:ext uri="{FF2B5EF4-FFF2-40B4-BE49-F238E27FC236}">
-                <a16:creationId xmlns:a16="http://schemas.microsoft.com/office/drawing/2014/main" id="{7555D6E0-015A-4D74-822E-6F0EF611CD09}"/>
-              </a:ext>
-            </a:extLst>
-          </p:cNvPr>
+          <p:cNvPr id="2" name="Vertical Title 1"/>
           <p:cNvSpPr>
             <a:spLocks noGrp="1"/>
           </p:cNvSpPr>
@@ -586,8 +1680,8 @@
         </p:nvSpPr>
         <p:spPr>
           <a:xfrm>
-            <a:off x="8724900" y="365125"/>
-            <a:ext cx="2628900" cy="5811838"/>
+            <a:off x="10066321" y="382386"/>
+            <a:ext cx="1492132" cy="5600404"/>
           </a:xfrm>
         </p:spPr>
         <p:txBody>
@@ -598,18 +1692,13 @@
               <a:rPr lang="en-US"/>
               <a:t>Click to edit Master title style</a:t>
             </a:r>
+            <a:endParaRPr lang="en-US" dirty="0"/>
           </a:p>
         </p:txBody>
       </p:sp>
       <p:sp>
         <p:nvSpPr>
-          <p:cNvPr id="3" name="Vertical Text Placeholder 2">
-            <a:extLst>
-              <a:ext uri="{FF2B5EF4-FFF2-40B4-BE49-F238E27FC236}">
-                <a16:creationId xmlns:a16="http://schemas.microsoft.com/office/drawing/2014/main" id="{282E2FB1-1798-4723-BDAB-674E69967F96}"/>
-              </a:ext>
-            </a:extLst>
-          </p:cNvPr>
+          <p:cNvPr id="3" name="Vertical Text Placeholder 2"/>
           <p:cNvSpPr>
             <a:spLocks noGrp="1"/>
           </p:cNvSpPr>
@@ -619,8 +1708,8 @@
         </p:nvSpPr>
         <p:spPr>
           <a:xfrm>
-            <a:off x="838200" y="365125"/>
-            <a:ext cx="7734300" cy="5811838"/>
+            <a:off x="1257300" y="382385"/>
+            <a:ext cx="8392585" cy="5600405"/>
           </a:xfrm>
         </p:spPr>
         <p:txBody>
@@ -660,18 +1749,13 @@
               <a:rPr lang="en-US"/>
               <a:t>Fifth level</a:t>
             </a:r>
+            <a:endParaRPr lang="en-US" dirty="0"/>
           </a:p>
         </p:txBody>
       </p:sp>
       <p:sp>
         <p:nvSpPr>
-          <p:cNvPr id="4" name="Date Placeholder 3">
-            <a:extLst>
-              <a:ext uri="{FF2B5EF4-FFF2-40B4-BE49-F238E27FC236}">
-                <a16:creationId xmlns:a16="http://schemas.microsoft.com/office/drawing/2014/main" id="{EB351D84-12E9-4D34-894E-18F993E4686F}"/>
-              </a:ext>
-            </a:extLst>
-          </p:cNvPr>
+          <p:cNvPr id="4" name="Date Placeholder 3"/>
           <p:cNvSpPr>
             <a:spLocks noGrp="1"/>
           </p:cNvSpPr>
@@ -686,7 +1770,7 @@
           <a:p>
             <a:fld id="{F219F925-99BD-4AD1-A639-9652BFEDB5F5}" type="datetimeFigureOut">
               <a:rPr lang="en-US" smtClean="0"/>
-              <a:t>7/21/2018</a:t>
+              <a:t>7/23/2018</a:t>
             </a:fld>
             <a:endParaRPr lang="en-US"/>
           </a:p>
@@ -694,13 +1778,7 @@
       </p:sp>
       <p:sp>
         <p:nvSpPr>
-          <p:cNvPr id="5" name="Footer Placeholder 4">
-            <a:extLst>
-              <a:ext uri="{FF2B5EF4-FFF2-40B4-BE49-F238E27FC236}">
-                <a16:creationId xmlns:a16="http://schemas.microsoft.com/office/drawing/2014/main" id="{AE8701D8-5468-4220-91C5-BFCE14D99F4A}"/>
-              </a:ext>
-            </a:extLst>
-          </p:cNvPr>
+          <p:cNvPr id="5" name="Footer Placeholder 4"/>
           <p:cNvSpPr>
             <a:spLocks noGrp="1"/>
           </p:cNvSpPr>
@@ -719,13 +1797,7 @@
       </p:sp>
       <p:sp>
         <p:nvSpPr>
-          <p:cNvPr id="6" name="Slide Number Placeholder 5">
-            <a:extLst>
-              <a:ext uri="{FF2B5EF4-FFF2-40B4-BE49-F238E27FC236}">
-                <a16:creationId xmlns:a16="http://schemas.microsoft.com/office/drawing/2014/main" id="{59F57B46-E5D3-4E91-894E-5A1DF301F40A}"/>
-              </a:ext>
-            </a:extLst>
-          </p:cNvPr>
+          <p:cNvPr id="6" name="Slide Number Placeholder 5"/>
           <p:cNvSpPr>
             <a:spLocks noGrp="1"/>
           </p:cNvSpPr>
@@ -749,7 +1821,7 @@
     </p:spTree>
     <p:extLst>
       <p:ext uri="{BB962C8B-B14F-4D97-AF65-F5344CB8AC3E}">
-        <p14:creationId xmlns:p14="http://schemas.microsoft.com/office/powerpoint/2010/main" val="1029776278"/>
+        <p14:creationId xmlns:p14="http://schemas.microsoft.com/office/powerpoint/2010/main" val="1767519461"/>
       </p:ext>
     </p:extLst>
   </p:cSld>
@@ -778,13 +1850,7 @@
       </p:grpSpPr>
       <p:sp>
         <p:nvSpPr>
-          <p:cNvPr id="2" name="Title 1">
-            <a:extLst>
-              <a:ext uri="{FF2B5EF4-FFF2-40B4-BE49-F238E27FC236}">
-                <a16:creationId xmlns:a16="http://schemas.microsoft.com/office/drawing/2014/main" id="{49FBAE2F-D04B-4D4A-BB12-CEAA29723392}"/>
-              </a:ext>
-            </a:extLst>
-          </p:cNvPr>
+          <p:cNvPr id="2" name="Title 1"/>
           <p:cNvSpPr>
             <a:spLocks noGrp="1"/>
           </p:cNvSpPr>
@@ -801,18 +1867,13 @@
               <a:rPr lang="en-US"/>
               <a:t>Click to edit Master title style</a:t>
             </a:r>
+            <a:endParaRPr lang="en-US" dirty="0"/>
           </a:p>
         </p:txBody>
       </p:sp>
       <p:sp>
         <p:nvSpPr>
-          <p:cNvPr id="3" name="Content Placeholder 2">
-            <a:extLst>
-              <a:ext uri="{FF2B5EF4-FFF2-40B4-BE49-F238E27FC236}">
-                <a16:creationId xmlns:a16="http://schemas.microsoft.com/office/drawing/2014/main" id="{3ADF34D1-7DEE-4C96-8DA3-50C706026807}"/>
-              </a:ext>
-            </a:extLst>
-          </p:cNvPr>
+          <p:cNvPr id="3" name="Content Placeholder 2"/>
           <p:cNvSpPr>
             <a:spLocks noGrp="1"/>
           </p:cNvSpPr>
@@ -858,18 +1919,13 @@
               <a:rPr lang="en-US"/>
               <a:t>Fifth level</a:t>
             </a:r>
+            <a:endParaRPr lang="en-US" dirty="0"/>
           </a:p>
         </p:txBody>
       </p:sp>
       <p:sp>
         <p:nvSpPr>
-          <p:cNvPr id="4" name="Date Placeholder 3">
-            <a:extLst>
-              <a:ext uri="{FF2B5EF4-FFF2-40B4-BE49-F238E27FC236}">
-                <a16:creationId xmlns:a16="http://schemas.microsoft.com/office/drawing/2014/main" id="{3C964F4B-DE59-45A1-A61C-32DD8F0EEBC9}"/>
-              </a:ext>
-            </a:extLst>
-          </p:cNvPr>
+          <p:cNvPr id="4" name="Date Placeholder 3"/>
           <p:cNvSpPr>
             <a:spLocks noGrp="1"/>
           </p:cNvSpPr>
@@ -884,7 +1940,7 @@
           <a:p>
             <a:fld id="{F219F925-99BD-4AD1-A639-9652BFEDB5F5}" type="datetimeFigureOut">
               <a:rPr lang="en-US" smtClean="0"/>
-              <a:t>7/21/2018</a:t>
+              <a:t>7/23/2018</a:t>
             </a:fld>
             <a:endParaRPr lang="en-US"/>
           </a:p>
@@ -892,13 +1948,7 @@
       </p:sp>
       <p:sp>
         <p:nvSpPr>
-          <p:cNvPr id="5" name="Footer Placeholder 4">
-            <a:extLst>
-              <a:ext uri="{FF2B5EF4-FFF2-40B4-BE49-F238E27FC236}">
-                <a16:creationId xmlns:a16="http://schemas.microsoft.com/office/drawing/2014/main" id="{8204079E-EEE4-49A3-B5EC-23E3C59BD946}"/>
-              </a:ext>
-            </a:extLst>
-          </p:cNvPr>
+          <p:cNvPr id="5" name="Footer Placeholder 4"/>
           <p:cNvSpPr>
             <a:spLocks noGrp="1"/>
           </p:cNvSpPr>
@@ -917,13 +1967,7 @@
       </p:sp>
       <p:sp>
         <p:nvSpPr>
-          <p:cNvPr id="6" name="Slide Number Placeholder 5">
-            <a:extLst>
-              <a:ext uri="{FF2B5EF4-FFF2-40B4-BE49-F238E27FC236}">
-                <a16:creationId xmlns:a16="http://schemas.microsoft.com/office/drawing/2014/main" id="{67A5881A-34D0-4EED-89F8-37D581E5A60F}"/>
-              </a:ext>
-            </a:extLst>
-          </p:cNvPr>
+          <p:cNvPr id="6" name="Slide Number Placeholder 5"/>
           <p:cNvSpPr>
             <a:spLocks noGrp="1"/>
           </p:cNvSpPr>
@@ -947,7 +1991,7 @@
     </p:spTree>
     <p:extLst>
       <p:ext uri="{BB962C8B-B14F-4D97-AF65-F5344CB8AC3E}">
-        <p14:creationId xmlns:p14="http://schemas.microsoft.com/office/powerpoint/2010/main" val="1589656259"/>
+        <p14:creationId xmlns:p14="http://schemas.microsoft.com/office/powerpoint/2010/main" val="1348256998"/>
       </p:ext>
     </p:extLst>
   </p:cSld>
@@ -958,8 +2002,16 @@
 </file>
 
 <file path=ppt/slideLayouts/slideLayout3.xml><?xml version="1.0" encoding="utf-8"?>
-<p:sldLayout xmlns:a="http://schemas.openxmlformats.org/drawingml/2006/main" xmlns:r="http://schemas.openxmlformats.org/officeDocument/2006/relationships" xmlns:p="http://schemas.openxmlformats.org/presentationml/2006/main" type="secHead" preserve="1">
+<p:sldLayout xmlns:a="http://schemas.openxmlformats.org/drawingml/2006/main" xmlns:r="http://schemas.openxmlformats.org/officeDocument/2006/relationships" xmlns:p="http://schemas.openxmlformats.org/presentationml/2006/main" showMasterSp="0" type="secHead" preserve="1">
   <p:cSld name="Section Header">
+    <p:bg>
+      <p:bgPr>
+        <a:solidFill>
+          <a:schemeClr val="bg2"/>
+        </a:solidFill>
+        <a:effectLst/>
+      </p:bgPr>
+    </p:bg>
     <p:spTree>
       <p:nvGrpSpPr>
         <p:cNvPr id="1" name=""/>
@@ -976,13 +2028,7 @@
       </p:grpSpPr>
       <p:sp>
         <p:nvSpPr>
-          <p:cNvPr id="2" name="Title 1">
-            <a:extLst>
-              <a:ext uri="{FF2B5EF4-FFF2-40B4-BE49-F238E27FC236}">
-                <a16:creationId xmlns:a16="http://schemas.microsoft.com/office/drawing/2014/main" id="{37717DD1-A2B4-4C9D-84C1-ADE51D526EF9}"/>
-              </a:ext>
-            </a:extLst>
-          </p:cNvPr>
+          <p:cNvPr id="2" name="Title 1"/>
           <p:cNvSpPr>
             <a:spLocks noGrp="1"/>
           </p:cNvSpPr>
@@ -992,15 +2038,21 @@
         </p:nvSpPr>
         <p:spPr>
           <a:xfrm>
-            <a:off x="831850" y="1709738"/>
-            <a:ext cx="10515600" cy="2852737"/>
+            <a:off x="3242929" y="1073888"/>
+            <a:ext cx="8187071" cy="4064627"/>
           </a:xfrm>
         </p:spPr>
         <p:txBody>
-          <a:bodyPr anchor="b"/>
+          <a:bodyPr anchor="b">
+            <a:normAutofit/>
+          </a:bodyPr>
           <a:lstStyle>
             <a:lvl1pPr>
-              <a:defRPr sz="6000"/>
+              <a:defRPr sz="8400" spc="800" baseline="0">
+                <a:solidFill>
+                  <a:schemeClr val="tx2"/>
+                </a:solidFill>
+              </a:defRPr>
             </a:lvl1pPr>
           </a:lstStyle>
           <a:p>
@@ -1008,18 +2060,13 @@
               <a:rPr lang="en-US"/>
               <a:t>Click to edit Master title style</a:t>
             </a:r>
+            <a:endParaRPr lang="en-US" dirty="0"/>
           </a:p>
         </p:txBody>
       </p:sp>
       <p:sp>
         <p:nvSpPr>
-          <p:cNvPr id="3" name="Text Placeholder 2">
-            <a:extLst>
-              <a:ext uri="{FF2B5EF4-FFF2-40B4-BE49-F238E27FC236}">
-                <a16:creationId xmlns:a16="http://schemas.microsoft.com/office/drawing/2014/main" id="{DF61AC68-F9E6-4A73-B720-45981E5D9939}"/>
-              </a:ext>
-            </a:extLst>
-          </p:cNvPr>
+          <p:cNvPr id="3" name="Text Placeholder 2"/>
           <p:cNvSpPr>
             <a:spLocks noGrp="1"/>
           </p:cNvSpPr>
@@ -1029,20 +2076,23 @@
         </p:nvSpPr>
         <p:spPr>
           <a:xfrm>
-            <a:off x="831850" y="4589463"/>
-            <a:ext cx="10515600" cy="1500187"/>
+            <a:off x="3242930" y="5159781"/>
+            <a:ext cx="7017488" cy="951135"/>
           </a:xfrm>
         </p:spPr>
         <p:txBody>
-          <a:bodyPr/>
+          <a:bodyPr>
+            <a:normAutofit/>
+          </a:bodyPr>
           <a:lstStyle>
             <a:lvl1pPr marL="0" indent="0">
+              <a:lnSpc>
+                <a:spcPct val="100000"/>
+              </a:lnSpc>
               <a:buNone/>
-              <a:defRPr sz="2400">
+              <a:defRPr sz="2000" b="1" i="0" cap="all" spc="400" baseline="0">
                 <a:solidFill>
-                  <a:schemeClr val="tx1">
-                    <a:tint val="75000"/>
-                  </a:schemeClr>
+                  <a:schemeClr val="accent1"/>
                 </a:solidFill>
               </a:defRPr>
             </a:lvl1pPr>
@@ -1138,13 +2188,7 @@
       </p:sp>
       <p:sp>
         <p:nvSpPr>
-          <p:cNvPr id="4" name="Date Placeholder 3">
-            <a:extLst>
-              <a:ext uri="{FF2B5EF4-FFF2-40B4-BE49-F238E27FC236}">
-                <a16:creationId xmlns:a16="http://schemas.microsoft.com/office/drawing/2014/main" id="{FE88FF69-9D4E-4A44-B6A0-A81A090CE8F1}"/>
-              </a:ext>
-            </a:extLst>
-          </p:cNvPr>
+          <p:cNvPr id="4" name="Date Placeholder 3"/>
           <p:cNvSpPr>
             <a:spLocks noGrp="1"/>
           </p:cNvSpPr>
@@ -1152,14 +2196,27 @@
             <p:ph type="dt" sz="half" idx="10"/>
           </p:nvPr>
         </p:nvSpPr>
-        <p:spPr/>
+        <p:spPr>
+          <a:xfrm>
+            <a:off x="3236546" y="6375679"/>
+            <a:ext cx="1493947" cy="348462"/>
+          </a:xfrm>
+        </p:spPr>
         <p:txBody>
           <a:bodyPr/>
-          <a:lstStyle/>
+          <a:lstStyle>
+            <a:lvl1pPr>
+              <a:defRPr baseline="0">
+                <a:solidFill>
+                  <a:schemeClr val="tx2"/>
+                </a:solidFill>
+              </a:defRPr>
+            </a:lvl1pPr>
+          </a:lstStyle>
           <a:p>
             <a:fld id="{F219F925-99BD-4AD1-A639-9652BFEDB5F5}" type="datetimeFigureOut">
               <a:rPr lang="en-US" smtClean="0"/>
-              <a:t>7/21/2018</a:t>
+              <a:t>7/23/2018</a:t>
             </a:fld>
             <a:endParaRPr lang="en-US"/>
           </a:p>
@@ -1167,13 +2224,7 @@
       </p:sp>
       <p:sp>
         <p:nvSpPr>
-          <p:cNvPr id="5" name="Footer Placeholder 4">
-            <a:extLst>
-              <a:ext uri="{FF2B5EF4-FFF2-40B4-BE49-F238E27FC236}">
-                <a16:creationId xmlns:a16="http://schemas.microsoft.com/office/drawing/2014/main" id="{1ACAD2A8-E306-4F88-B8A4-E56933586A81}"/>
-              </a:ext>
-            </a:extLst>
-          </p:cNvPr>
+          <p:cNvPr id="5" name="Footer Placeholder 4"/>
           <p:cNvSpPr>
             <a:spLocks noGrp="1"/>
           </p:cNvSpPr>
@@ -1181,10 +2232,23 @@
             <p:ph type="ftr" sz="quarter" idx="11"/>
           </p:nvPr>
         </p:nvSpPr>
-        <p:spPr/>
+        <p:spPr>
+          <a:xfrm>
+            <a:off x="5279064" y="6375679"/>
+            <a:ext cx="4114800" cy="345796"/>
+          </a:xfrm>
+        </p:spPr>
         <p:txBody>
           <a:bodyPr/>
-          <a:lstStyle/>
+          <a:lstStyle>
+            <a:lvl1pPr>
+              <a:defRPr baseline="0">
+                <a:solidFill>
+                  <a:schemeClr val="tx2"/>
+                </a:solidFill>
+              </a:defRPr>
+            </a:lvl1pPr>
+          </a:lstStyle>
           <a:p>
             <a:endParaRPr lang="en-US"/>
           </a:p>
@@ -1192,13 +2256,7 @@
       </p:sp>
       <p:sp>
         <p:nvSpPr>
-          <p:cNvPr id="6" name="Slide Number Placeholder 5">
-            <a:extLst>
-              <a:ext uri="{FF2B5EF4-FFF2-40B4-BE49-F238E27FC236}">
-                <a16:creationId xmlns:a16="http://schemas.microsoft.com/office/drawing/2014/main" id="{27E6644E-8220-4250-B3A6-01F0B4C68737}"/>
-              </a:ext>
-            </a:extLst>
-          </p:cNvPr>
+          <p:cNvPr id="6" name="Slide Number Placeholder 5"/>
           <p:cNvSpPr>
             <a:spLocks noGrp="1"/>
           </p:cNvSpPr>
@@ -1206,10 +2264,23 @@
             <p:ph type="sldNum" sz="quarter" idx="12"/>
           </p:nvPr>
         </p:nvSpPr>
-        <p:spPr/>
+        <p:spPr>
+          <a:xfrm>
+            <a:off x="9942434" y="6375679"/>
+            <a:ext cx="1487566" cy="345796"/>
+          </a:xfrm>
+        </p:spPr>
         <p:txBody>
           <a:bodyPr/>
-          <a:lstStyle/>
+          <a:lstStyle>
+            <a:lvl1pPr>
+              <a:defRPr baseline="0">
+                <a:solidFill>
+                  <a:schemeClr val="tx2"/>
+                </a:solidFill>
+              </a:defRPr>
+            </a:lvl1pPr>
+          </a:lstStyle>
           <a:p>
             <a:fld id="{D930FE8B-C31B-44CE-8A34-C56E772B7907}" type="slidenum">
               <a:rPr lang="en-US" smtClean="0"/>
@@ -1219,15 +2290,958 @@
           </a:p>
         </p:txBody>
       </p:sp>
+      <p:grpSp>
+        <p:nvGrpSpPr>
+          <p:cNvPr id="7" name="Group 6" title="left scallop shape"/>
+          <p:cNvGrpSpPr/>
+          <p:nvPr/>
+        </p:nvGrpSpPr>
+        <p:grpSpPr>
+          <a:xfrm>
+            <a:off x="0" y="0"/>
+            <a:ext cx="2814638" cy="6858000"/>
+            <a:chOff x="0" y="0"/>
+            <a:chExt cx="2814638" cy="6858000"/>
+          </a:xfrm>
+        </p:grpSpPr>
+        <p:sp>
+          <p:nvSpPr>
+            <p:cNvPr id="11" name="Freeform 6" title="left scallop shape"/>
+            <p:cNvSpPr/>
+            <p:nvPr/>
+          </p:nvSpPr>
+          <p:spPr bwMode="auto">
+            <a:xfrm>
+              <a:off x="0" y="0"/>
+              <a:ext cx="2814638" cy="6858000"/>
+            </a:xfrm>
+            <a:custGeom>
+              <a:avLst/>
+              <a:gdLst/>
+              <a:ahLst/>
+              <a:cxnLst/>
+              <a:rect l="0" t="0" r="r" b="b"/>
+              <a:pathLst>
+                <a:path w="1773" h="4320">
+                  <a:moveTo>
+                    <a:pt x="0" y="0"/>
+                  </a:moveTo>
+                  <a:lnTo>
+                    <a:pt x="891" y="0"/>
+                  </a:lnTo>
+                  <a:lnTo>
+                    <a:pt x="906" y="56"/>
+                  </a:lnTo>
+                  <a:lnTo>
+                    <a:pt x="921" y="111"/>
+                  </a:lnTo>
+                  <a:lnTo>
+                    <a:pt x="938" y="165"/>
+                  </a:lnTo>
+                  <a:lnTo>
+                    <a:pt x="957" y="217"/>
+                  </a:lnTo>
+                  <a:lnTo>
+                    <a:pt x="980" y="266"/>
+                  </a:lnTo>
+                  <a:lnTo>
+                    <a:pt x="1007" y="312"/>
+                  </a:lnTo>
+                  <a:lnTo>
+                    <a:pt x="1036" y="351"/>
+                  </a:lnTo>
+                  <a:lnTo>
+                    <a:pt x="1069" y="387"/>
+                  </a:lnTo>
+                  <a:lnTo>
+                    <a:pt x="1105" y="422"/>
+                  </a:lnTo>
+                  <a:lnTo>
+                    <a:pt x="1145" y="456"/>
+                  </a:lnTo>
+                  <a:lnTo>
+                    <a:pt x="1185" y="487"/>
+                  </a:lnTo>
+                  <a:lnTo>
+                    <a:pt x="1227" y="520"/>
+                  </a:lnTo>
+                  <a:lnTo>
+                    <a:pt x="1270" y="551"/>
+                  </a:lnTo>
+                  <a:lnTo>
+                    <a:pt x="1311" y="584"/>
+                  </a:lnTo>
+                  <a:lnTo>
+                    <a:pt x="1352" y="617"/>
+                  </a:lnTo>
+                  <a:lnTo>
+                    <a:pt x="1390" y="651"/>
+                  </a:lnTo>
+                  <a:lnTo>
+                    <a:pt x="1425" y="687"/>
+                  </a:lnTo>
+                  <a:lnTo>
+                    <a:pt x="1456" y="725"/>
+                  </a:lnTo>
+                  <a:lnTo>
+                    <a:pt x="1484" y="765"/>
+                  </a:lnTo>
+                  <a:lnTo>
+                    <a:pt x="1505" y="808"/>
+                  </a:lnTo>
+                  <a:lnTo>
+                    <a:pt x="1521" y="856"/>
+                  </a:lnTo>
+                  <a:lnTo>
+                    <a:pt x="1530" y="907"/>
+                  </a:lnTo>
+                  <a:lnTo>
+                    <a:pt x="1534" y="960"/>
+                  </a:lnTo>
+                  <a:lnTo>
+                    <a:pt x="1534" y="1013"/>
+                  </a:lnTo>
+                  <a:lnTo>
+                    <a:pt x="1530" y="1068"/>
+                  </a:lnTo>
+                  <a:lnTo>
+                    <a:pt x="1523" y="1125"/>
+                  </a:lnTo>
+                  <a:lnTo>
+                    <a:pt x="1515" y="1181"/>
+                  </a:lnTo>
+                  <a:lnTo>
+                    <a:pt x="1508" y="1237"/>
+                  </a:lnTo>
+                  <a:lnTo>
+                    <a:pt x="1501" y="1293"/>
+                  </a:lnTo>
+                  <a:lnTo>
+                    <a:pt x="1496" y="1350"/>
+                  </a:lnTo>
+                  <a:lnTo>
+                    <a:pt x="1494" y="1405"/>
+                  </a:lnTo>
+                  <a:lnTo>
+                    <a:pt x="1497" y="1458"/>
+                  </a:lnTo>
+                  <a:lnTo>
+                    <a:pt x="1504" y="1511"/>
+                  </a:lnTo>
+                  <a:lnTo>
+                    <a:pt x="1517" y="1560"/>
+                  </a:lnTo>
+                  <a:lnTo>
+                    <a:pt x="1535" y="1610"/>
+                  </a:lnTo>
+                  <a:lnTo>
+                    <a:pt x="1557" y="1659"/>
+                  </a:lnTo>
+                  <a:lnTo>
+                    <a:pt x="1583" y="1708"/>
+                  </a:lnTo>
+                  <a:lnTo>
+                    <a:pt x="1611" y="1757"/>
+                  </a:lnTo>
+                  <a:lnTo>
+                    <a:pt x="1640" y="1807"/>
+                  </a:lnTo>
+                  <a:lnTo>
+                    <a:pt x="1669" y="1855"/>
+                  </a:lnTo>
+                  <a:lnTo>
+                    <a:pt x="1696" y="1905"/>
+                  </a:lnTo>
+                  <a:lnTo>
+                    <a:pt x="1721" y="1954"/>
+                  </a:lnTo>
+                  <a:lnTo>
+                    <a:pt x="1742" y="2006"/>
+                  </a:lnTo>
+                  <a:lnTo>
+                    <a:pt x="1759" y="2057"/>
+                  </a:lnTo>
+                  <a:lnTo>
+                    <a:pt x="1769" y="2108"/>
+                  </a:lnTo>
+                  <a:lnTo>
+                    <a:pt x="1773" y="2160"/>
+                  </a:lnTo>
+                  <a:lnTo>
+                    <a:pt x="1769" y="2212"/>
+                  </a:lnTo>
+                  <a:lnTo>
+                    <a:pt x="1759" y="2263"/>
+                  </a:lnTo>
+                  <a:lnTo>
+                    <a:pt x="1742" y="2314"/>
+                  </a:lnTo>
+                  <a:lnTo>
+                    <a:pt x="1721" y="2366"/>
+                  </a:lnTo>
+                  <a:lnTo>
+                    <a:pt x="1696" y="2415"/>
+                  </a:lnTo>
+                  <a:lnTo>
+                    <a:pt x="1669" y="2465"/>
+                  </a:lnTo>
+                  <a:lnTo>
+                    <a:pt x="1640" y="2513"/>
+                  </a:lnTo>
+                  <a:lnTo>
+                    <a:pt x="1611" y="2563"/>
+                  </a:lnTo>
+                  <a:lnTo>
+                    <a:pt x="1583" y="2612"/>
+                  </a:lnTo>
+                  <a:lnTo>
+                    <a:pt x="1557" y="2661"/>
+                  </a:lnTo>
+                  <a:lnTo>
+                    <a:pt x="1535" y="2710"/>
+                  </a:lnTo>
+                  <a:lnTo>
+                    <a:pt x="1517" y="2760"/>
+                  </a:lnTo>
+                  <a:lnTo>
+                    <a:pt x="1504" y="2809"/>
+                  </a:lnTo>
+                  <a:lnTo>
+                    <a:pt x="1497" y="2862"/>
+                  </a:lnTo>
+                  <a:lnTo>
+                    <a:pt x="1494" y="2915"/>
+                  </a:lnTo>
+                  <a:lnTo>
+                    <a:pt x="1496" y="2970"/>
+                  </a:lnTo>
+                  <a:lnTo>
+                    <a:pt x="1501" y="3027"/>
+                  </a:lnTo>
+                  <a:lnTo>
+                    <a:pt x="1508" y="3083"/>
+                  </a:lnTo>
+                  <a:lnTo>
+                    <a:pt x="1515" y="3139"/>
+                  </a:lnTo>
+                  <a:lnTo>
+                    <a:pt x="1523" y="3195"/>
+                  </a:lnTo>
+                  <a:lnTo>
+                    <a:pt x="1530" y="3252"/>
+                  </a:lnTo>
+                  <a:lnTo>
+                    <a:pt x="1534" y="3307"/>
+                  </a:lnTo>
+                  <a:lnTo>
+                    <a:pt x="1534" y="3360"/>
+                  </a:lnTo>
+                  <a:lnTo>
+                    <a:pt x="1530" y="3413"/>
+                  </a:lnTo>
+                  <a:lnTo>
+                    <a:pt x="1521" y="3464"/>
+                  </a:lnTo>
+                  <a:lnTo>
+                    <a:pt x="1505" y="3512"/>
+                  </a:lnTo>
+                  <a:lnTo>
+                    <a:pt x="1484" y="3555"/>
+                  </a:lnTo>
+                  <a:lnTo>
+                    <a:pt x="1456" y="3595"/>
+                  </a:lnTo>
+                  <a:lnTo>
+                    <a:pt x="1425" y="3633"/>
+                  </a:lnTo>
+                  <a:lnTo>
+                    <a:pt x="1390" y="3669"/>
+                  </a:lnTo>
+                  <a:lnTo>
+                    <a:pt x="1352" y="3703"/>
+                  </a:lnTo>
+                  <a:lnTo>
+                    <a:pt x="1311" y="3736"/>
+                  </a:lnTo>
+                  <a:lnTo>
+                    <a:pt x="1270" y="3769"/>
+                  </a:lnTo>
+                  <a:lnTo>
+                    <a:pt x="1227" y="3800"/>
+                  </a:lnTo>
+                  <a:lnTo>
+                    <a:pt x="1185" y="3833"/>
+                  </a:lnTo>
+                  <a:lnTo>
+                    <a:pt x="1145" y="3864"/>
+                  </a:lnTo>
+                  <a:lnTo>
+                    <a:pt x="1105" y="3898"/>
+                  </a:lnTo>
+                  <a:lnTo>
+                    <a:pt x="1069" y="3933"/>
+                  </a:lnTo>
+                  <a:lnTo>
+                    <a:pt x="1036" y="3969"/>
+                  </a:lnTo>
+                  <a:lnTo>
+                    <a:pt x="1007" y="4008"/>
+                  </a:lnTo>
+                  <a:lnTo>
+                    <a:pt x="980" y="4054"/>
+                  </a:lnTo>
+                  <a:lnTo>
+                    <a:pt x="957" y="4103"/>
+                  </a:lnTo>
+                  <a:lnTo>
+                    <a:pt x="938" y="4155"/>
+                  </a:lnTo>
+                  <a:lnTo>
+                    <a:pt x="921" y="4209"/>
+                  </a:lnTo>
+                  <a:lnTo>
+                    <a:pt x="906" y="4264"/>
+                  </a:lnTo>
+                  <a:lnTo>
+                    <a:pt x="891" y="4320"/>
+                  </a:lnTo>
+                  <a:lnTo>
+                    <a:pt x="0" y="4320"/>
+                  </a:lnTo>
+                  <a:lnTo>
+                    <a:pt x="0" y="0"/>
+                  </a:lnTo>
+                  <a:close/>
+                </a:path>
+              </a:pathLst>
+            </a:custGeom>
+            <a:solidFill>
+              <a:schemeClr val="tx2"/>
+            </a:solidFill>
+            <a:ln w="0">
+              <a:noFill/>
+              <a:prstDash val="solid"/>
+              <a:round/>
+              <a:headEnd/>
+              <a:tailEnd/>
+            </a:ln>
+          </p:spPr>
+        </p:sp>
+        <p:sp>
+          <p:nvSpPr>
+            <p:cNvPr id="16" name="Freeform 11" title="left scallop inline"/>
+            <p:cNvSpPr/>
+            <p:nvPr/>
+          </p:nvSpPr>
+          <p:spPr bwMode="auto">
+            <a:xfrm>
+              <a:off x="874382" y="0"/>
+              <a:ext cx="1646238" cy="6858000"/>
+            </a:xfrm>
+            <a:custGeom>
+              <a:avLst/>
+              <a:gdLst/>
+              <a:ahLst/>
+              <a:cxnLst/>
+              <a:rect l="0" t="0" r="r" b="b"/>
+              <a:pathLst>
+                <a:path w="1037" h="4320">
+                  <a:moveTo>
+                    <a:pt x="0" y="0"/>
+                  </a:moveTo>
+                  <a:lnTo>
+                    <a:pt x="171" y="0"/>
+                  </a:lnTo>
+                  <a:lnTo>
+                    <a:pt x="188" y="55"/>
+                  </a:lnTo>
+                  <a:lnTo>
+                    <a:pt x="204" y="110"/>
+                  </a:lnTo>
+                  <a:lnTo>
+                    <a:pt x="220" y="166"/>
+                  </a:lnTo>
+                  <a:lnTo>
+                    <a:pt x="234" y="223"/>
+                  </a:lnTo>
+                  <a:lnTo>
+                    <a:pt x="251" y="278"/>
+                  </a:lnTo>
+                  <a:lnTo>
+                    <a:pt x="269" y="331"/>
+                  </a:lnTo>
+                  <a:lnTo>
+                    <a:pt x="292" y="381"/>
+                  </a:lnTo>
+                  <a:lnTo>
+                    <a:pt x="319" y="427"/>
+                  </a:lnTo>
+                  <a:lnTo>
+                    <a:pt x="349" y="466"/>
+                  </a:lnTo>
+                  <a:lnTo>
+                    <a:pt x="382" y="503"/>
+                  </a:lnTo>
+                  <a:lnTo>
+                    <a:pt x="420" y="537"/>
+                  </a:lnTo>
+                  <a:lnTo>
+                    <a:pt x="460" y="571"/>
+                  </a:lnTo>
+                  <a:lnTo>
+                    <a:pt x="502" y="603"/>
+                  </a:lnTo>
+                  <a:lnTo>
+                    <a:pt x="544" y="635"/>
+                  </a:lnTo>
+                  <a:lnTo>
+                    <a:pt x="587" y="668"/>
+                  </a:lnTo>
+                  <a:lnTo>
+                    <a:pt x="628" y="700"/>
+                  </a:lnTo>
+                  <a:lnTo>
+                    <a:pt x="667" y="734"/>
+                  </a:lnTo>
+                  <a:lnTo>
+                    <a:pt x="703" y="771"/>
+                  </a:lnTo>
+                  <a:lnTo>
+                    <a:pt x="736" y="808"/>
+                  </a:lnTo>
+                  <a:lnTo>
+                    <a:pt x="763" y="848"/>
+                  </a:lnTo>
+                  <a:lnTo>
+                    <a:pt x="786" y="893"/>
+                  </a:lnTo>
+                  <a:lnTo>
+                    <a:pt x="800" y="937"/>
+                  </a:lnTo>
+                  <a:lnTo>
+                    <a:pt x="809" y="986"/>
+                  </a:lnTo>
+                  <a:lnTo>
+                    <a:pt x="813" y="1034"/>
+                  </a:lnTo>
+                  <a:lnTo>
+                    <a:pt x="812" y="1085"/>
+                  </a:lnTo>
+                  <a:lnTo>
+                    <a:pt x="808" y="1136"/>
+                  </a:lnTo>
+                  <a:lnTo>
+                    <a:pt x="803" y="1189"/>
+                  </a:lnTo>
+                  <a:lnTo>
+                    <a:pt x="796" y="1242"/>
+                  </a:lnTo>
+                  <a:lnTo>
+                    <a:pt x="788" y="1295"/>
+                  </a:lnTo>
+                  <a:lnTo>
+                    <a:pt x="782" y="1348"/>
+                  </a:lnTo>
+                  <a:lnTo>
+                    <a:pt x="778" y="1401"/>
+                  </a:lnTo>
+                  <a:lnTo>
+                    <a:pt x="775" y="1452"/>
+                  </a:lnTo>
+                  <a:lnTo>
+                    <a:pt x="778" y="1502"/>
+                  </a:lnTo>
+                  <a:lnTo>
+                    <a:pt x="784" y="1551"/>
+                  </a:lnTo>
+                  <a:lnTo>
+                    <a:pt x="797" y="1602"/>
+                  </a:lnTo>
+                  <a:lnTo>
+                    <a:pt x="817" y="1652"/>
+                  </a:lnTo>
+                  <a:lnTo>
+                    <a:pt x="841" y="1702"/>
+                  </a:lnTo>
+                  <a:lnTo>
+                    <a:pt x="868" y="1752"/>
+                  </a:lnTo>
+                  <a:lnTo>
+                    <a:pt x="896" y="1801"/>
+                  </a:lnTo>
+                  <a:lnTo>
+                    <a:pt x="926" y="1851"/>
+                  </a:lnTo>
+                  <a:lnTo>
+                    <a:pt x="953" y="1901"/>
+                  </a:lnTo>
+                  <a:lnTo>
+                    <a:pt x="980" y="1952"/>
+                  </a:lnTo>
+                  <a:lnTo>
+                    <a:pt x="1003" y="2003"/>
+                  </a:lnTo>
+                  <a:lnTo>
+                    <a:pt x="1021" y="2054"/>
+                  </a:lnTo>
+                  <a:lnTo>
+                    <a:pt x="1031" y="2106"/>
+                  </a:lnTo>
+                  <a:lnTo>
+                    <a:pt x="1037" y="2160"/>
+                  </a:lnTo>
+                  <a:lnTo>
+                    <a:pt x="1031" y="2214"/>
+                  </a:lnTo>
+                  <a:lnTo>
+                    <a:pt x="1021" y="2266"/>
+                  </a:lnTo>
+                  <a:lnTo>
+                    <a:pt x="1003" y="2317"/>
+                  </a:lnTo>
+                  <a:lnTo>
+                    <a:pt x="980" y="2368"/>
+                  </a:lnTo>
+                  <a:lnTo>
+                    <a:pt x="953" y="2419"/>
+                  </a:lnTo>
+                  <a:lnTo>
+                    <a:pt x="926" y="2469"/>
+                  </a:lnTo>
+                  <a:lnTo>
+                    <a:pt x="896" y="2519"/>
+                  </a:lnTo>
+                  <a:lnTo>
+                    <a:pt x="868" y="2568"/>
+                  </a:lnTo>
+                  <a:lnTo>
+                    <a:pt x="841" y="2618"/>
+                  </a:lnTo>
+                  <a:lnTo>
+                    <a:pt x="817" y="2668"/>
+                  </a:lnTo>
+                  <a:lnTo>
+                    <a:pt x="797" y="2718"/>
+                  </a:lnTo>
+                  <a:lnTo>
+                    <a:pt x="784" y="2769"/>
+                  </a:lnTo>
+                  <a:lnTo>
+                    <a:pt x="778" y="2818"/>
+                  </a:lnTo>
+                  <a:lnTo>
+                    <a:pt x="775" y="2868"/>
+                  </a:lnTo>
+                  <a:lnTo>
+                    <a:pt x="778" y="2919"/>
+                  </a:lnTo>
+                  <a:lnTo>
+                    <a:pt x="782" y="2972"/>
+                  </a:lnTo>
+                  <a:lnTo>
+                    <a:pt x="788" y="3025"/>
+                  </a:lnTo>
+                  <a:lnTo>
+                    <a:pt x="796" y="3078"/>
+                  </a:lnTo>
+                  <a:lnTo>
+                    <a:pt x="803" y="3131"/>
+                  </a:lnTo>
+                  <a:lnTo>
+                    <a:pt x="808" y="3184"/>
+                  </a:lnTo>
+                  <a:lnTo>
+                    <a:pt x="812" y="3235"/>
+                  </a:lnTo>
+                  <a:lnTo>
+                    <a:pt x="813" y="3286"/>
+                  </a:lnTo>
+                  <a:lnTo>
+                    <a:pt x="809" y="3334"/>
+                  </a:lnTo>
+                  <a:lnTo>
+                    <a:pt x="800" y="3383"/>
+                  </a:lnTo>
+                  <a:lnTo>
+                    <a:pt x="786" y="3427"/>
+                  </a:lnTo>
+                  <a:lnTo>
+                    <a:pt x="763" y="3472"/>
+                  </a:lnTo>
+                  <a:lnTo>
+                    <a:pt x="736" y="3512"/>
+                  </a:lnTo>
+                  <a:lnTo>
+                    <a:pt x="703" y="3549"/>
+                  </a:lnTo>
+                  <a:lnTo>
+                    <a:pt x="667" y="3586"/>
+                  </a:lnTo>
+                  <a:lnTo>
+                    <a:pt x="628" y="3620"/>
+                  </a:lnTo>
+                  <a:lnTo>
+                    <a:pt x="587" y="3652"/>
+                  </a:lnTo>
+                  <a:lnTo>
+                    <a:pt x="544" y="3685"/>
+                  </a:lnTo>
+                  <a:lnTo>
+                    <a:pt x="502" y="3717"/>
+                  </a:lnTo>
+                  <a:lnTo>
+                    <a:pt x="460" y="3749"/>
+                  </a:lnTo>
+                  <a:lnTo>
+                    <a:pt x="420" y="3783"/>
+                  </a:lnTo>
+                  <a:lnTo>
+                    <a:pt x="382" y="3817"/>
+                  </a:lnTo>
+                  <a:lnTo>
+                    <a:pt x="349" y="3854"/>
+                  </a:lnTo>
+                  <a:lnTo>
+                    <a:pt x="319" y="3893"/>
+                  </a:lnTo>
+                  <a:lnTo>
+                    <a:pt x="292" y="3939"/>
+                  </a:lnTo>
+                  <a:lnTo>
+                    <a:pt x="269" y="3989"/>
+                  </a:lnTo>
+                  <a:lnTo>
+                    <a:pt x="251" y="4042"/>
+                  </a:lnTo>
+                  <a:lnTo>
+                    <a:pt x="234" y="4097"/>
+                  </a:lnTo>
+                  <a:lnTo>
+                    <a:pt x="220" y="4154"/>
+                  </a:lnTo>
+                  <a:lnTo>
+                    <a:pt x="204" y="4210"/>
+                  </a:lnTo>
+                  <a:lnTo>
+                    <a:pt x="188" y="4265"/>
+                  </a:lnTo>
+                  <a:lnTo>
+                    <a:pt x="171" y="4320"/>
+                  </a:lnTo>
+                  <a:lnTo>
+                    <a:pt x="0" y="4320"/>
+                  </a:lnTo>
+                  <a:lnTo>
+                    <a:pt x="17" y="4278"/>
+                  </a:lnTo>
+                  <a:lnTo>
+                    <a:pt x="33" y="4232"/>
+                  </a:lnTo>
+                  <a:lnTo>
+                    <a:pt x="46" y="4183"/>
+                  </a:lnTo>
+                  <a:lnTo>
+                    <a:pt x="60" y="4131"/>
+                  </a:lnTo>
+                  <a:lnTo>
+                    <a:pt x="75" y="4075"/>
+                  </a:lnTo>
+                  <a:lnTo>
+                    <a:pt x="90" y="4019"/>
+                  </a:lnTo>
+                  <a:lnTo>
+                    <a:pt x="109" y="3964"/>
+                  </a:lnTo>
+                  <a:lnTo>
+                    <a:pt x="129" y="3909"/>
+                  </a:lnTo>
+                  <a:lnTo>
+                    <a:pt x="156" y="3855"/>
+                  </a:lnTo>
+                  <a:lnTo>
+                    <a:pt x="186" y="3804"/>
+                  </a:lnTo>
+                  <a:lnTo>
+                    <a:pt x="222" y="3756"/>
+                  </a:lnTo>
+                  <a:lnTo>
+                    <a:pt x="261" y="3713"/>
+                  </a:lnTo>
+                  <a:lnTo>
+                    <a:pt x="303" y="3672"/>
+                  </a:lnTo>
+                  <a:lnTo>
+                    <a:pt x="348" y="3634"/>
+                  </a:lnTo>
+                  <a:lnTo>
+                    <a:pt x="392" y="3599"/>
+                  </a:lnTo>
+                  <a:lnTo>
+                    <a:pt x="438" y="3565"/>
+                  </a:lnTo>
+                  <a:lnTo>
+                    <a:pt x="482" y="3531"/>
+                  </a:lnTo>
+                  <a:lnTo>
+                    <a:pt x="523" y="3499"/>
+                  </a:lnTo>
+                  <a:lnTo>
+                    <a:pt x="561" y="3466"/>
+                  </a:lnTo>
+                  <a:lnTo>
+                    <a:pt x="594" y="3434"/>
+                  </a:lnTo>
+                  <a:lnTo>
+                    <a:pt x="620" y="3400"/>
+                  </a:lnTo>
+                  <a:lnTo>
+                    <a:pt x="638" y="3367"/>
+                  </a:lnTo>
+                  <a:lnTo>
+                    <a:pt x="647" y="3336"/>
+                  </a:lnTo>
+                  <a:lnTo>
+                    <a:pt x="652" y="3302"/>
+                  </a:lnTo>
+                  <a:lnTo>
+                    <a:pt x="654" y="3265"/>
+                  </a:lnTo>
+                  <a:lnTo>
+                    <a:pt x="651" y="3224"/>
+                  </a:lnTo>
+                  <a:lnTo>
+                    <a:pt x="647" y="3181"/>
+                  </a:lnTo>
+                  <a:lnTo>
+                    <a:pt x="642" y="3137"/>
+                  </a:lnTo>
+                  <a:lnTo>
+                    <a:pt x="637" y="3091"/>
+                  </a:lnTo>
+                  <a:lnTo>
+                    <a:pt x="626" y="3021"/>
+                  </a:lnTo>
+                  <a:lnTo>
+                    <a:pt x="620" y="2952"/>
+                  </a:lnTo>
+                  <a:lnTo>
+                    <a:pt x="616" y="2881"/>
+                  </a:lnTo>
+                  <a:lnTo>
+                    <a:pt x="618" y="2809"/>
+                  </a:lnTo>
+                  <a:lnTo>
+                    <a:pt x="628" y="2737"/>
+                  </a:lnTo>
+                  <a:lnTo>
+                    <a:pt x="642" y="2681"/>
+                  </a:lnTo>
+                  <a:lnTo>
+                    <a:pt x="661" y="2626"/>
+                  </a:lnTo>
+                  <a:lnTo>
+                    <a:pt x="685" y="2574"/>
+                  </a:lnTo>
+                  <a:lnTo>
+                    <a:pt x="711" y="2521"/>
+                  </a:lnTo>
+                  <a:lnTo>
+                    <a:pt x="739" y="2472"/>
+                  </a:lnTo>
+                  <a:lnTo>
+                    <a:pt x="767" y="2423"/>
+                  </a:lnTo>
+                  <a:lnTo>
+                    <a:pt x="791" y="2381"/>
+                  </a:lnTo>
+                  <a:lnTo>
+                    <a:pt x="813" y="2342"/>
+                  </a:lnTo>
+                  <a:lnTo>
+                    <a:pt x="834" y="2303"/>
+                  </a:lnTo>
+                  <a:lnTo>
+                    <a:pt x="851" y="2265"/>
+                  </a:lnTo>
+                  <a:lnTo>
+                    <a:pt x="864" y="2228"/>
+                  </a:lnTo>
+                  <a:lnTo>
+                    <a:pt x="873" y="2194"/>
+                  </a:lnTo>
+                  <a:lnTo>
+                    <a:pt x="876" y="2160"/>
+                  </a:lnTo>
+                  <a:lnTo>
+                    <a:pt x="873" y="2126"/>
+                  </a:lnTo>
+                  <a:lnTo>
+                    <a:pt x="864" y="2092"/>
+                  </a:lnTo>
+                  <a:lnTo>
+                    <a:pt x="851" y="2055"/>
+                  </a:lnTo>
+                  <a:lnTo>
+                    <a:pt x="834" y="2017"/>
+                  </a:lnTo>
+                  <a:lnTo>
+                    <a:pt x="813" y="1978"/>
+                  </a:lnTo>
+                  <a:lnTo>
+                    <a:pt x="791" y="1939"/>
+                  </a:lnTo>
+                  <a:lnTo>
+                    <a:pt x="767" y="1897"/>
+                  </a:lnTo>
+                  <a:lnTo>
+                    <a:pt x="739" y="1848"/>
+                  </a:lnTo>
+                  <a:lnTo>
+                    <a:pt x="711" y="1799"/>
+                  </a:lnTo>
+                  <a:lnTo>
+                    <a:pt x="685" y="1746"/>
+                  </a:lnTo>
+                  <a:lnTo>
+                    <a:pt x="661" y="1694"/>
+                  </a:lnTo>
+                  <a:lnTo>
+                    <a:pt x="642" y="1639"/>
+                  </a:lnTo>
+                  <a:lnTo>
+                    <a:pt x="628" y="1583"/>
+                  </a:lnTo>
+                  <a:lnTo>
+                    <a:pt x="618" y="1511"/>
+                  </a:lnTo>
+                  <a:lnTo>
+                    <a:pt x="616" y="1439"/>
+                  </a:lnTo>
+                  <a:lnTo>
+                    <a:pt x="620" y="1368"/>
+                  </a:lnTo>
+                  <a:lnTo>
+                    <a:pt x="626" y="1299"/>
+                  </a:lnTo>
+                  <a:lnTo>
+                    <a:pt x="637" y="1229"/>
+                  </a:lnTo>
+                  <a:lnTo>
+                    <a:pt x="642" y="1183"/>
+                  </a:lnTo>
+                  <a:lnTo>
+                    <a:pt x="647" y="1139"/>
+                  </a:lnTo>
+                  <a:lnTo>
+                    <a:pt x="651" y="1096"/>
+                  </a:lnTo>
+                  <a:lnTo>
+                    <a:pt x="654" y="1055"/>
+                  </a:lnTo>
+                  <a:lnTo>
+                    <a:pt x="652" y="1018"/>
+                  </a:lnTo>
+                  <a:lnTo>
+                    <a:pt x="647" y="984"/>
+                  </a:lnTo>
+                  <a:lnTo>
+                    <a:pt x="638" y="953"/>
+                  </a:lnTo>
+                  <a:lnTo>
+                    <a:pt x="620" y="920"/>
+                  </a:lnTo>
+                  <a:lnTo>
+                    <a:pt x="594" y="886"/>
+                  </a:lnTo>
+                  <a:lnTo>
+                    <a:pt x="561" y="854"/>
+                  </a:lnTo>
+                  <a:lnTo>
+                    <a:pt x="523" y="822"/>
+                  </a:lnTo>
+                  <a:lnTo>
+                    <a:pt x="482" y="789"/>
+                  </a:lnTo>
+                  <a:lnTo>
+                    <a:pt x="438" y="755"/>
+                  </a:lnTo>
+                  <a:lnTo>
+                    <a:pt x="392" y="721"/>
+                  </a:lnTo>
+                  <a:lnTo>
+                    <a:pt x="348" y="686"/>
+                  </a:lnTo>
+                  <a:lnTo>
+                    <a:pt x="303" y="648"/>
+                  </a:lnTo>
+                  <a:lnTo>
+                    <a:pt x="261" y="607"/>
+                  </a:lnTo>
+                  <a:lnTo>
+                    <a:pt x="222" y="564"/>
+                  </a:lnTo>
+                  <a:lnTo>
+                    <a:pt x="186" y="516"/>
+                  </a:lnTo>
+                  <a:lnTo>
+                    <a:pt x="156" y="465"/>
+                  </a:lnTo>
+                  <a:lnTo>
+                    <a:pt x="129" y="411"/>
+                  </a:lnTo>
+                  <a:lnTo>
+                    <a:pt x="109" y="356"/>
+                  </a:lnTo>
+                  <a:lnTo>
+                    <a:pt x="90" y="301"/>
+                  </a:lnTo>
+                  <a:lnTo>
+                    <a:pt x="75" y="245"/>
+                  </a:lnTo>
+                  <a:lnTo>
+                    <a:pt x="60" y="189"/>
+                  </a:lnTo>
+                  <a:lnTo>
+                    <a:pt x="46" y="137"/>
+                  </a:lnTo>
+                  <a:lnTo>
+                    <a:pt x="33" y="88"/>
+                  </a:lnTo>
+                  <a:lnTo>
+                    <a:pt x="17" y="42"/>
+                  </a:lnTo>
+                  <a:lnTo>
+                    <a:pt x="0" y="0"/>
+                  </a:lnTo>
+                  <a:lnTo>
+                    <a:pt x="0" y="0"/>
+                  </a:lnTo>
+                  <a:close/>
+                </a:path>
+              </a:pathLst>
+            </a:custGeom>
+            <a:solidFill>
+              <a:schemeClr val="accent1"/>
+            </a:solidFill>
+            <a:ln w="0">
+              <a:noFill/>
+              <a:prstDash val="solid"/>
+              <a:round/>
+              <a:headEnd/>
+              <a:tailEnd/>
+            </a:ln>
+          </p:spPr>
+        </p:sp>
+      </p:grpSp>
     </p:spTree>
     <p:extLst>
       <p:ext uri="{BB962C8B-B14F-4D97-AF65-F5344CB8AC3E}">
-        <p14:creationId xmlns:p14="http://schemas.microsoft.com/office/powerpoint/2010/main" val="1139337572"/>
+        <p14:creationId xmlns:p14="http://schemas.microsoft.com/office/powerpoint/2010/main" val="1214162047"/>
       </p:ext>
     </p:extLst>
   </p:cSld>
   <p:clrMapOvr>
-    <a:masterClrMapping/>
+    <a:overrideClrMapping bg1="dk1" tx1="lt1" bg2="dk2" tx2="lt2" accent1="accent1" accent2="accent2" accent3="accent3" accent4="accent4" accent5="accent5" accent6="accent6" hlink="hlink" folHlink="folHlink"/>
   </p:clrMapOvr>
 </p:sldLayout>
 </file>
@@ -1251,13 +3265,7 @@
       </p:grpSpPr>
       <p:sp>
         <p:nvSpPr>
-          <p:cNvPr id="2" name="Title 1">
-            <a:extLst>
-              <a:ext uri="{FF2B5EF4-FFF2-40B4-BE49-F238E27FC236}">
-                <a16:creationId xmlns:a16="http://schemas.microsoft.com/office/drawing/2014/main" id="{EBC4C9BB-4CFE-4790-A61C-CA4290715121}"/>
-              </a:ext>
-            </a:extLst>
-          </p:cNvPr>
+          <p:cNvPr id="2" name="Title 1"/>
           <p:cNvSpPr>
             <a:spLocks noGrp="1"/>
           </p:cNvSpPr>
@@ -1274,18 +3282,13 @@
               <a:rPr lang="en-US"/>
               <a:t>Click to edit Master title style</a:t>
             </a:r>
+            <a:endParaRPr lang="en-US" dirty="0"/>
           </a:p>
         </p:txBody>
       </p:sp>
       <p:sp>
         <p:nvSpPr>
-          <p:cNvPr id="3" name="Content Placeholder 2">
-            <a:extLst>
-              <a:ext uri="{FF2B5EF4-FFF2-40B4-BE49-F238E27FC236}">
-                <a16:creationId xmlns:a16="http://schemas.microsoft.com/office/drawing/2014/main" id="{27E56B75-8769-499E-ABA8-192B4A72F91D}"/>
-              </a:ext>
-            </a:extLst>
-          </p:cNvPr>
+          <p:cNvPr id="3" name="Content Placeholder 2"/>
           <p:cNvSpPr>
             <a:spLocks noGrp="1"/>
           </p:cNvSpPr>
@@ -1295,8 +3298,8 @@
         </p:nvSpPr>
         <p:spPr>
           <a:xfrm>
-            <a:off x="838200" y="1825625"/>
-            <a:ext cx="5181600" cy="4351338"/>
+            <a:off x="1257300" y="2286000"/>
+            <a:ext cx="4800600" cy="3619500"/>
           </a:xfrm>
         </p:spPr>
         <p:txBody>
@@ -1336,18 +3339,13 @@
               <a:rPr lang="en-US"/>
               <a:t>Fifth level</a:t>
             </a:r>
+            <a:endParaRPr lang="en-US" dirty="0"/>
           </a:p>
         </p:txBody>
       </p:sp>
       <p:sp>
         <p:nvSpPr>
-          <p:cNvPr id="4" name="Content Placeholder 3">
-            <a:extLst>
-              <a:ext uri="{FF2B5EF4-FFF2-40B4-BE49-F238E27FC236}">
-                <a16:creationId xmlns:a16="http://schemas.microsoft.com/office/drawing/2014/main" id="{B8234D76-0AD8-44D9-A39F-6E324C5E9B28}"/>
-              </a:ext>
-            </a:extLst>
-          </p:cNvPr>
+          <p:cNvPr id="4" name="Content Placeholder 3"/>
           <p:cNvSpPr>
             <a:spLocks noGrp="1"/>
           </p:cNvSpPr>
@@ -1357,8 +3355,8 @@
         </p:nvSpPr>
         <p:spPr>
           <a:xfrm>
-            <a:off x="6172200" y="1825625"/>
-            <a:ext cx="5181600" cy="4351338"/>
+            <a:off x="6647796" y="2286000"/>
+            <a:ext cx="4800600" cy="3619500"/>
           </a:xfrm>
         </p:spPr>
         <p:txBody>
@@ -1398,18 +3396,13 @@
               <a:rPr lang="en-US"/>
               <a:t>Fifth level</a:t>
             </a:r>
+            <a:endParaRPr lang="en-US" dirty="0"/>
           </a:p>
         </p:txBody>
       </p:sp>
       <p:sp>
         <p:nvSpPr>
-          <p:cNvPr id="5" name="Date Placeholder 4">
-            <a:extLst>
-              <a:ext uri="{FF2B5EF4-FFF2-40B4-BE49-F238E27FC236}">
-                <a16:creationId xmlns:a16="http://schemas.microsoft.com/office/drawing/2014/main" id="{3D447B1D-509A-4510-8730-E79406892ACF}"/>
-              </a:ext>
-            </a:extLst>
-          </p:cNvPr>
+          <p:cNvPr id="5" name="Date Placeholder 4"/>
           <p:cNvSpPr>
             <a:spLocks noGrp="1"/>
           </p:cNvSpPr>
@@ -1424,7 +3417,7 @@
           <a:p>
             <a:fld id="{F219F925-99BD-4AD1-A639-9652BFEDB5F5}" type="datetimeFigureOut">
               <a:rPr lang="en-US" smtClean="0"/>
-              <a:t>7/21/2018</a:t>
+              <a:t>7/23/2018</a:t>
             </a:fld>
             <a:endParaRPr lang="en-US"/>
           </a:p>
@@ -1432,13 +3425,7 @@
       </p:sp>
       <p:sp>
         <p:nvSpPr>
-          <p:cNvPr id="6" name="Footer Placeholder 5">
-            <a:extLst>
-              <a:ext uri="{FF2B5EF4-FFF2-40B4-BE49-F238E27FC236}">
-                <a16:creationId xmlns:a16="http://schemas.microsoft.com/office/drawing/2014/main" id="{1090DAC9-79D5-4D7A-8D5A-9118AF69A6DD}"/>
-              </a:ext>
-            </a:extLst>
-          </p:cNvPr>
+          <p:cNvPr id="6" name="Footer Placeholder 5"/>
           <p:cNvSpPr>
             <a:spLocks noGrp="1"/>
           </p:cNvSpPr>
@@ -1457,13 +3444,7 @@
       </p:sp>
       <p:sp>
         <p:nvSpPr>
-          <p:cNvPr id="7" name="Slide Number Placeholder 6">
-            <a:extLst>
-              <a:ext uri="{FF2B5EF4-FFF2-40B4-BE49-F238E27FC236}">
-                <a16:creationId xmlns:a16="http://schemas.microsoft.com/office/drawing/2014/main" id="{74893BA1-13C1-4AD1-88F2-98559DE37993}"/>
-              </a:ext>
-            </a:extLst>
-          </p:cNvPr>
+          <p:cNvPr id="7" name="Slide Number Placeholder 6"/>
           <p:cNvSpPr>
             <a:spLocks noGrp="1"/>
           </p:cNvSpPr>
@@ -1487,13 +3468,18 @@
     </p:spTree>
     <p:extLst>
       <p:ext uri="{BB962C8B-B14F-4D97-AF65-F5344CB8AC3E}">
-        <p14:creationId xmlns:p14="http://schemas.microsoft.com/office/powerpoint/2010/main" val="524659443"/>
+        <p14:creationId xmlns:p14="http://schemas.microsoft.com/office/powerpoint/2010/main" val="4148016360"/>
       </p:ext>
     </p:extLst>
   </p:cSld>
   <p:clrMapOvr>
     <a:masterClrMapping/>
   </p:clrMapOvr>
+  <p:extLst mod="1">
+    <p:ext uri="{DCECCB84-F9BA-43D5-87BE-67443E8EF086}">
+      <p15:sldGuideLst xmlns:p15="http://schemas.microsoft.com/office/powerpoint/2012/main"/>
+    </p:ext>
+  </p:extLst>
 </p:sldLayout>
 </file>
 
@@ -1516,13 +3502,7 @@
       </p:grpSpPr>
       <p:sp>
         <p:nvSpPr>
-          <p:cNvPr id="2" name="Title 1">
-            <a:extLst>
-              <a:ext uri="{FF2B5EF4-FFF2-40B4-BE49-F238E27FC236}">
-                <a16:creationId xmlns:a16="http://schemas.microsoft.com/office/drawing/2014/main" id="{B702DAE4-91A5-4EAA-9093-1F3B88386982}"/>
-              </a:ext>
-            </a:extLst>
-          </p:cNvPr>
+          <p:cNvPr id="2" name="Title 1"/>
           <p:cNvSpPr>
             <a:spLocks noGrp="1"/>
           </p:cNvSpPr>
@@ -1532,8 +3512,8 @@
         </p:nvSpPr>
         <p:spPr>
           <a:xfrm>
-            <a:off x="839788" y="365125"/>
-            <a:ext cx="10515600" cy="1325563"/>
+            <a:off x="1252728" y="381000"/>
+            <a:ext cx="10172700" cy="1493517"/>
           </a:xfrm>
         </p:spPr>
         <p:txBody>
@@ -1544,18 +3524,13 @@
               <a:rPr lang="en-US"/>
               <a:t>Click to edit Master title style</a:t>
             </a:r>
+            <a:endParaRPr lang="en-US" dirty="0"/>
           </a:p>
         </p:txBody>
       </p:sp>
       <p:sp>
         <p:nvSpPr>
-          <p:cNvPr id="3" name="Text Placeholder 2">
-            <a:extLst>
-              <a:ext uri="{FF2B5EF4-FFF2-40B4-BE49-F238E27FC236}">
-                <a16:creationId xmlns:a16="http://schemas.microsoft.com/office/drawing/2014/main" id="{4ECAE7B3-79B1-4EE6-9A6F-6702B5A4DBA1}"/>
-              </a:ext>
-            </a:extLst>
-          </p:cNvPr>
+          <p:cNvPr id="3" name="Text Placeholder 2"/>
           <p:cNvSpPr>
             <a:spLocks noGrp="1"/>
           </p:cNvSpPr>
@@ -1565,20 +3540,29 @@
         </p:nvSpPr>
         <p:spPr>
           <a:xfrm>
-            <a:off x="839788" y="1681163"/>
-            <a:ext cx="5157787" cy="823912"/>
+            <a:off x="1251678" y="2199633"/>
+            <a:ext cx="4800600" cy="632529"/>
           </a:xfrm>
         </p:spPr>
         <p:txBody>
-          <a:bodyPr anchor="b"/>
+          <a:bodyPr anchor="b">
+            <a:noAutofit/>
+          </a:bodyPr>
           <a:lstStyle>
             <a:lvl1pPr marL="0" indent="0">
+              <a:lnSpc>
+                <a:spcPct val="100000"/>
+              </a:lnSpc>
               <a:buNone/>
-              <a:defRPr sz="2400" b="1"/>
+              <a:defRPr sz="1900" b="1" cap="all" spc="200" baseline="0">
+                <a:solidFill>
+                  <a:schemeClr val="tx2"/>
+                </a:solidFill>
+              </a:defRPr>
             </a:lvl1pPr>
             <a:lvl2pPr marL="457200" indent="0">
               <a:buNone/>
-              <a:defRPr sz="2000" b="1"/>
+              <a:defRPr sz="1900" b="1"/>
             </a:lvl2pPr>
             <a:lvl3pPr marL="914400" indent="0">
               <a:buNone/>
@@ -1620,13 +3604,7 @@
       </p:sp>
       <p:sp>
         <p:nvSpPr>
-          <p:cNvPr id="4" name="Content Placeholder 3">
-            <a:extLst>
-              <a:ext uri="{FF2B5EF4-FFF2-40B4-BE49-F238E27FC236}">
-                <a16:creationId xmlns:a16="http://schemas.microsoft.com/office/drawing/2014/main" id="{2CE952F3-4845-4C1F-AEDC-15F3A34F3638}"/>
-              </a:ext>
-            </a:extLst>
-          </p:cNvPr>
+          <p:cNvPr id="4" name="Content Placeholder 3"/>
           <p:cNvSpPr>
             <a:spLocks noGrp="1"/>
           </p:cNvSpPr>
@@ -1636,8 +3614,8 @@
         </p:nvSpPr>
         <p:spPr>
           <a:xfrm>
-            <a:off x="839788" y="2505075"/>
-            <a:ext cx="5157787" cy="3684588"/>
+            <a:off x="1257300" y="2909102"/>
+            <a:ext cx="4800600" cy="2996398"/>
           </a:xfrm>
         </p:spPr>
         <p:txBody>
@@ -1677,18 +3655,13 @@
               <a:rPr lang="en-US"/>
               <a:t>Fifth level</a:t>
             </a:r>
+            <a:endParaRPr lang="en-US" dirty="0"/>
           </a:p>
         </p:txBody>
       </p:sp>
       <p:sp>
         <p:nvSpPr>
-          <p:cNvPr id="5" name="Text Placeholder 4">
-            <a:extLst>
-              <a:ext uri="{FF2B5EF4-FFF2-40B4-BE49-F238E27FC236}">
-                <a16:creationId xmlns:a16="http://schemas.microsoft.com/office/drawing/2014/main" id="{EFF394FF-4756-471C-88B8-C9F68333540D}"/>
-              </a:ext>
-            </a:extLst>
-          </p:cNvPr>
+          <p:cNvPr id="5" name="Text Placeholder 4"/>
           <p:cNvSpPr>
             <a:spLocks noGrp="1"/>
           </p:cNvSpPr>
@@ -1698,20 +3671,29 @@
         </p:nvSpPr>
         <p:spPr>
           <a:xfrm>
-            <a:off x="6172200" y="1681163"/>
-            <a:ext cx="5183188" cy="823912"/>
+            <a:off x="6633864" y="2199633"/>
+            <a:ext cx="4800600" cy="632529"/>
           </a:xfrm>
         </p:spPr>
         <p:txBody>
-          <a:bodyPr anchor="b"/>
+          <a:bodyPr anchor="b">
+            <a:noAutofit/>
+          </a:bodyPr>
           <a:lstStyle>
             <a:lvl1pPr marL="0" indent="0">
+              <a:lnSpc>
+                <a:spcPct val="100000"/>
+              </a:lnSpc>
               <a:buNone/>
-              <a:defRPr sz="2400" b="1"/>
+              <a:defRPr sz="1900" b="1" cap="all" spc="200" baseline="0">
+                <a:solidFill>
+                  <a:schemeClr val="tx2"/>
+                </a:solidFill>
+              </a:defRPr>
             </a:lvl1pPr>
             <a:lvl2pPr marL="457200" indent="0">
               <a:buNone/>
-              <a:defRPr sz="2000" b="1"/>
+              <a:defRPr sz="1900" b="1"/>
             </a:lvl2pPr>
             <a:lvl3pPr marL="914400" indent="0">
               <a:buNone/>
@@ -1753,13 +3735,7 @@
       </p:sp>
       <p:sp>
         <p:nvSpPr>
-          <p:cNvPr id="6" name="Content Placeholder 5">
-            <a:extLst>
-              <a:ext uri="{FF2B5EF4-FFF2-40B4-BE49-F238E27FC236}">
-                <a16:creationId xmlns:a16="http://schemas.microsoft.com/office/drawing/2014/main" id="{D7F0D074-6CD2-4CCB-98AB-43A3F7B62EB1}"/>
-              </a:ext>
-            </a:extLst>
-          </p:cNvPr>
+          <p:cNvPr id="6" name="Content Placeholder 5"/>
           <p:cNvSpPr>
             <a:spLocks noGrp="1"/>
           </p:cNvSpPr>
@@ -1769,8 +3745,8 @@
         </p:nvSpPr>
         <p:spPr>
           <a:xfrm>
-            <a:off x="6172200" y="2505075"/>
-            <a:ext cx="5183188" cy="3684588"/>
+            <a:off x="6633864" y="2909102"/>
+            <a:ext cx="4800600" cy="2996398"/>
           </a:xfrm>
         </p:spPr>
         <p:txBody>
@@ -1810,18 +3786,13 @@
               <a:rPr lang="en-US"/>
               <a:t>Fifth level</a:t>
             </a:r>
+            <a:endParaRPr lang="en-US" dirty="0"/>
           </a:p>
         </p:txBody>
       </p:sp>
       <p:sp>
         <p:nvSpPr>
-          <p:cNvPr id="7" name="Date Placeholder 6">
-            <a:extLst>
-              <a:ext uri="{FF2B5EF4-FFF2-40B4-BE49-F238E27FC236}">
-                <a16:creationId xmlns:a16="http://schemas.microsoft.com/office/drawing/2014/main" id="{3BB4EDBB-1505-4234-BD44-1CF87C78BBA8}"/>
-              </a:ext>
-            </a:extLst>
-          </p:cNvPr>
+          <p:cNvPr id="7" name="Date Placeholder 6"/>
           <p:cNvSpPr>
             <a:spLocks noGrp="1"/>
           </p:cNvSpPr>
@@ -1836,7 +3807,7 @@
           <a:p>
             <a:fld id="{F219F925-99BD-4AD1-A639-9652BFEDB5F5}" type="datetimeFigureOut">
               <a:rPr lang="en-US" smtClean="0"/>
-              <a:t>7/21/2018</a:t>
+              <a:t>7/23/2018</a:t>
             </a:fld>
             <a:endParaRPr lang="en-US"/>
           </a:p>
@@ -1844,13 +3815,7 @@
       </p:sp>
       <p:sp>
         <p:nvSpPr>
-          <p:cNvPr id="8" name="Footer Placeholder 7">
-            <a:extLst>
-              <a:ext uri="{FF2B5EF4-FFF2-40B4-BE49-F238E27FC236}">
-                <a16:creationId xmlns:a16="http://schemas.microsoft.com/office/drawing/2014/main" id="{6B4DB035-1E8E-4D29-A309-A6EB5A9DF3DA}"/>
-              </a:ext>
-            </a:extLst>
-          </p:cNvPr>
+          <p:cNvPr id="8" name="Footer Placeholder 7"/>
           <p:cNvSpPr>
             <a:spLocks noGrp="1"/>
           </p:cNvSpPr>
@@ -1869,13 +3834,7 @@
       </p:sp>
       <p:sp>
         <p:nvSpPr>
-          <p:cNvPr id="9" name="Slide Number Placeholder 8">
-            <a:extLst>
-              <a:ext uri="{FF2B5EF4-FFF2-40B4-BE49-F238E27FC236}">
-                <a16:creationId xmlns:a16="http://schemas.microsoft.com/office/drawing/2014/main" id="{F84CB881-9447-4CAD-B20E-B8EFFB2B8198}"/>
-              </a:ext>
-            </a:extLst>
-          </p:cNvPr>
+          <p:cNvPr id="9" name="Slide Number Placeholder 8"/>
           <p:cNvSpPr>
             <a:spLocks noGrp="1"/>
           </p:cNvSpPr>
@@ -1899,13 +3858,18 @@
     </p:spTree>
     <p:extLst>
       <p:ext uri="{BB962C8B-B14F-4D97-AF65-F5344CB8AC3E}">
-        <p14:creationId xmlns:p14="http://schemas.microsoft.com/office/powerpoint/2010/main" val="2693541792"/>
+        <p14:creationId xmlns:p14="http://schemas.microsoft.com/office/powerpoint/2010/main" val="2771727499"/>
       </p:ext>
     </p:extLst>
   </p:cSld>
   <p:clrMapOvr>
     <a:masterClrMapping/>
   </p:clrMapOvr>
+  <p:extLst mod="1">
+    <p:ext uri="{DCECCB84-F9BA-43D5-87BE-67443E8EF086}">
+      <p15:sldGuideLst xmlns:p15="http://schemas.microsoft.com/office/powerpoint/2012/main"/>
+    </p:ext>
+  </p:extLst>
 </p:sldLayout>
 </file>
 
@@ -1928,13 +3892,7 @@
       </p:grpSpPr>
       <p:sp>
         <p:nvSpPr>
-          <p:cNvPr id="2" name="Title 1">
-            <a:extLst>
-              <a:ext uri="{FF2B5EF4-FFF2-40B4-BE49-F238E27FC236}">
-                <a16:creationId xmlns:a16="http://schemas.microsoft.com/office/drawing/2014/main" id="{3063E717-483C-42FA-9C39-D8EAA30DC3B3}"/>
-              </a:ext>
-            </a:extLst>
-          </p:cNvPr>
+          <p:cNvPr id="2" name="Title 1"/>
           <p:cNvSpPr>
             <a:spLocks noGrp="1"/>
           </p:cNvSpPr>
@@ -1951,18 +3909,13 @@
               <a:rPr lang="en-US"/>
               <a:t>Click to edit Master title style</a:t>
             </a:r>
+            <a:endParaRPr lang="en-US" dirty="0"/>
           </a:p>
         </p:txBody>
       </p:sp>
       <p:sp>
         <p:nvSpPr>
-          <p:cNvPr id="3" name="Date Placeholder 2">
-            <a:extLst>
-              <a:ext uri="{FF2B5EF4-FFF2-40B4-BE49-F238E27FC236}">
-                <a16:creationId xmlns:a16="http://schemas.microsoft.com/office/drawing/2014/main" id="{34BBC175-C7C3-46CE-A50F-863FC38CFA51}"/>
-              </a:ext>
-            </a:extLst>
-          </p:cNvPr>
+          <p:cNvPr id="3" name="Date Placeholder 2"/>
           <p:cNvSpPr>
             <a:spLocks noGrp="1"/>
           </p:cNvSpPr>
@@ -1977,7 +3930,7 @@
           <a:p>
             <a:fld id="{F219F925-99BD-4AD1-A639-9652BFEDB5F5}" type="datetimeFigureOut">
               <a:rPr lang="en-US" smtClean="0"/>
-              <a:t>7/21/2018</a:t>
+              <a:t>7/23/2018</a:t>
             </a:fld>
             <a:endParaRPr lang="en-US"/>
           </a:p>
@@ -1985,13 +3938,7 @@
       </p:sp>
       <p:sp>
         <p:nvSpPr>
-          <p:cNvPr id="4" name="Footer Placeholder 3">
-            <a:extLst>
-              <a:ext uri="{FF2B5EF4-FFF2-40B4-BE49-F238E27FC236}">
-                <a16:creationId xmlns:a16="http://schemas.microsoft.com/office/drawing/2014/main" id="{007BA3F7-375F-497C-96EB-B88A4F42AAC0}"/>
-              </a:ext>
-            </a:extLst>
-          </p:cNvPr>
+          <p:cNvPr id="4" name="Footer Placeholder 3"/>
           <p:cNvSpPr>
             <a:spLocks noGrp="1"/>
           </p:cNvSpPr>
@@ -2010,13 +3957,7 @@
       </p:sp>
       <p:sp>
         <p:nvSpPr>
-          <p:cNvPr id="5" name="Slide Number Placeholder 4">
-            <a:extLst>
-              <a:ext uri="{FF2B5EF4-FFF2-40B4-BE49-F238E27FC236}">
-                <a16:creationId xmlns:a16="http://schemas.microsoft.com/office/drawing/2014/main" id="{BFC6A8E0-9AB8-4EDC-A980-8BAC7866B336}"/>
-              </a:ext>
-            </a:extLst>
-          </p:cNvPr>
+          <p:cNvPr id="5" name="Slide Number Placeholder 4"/>
           <p:cNvSpPr>
             <a:spLocks noGrp="1"/>
           </p:cNvSpPr>
@@ -2040,7 +3981,7 @@
     </p:spTree>
     <p:extLst>
       <p:ext uri="{BB962C8B-B14F-4D97-AF65-F5344CB8AC3E}">
-        <p14:creationId xmlns:p14="http://schemas.microsoft.com/office/powerpoint/2010/main" val="2786367273"/>
+        <p14:creationId xmlns:p14="http://schemas.microsoft.com/office/powerpoint/2010/main" val="2606033677"/>
       </p:ext>
     </p:extLst>
   </p:cSld>
@@ -2069,13 +4010,7 @@
       </p:grpSpPr>
       <p:sp>
         <p:nvSpPr>
-          <p:cNvPr id="2" name="Date Placeholder 1">
-            <a:extLst>
-              <a:ext uri="{FF2B5EF4-FFF2-40B4-BE49-F238E27FC236}">
-                <a16:creationId xmlns:a16="http://schemas.microsoft.com/office/drawing/2014/main" id="{C5B99039-EB6D-4BF3-8994-D8D86DABFF28}"/>
-              </a:ext>
-            </a:extLst>
-          </p:cNvPr>
+          <p:cNvPr id="2" name="Date Placeholder 1"/>
           <p:cNvSpPr>
             <a:spLocks noGrp="1"/>
           </p:cNvSpPr>
@@ -2090,7 +4025,7 @@
           <a:p>
             <a:fld id="{F219F925-99BD-4AD1-A639-9652BFEDB5F5}" type="datetimeFigureOut">
               <a:rPr lang="en-US" smtClean="0"/>
-              <a:t>7/21/2018</a:t>
+              <a:t>7/23/2018</a:t>
             </a:fld>
             <a:endParaRPr lang="en-US"/>
           </a:p>
@@ -2098,13 +4033,7 @@
       </p:sp>
       <p:sp>
         <p:nvSpPr>
-          <p:cNvPr id="3" name="Footer Placeholder 2">
-            <a:extLst>
-              <a:ext uri="{FF2B5EF4-FFF2-40B4-BE49-F238E27FC236}">
-                <a16:creationId xmlns:a16="http://schemas.microsoft.com/office/drawing/2014/main" id="{E06922A1-206B-4C22-828D-CF67BD6B387D}"/>
-              </a:ext>
-            </a:extLst>
-          </p:cNvPr>
+          <p:cNvPr id="3" name="Footer Placeholder 2"/>
           <p:cNvSpPr>
             <a:spLocks noGrp="1"/>
           </p:cNvSpPr>
@@ -2123,13 +4052,7 @@
       </p:sp>
       <p:sp>
         <p:nvSpPr>
-          <p:cNvPr id="4" name="Slide Number Placeholder 3">
-            <a:extLst>
-              <a:ext uri="{FF2B5EF4-FFF2-40B4-BE49-F238E27FC236}">
-                <a16:creationId xmlns:a16="http://schemas.microsoft.com/office/drawing/2014/main" id="{5B2A310A-D82C-4A9A-A610-FF08186E01E1}"/>
-              </a:ext>
-            </a:extLst>
-          </p:cNvPr>
+          <p:cNvPr id="4" name="Slide Number Placeholder 3"/>
           <p:cNvSpPr>
             <a:spLocks noGrp="1"/>
           </p:cNvSpPr>
@@ -2153,7 +4076,7 @@
     </p:spTree>
     <p:extLst>
       <p:ext uri="{BB962C8B-B14F-4D97-AF65-F5344CB8AC3E}">
-        <p14:creationId xmlns:p14="http://schemas.microsoft.com/office/powerpoint/2010/main" val="439323344"/>
+        <p14:creationId xmlns:p14="http://schemas.microsoft.com/office/powerpoint/2010/main" val="4163307031"/>
       </p:ext>
     </p:extLst>
   </p:cSld>
@@ -2164,7 +4087,7 @@
 </file>
 
 <file path=ppt/slideLayouts/slideLayout8.xml><?xml version="1.0" encoding="utf-8"?>
-<p:sldLayout xmlns:a="http://schemas.openxmlformats.org/drawingml/2006/main" xmlns:r="http://schemas.openxmlformats.org/officeDocument/2006/relationships" xmlns:p="http://schemas.openxmlformats.org/presentationml/2006/main" type="objTx" preserve="1">
+<p:sldLayout xmlns:a="http://schemas.openxmlformats.org/drawingml/2006/main" xmlns:r="http://schemas.openxmlformats.org/officeDocument/2006/relationships" xmlns:p="http://schemas.openxmlformats.org/presentationml/2006/main" showMasterSp="0" type="objTx" preserve="1">
   <p:cSld name="Content with Caption">
     <p:spTree>
       <p:nvGrpSpPr>
@@ -2182,13 +4105,468 @@
       </p:grpSpPr>
       <p:sp>
         <p:nvSpPr>
-          <p:cNvPr id="2" name="Title 1">
-            <a:extLst>
-              <a:ext uri="{FF2B5EF4-FFF2-40B4-BE49-F238E27FC236}">
-                <a16:creationId xmlns:a16="http://schemas.microsoft.com/office/drawing/2014/main" id="{67F89727-3E15-4B73-BA5B-034D29DFEE26}"/>
-              </a:ext>
-            </a:extLst>
-          </p:cNvPr>
+          <p:cNvPr id="17" name="Freeform 11" title="right scallop background shape"/>
+          <p:cNvSpPr/>
+          <p:nvPr/>
+        </p:nvSpPr>
+        <p:spPr bwMode="auto">
+          <a:xfrm>
+            <a:off x="7389812" y="0"/>
+            <a:ext cx="4802188" cy="6858000"/>
+          </a:xfrm>
+          <a:custGeom>
+            <a:avLst/>
+            <a:gdLst/>
+            <a:ahLst/>
+            <a:cxnLst/>
+            <a:rect l="0" t="0" r="r" b="b"/>
+            <a:pathLst>
+              <a:path w="3025" h="4320">
+                <a:moveTo>
+                  <a:pt x="0" y="0"/>
+                </a:moveTo>
+                <a:lnTo>
+                  <a:pt x="3025" y="0"/>
+                </a:lnTo>
+                <a:lnTo>
+                  <a:pt x="3025" y="4320"/>
+                </a:lnTo>
+                <a:lnTo>
+                  <a:pt x="0" y="4320"/>
+                </a:lnTo>
+                <a:lnTo>
+                  <a:pt x="3" y="4278"/>
+                </a:lnTo>
+                <a:lnTo>
+                  <a:pt x="8" y="4243"/>
+                </a:lnTo>
+                <a:lnTo>
+                  <a:pt x="14" y="4210"/>
+                </a:lnTo>
+                <a:lnTo>
+                  <a:pt x="24" y="4183"/>
+                </a:lnTo>
+                <a:lnTo>
+                  <a:pt x="34" y="4156"/>
+                </a:lnTo>
+                <a:lnTo>
+                  <a:pt x="46" y="4133"/>
+                </a:lnTo>
+                <a:lnTo>
+                  <a:pt x="58" y="4109"/>
+                </a:lnTo>
+                <a:lnTo>
+                  <a:pt x="69" y="4087"/>
+                </a:lnTo>
+                <a:lnTo>
+                  <a:pt x="80" y="4062"/>
+                </a:lnTo>
+                <a:lnTo>
+                  <a:pt x="90" y="4036"/>
+                </a:lnTo>
+                <a:lnTo>
+                  <a:pt x="99" y="4007"/>
+                </a:lnTo>
+                <a:lnTo>
+                  <a:pt x="106" y="3976"/>
+                </a:lnTo>
+                <a:lnTo>
+                  <a:pt x="111" y="3938"/>
+                </a:lnTo>
+                <a:lnTo>
+                  <a:pt x="113" y="3895"/>
+                </a:lnTo>
+                <a:lnTo>
+                  <a:pt x="111" y="3851"/>
+                </a:lnTo>
+                <a:lnTo>
+                  <a:pt x="106" y="3815"/>
+                </a:lnTo>
+                <a:lnTo>
+                  <a:pt x="99" y="3782"/>
+                </a:lnTo>
+                <a:lnTo>
+                  <a:pt x="90" y="3752"/>
+                </a:lnTo>
+                <a:lnTo>
+                  <a:pt x="80" y="3726"/>
+                </a:lnTo>
+                <a:lnTo>
+                  <a:pt x="68" y="3702"/>
+                </a:lnTo>
+                <a:lnTo>
+                  <a:pt x="56" y="3679"/>
+                </a:lnTo>
+                <a:lnTo>
+                  <a:pt x="44" y="3655"/>
+                </a:lnTo>
+                <a:lnTo>
+                  <a:pt x="33" y="3630"/>
+                </a:lnTo>
+                <a:lnTo>
+                  <a:pt x="22" y="3604"/>
+                </a:lnTo>
+                <a:lnTo>
+                  <a:pt x="13" y="3575"/>
+                </a:lnTo>
+                <a:lnTo>
+                  <a:pt x="7" y="3542"/>
+                </a:lnTo>
+                <a:lnTo>
+                  <a:pt x="1" y="3504"/>
+                </a:lnTo>
+                <a:lnTo>
+                  <a:pt x="0" y="3461"/>
+                </a:lnTo>
+                <a:lnTo>
+                  <a:pt x="1" y="3418"/>
+                </a:lnTo>
+                <a:lnTo>
+                  <a:pt x="7" y="3380"/>
+                </a:lnTo>
+                <a:lnTo>
+                  <a:pt x="13" y="3347"/>
+                </a:lnTo>
+                <a:lnTo>
+                  <a:pt x="22" y="3319"/>
+                </a:lnTo>
+                <a:lnTo>
+                  <a:pt x="33" y="3292"/>
+                </a:lnTo>
+                <a:lnTo>
+                  <a:pt x="44" y="3267"/>
+                </a:lnTo>
+                <a:lnTo>
+                  <a:pt x="56" y="3244"/>
+                </a:lnTo>
+                <a:lnTo>
+                  <a:pt x="68" y="3222"/>
+                </a:lnTo>
+                <a:lnTo>
+                  <a:pt x="80" y="3197"/>
+                </a:lnTo>
+                <a:lnTo>
+                  <a:pt x="90" y="3171"/>
+                </a:lnTo>
+                <a:lnTo>
+                  <a:pt x="99" y="3142"/>
+                </a:lnTo>
+                <a:lnTo>
+                  <a:pt x="106" y="3109"/>
+                </a:lnTo>
+                <a:lnTo>
+                  <a:pt x="111" y="3071"/>
+                </a:lnTo>
+                <a:lnTo>
+                  <a:pt x="113" y="3028"/>
+                </a:lnTo>
+                <a:lnTo>
+                  <a:pt x="111" y="2985"/>
+                </a:lnTo>
+                <a:lnTo>
+                  <a:pt x="106" y="2947"/>
+                </a:lnTo>
+                <a:lnTo>
+                  <a:pt x="99" y="2914"/>
+                </a:lnTo>
+                <a:lnTo>
+                  <a:pt x="90" y="2885"/>
+                </a:lnTo>
+                <a:lnTo>
+                  <a:pt x="80" y="2858"/>
+                </a:lnTo>
+                <a:lnTo>
+                  <a:pt x="68" y="2834"/>
+                </a:lnTo>
+                <a:lnTo>
+                  <a:pt x="44" y="2787"/>
+                </a:lnTo>
+                <a:lnTo>
+                  <a:pt x="33" y="2763"/>
+                </a:lnTo>
+                <a:lnTo>
+                  <a:pt x="22" y="2736"/>
+                </a:lnTo>
+                <a:lnTo>
+                  <a:pt x="13" y="2707"/>
+                </a:lnTo>
+                <a:lnTo>
+                  <a:pt x="7" y="2674"/>
+                </a:lnTo>
+                <a:lnTo>
+                  <a:pt x="1" y="2637"/>
+                </a:lnTo>
+                <a:lnTo>
+                  <a:pt x="0" y="2593"/>
+                </a:lnTo>
+                <a:lnTo>
+                  <a:pt x="1" y="2550"/>
+                </a:lnTo>
+                <a:lnTo>
+                  <a:pt x="7" y="2512"/>
+                </a:lnTo>
+                <a:lnTo>
+                  <a:pt x="13" y="2479"/>
+                </a:lnTo>
+                <a:lnTo>
+                  <a:pt x="22" y="2451"/>
+                </a:lnTo>
+                <a:lnTo>
+                  <a:pt x="33" y="2424"/>
+                </a:lnTo>
+                <a:lnTo>
+                  <a:pt x="44" y="2401"/>
+                </a:lnTo>
+                <a:lnTo>
+                  <a:pt x="68" y="2354"/>
+                </a:lnTo>
+                <a:lnTo>
+                  <a:pt x="80" y="2329"/>
+                </a:lnTo>
+                <a:lnTo>
+                  <a:pt x="90" y="2303"/>
+                </a:lnTo>
+                <a:lnTo>
+                  <a:pt x="99" y="2274"/>
+                </a:lnTo>
+                <a:lnTo>
+                  <a:pt x="106" y="2241"/>
+                </a:lnTo>
+                <a:lnTo>
+                  <a:pt x="111" y="2203"/>
+                </a:lnTo>
+                <a:lnTo>
+                  <a:pt x="113" y="2159"/>
+                </a:lnTo>
+                <a:lnTo>
+                  <a:pt x="111" y="2117"/>
+                </a:lnTo>
+                <a:lnTo>
+                  <a:pt x="106" y="2079"/>
+                </a:lnTo>
+                <a:lnTo>
+                  <a:pt x="99" y="2046"/>
+                </a:lnTo>
+                <a:lnTo>
+                  <a:pt x="90" y="2017"/>
+                </a:lnTo>
+                <a:lnTo>
+                  <a:pt x="80" y="1991"/>
+                </a:lnTo>
+                <a:lnTo>
+                  <a:pt x="68" y="1966"/>
+                </a:lnTo>
+                <a:lnTo>
+                  <a:pt x="56" y="1943"/>
+                </a:lnTo>
+                <a:lnTo>
+                  <a:pt x="44" y="1919"/>
+                </a:lnTo>
+                <a:lnTo>
+                  <a:pt x="33" y="1896"/>
+                </a:lnTo>
+                <a:lnTo>
+                  <a:pt x="22" y="1869"/>
+                </a:lnTo>
+                <a:lnTo>
+                  <a:pt x="13" y="1841"/>
+                </a:lnTo>
+                <a:lnTo>
+                  <a:pt x="7" y="1807"/>
+                </a:lnTo>
+                <a:lnTo>
+                  <a:pt x="1" y="1770"/>
+                </a:lnTo>
+                <a:lnTo>
+                  <a:pt x="0" y="1727"/>
+                </a:lnTo>
+                <a:lnTo>
+                  <a:pt x="1" y="1683"/>
+                </a:lnTo>
+                <a:lnTo>
+                  <a:pt x="7" y="1646"/>
+                </a:lnTo>
+                <a:lnTo>
+                  <a:pt x="13" y="1613"/>
+                </a:lnTo>
+                <a:lnTo>
+                  <a:pt x="22" y="1583"/>
+                </a:lnTo>
+                <a:lnTo>
+                  <a:pt x="33" y="1557"/>
+                </a:lnTo>
+                <a:lnTo>
+                  <a:pt x="44" y="1533"/>
+                </a:lnTo>
+                <a:lnTo>
+                  <a:pt x="56" y="1509"/>
+                </a:lnTo>
+                <a:lnTo>
+                  <a:pt x="68" y="1486"/>
+                </a:lnTo>
+                <a:lnTo>
+                  <a:pt x="80" y="1461"/>
+                </a:lnTo>
+                <a:lnTo>
+                  <a:pt x="90" y="1435"/>
+                </a:lnTo>
+                <a:lnTo>
+                  <a:pt x="99" y="1406"/>
+                </a:lnTo>
+                <a:lnTo>
+                  <a:pt x="106" y="1373"/>
+                </a:lnTo>
+                <a:lnTo>
+                  <a:pt x="111" y="1335"/>
+                </a:lnTo>
+                <a:lnTo>
+                  <a:pt x="113" y="1292"/>
+                </a:lnTo>
+                <a:lnTo>
+                  <a:pt x="111" y="1249"/>
+                </a:lnTo>
+                <a:lnTo>
+                  <a:pt x="106" y="1211"/>
+                </a:lnTo>
+                <a:lnTo>
+                  <a:pt x="99" y="1178"/>
+                </a:lnTo>
+                <a:lnTo>
+                  <a:pt x="90" y="1149"/>
+                </a:lnTo>
+                <a:lnTo>
+                  <a:pt x="80" y="1123"/>
+                </a:lnTo>
+                <a:lnTo>
+                  <a:pt x="68" y="1098"/>
+                </a:lnTo>
+                <a:lnTo>
+                  <a:pt x="56" y="1076"/>
+                </a:lnTo>
+                <a:lnTo>
+                  <a:pt x="44" y="1053"/>
+                </a:lnTo>
+                <a:lnTo>
+                  <a:pt x="33" y="1028"/>
+                </a:lnTo>
+                <a:lnTo>
+                  <a:pt x="22" y="1001"/>
+                </a:lnTo>
+                <a:lnTo>
+                  <a:pt x="13" y="973"/>
+                </a:lnTo>
+                <a:lnTo>
+                  <a:pt x="7" y="940"/>
+                </a:lnTo>
+                <a:lnTo>
+                  <a:pt x="1" y="902"/>
+                </a:lnTo>
+                <a:lnTo>
+                  <a:pt x="0" y="859"/>
+                </a:lnTo>
+                <a:lnTo>
+                  <a:pt x="1" y="816"/>
+                </a:lnTo>
+                <a:lnTo>
+                  <a:pt x="7" y="778"/>
+                </a:lnTo>
+                <a:lnTo>
+                  <a:pt x="13" y="745"/>
+                </a:lnTo>
+                <a:lnTo>
+                  <a:pt x="22" y="716"/>
+                </a:lnTo>
+                <a:lnTo>
+                  <a:pt x="33" y="690"/>
+                </a:lnTo>
+                <a:lnTo>
+                  <a:pt x="44" y="665"/>
+                </a:lnTo>
+                <a:lnTo>
+                  <a:pt x="56" y="641"/>
+                </a:lnTo>
+                <a:lnTo>
+                  <a:pt x="68" y="618"/>
+                </a:lnTo>
+                <a:lnTo>
+                  <a:pt x="80" y="594"/>
+                </a:lnTo>
+                <a:lnTo>
+                  <a:pt x="90" y="568"/>
+                </a:lnTo>
+                <a:lnTo>
+                  <a:pt x="99" y="538"/>
+                </a:lnTo>
+                <a:lnTo>
+                  <a:pt x="106" y="505"/>
+                </a:lnTo>
+                <a:lnTo>
+                  <a:pt x="111" y="469"/>
+                </a:lnTo>
+                <a:lnTo>
+                  <a:pt x="113" y="424"/>
+                </a:lnTo>
+                <a:lnTo>
+                  <a:pt x="111" y="382"/>
+                </a:lnTo>
+                <a:lnTo>
+                  <a:pt x="106" y="344"/>
+                </a:lnTo>
+                <a:lnTo>
+                  <a:pt x="99" y="313"/>
+                </a:lnTo>
+                <a:lnTo>
+                  <a:pt x="90" y="284"/>
+                </a:lnTo>
+                <a:lnTo>
+                  <a:pt x="80" y="258"/>
+                </a:lnTo>
+                <a:lnTo>
+                  <a:pt x="69" y="233"/>
+                </a:lnTo>
+                <a:lnTo>
+                  <a:pt x="58" y="211"/>
+                </a:lnTo>
+                <a:lnTo>
+                  <a:pt x="46" y="187"/>
+                </a:lnTo>
+                <a:lnTo>
+                  <a:pt x="34" y="164"/>
+                </a:lnTo>
+                <a:lnTo>
+                  <a:pt x="24" y="137"/>
+                </a:lnTo>
+                <a:lnTo>
+                  <a:pt x="14" y="110"/>
+                </a:lnTo>
+                <a:lnTo>
+                  <a:pt x="8" y="77"/>
+                </a:lnTo>
+                <a:lnTo>
+                  <a:pt x="3" y="42"/>
+                </a:lnTo>
+                <a:lnTo>
+                  <a:pt x="0" y="0"/>
+                </a:lnTo>
+                <a:close/>
+              </a:path>
+            </a:pathLst>
+          </a:custGeom>
+          <a:solidFill>
+            <a:schemeClr val="tx2"/>
+          </a:solidFill>
+          <a:ln w="0">
+            <a:noFill/>
+            <a:prstDash val="solid"/>
+            <a:round/>
+            <a:headEnd/>
+            <a:tailEnd/>
+          </a:ln>
+        </p:spPr>
+      </p:sp>
+      <p:sp>
+        <p:nvSpPr>
+          <p:cNvPr id="2" name="Title 1"/>
           <p:cNvSpPr>
             <a:spLocks noGrp="1"/>
           </p:cNvSpPr>
@@ -2198,15 +4576,25 @@
         </p:nvSpPr>
         <p:spPr>
           <a:xfrm>
-            <a:off x="839788" y="457200"/>
-            <a:ext cx="3932237" cy="1600200"/>
+            <a:off x="8337884" y="457199"/>
+            <a:ext cx="3092115" cy="1196671"/>
           </a:xfrm>
         </p:spPr>
         <p:txBody>
-          <a:bodyPr anchor="b"/>
+          <a:bodyPr anchor="b">
+            <a:normAutofit/>
+          </a:bodyPr>
           <a:lstStyle>
             <a:lvl1pPr>
-              <a:defRPr sz="3200"/>
+              <a:lnSpc>
+                <a:spcPct val="100000"/>
+              </a:lnSpc>
+              <a:defRPr sz="1900" b="1" i="0" cap="all" spc="300" baseline="0">
+                <a:solidFill>
+                  <a:schemeClr val="accent1"/>
+                </a:solidFill>
+                <a:latin typeface="+mn-lt"/>
+              </a:defRPr>
             </a:lvl1pPr>
           </a:lstStyle>
           <a:p>
@@ -2214,18 +4602,13 @@
               <a:rPr lang="en-US"/>
               <a:t>Click to edit Master title style</a:t>
             </a:r>
+            <a:endParaRPr lang="en-US" dirty="0"/>
           </a:p>
         </p:txBody>
       </p:sp>
       <p:sp>
         <p:nvSpPr>
-          <p:cNvPr id="3" name="Content Placeholder 2">
-            <a:extLst>
-              <a:ext uri="{FF2B5EF4-FFF2-40B4-BE49-F238E27FC236}">
-                <a16:creationId xmlns:a16="http://schemas.microsoft.com/office/drawing/2014/main" id="{C4129C55-3688-44BD-86E1-729BA4EDB8A4}"/>
-              </a:ext>
-            </a:extLst>
-          </p:cNvPr>
+          <p:cNvPr id="3" name="Content Placeholder 2"/>
           <p:cNvSpPr>
             <a:spLocks noGrp="1"/>
           </p:cNvSpPr>
@@ -2235,8 +4618,8 @@
         </p:nvSpPr>
         <p:spPr>
           <a:xfrm>
-            <a:off x="5183188" y="987425"/>
-            <a:ext cx="6172200" cy="4873625"/>
+            <a:off x="765051" y="920377"/>
+            <a:ext cx="6158418" cy="4985124"/>
           </a:xfrm>
         </p:spPr>
         <p:txBody>
@@ -2304,18 +4687,13 @@
               <a:rPr lang="en-US"/>
               <a:t>Fifth level</a:t>
             </a:r>
+            <a:endParaRPr lang="en-US" dirty="0"/>
           </a:p>
         </p:txBody>
       </p:sp>
       <p:sp>
         <p:nvSpPr>
-          <p:cNvPr id="4" name="Text Placeholder 3">
-            <a:extLst>
-              <a:ext uri="{FF2B5EF4-FFF2-40B4-BE49-F238E27FC236}">
-                <a16:creationId xmlns:a16="http://schemas.microsoft.com/office/drawing/2014/main" id="{75225411-B1E2-491D-9971-BB18551974A2}"/>
-              </a:ext>
-            </a:extLst>
-          </p:cNvPr>
+          <p:cNvPr id="4" name="Text Placeholder 3"/>
           <p:cNvSpPr>
             <a:spLocks noGrp="1"/>
           </p:cNvSpPr>
@@ -2325,16 +4703,26 @@
         </p:nvSpPr>
         <p:spPr>
           <a:xfrm>
-            <a:off x="839788" y="2057400"/>
-            <a:ext cx="3932237" cy="3811588"/>
+            <a:off x="8337885" y="1741336"/>
+            <a:ext cx="3092115" cy="4164164"/>
           </a:xfrm>
         </p:spPr>
         <p:txBody>
           <a:bodyPr/>
           <a:lstStyle>
             <a:lvl1pPr marL="0" indent="0">
+              <a:lnSpc>
+                <a:spcPct val="120000"/>
+              </a:lnSpc>
+              <a:spcBef>
+                <a:spcPts val="1200"/>
+              </a:spcBef>
               <a:buNone/>
-              <a:defRPr sz="1600"/>
+              <a:defRPr sz="1600" baseline="0">
+                <a:solidFill>
+                  <a:schemeClr val="bg2"/>
+                </a:solidFill>
+              </a:defRPr>
             </a:lvl1pPr>
             <a:lvl2pPr marL="457200" indent="0">
               <a:buNone/>
@@ -2380,13 +4768,7 @@
       </p:sp>
       <p:sp>
         <p:nvSpPr>
-          <p:cNvPr id="5" name="Date Placeholder 4">
-            <a:extLst>
-              <a:ext uri="{FF2B5EF4-FFF2-40B4-BE49-F238E27FC236}">
-                <a16:creationId xmlns:a16="http://schemas.microsoft.com/office/drawing/2014/main" id="{493F4E69-3B5C-4B4F-ABC7-64314704E598}"/>
-              </a:ext>
-            </a:extLst>
-          </p:cNvPr>
+          <p:cNvPr id="5" name="Date Placeholder 4"/>
           <p:cNvSpPr>
             <a:spLocks noGrp="1"/>
           </p:cNvSpPr>
@@ -2394,14 +4776,19 @@
             <p:ph type="dt" sz="half" idx="10"/>
           </p:nvPr>
         </p:nvSpPr>
-        <p:spPr/>
+        <p:spPr>
+          <a:xfrm>
+            <a:off x="765051" y="6375679"/>
+            <a:ext cx="1233355" cy="348462"/>
+          </a:xfrm>
+        </p:spPr>
         <p:txBody>
           <a:bodyPr/>
           <a:lstStyle/>
           <a:p>
             <a:fld id="{F219F925-99BD-4AD1-A639-9652BFEDB5F5}" type="datetimeFigureOut">
               <a:rPr lang="en-US" smtClean="0"/>
-              <a:t>7/21/2018</a:t>
+              <a:t>7/23/2018</a:t>
             </a:fld>
             <a:endParaRPr lang="en-US"/>
           </a:p>
@@ -2409,13 +4796,7 @@
       </p:sp>
       <p:sp>
         <p:nvSpPr>
-          <p:cNvPr id="6" name="Footer Placeholder 5">
-            <a:extLst>
-              <a:ext uri="{FF2B5EF4-FFF2-40B4-BE49-F238E27FC236}">
-                <a16:creationId xmlns:a16="http://schemas.microsoft.com/office/drawing/2014/main" id="{2A635801-BF08-4B52-98F7-99BBEDB9B447}"/>
-              </a:ext>
-            </a:extLst>
-          </p:cNvPr>
+          <p:cNvPr id="6" name="Footer Placeholder 5"/>
           <p:cNvSpPr>
             <a:spLocks noGrp="1"/>
           </p:cNvSpPr>
@@ -2423,7 +4804,12 @@
             <p:ph type="ftr" sz="quarter" idx="11"/>
           </p:nvPr>
         </p:nvSpPr>
-        <p:spPr/>
+        <p:spPr>
+          <a:xfrm>
+            <a:off x="2103620" y="6375679"/>
+            <a:ext cx="3482179" cy="345796"/>
+          </a:xfrm>
+        </p:spPr>
         <p:txBody>
           <a:bodyPr/>
           <a:lstStyle/>
@@ -2434,13 +4820,7 @@
       </p:sp>
       <p:sp>
         <p:nvSpPr>
-          <p:cNvPr id="7" name="Slide Number Placeholder 6">
-            <a:extLst>
-              <a:ext uri="{FF2B5EF4-FFF2-40B4-BE49-F238E27FC236}">
-                <a16:creationId xmlns:a16="http://schemas.microsoft.com/office/drawing/2014/main" id="{B2E285B5-7CCE-48CA-A42B-08BA1D006940}"/>
-              </a:ext>
-            </a:extLst>
-          </p:cNvPr>
+          <p:cNvPr id="7" name="Slide Number Placeholder 6"/>
           <p:cNvSpPr>
             <a:spLocks noGrp="1"/>
           </p:cNvSpPr>
@@ -2448,7 +4828,12 @@
             <p:ph type="sldNum" sz="quarter" idx="12"/>
           </p:nvPr>
         </p:nvSpPr>
-        <p:spPr/>
+        <p:spPr>
+          <a:xfrm>
+            <a:off x="5691014" y="6375679"/>
+            <a:ext cx="1232456" cy="345796"/>
+          </a:xfrm>
+        </p:spPr>
         <p:txBody>
           <a:bodyPr/>
           <a:lstStyle/>
@@ -2461,21 +4846,70 @@
           </a:p>
         </p:txBody>
       </p:sp>
+      <p:sp>
+        <p:nvSpPr>
+          <p:cNvPr id="8" name="Rectangle 7" title="left edge border"/>
+          <p:cNvSpPr/>
+          <p:nvPr/>
+        </p:nvSpPr>
+        <p:spPr>
+          <a:xfrm>
+            <a:off x="0" y="0"/>
+            <a:ext cx="283464" cy="6858000"/>
+          </a:xfrm>
+          <a:prstGeom prst="rect">
+            <a:avLst/>
+          </a:prstGeom>
+          <a:solidFill>
+            <a:schemeClr val="accent1"/>
+          </a:solidFill>
+          <a:ln>
+            <a:noFill/>
+          </a:ln>
+        </p:spPr>
+        <p:style>
+          <a:lnRef idx="2">
+            <a:schemeClr val="accent1">
+              <a:shade val="50000"/>
+            </a:schemeClr>
+          </a:lnRef>
+          <a:fillRef idx="1">
+            <a:schemeClr val="accent1"/>
+          </a:fillRef>
+          <a:effectRef idx="0">
+            <a:schemeClr val="accent1"/>
+          </a:effectRef>
+          <a:fontRef idx="minor">
+            <a:schemeClr val="lt1"/>
+          </a:fontRef>
+        </p:style>
+      </p:sp>
     </p:spTree>
     <p:extLst>
       <p:ext uri="{BB962C8B-B14F-4D97-AF65-F5344CB8AC3E}">
-        <p14:creationId xmlns:p14="http://schemas.microsoft.com/office/powerpoint/2010/main" val="2053279228"/>
+        <p14:creationId xmlns:p14="http://schemas.microsoft.com/office/powerpoint/2010/main" val="2429869562"/>
       </p:ext>
     </p:extLst>
   </p:cSld>
   <p:clrMapOvr>
     <a:masterClrMapping/>
   </p:clrMapOvr>
+  <p:extLst mod="1">
+    <p:ext uri="{DCECCB84-F9BA-43D5-87BE-67443E8EF086}">
+      <p15:sldGuideLst xmlns:p15="http://schemas.microsoft.com/office/powerpoint/2012/main">
+        <p15:guide id="1" orient="horz" pos="696">
+          <p15:clr>
+            <a:srgbClr val="FBAE40"/>
+          </p15:clr>
+        </p15:guide>
+      </p15:sldGuideLst>
+    </p:ext>
+  </p:extLst>
 </p:sldLayout>
 </file>
 
 <file path=ppt/slideLayouts/slideLayout9.xml><?xml version="1.0" encoding="utf-8"?>
-<p:sldLayout xmlns:a="http://schemas.openxmlformats.org/drawingml/2006/main" xmlns:r="http://schemas.openxmlformats.org/officeDocument/2006/relationships" xmlns:p="http://schemas.openxmlformats.org/presentationml/2006/main" type="picTx" preserve="1">
+<p:sldLayout xmlns:a="http://schemas.openxmlformats.org/drawingml/2006/main" xmlns:r="http://schemas.openxmlformats.org/officeDocument/2006/relationships" xmlns:p="http://schemas.openxmlformats.org/presentationml/2006/main" showMasterSp="0" type="picTx" preserve="1">
   <p:cSld name="Picture with Caption">
     <p:spTree>
       <p:nvGrpSpPr>
@@ -2493,52 +4927,9 @@
       </p:grpSpPr>
       <p:sp>
         <p:nvSpPr>
-          <p:cNvPr id="2" name="Title 1">
-            <a:extLst>
-              <a:ext uri="{FF2B5EF4-FFF2-40B4-BE49-F238E27FC236}">
-                <a16:creationId xmlns:a16="http://schemas.microsoft.com/office/drawing/2014/main" id="{69E39138-C1F7-4A3C-98F7-A8B8E30CE820}"/>
-              </a:ext>
-            </a:extLst>
-          </p:cNvPr>
+          <p:cNvPr id="3" name="Picture Placeholder 2"/>
           <p:cNvSpPr>
-            <a:spLocks noGrp="1"/>
-          </p:cNvSpPr>
-          <p:nvPr>
-            <p:ph type="title"/>
-          </p:nvPr>
-        </p:nvSpPr>
-        <p:spPr>
-          <a:xfrm>
-            <a:off x="839788" y="457200"/>
-            <a:ext cx="3932237" cy="1600200"/>
-          </a:xfrm>
-        </p:spPr>
-        <p:txBody>
-          <a:bodyPr anchor="b"/>
-          <a:lstStyle>
-            <a:lvl1pPr>
-              <a:defRPr sz="3200"/>
-            </a:lvl1pPr>
-          </a:lstStyle>
-          <a:p>
-            <a:r>
-              <a:rPr lang="en-US"/>
-              <a:t>Click to edit Master title style</a:t>
-            </a:r>
-          </a:p>
-        </p:txBody>
-      </p:sp>
-      <p:sp>
-        <p:nvSpPr>
-          <p:cNvPr id="3" name="Picture Placeholder 2">
-            <a:extLst>
-              <a:ext uri="{FF2B5EF4-FFF2-40B4-BE49-F238E27FC236}">
-                <a16:creationId xmlns:a16="http://schemas.microsoft.com/office/drawing/2014/main" id="{5C271B72-7615-4208-8F6B-E79DC1EB8E67}"/>
-              </a:ext>
-            </a:extLst>
-          </p:cNvPr>
-          <p:cNvSpPr>
-            <a:spLocks noGrp="1"/>
+            <a:spLocks noGrp="1" noChangeAspect="1"/>
           </p:cNvSpPr>
           <p:nvPr>
             <p:ph type="pic" idx="1"/>
@@ -2546,12 +4937,12 @@
         </p:nvSpPr>
         <p:spPr>
           <a:xfrm>
-            <a:off x="5183188" y="987425"/>
-            <a:ext cx="6172200" cy="4873625"/>
+            <a:off x="283464" y="0"/>
+            <a:ext cx="7355585" cy="6857999"/>
           </a:xfrm>
         </p:spPr>
         <p:txBody>
-          <a:bodyPr/>
+          <a:bodyPr anchor="t"/>
           <a:lstStyle>
             <a:lvl1pPr marL="0" indent="0">
               <a:buNone/>
@@ -2591,19 +4982,558 @@
             </a:lvl9pPr>
           </a:lstStyle>
           <a:p>
-            <a:endParaRPr lang="en-US"/>
+            <a:r>
+              <a:rPr lang="en-US"/>
+              <a:t>Click icon to add picture</a:t>
+            </a:r>
+            <a:endParaRPr lang="en-US" dirty="0"/>
           </a:p>
         </p:txBody>
       </p:sp>
       <p:sp>
         <p:nvSpPr>
-          <p:cNvPr id="4" name="Text Placeholder 3">
-            <a:extLst>
-              <a:ext uri="{FF2B5EF4-FFF2-40B4-BE49-F238E27FC236}">
-                <a16:creationId xmlns:a16="http://schemas.microsoft.com/office/drawing/2014/main" id="{3BC724C9-9C6A-4878-944A-20447675FCA6}"/>
-              </a:ext>
-            </a:extLst>
-          </p:cNvPr>
+          <p:cNvPr id="11" name="Freeform 11" title="right scallop background shape"/>
+          <p:cNvSpPr/>
+          <p:nvPr/>
+        </p:nvSpPr>
+        <p:spPr bwMode="auto">
+          <a:xfrm>
+            <a:off x="7389812" y="0"/>
+            <a:ext cx="4802188" cy="6858000"/>
+          </a:xfrm>
+          <a:custGeom>
+            <a:avLst/>
+            <a:gdLst/>
+            <a:ahLst/>
+            <a:cxnLst/>
+            <a:rect l="0" t="0" r="r" b="b"/>
+            <a:pathLst>
+              <a:path w="3025" h="4320">
+                <a:moveTo>
+                  <a:pt x="0" y="0"/>
+                </a:moveTo>
+                <a:lnTo>
+                  <a:pt x="3025" y="0"/>
+                </a:lnTo>
+                <a:lnTo>
+                  <a:pt x="3025" y="4320"/>
+                </a:lnTo>
+                <a:lnTo>
+                  <a:pt x="0" y="4320"/>
+                </a:lnTo>
+                <a:lnTo>
+                  <a:pt x="3" y="4278"/>
+                </a:lnTo>
+                <a:lnTo>
+                  <a:pt x="8" y="4243"/>
+                </a:lnTo>
+                <a:lnTo>
+                  <a:pt x="14" y="4210"/>
+                </a:lnTo>
+                <a:lnTo>
+                  <a:pt x="24" y="4183"/>
+                </a:lnTo>
+                <a:lnTo>
+                  <a:pt x="34" y="4156"/>
+                </a:lnTo>
+                <a:lnTo>
+                  <a:pt x="46" y="4133"/>
+                </a:lnTo>
+                <a:lnTo>
+                  <a:pt x="58" y="4109"/>
+                </a:lnTo>
+                <a:lnTo>
+                  <a:pt x="69" y="4087"/>
+                </a:lnTo>
+                <a:lnTo>
+                  <a:pt x="80" y="4062"/>
+                </a:lnTo>
+                <a:lnTo>
+                  <a:pt x="90" y="4036"/>
+                </a:lnTo>
+                <a:lnTo>
+                  <a:pt x="99" y="4007"/>
+                </a:lnTo>
+                <a:lnTo>
+                  <a:pt x="106" y="3976"/>
+                </a:lnTo>
+                <a:lnTo>
+                  <a:pt x="111" y="3938"/>
+                </a:lnTo>
+                <a:lnTo>
+                  <a:pt x="113" y="3895"/>
+                </a:lnTo>
+                <a:lnTo>
+                  <a:pt x="111" y="3851"/>
+                </a:lnTo>
+                <a:lnTo>
+                  <a:pt x="106" y="3815"/>
+                </a:lnTo>
+                <a:lnTo>
+                  <a:pt x="99" y="3782"/>
+                </a:lnTo>
+                <a:lnTo>
+                  <a:pt x="90" y="3752"/>
+                </a:lnTo>
+                <a:lnTo>
+                  <a:pt x="80" y="3726"/>
+                </a:lnTo>
+                <a:lnTo>
+                  <a:pt x="68" y="3702"/>
+                </a:lnTo>
+                <a:lnTo>
+                  <a:pt x="56" y="3679"/>
+                </a:lnTo>
+                <a:lnTo>
+                  <a:pt x="44" y="3655"/>
+                </a:lnTo>
+                <a:lnTo>
+                  <a:pt x="33" y="3630"/>
+                </a:lnTo>
+                <a:lnTo>
+                  <a:pt x="22" y="3604"/>
+                </a:lnTo>
+                <a:lnTo>
+                  <a:pt x="13" y="3575"/>
+                </a:lnTo>
+                <a:lnTo>
+                  <a:pt x="7" y="3542"/>
+                </a:lnTo>
+                <a:lnTo>
+                  <a:pt x="1" y="3504"/>
+                </a:lnTo>
+                <a:lnTo>
+                  <a:pt x="0" y="3461"/>
+                </a:lnTo>
+                <a:lnTo>
+                  <a:pt x="1" y="3418"/>
+                </a:lnTo>
+                <a:lnTo>
+                  <a:pt x="7" y="3380"/>
+                </a:lnTo>
+                <a:lnTo>
+                  <a:pt x="13" y="3347"/>
+                </a:lnTo>
+                <a:lnTo>
+                  <a:pt x="22" y="3319"/>
+                </a:lnTo>
+                <a:lnTo>
+                  <a:pt x="33" y="3292"/>
+                </a:lnTo>
+                <a:lnTo>
+                  <a:pt x="44" y="3267"/>
+                </a:lnTo>
+                <a:lnTo>
+                  <a:pt x="56" y="3244"/>
+                </a:lnTo>
+                <a:lnTo>
+                  <a:pt x="68" y="3222"/>
+                </a:lnTo>
+                <a:lnTo>
+                  <a:pt x="80" y="3197"/>
+                </a:lnTo>
+                <a:lnTo>
+                  <a:pt x="90" y="3171"/>
+                </a:lnTo>
+                <a:lnTo>
+                  <a:pt x="99" y="3142"/>
+                </a:lnTo>
+                <a:lnTo>
+                  <a:pt x="106" y="3109"/>
+                </a:lnTo>
+                <a:lnTo>
+                  <a:pt x="111" y="3071"/>
+                </a:lnTo>
+                <a:lnTo>
+                  <a:pt x="113" y="3028"/>
+                </a:lnTo>
+                <a:lnTo>
+                  <a:pt x="111" y="2985"/>
+                </a:lnTo>
+                <a:lnTo>
+                  <a:pt x="106" y="2947"/>
+                </a:lnTo>
+                <a:lnTo>
+                  <a:pt x="99" y="2914"/>
+                </a:lnTo>
+                <a:lnTo>
+                  <a:pt x="90" y="2885"/>
+                </a:lnTo>
+                <a:lnTo>
+                  <a:pt x="80" y="2858"/>
+                </a:lnTo>
+                <a:lnTo>
+                  <a:pt x="68" y="2834"/>
+                </a:lnTo>
+                <a:lnTo>
+                  <a:pt x="44" y="2787"/>
+                </a:lnTo>
+                <a:lnTo>
+                  <a:pt x="33" y="2763"/>
+                </a:lnTo>
+                <a:lnTo>
+                  <a:pt x="22" y="2736"/>
+                </a:lnTo>
+                <a:lnTo>
+                  <a:pt x="13" y="2707"/>
+                </a:lnTo>
+                <a:lnTo>
+                  <a:pt x="7" y="2674"/>
+                </a:lnTo>
+                <a:lnTo>
+                  <a:pt x="1" y="2637"/>
+                </a:lnTo>
+                <a:lnTo>
+                  <a:pt x="0" y="2593"/>
+                </a:lnTo>
+                <a:lnTo>
+                  <a:pt x="1" y="2550"/>
+                </a:lnTo>
+                <a:lnTo>
+                  <a:pt x="7" y="2512"/>
+                </a:lnTo>
+                <a:lnTo>
+                  <a:pt x="13" y="2479"/>
+                </a:lnTo>
+                <a:lnTo>
+                  <a:pt x="22" y="2451"/>
+                </a:lnTo>
+                <a:lnTo>
+                  <a:pt x="33" y="2424"/>
+                </a:lnTo>
+                <a:lnTo>
+                  <a:pt x="44" y="2401"/>
+                </a:lnTo>
+                <a:lnTo>
+                  <a:pt x="68" y="2354"/>
+                </a:lnTo>
+                <a:lnTo>
+                  <a:pt x="80" y="2329"/>
+                </a:lnTo>
+                <a:lnTo>
+                  <a:pt x="90" y="2303"/>
+                </a:lnTo>
+                <a:lnTo>
+                  <a:pt x="99" y="2274"/>
+                </a:lnTo>
+                <a:lnTo>
+                  <a:pt x="106" y="2241"/>
+                </a:lnTo>
+                <a:lnTo>
+                  <a:pt x="111" y="2203"/>
+                </a:lnTo>
+                <a:lnTo>
+                  <a:pt x="113" y="2159"/>
+                </a:lnTo>
+                <a:lnTo>
+                  <a:pt x="111" y="2117"/>
+                </a:lnTo>
+                <a:lnTo>
+                  <a:pt x="106" y="2079"/>
+                </a:lnTo>
+                <a:lnTo>
+                  <a:pt x="99" y="2046"/>
+                </a:lnTo>
+                <a:lnTo>
+                  <a:pt x="90" y="2017"/>
+                </a:lnTo>
+                <a:lnTo>
+                  <a:pt x="80" y="1991"/>
+                </a:lnTo>
+                <a:lnTo>
+                  <a:pt x="68" y="1966"/>
+                </a:lnTo>
+                <a:lnTo>
+                  <a:pt x="56" y="1943"/>
+                </a:lnTo>
+                <a:lnTo>
+                  <a:pt x="44" y="1919"/>
+                </a:lnTo>
+                <a:lnTo>
+                  <a:pt x="33" y="1896"/>
+                </a:lnTo>
+                <a:lnTo>
+                  <a:pt x="22" y="1869"/>
+                </a:lnTo>
+                <a:lnTo>
+                  <a:pt x="13" y="1841"/>
+                </a:lnTo>
+                <a:lnTo>
+                  <a:pt x="7" y="1807"/>
+                </a:lnTo>
+                <a:lnTo>
+                  <a:pt x="1" y="1770"/>
+                </a:lnTo>
+                <a:lnTo>
+                  <a:pt x="0" y="1727"/>
+                </a:lnTo>
+                <a:lnTo>
+                  <a:pt x="1" y="1683"/>
+                </a:lnTo>
+                <a:lnTo>
+                  <a:pt x="7" y="1646"/>
+                </a:lnTo>
+                <a:lnTo>
+                  <a:pt x="13" y="1613"/>
+                </a:lnTo>
+                <a:lnTo>
+                  <a:pt x="22" y="1583"/>
+                </a:lnTo>
+                <a:lnTo>
+                  <a:pt x="33" y="1557"/>
+                </a:lnTo>
+                <a:lnTo>
+                  <a:pt x="44" y="1533"/>
+                </a:lnTo>
+                <a:lnTo>
+                  <a:pt x="56" y="1509"/>
+                </a:lnTo>
+                <a:lnTo>
+                  <a:pt x="68" y="1486"/>
+                </a:lnTo>
+                <a:lnTo>
+                  <a:pt x="80" y="1461"/>
+                </a:lnTo>
+                <a:lnTo>
+                  <a:pt x="90" y="1435"/>
+                </a:lnTo>
+                <a:lnTo>
+                  <a:pt x="99" y="1406"/>
+                </a:lnTo>
+                <a:lnTo>
+                  <a:pt x="106" y="1373"/>
+                </a:lnTo>
+                <a:lnTo>
+                  <a:pt x="111" y="1335"/>
+                </a:lnTo>
+                <a:lnTo>
+                  <a:pt x="113" y="1292"/>
+                </a:lnTo>
+                <a:lnTo>
+                  <a:pt x="111" y="1249"/>
+                </a:lnTo>
+                <a:lnTo>
+                  <a:pt x="106" y="1211"/>
+                </a:lnTo>
+                <a:lnTo>
+                  <a:pt x="99" y="1178"/>
+                </a:lnTo>
+                <a:lnTo>
+                  <a:pt x="90" y="1149"/>
+                </a:lnTo>
+                <a:lnTo>
+                  <a:pt x="80" y="1123"/>
+                </a:lnTo>
+                <a:lnTo>
+                  <a:pt x="68" y="1098"/>
+                </a:lnTo>
+                <a:lnTo>
+                  <a:pt x="56" y="1076"/>
+                </a:lnTo>
+                <a:lnTo>
+                  <a:pt x="44" y="1053"/>
+                </a:lnTo>
+                <a:lnTo>
+                  <a:pt x="33" y="1028"/>
+                </a:lnTo>
+                <a:lnTo>
+                  <a:pt x="22" y="1001"/>
+                </a:lnTo>
+                <a:lnTo>
+                  <a:pt x="13" y="973"/>
+                </a:lnTo>
+                <a:lnTo>
+                  <a:pt x="7" y="940"/>
+                </a:lnTo>
+                <a:lnTo>
+                  <a:pt x="1" y="902"/>
+                </a:lnTo>
+                <a:lnTo>
+                  <a:pt x="0" y="859"/>
+                </a:lnTo>
+                <a:lnTo>
+                  <a:pt x="1" y="816"/>
+                </a:lnTo>
+                <a:lnTo>
+                  <a:pt x="7" y="778"/>
+                </a:lnTo>
+                <a:lnTo>
+                  <a:pt x="13" y="745"/>
+                </a:lnTo>
+                <a:lnTo>
+                  <a:pt x="22" y="716"/>
+                </a:lnTo>
+                <a:lnTo>
+                  <a:pt x="33" y="690"/>
+                </a:lnTo>
+                <a:lnTo>
+                  <a:pt x="44" y="665"/>
+                </a:lnTo>
+                <a:lnTo>
+                  <a:pt x="56" y="641"/>
+                </a:lnTo>
+                <a:lnTo>
+                  <a:pt x="68" y="618"/>
+                </a:lnTo>
+                <a:lnTo>
+                  <a:pt x="80" y="594"/>
+                </a:lnTo>
+                <a:lnTo>
+                  <a:pt x="90" y="568"/>
+                </a:lnTo>
+                <a:lnTo>
+                  <a:pt x="99" y="538"/>
+                </a:lnTo>
+                <a:lnTo>
+                  <a:pt x="106" y="505"/>
+                </a:lnTo>
+                <a:lnTo>
+                  <a:pt x="111" y="469"/>
+                </a:lnTo>
+                <a:lnTo>
+                  <a:pt x="113" y="424"/>
+                </a:lnTo>
+                <a:lnTo>
+                  <a:pt x="111" y="382"/>
+                </a:lnTo>
+                <a:lnTo>
+                  <a:pt x="106" y="344"/>
+                </a:lnTo>
+                <a:lnTo>
+                  <a:pt x="99" y="313"/>
+                </a:lnTo>
+                <a:lnTo>
+                  <a:pt x="90" y="284"/>
+                </a:lnTo>
+                <a:lnTo>
+                  <a:pt x="80" y="258"/>
+                </a:lnTo>
+                <a:lnTo>
+                  <a:pt x="69" y="233"/>
+                </a:lnTo>
+                <a:lnTo>
+                  <a:pt x="58" y="211"/>
+                </a:lnTo>
+                <a:lnTo>
+                  <a:pt x="46" y="187"/>
+                </a:lnTo>
+                <a:lnTo>
+                  <a:pt x="34" y="164"/>
+                </a:lnTo>
+                <a:lnTo>
+                  <a:pt x="24" y="137"/>
+                </a:lnTo>
+                <a:lnTo>
+                  <a:pt x="14" y="110"/>
+                </a:lnTo>
+                <a:lnTo>
+                  <a:pt x="8" y="77"/>
+                </a:lnTo>
+                <a:lnTo>
+                  <a:pt x="3" y="42"/>
+                </a:lnTo>
+                <a:lnTo>
+                  <a:pt x="0" y="0"/>
+                </a:lnTo>
+                <a:close/>
+              </a:path>
+            </a:pathLst>
+          </a:custGeom>
+          <a:solidFill>
+            <a:schemeClr val="tx2"/>
+          </a:solidFill>
+          <a:ln w="0">
+            <a:noFill/>
+            <a:prstDash val="solid"/>
+            <a:round/>
+            <a:headEnd/>
+            <a:tailEnd/>
+          </a:ln>
+        </p:spPr>
+      </p:sp>
+      <p:sp>
+        <p:nvSpPr>
+          <p:cNvPr id="12" name="Rectangle 11" title="left edge border"/>
+          <p:cNvSpPr/>
+          <p:nvPr/>
+        </p:nvSpPr>
+        <p:spPr>
+          <a:xfrm>
+            <a:off x="0" y="0"/>
+            <a:ext cx="283464" cy="6858000"/>
+          </a:xfrm>
+          <a:prstGeom prst="rect">
+            <a:avLst/>
+          </a:prstGeom>
+          <a:solidFill>
+            <a:schemeClr val="accent1"/>
+          </a:solidFill>
+          <a:ln>
+            <a:noFill/>
+          </a:ln>
+        </p:spPr>
+        <p:style>
+          <a:lnRef idx="2">
+            <a:schemeClr val="accent1">
+              <a:shade val="50000"/>
+            </a:schemeClr>
+          </a:lnRef>
+          <a:fillRef idx="1">
+            <a:schemeClr val="accent1"/>
+          </a:fillRef>
+          <a:effectRef idx="0">
+            <a:schemeClr val="accent1"/>
+          </a:effectRef>
+          <a:fontRef idx="minor">
+            <a:schemeClr val="lt1"/>
+          </a:fontRef>
+        </p:style>
+      </p:sp>
+      <p:sp>
+        <p:nvSpPr>
+          <p:cNvPr id="2" name="Title 1"/>
+          <p:cNvSpPr>
+            <a:spLocks noGrp="1"/>
+          </p:cNvSpPr>
+          <p:nvPr>
+            <p:ph type="title"/>
+          </p:nvPr>
+        </p:nvSpPr>
+        <p:spPr>
+          <a:xfrm>
+            <a:off x="8337883" y="457200"/>
+            <a:ext cx="3092117" cy="1196670"/>
+          </a:xfrm>
+        </p:spPr>
+        <p:txBody>
+          <a:bodyPr anchor="b">
+            <a:normAutofit/>
+          </a:bodyPr>
+          <a:lstStyle>
+            <a:lvl1pPr>
+              <a:lnSpc>
+                <a:spcPct val="100000"/>
+              </a:lnSpc>
+              <a:defRPr sz="1900" b="1" i="0" spc="300" baseline="0">
+                <a:solidFill>
+                  <a:schemeClr val="accent1"/>
+                </a:solidFill>
+                <a:latin typeface="+mn-lt"/>
+              </a:defRPr>
+            </a:lvl1pPr>
+          </a:lstStyle>
+          <a:p>
+            <a:r>
+              <a:rPr lang="en-US"/>
+              <a:t>Click to edit Master title style</a:t>
+            </a:r>
+            <a:endParaRPr lang="en-US" dirty="0"/>
+          </a:p>
+        </p:txBody>
+      </p:sp>
+      <p:sp>
+        <p:nvSpPr>
+          <p:cNvPr id="4" name="Text Placeholder 3"/>
           <p:cNvSpPr>
             <a:spLocks noGrp="1"/>
           </p:cNvSpPr>
@@ -2613,16 +5543,26 @@
         </p:nvSpPr>
         <p:spPr>
           <a:xfrm>
-            <a:off x="839788" y="2057400"/>
-            <a:ext cx="3932237" cy="3811588"/>
+            <a:off x="8337883" y="1741336"/>
+            <a:ext cx="3092117" cy="4164164"/>
           </a:xfrm>
         </p:spPr>
         <p:txBody>
           <a:bodyPr/>
           <a:lstStyle>
             <a:lvl1pPr marL="0" indent="0">
+              <a:lnSpc>
+                <a:spcPct val="120000"/>
+              </a:lnSpc>
+              <a:spcBef>
+                <a:spcPts val="1200"/>
+              </a:spcBef>
               <a:buNone/>
-              <a:defRPr sz="1600"/>
+              <a:defRPr sz="1600" baseline="0">
+                <a:solidFill>
+                  <a:schemeClr val="bg2"/>
+                </a:solidFill>
+              </a:defRPr>
             </a:lvl1pPr>
             <a:lvl2pPr marL="457200" indent="0">
               <a:buNone/>
@@ -2668,13 +5608,7 @@
       </p:sp>
       <p:sp>
         <p:nvSpPr>
-          <p:cNvPr id="5" name="Date Placeholder 4">
-            <a:extLst>
-              <a:ext uri="{FF2B5EF4-FFF2-40B4-BE49-F238E27FC236}">
-                <a16:creationId xmlns:a16="http://schemas.microsoft.com/office/drawing/2014/main" id="{7AD34DA0-E17B-4FC7-9820-FDC3550885FB}"/>
-              </a:ext>
-            </a:extLst>
-          </p:cNvPr>
+          <p:cNvPr id="5" name="Date Placeholder 4"/>
           <p:cNvSpPr>
             <a:spLocks noGrp="1"/>
           </p:cNvSpPr>
@@ -2682,14 +5616,19 @@
             <p:ph type="dt" sz="half" idx="10"/>
           </p:nvPr>
         </p:nvSpPr>
-        <p:spPr/>
+        <p:spPr>
+          <a:xfrm>
+            <a:off x="765950" y="6375679"/>
+            <a:ext cx="1232456" cy="348462"/>
+          </a:xfrm>
+        </p:spPr>
         <p:txBody>
           <a:bodyPr/>
           <a:lstStyle/>
           <a:p>
             <a:fld id="{F219F925-99BD-4AD1-A639-9652BFEDB5F5}" type="datetimeFigureOut">
               <a:rPr lang="en-US" smtClean="0"/>
-              <a:t>7/21/2018</a:t>
+              <a:t>7/23/2018</a:t>
             </a:fld>
             <a:endParaRPr lang="en-US"/>
           </a:p>
@@ -2697,13 +5636,7 @@
       </p:sp>
       <p:sp>
         <p:nvSpPr>
-          <p:cNvPr id="6" name="Footer Placeholder 5">
-            <a:extLst>
-              <a:ext uri="{FF2B5EF4-FFF2-40B4-BE49-F238E27FC236}">
-                <a16:creationId xmlns:a16="http://schemas.microsoft.com/office/drawing/2014/main" id="{9EE52F54-D005-4639-8AEC-9D05B385FFDF}"/>
-              </a:ext>
-            </a:extLst>
-          </p:cNvPr>
+          <p:cNvPr id="6" name="Footer Placeholder 5"/>
           <p:cNvSpPr>
             <a:spLocks noGrp="1"/>
           </p:cNvSpPr>
@@ -2711,24 +5644,23 @@
             <p:ph type="ftr" sz="quarter" idx="11"/>
           </p:nvPr>
         </p:nvSpPr>
-        <p:spPr/>
+        <p:spPr>
+          <a:xfrm>
+            <a:off x="2103621" y="6375679"/>
+            <a:ext cx="3482178" cy="345796"/>
+          </a:xfrm>
+        </p:spPr>
         <p:txBody>
           <a:bodyPr/>
           <a:lstStyle/>
           <a:p>
-            <a:endParaRPr lang="en-US"/>
+            <a:endParaRPr lang="en-US" dirty="0"/>
           </a:p>
         </p:txBody>
       </p:sp>
       <p:sp>
         <p:nvSpPr>
-          <p:cNvPr id="7" name="Slide Number Placeholder 6">
-            <a:extLst>
-              <a:ext uri="{FF2B5EF4-FFF2-40B4-BE49-F238E27FC236}">
-                <a16:creationId xmlns:a16="http://schemas.microsoft.com/office/drawing/2014/main" id="{97BCA02F-AB4A-4F58-9E2B-5E0449A71298}"/>
-              </a:ext>
-            </a:extLst>
-          </p:cNvPr>
+          <p:cNvPr id="7" name="Slide Number Placeholder 6"/>
           <p:cNvSpPr>
             <a:spLocks noGrp="1"/>
           </p:cNvSpPr>
@@ -2736,7 +5668,12 @@
             <p:ph type="sldNum" sz="quarter" idx="12"/>
           </p:nvPr>
         </p:nvSpPr>
-        <p:spPr/>
+        <p:spPr>
+          <a:xfrm>
+            <a:off x="5687568" y="6375679"/>
+            <a:ext cx="1234440" cy="345796"/>
+          </a:xfrm>
+        </p:spPr>
         <p:txBody>
           <a:bodyPr/>
           <a:lstStyle/>
@@ -2752,7 +5689,7 @@
     </p:spTree>
     <p:extLst>
       <p:ext uri="{BB962C8B-B14F-4D97-AF65-F5344CB8AC3E}">
-        <p14:creationId xmlns:p14="http://schemas.microsoft.com/office/powerpoint/2010/main" val="1604995384"/>
+        <p14:creationId xmlns:p14="http://schemas.microsoft.com/office/powerpoint/2010/main" val="2379296952"/>
       </p:ext>
     </p:extLst>
   </p:cSld>
@@ -2766,9 +5703,12 @@
 <p:sldMaster xmlns:a="http://schemas.openxmlformats.org/drawingml/2006/main" xmlns:r="http://schemas.openxmlformats.org/officeDocument/2006/relationships" xmlns:p="http://schemas.openxmlformats.org/presentationml/2006/main">
   <p:cSld>
     <p:bg>
-      <p:bgRef idx="1001">
-        <a:schemeClr val="bg1"/>
-      </p:bgRef>
+      <p:bgPr>
+        <a:solidFill>
+          <a:schemeClr val="bg2"/>
+        </a:solidFill>
+        <a:effectLst/>
+      </p:bgPr>
     </p:bg>
     <p:spTree>
       <p:nvGrpSpPr>
@@ -2786,13 +5726,7 @@
       </p:grpSpPr>
       <p:sp>
         <p:nvSpPr>
-          <p:cNvPr id="2" name="Title Placeholder 1">
-            <a:extLst>
-              <a:ext uri="{FF2B5EF4-FFF2-40B4-BE49-F238E27FC236}">
-                <a16:creationId xmlns:a16="http://schemas.microsoft.com/office/drawing/2014/main" id="{E766D138-E38B-4681-8E77-A96E1DE44505}"/>
-              </a:ext>
-            </a:extLst>
-          </p:cNvPr>
+          <p:cNvPr id="2" name="Title Placeholder 1"/>
           <p:cNvSpPr>
             <a:spLocks noGrp="1"/>
           </p:cNvSpPr>
@@ -2802,15 +5736,15 @@
         </p:nvSpPr>
         <p:spPr>
           <a:xfrm>
-            <a:off x="838200" y="365125"/>
-            <a:ext cx="10515600" cy="1325563"/>
+            <a:off x="1251678" y="382385"/>
+            <a:ext cx="10178322" cy="1492132"/>
           </a:xfrm>
           <a:prstGeom prst="rect">
             <a:avLst/>
           </a:prstGeom>
         </p:spPr>
         <p:txBody>
-          <a:bodyPr vert="horz" lIns="91440" tIns="45720" rIns="91440" bIns="45720" rtlCol="0" anchor="ctr">
+          <a:bodyPr vert="horz" lIns="91440" tIns="45720" rIns="91440" bIns="45720" rtlCol="0" anchor="t">
             <a:normAutofit/>
           </a:bodyPr>
           <a:lstStyle/>
@@ -2819,18 +5753,13 @@
               <a:rPr lang="en-US"/>
               <a:t>Click to edit Master title style</a:t>
             </a:r>
+            <a:endParaRPr lang="en-US" dirty="0"/>
           </a:p>
         </p:txBody>
       </p:sp>
       <p:sp>
         <p:nvSpPr>
-          <p:cNvPr id="3" name="Text Placeholder 2">
-            <a:extLst>
-              <a:ext uri="{FF2B5EF4-FFF2-40B4-BE49-F238E27FC236}">
-                <a16:creationId xmlns:a16="http://schemas.microsoft.com/office/drawing/2014/main" id="{C656450E-8D6F-4BFF-9A47-C8620F247D15}"/>
-              </a:ext>
-            </a:extLst>
-          </p:cNvPr>
+          <p:cNvPr id="3" name="Text Placeholder 2"/>
           <p:cNvSpPr>
             <a:spLocks noGrp="1"/>
           </p:cNvSpPr>
@@ -2840,8 +5769,8 @@
         </p:nvSpPr>
         <p:spPr>
           <a:xfrm>
-            <a:off x="838200" y="1825625"/>
-            <a:ext cx="10515600" cy="4351338"/>
+            <a:off x="1251678" y="2286001"/>
+            <a:ext cx="10178322" cy="3593591"/>
           </a:xfrm>
           <a:prstGeom prst="rect">
             <a:avLst/>
@@ -2886,18 +5815,13 @@
               <a:rPr lang="en-US"/>
               <a:t>Fifth level</a:t>
             </a:r>
+            <a:endParaRPr lang="en-US" dirty="0"/>
           </a:p>
         </p:txBody>
       </p:sp>
       <p:sp>
         <p:nvSpPr>
-          <p:cNvPr id="4" name="Date Placeholder 3">
-            <a:extLst>
-              <a:ext uri="{FF2B5EF4-FFF2-40B4-BE49-F238E27FC236}">
-                <a16:creationId xmlns:a16="http://schemas.microsoft.com/office/drawing/2014/main" id="{40725A46-6B9C-4CED-A5B4-CAA0B86D4A3F}"/>
-              </a:ext>
-            </a:extLst>
-          </p:cNvPr>
+          <p:cNvPr id="4" name="Date Placeholder 3"/>
           <p:cNvSpPr>
             <a:spLocks noGrp="1"/>
           </p:cNvSpPr>
@@ -2907,8 +5831,8 @@
         </p:nvSpPr>
         <p:spPr>
           <a:xfrm>
-            <a:off x="838200" y="6356350"/>
-            <a:ext cx="2743200" cy="365125"/>
+            <a:off x="1251678" y="6375679"/>
+            <a:ext cx="2329722" cy="348462"/>
           </a:xfrm>
           <a:prstGeom prst="rect">
             <a:avLst/>
@@ -2921,7 +5845,8 @@
               <a:defRPr sz="1200">
                 <a:solidFill>
                   <a:schemeClr val="tx1">
-                    <a:tint val="75000"/>
+                    <a:lumMod val="65000"/>
+                    <a:lumOff val="35000"/>
                   </a:schemeClr>
                 </a:solidFill>
               </a:defRPr>
@@ -2930,7 +5855,7 @@
           <a:p>
             <a:fld id="{F219F925-99BD-4AD1-A639-9652BFEDB5F5}" type="datetimeFigureOut">
               <a:rPr lang="en-US" smtClean="0"/>
-              <a:t>7/21/2018</a:t>
+              <a:t>7/23/2018</a:t>
             </a:fld>
             <a:endParaRPr lang="en-US"/>
           </a:p>
@@ -2938,13 +5863,7 @@
       </p:sp>
       <p:sp>
         <p:nvSpPr>
-          <p:cNvPr id="5" name="Footer Placeholder 4">
-            <a:extLst>
-              <a:ext uri="{FF2B5EF4-FFF2-40B4-BE49-F238E27FC236}">
-                <a16:creationId xmlns:a16="http://schemas.microsoft.com/office/drawing/2014/main" id="{3A561E98-1E2A-4B98-8D6E-E2E026DC3839}"/>
-              </a:ext>
-            </a:extLst>
-          </p:cNvPr>
+          <p:cNvPr id="5" name="Footer Placeholder 4"/>
           <p:cNvSpPr>
             <a:spLocks noGrp="1"/>
           </p:cNvSpPr>
@@ -2954,8 +5873,8 @@
         </p:nvSpPr>
         <p:spPr>
           <a:xfrm>
-            <a:off x="4038600" y="6356350"/>
-            <a:ext cx="4114800" cy="365125"/>
+            <a:off x="4038600" y="6375679"/>
+            <a:ext cx="4114800" cy="345796"/>
           </a:xfrm>
           <a:prstGeom prst="rect">
             <a:avLst/>
@@ -2968,7 +5887,8 @@
               <a:defRPr sz="1200">
                 <a:solidFill>
                   <a:schemeClr val="tx1">
-                    <a:tint val="75000"/>
+                    <a:lumMod val="65000"/>
+                    <a:lumOff val="35000"/>
                   </a:schemeClr>
                 </a:solidFill>
               </a:defRPr>
@@ -2981,13 +5901,7 @@
       </p:sp>
       <p:sp>
         <p:nvSpPr>
-          <p:cNvPr id="6" name="Slide Number Placeholder 5">
-            <a:extLst>
-              <a:ext uri="{FF2B5EF4-FFF2-40B4-BE49-F238E27FC236}">
-                <a16:creationId xmlns:a16="http://schemas.microsoft.com/office/drawing/2014/main" id="{E915C689-608F-4927-A449-69E00FB27CB5}"/>
-              </a:ext>
-            </a:extLst>
-          </p:cNvPr>
+          <p:cNvPr id="6" name="Slide Number Placeholder 5"/>
           <p:cNvSpPr>
             <a:spLocks noGrp="1"/>
           </p:cNvSpPr>
@@ -2997,8 +5911,8 @@
         </p:nvSpPr>
         <p:spPr>
           <a:xfrm>
-            <a:off x="8610600" y="6356350"/>
-            <a:ext cx="2743200" cy="365125"/>
+            <a:off x="8610601" y="6375679"/>
+            <a:ext cx="2819399" cy="345796"/>
           </a:xfrm>
           <a:prstGeom prst="rect">
             <a:avLst/>
@@ -3011,7 +5925,8 @@
               <a:defRPr sz="1200">
                 <a:solidFill>
                   <a:schemeClr val="tx1">
-                    <a:tint val="75000"/>
+                    <a:lumMod val="65000"/>
+                    <a:lumOff val="35000"/>
                   </a:schemeClr>
                 </a:solidFill>
               </a:defRPr>
@@ -3026,26 +5941,528 @@
           </a:p>
         </p:txBody>
       </p:sp>
+      <p:sp>
+        <p:nvSpPr>
+          <p:cNvPr id="11" name="Freeform 6" title="Left scallop edge"/>
+          <p:cNvSpPr/>
+          <p:nvPr/>
+        </p:nvSpPr>
+        <p:spPr bwMode="auto">
+          <a:xfrm>
+            <a:off x="0" y="0"/>
+            <a:ext cx="885825" cy="6858000"/>
+          </a:xfrm>
+          <a:custGeom>
+            <a:avLst/>
+            <a:gdLst/>
+            <a:ahLst/>
+            <a:cxnLst/>
+            <a:rect l="0" t="0" r="r" b="b"/>
+            <a:pathLst>
+              <a:path w="558" h="4320">
+                <a:moveTo>
+                  <a:pt x="0" y="0"/>
+                </a:moveTo>
+                <a:lnTo>
+                  <a:pt x="447" y="0"/>
+                </a:lnTo>
+                <a:lnTo>
+                  <a:pt x="448" y="43"/>
+                </a:lnTo>
+                <a:lnTo>
+                  <a:pt x="453" y="81"/>
+                </a:lnTo>
+                <a:lnTo>
+                  <a:pt x="460" y="114"/>
+                </a:lnTo>
+                <a:lnTo>
+                  <a:pt x="469" y="143"/>
+                </a:lnTo>
+                <a:lnTo>
+                  <a:pt x="479" y="169"/>
+                </a:lnTo>
+                <a:lnTo>
+                  <a:pt x="491" y="192"/>
+                </a:lnTo>
+                <a:lnTo>
+                  <a:pt x="503" y="216"/>
+                </a:lnTo>
+                <a:lnTo>
+                  <a:pt x="515" y="240"/>
+                </a:lnTo>
+                <a:lnTo>
+                  <a:pt x="525" y="263"/>
+                </a:lnTo>
+                <a:lnTo>
+                  <a:pt x="535" y="289"/>
+                </a:lnTo>
+                <a:lnTo>
+                  <a:pt x="545" y="318"/>
+                </a:lnTo>
+                <a:lnTo>
+                  <a:pt x="552" y="351"/>
+                </a:lnTo>
+                <a:lnTo>
+                  <a:pt x="556" y="389"/>
+                </a:lnTo>
+                <a:lnTo>
+                  <a:pt x="558" y="432"/>
+                </a:lnTo>
+                <a:lnTo>
+                  <a:pt x="556" y="475"/>
+                </a:lnTo>
+                <a:lnTo>
+                  <a:pt x="552" y="513"/>
+                </a:lnTo>
+                <a:lnTo>
+                  <a:pt x="545" y="546"/>
+                </a:lnTo>
+                <a:lnTo>
+                  <a:pt x="535" y="575"/>
+                </a:lnTo>
+                <a:lnTo>
+                  <a:pt x="525" y="601"/>
+                </a:lnTo>
+                <a:lnTo>
+                  <a:pt x="515" y="624"/>
+                </a:lnTo>
+                <a:lnTo>
+                  <a:pt x="503" y="648"/>
+                </a:lnTo>
+                <a:lnTo>
+                  <a:pt x="491" y="672"/>
+                </a:lnTo>
+                <a:lnTo>
+                  <a:pt x="479" y="695"/>
+                </a:lnTo>
+                <a:lnTo>
+                  <a:pt x="469" y="721"/>
+                </a:lnTo>
+                <a:lnTo>
+                  <a:pt x="460" y="750"/>
+                </a:lnTo>
+                <a:lnTo>
+                  <a:pt x="453" y="783"/>
+                </a:lnTo>
+                <a:lnTo>
+                  <a:pt x="448" y="821"/>
+                </a:lnTo>
+                <a:lnTo>
+                  <a:pt x="447" y="864"/>
+                </a:lnTo>
+                <a:lnTo>
+                  <a:pt x="448" y="907"/>
+                </a:lnTo>
+                <a:lnTo>
+                  <a:pt x="453" y="945"/>
+                </a:lnTo>
+                <a:lnTo>
+                  <a:pt x="460" y="978"/>
+                </a:lnTo>
+                <a:lnTo>
+                  <a:pt x="469" y="1007"/>
+                </a:lnTo>
+                <a:lnTo>
+                  <a:pt x="479" y="1033"/>
+                </a:lnTo>
+                <a:lnTo>
+                  <a:pt x="491" y="1056"/>
+                </a:lnTo>
+                <a:lnTo>
+                  <a:pt x="503" y="1080"/>
+                </a:lnTo>
+                <a:lnTo>
+                  <a:pt x="515" y="1104"/>
+                </a:lnTo>
+                <a:lnTo>
+                  <a:pt x="525" y="1127"/>
+                </a:lnTo>
+                <a:lnTo>
+                  <a:pt x="535" y="1153"/>
+                </a:lnTo>
+                <a:lnTo>
+                  <a:pt x="545" y="1182"/>
+                </a:lnTo>
+                <a:lnTo>
+                  <a:pt x="552" y="1215"/>
+                </a:lnTo>
+                <a:lnTo>
+                  <a:pt x="556" y="1253"/>
+                </a:lnTo>
+                <a:lnTo>
+                  <a:pt x="558" y="1296"/>
+                </a:lnTo>
+                <a:lnTo>
+                  <a:pt x="556" y="1339"/>
+                </a:lnTo>
+                <a:lnTo>
+                  <a:pt x="552" y="1377"/>
+                </a:lnTo>
+                <a:lnTo>
+                  <a:pt x="545" y="1410"/>
+                </a:lnTo>
+                <a:lnTo>
+                  <a:pt x="535" y="1439"/>
+                </a:lnTo>
+                <a:lnTo>
+                  <a:pt x="525" y="1465"/>
+                </a:lnTo>
+                <a:lnTo>
+                  <a:pt x="515" y="1488"/>
+                </a:lnTo>
+                <a:lnTo>
+                  <a:pt x="503" y="1512"/>
+                </a:lnTo>
+                <a:lnTo>
+                  <a:pt x="491" y="1536"/>
+                </a:lnTo>
+                <a:lnTo>
+                  <a:pt x="479" y="1559"/>
+                </a:lnTo>
+                <a:lnTo>
+                  <a:pt x="469" y="1585"/>
+                </a:lnTo>
+                <a:lnTo>
+                  <a:pt x="460" y="1614"/>
+                </a:lnTo>
+                <a:lnTo>
+                  <a:pt x="453" y="1647"/>
+                </a:lnTo>
+                <a:lnTo>
+                  <a:pt x="448" y="1685"/>
+                </a:lnTo>
+                <a:lnTo>
+                  <a:pt x="447" y="1728"/>
+                </a:lnTo>
+                <a:lnTo>
+                  <a:pt x="448" y="1771"/>
+                </a:lnTo>
+                <a:lnTo>
+                  <a:pt x="453" y="1809"/>
+                </a:lnTo>
+                <a:lnTo>
+                  <a:pt x="460" y="1842"/>
+                </a:lnTo>
+                <a:lnTo>
+                  <a:pt x="469" y="1871"/>
+                </a:lnTo>
+                <a:lnTo>
+                  <a:pt x="479" y="1897"/>
+                </a:lnTo>
+                <a:lnTo>
+                  <a:pt x="491" y="1920"/>
+                </a:lnTo>
+                <a:lnTo>
+                  <a:pt x="503" y="1944"/>
+                </a:lnTo>
+                <a:lnTo>
+                  <a:pt x="515" y="1968"/>
+                </a:lnTo>
+                <a:lnTo>
+                  <a:pt x="525" y="1991"/>
+                </a:lnTo>
+                <a:lnTo>
+                  <a:pt x="535" y="2017"/>
+                </a:lnTo>
+                <a:lnTo>
+                  <a:pt x="545" y="2046"/>
+                </a:lnTo>
+                <a:lnTo>
+                  <a:pt x="552" y="2079"/>
+                </a:lnTo>
+                <a:lnTo>
+                  <a:pt x="556" y="2117"/>
+                </a:lnTo>
+                <a:lnTo>
+                  <a:pt x="558" y="2159"/>
+                </a:lnTo>
+                <a:lnTo>
+                  <a:pt x="556" y="2203"/>
+                </a:lnTo>
+                <a:lnTo>
+                  <a:pt x="552" y="2241"/>
+                </a:lnTo>
+                <a:lnTo>
+                  <a:pt x="545" y="2274"/>
+                </a:lnTo>
+                <a:lnTo>
+                  <a:pt x="535" y="2303"/>
+                </a:lnTo>
+                <a:lnTo>
+                  <a:pt x="525" y="2329"/>
+                </a:lnTo>
+                <a:lnTo>
+                  <a:pt x="515" y="2352"/>
+                </a:lnTo>
+                <a:lnTo>
+                  <a:pt x="503" y="2376"/>
+                </a:lnTo>
+                <a:lnTo>
+                  <a:pt x="491" y="2400"/>
+                </a:lnTo>
+                <a:lnTo>
+                  <a:pt x="479" y="2423"/>
+                </a:lnTo>
+                <a:lnTo>
+                  <a:pt x="469" y="2449"/>
+                </a:lnTo>
+                <a:lnTo>
+                  <a:pt x="460" y="2478"/>
+                </a:lnTo>
+                <a:lnTo>
+                  <a:pt x="453" y="2511"/>
+                </a:lnTo>
+                <a:lnTo>
+                  <a:pt x="448" y="2549"/>
+                </a:lnTo>
+                <a:lnTo>
+                  <a:pt x="447" y="2592"/>
+                </a:lnTo>
+                <a:lnTo>
+                  <a:pt x="448" y="2635"/>
+                </a:lnTo>
+                <a:lnTo>
+                  <a:pt x="453" y="2673"/>
+                </a:lnTo>
+                <a:lnTo>
+                  <a:pt x="460" y="2706"/>
+                </a:lnTo>
+                <a:lnTo>
+                  <a:pt x="469" y="2735"/>
+                </a:lnTo>
+                <a:lnTo>
+                  <a:pt x="479" y="2761"/>
+                </a:lnTo>
+                <a:lnTo>
+                  <a:pt x="491" y="2784"/>
+                </a:lnTo>
+                <a:lnTo>
+                  <a:pt x="515" y="2832"/>
+                </a:lnTo>
+                <a:lnTo>
+                  <a:pt x="525" y="2855"/>
+                </a:lnTo>
+                <a:lnTo>
+                  <a:pt x="535" y="2881"/>
+                </a:lnTo>
+                <a:lnTo>
+                  <a:pt x="545" y="2910"/>
+                </a:lnTo>
+                <a:lnTo>
+                  <a:pt x="552" y="2943"/>
+                </a:lnTo>
+                <a:lnTo>
+                  <a:pt x="556" y="2981"/>
+                </a:lnTo>
+                <a:lnTo>
+                  <a:pt x="558" y="3024"/>
+                </a:lnTo>
+                <a:lnTo>
+                  <a:pt x="556" y="3067"/>
+                </a:lnTo>
+                <a:lnTo>
+                  <a:pt x="552" y="3105"/>
+                </a:lnTo>
+                <a:lnTo>
+                  <a:pt x="545" y="3138"/>
+                </a:lnTo>
+                <a:lnTo>
+                  <a:pt x="535" y="3167"/>
+                </a:lnTo>
+                <a:lnTo>
+                  <a:pt x="525" y="3193"/>
+                </a:lnTo>
+                <a:lnTo>
+                  <a:pt x="515" y="3216"/>
+                </a:lnTo>
+                <a:lnTo>
+                  <a:pt x="503" y="3240"/>
+                </a:lnTo>
+                <a:lnTo>
+                  <a:pt x="491" y="3264"/>
+                </a:lnTo>
+                <a:lnTo>
+                  <a:pt x="479" y="3287"/>
+                </a:lnTo>
+                <a:lnTo>
+                  <a:pt x="469" y="3313"/>
+                </a:lnTo>
+                <a:lnTo>
+                  <a:pt x="460" y="3342"/>
+                </a:lnTo>
+                <a:lnTo>
+                  <a:pt x="453" y="3375"/>
+                </a:lnTo>
+                <a:lnTo>
+                  <a:pt x="448" y="3413"/>
+                </a:lnTo>
+                <a:lnTo>
+                  <a:pt x="447" y="3456"/>
+                </a:lnTo>
+                <a:lnTo>
+                  <a:pt x="448" y="3499"/>
+                </a:lnTo>
+                <a:lnTo>
+                  <a:pt x="453" y="3537"/>
+                </a:lnTo>
+                <a:lnTo>
+                  <a:pt x="460" y="3570"/>
+                </a:lnTo>
+                <a:lnTo>
+                  <a:pt x="469" y="3599"/>
+                </a:lnTo>
+                <a:lnTo>
+                  <a:pt x="479" y="3625"/>
+                </a:lnTo>
+                <a:lnTo>
+                  <a:pt x="491" y="3648"/>
+                </a:lnTo>
+                <a:lnTo>
+                  <a:pt x="503" y="3672"/>
+                </a:lnTo>
+                <a:lnTo>
+                  <a:pt x="515" y="3696"/>
+                </a:lnTo>
+                <a:lnTo>
+                  <a:pt x="525" y="3719"/>
+                </a:lnTo>
+                <a:lnTo>
+                  <a:pt x="535" y="3745"/>
+                </a:lnTo>
+                <a:lnTo>
+                  <a:pt x="545" y="3774"/>
+                </a:lnTo>
+                <a:lnTo>
+                  <a:pt x="552" y="3807"/>
+                </a:lnTo>
+                <a:lnTo>
+                  <a:pt x="556" y="3845"/>
+                </a:lnTo>
+                <a:lnTo>
+                  <a:pt x="558" y="3888"/>
+                </a:lnTo>
+                <a:lnTo>
+                  <a:pt x="556" y="3931"/>
+                </a:lnTo>
+                <a:lnTo>
+                  <a:pt x="552" y="3969"/>
+                </a:lnTo>
+                <a:lnTo>
+                  <a:pt x="545" y="4002"/>
+                </a:lnTo>
+                <a:lnTo>
+                  <a:pt x="535" y="4031"/>
+                </a:lnTo>
+                <a:lnTo>
+                  <a:pt x="525" y="4057"/>
+                </a:lnTo>
+                <a:lnTo>
+                  <a:pt x="515" y="4080"/>
+                </a:lnTo>
+                <a:lnTo>
+                  <a:pt x="503" y="4104"/>
+                </a:lnTo>
+                <a:lnTo>
+                  <a:pt x="491" y="4128"/>
+                </a:lnTo>
+                <a:lnTo>
+                  <a:pt x="479" y="4151"/>
+                </a:lnTo>
+                <a:lnTo>
+                  <a:pt x="469" y="4177"/>
+                </a:lnTo>
+                <a:lnTo>
+                  <a:pt x="460" y="4206"/>
+                </a:lnTo>
+                <a:lnTo>
+                  <a:pt x="453" y="4239"/>
+                </a:lnTo>
+                <a:lnTo>
+                  <a:pt x="448" y="4277"/>
+                </a:lnTo>
+                <a:lnTo>
+                  <a:pt x="447" y="4320"/>
+                </a:lnTo>
+                <a:lnTo>
+                  <a:pt x="0" y="4320"/>
+                </a:lnTo>
+                <a:lnTo>
+                  <a:pt x="0" y="0"/>
+                </a:lnTo>
+                <a:close/>
+              </a:path>
+            </a:pathLst>
+          </a:custGeom>
+          <a:solidFill>
+            <a:schemeClr val="tx2"/>
+          </a:solidFill>
+          <a:ln w="0">
+            <a:noFill/>
+            <a:prstDash val="solid"/>
+            <a:round/>
+            <a:headEnd/>
+            <a:tailEnd/>
+          </a:ln>
+        </p:spPr>
+      </p:sp>
+      <p:sp>
+        <p:nvSpPr>
+          <p:cNvPr id="12" name="Rectangle 11" title="right edge border"/>
+          <p:cNvSpPr/>
+          <p:nvPr/>
+        </p:nvSpPr>
+        <p:spPr>
+          <a:xfrm>
+            <a:off x="11908536" y="0"/>
+            <a:ext cx="283464" cy="6858000"/>
+          </a:xfrm>
+          <a:prstGeom prst="rect">
+            <a:avLst/>
+          </a:prstGeom>
+          <a:solidFill>
+            <a:schemeClr val="accent1"/>
+          </a:solidFill>
+          <a:ln>
+            <a:noFill/>
+          </a:ln>
+        </p:spPr>
+        <p:style>
+          <a:lnRef idx="2">
+            <a:schemeClr val="accent1">
+              <a:shade val="50000"/>
+            </a:schemeClr>
+          </a:lnRef>
+          <a:fillRef idx="1">
+            <a:schemeClr val="accent1"/>
+          </a:fillRef>
+          <a:effectRef idx="0">
+            <a:schemeClr val="accent1"/>
+          </a:effectRef>
+          <a:fontRef idx="minor">
+            <a:schemeClr val="lt1"/>
+          </a:fontRef>
+        </p:style>
+      </p:sp>
     </p:spTree>
     <p:extLst>
       <p:ext uri="{BB962C8B-B14F-4D97-AF65-F5344CB8AC3E}">
-        <p14:creationId xmlns:p14="http://schemas.microsoft.com/office/powerpoint/2010/main" val="3773841199"/>
+        <p14:creationId xmlns:p14="http://schemas.microsoft.com/office/powerpoint/2010/main" val="2552425148"/>
       </p:ext>
     </p:extLst>
   </p:cSld>
   <p:clrMap bg1="lt1" tx1="dk1" bg2="lt2" tx2="dk2" accent1="accent1" accent2="accent2" accent3="accent3" accent4="accent4" accent5="accent5" accent6="accent6" hlink="hlink" folHlink="folHlink"/>
   <p:sldLayoutIdLst>
-    <p:sldLayoutId id="2147483649" r:id="rId1"/>
-    <p:sldLayoutId id="2147483650" r:id="rId2"/>
-    <p:sldLayoutId id="2147483651" r:id="rId3"/>
-    <p:sldLayoutId id="2147483652" r:id="rId4"/>
-    <p:sldLayoutId id="2147483653" r:id="rId5"/>
-    <p:sldLayoutId id="2147483654" r:id="rId6"/>
-    <p:sldLayoutId id="2147483655" r:id="rId7"/>
-    <p:sldLayoutId id="2147483656" r:id="rId8"/>
-    <p:sldLayoutId id="2147483657" r:id="rId9"/>
-    <p:sldLayoutId id="2147483658" r:id="rId10"/>
-    <p:sldLayoutId id="2147483659" r:id="rId11"/>
+    <p:sldLayoutId id="2147483783" r:id="rId1"/>
+    <p:sldLayoutId id="2147483784" r:id="rId2"/>
+    <p:sldLayoutId id="2147483785" r:id="rId3"/>
+    <p:sldLayoutId id="2147483786" r:id="rId4"/>
+    <p:sldLayoutId id="2147483787" r:id="rId5"/>
+    <p:sldLayoutId id="2147483788" r:id="rId6"/>
+    <p:sldLayoutId id="2147483789" r:id="rId7"/>
+    <p:sldLayoutId id="2147483790" r:id="rId8"/>
+    <p:sldLayoutId id="2147483791" r:id="rId9"/>
+    <p:sldLayoutId id="2147483792" r:id="rId10"/>
+    <p:sldLayoutId id="2147483793" r:id="rId11"/>
   </p:sldLayoutIdLst>
   <p:txStyles>
     <p:titleStyle>
@@ -3057,9 +6474,9 @@
           <a:spcPct val="0"/>
         </a:spcBef>
         <a:buNone/>
-        <a:defRPr sz="4400" kern="1200">
+        <a:defRPr sz="5100" kern="1200" cap="all" spc="200" baseline="0">
           <a:solidFill>
-            <a:schemeClr val="tx1"/>
+            <a:schemeClr val="tx2"/>
           </a:solidFill>
           <a:latin typeface="+mj-lt"/>
           <a:ea typeface="+mj-ea"/>
@@ -3070,16 +6487,22 @@
     <p:bodyStyle>
       <a:lvl1pPr marL="228600" indent="-228600" algn="l" defTabSz="914400" rtl="0" eaLnBrk="1" latinLnBrk="0" hangingPunct="1">
         <a:lnSpc>
-          <a:spcPct val="90000"/>
+          <a:spcPct val="110000"/>
         </a:lnSpc>
         <a:spcBef>
-          <a:spcPts val="1000"/>
+          <a:spcPts val="700"/>
         </a:spcBef>
+        <a:buClr>
+          <a:schemeClr val="tx2"/>
+        </a:buClr>
         <a:buFont typeface="Arial" panose="020B0604020202020204" pitchFamily="34" charset="0"/>
         <a:buChar char="•"/>
-        <a:defRPr sz="2800" kern="1200">
+        <a:defRPr sz="2000" kern="1200">
           <a:solidFill>
-            <a:schemeClr val="tx1"/>
+            <a:schemeClr val="tx1">
+              <a:lumMod val="65000"/>
+              <a:lumOff val="35000"/>
+            </a:schemeClr>
           </a:solidFill>
           <a:latin typeface="+mn-lt"/>
           <a:ea typeface="+mn-ea"/>
@@ -3088,16 +6511,22 @@
       </a:lvl1pPr>
       <a:lvl2pPr marL="685800" indent="-228600" algn="l" defTabSz="914400" rtl="0" eaLnBrk="1" latinLnBrk="0" hangingPunct="1">
         <a:lnSpc>
-          <a:spcPct val="90000"/>
+          <a:spcPct val="110000"/>
         </a:lnSpc>
         <a:spcBef>
-          <a:spcPts val="500"/>
+          <a:spcPts val="700"/>
         </a:spcBef>
-        <a:buFont typeface="Arial" panose="020B0604020202020204" pitchFamily="34" charset="0"/>
-        <a:buChar char="•"/>
-        <a:defRPr sz="2400" kern="1200">
+        <a:buClr>
+          <a:schemeClr val="tx2"/>
+        </a:buClr>
+        <a:buFont typeface="Gill Sans MT" panose="020B0502020104020203" pitchFamily="34" charset="0"/>
+        <a:buChar char="–"/>
+        <a:defRPr sz="1800" kern="1200">
           <a:solidFill>
-            <a:schemeClr val="tx1"/>
+            <a:schemeClr val="tx1">
+              <a:lumMod val="65000"/>
+              <a:lumOff val="35000"/>
+            </a:schemeClr>
           </a:solidFill>
           <a:latin typeface="+mn-lt"/>
           <a:ea typeface="+mn-ea"/>
@@ -3106,16 +6535,22 @@
       </a:lvl2pPr>
       <a:lvl3pPr marL="1143000" indent="-228600" algn="l" defTabSz="914400" rtl="0" eaLnBrk="1" latinLnBrk="0" hangingPunct="1">
         <a:lnSpc>
-          <a:spcPct val="90000"/>
+          <a:spcPct val="110000"/>
         </a:lnSpc>
         <a:spcBef>
-          <a:spcPts val="500"/>
+          <a:spcPts val="700"/>
         </a:spcBef>
+        <a:buClr>
+          <a:schemeClr val="tx2"/>
+        </a:buClr>
         <a:buFont typeface="Arial" panose="020B0604020202020204" pitchFamily="34" charset="0"/>
         <a:buChar char="•"/>
-        <a:defRPr sz="2000" kern="1200">
+        <a:defRPr sz="1600" kern="1200">
           <a:solidFill>
-            <a:schemeClr val="tx1"/>
+            <a:schemeClr val="tx1">
+              <a:lumMod val="65000"/>
+              <a:lumOff val="35000"/>
+            </a:schemeClr>
           </a:solidFill>
           <a:latin typeface="+mn-lt"/>
           <a:ea typeface="+mn-ea"/>
@@ -3124,16 +6559,22 @@
       </a:lvl3pPr>
       <a:lvl4pPr marL="1600200" indent="-228600" algn="l" defTabSz="914400" rtl="0" eaLnBrk="1" latinLnBrk="0" hangingPunct="1">
         <a:lnSpc>
-          <a:spcPct val="90000"/>
+          <a:spcPct val="110000"/>
         </a:lnSpc>
         <a:spcBef>
-          <a:spcPts val="500"/>
+          <a:spcPts val="700"/>
         </a:spcBef>
-        <a:buFont typeface="Arial" panose="020B0604020202020204" pitchFamily="34" charset="0"/>
-        <a:buChar char="•"/>
-        <a:defRPr sz="1800" kern="1200">
+        <a:buClr>
+          <a:schemeClr val="tx2"/>
+        </a:buClr>
+        <a:buFont typeface="Gill Sans MT" panose="020B0502020104020203" pitchFamily="34" charset="0"/>
+        <a:buChar char="–"/>
+        <a:defRPr sz="1400" kern="1200">
           <a:solidFill>
-            <a:schemeClr val="tx1"/>
+            <a:schemeClr val="tx1">
+              <a:lumMod val="65000"/>
+              <a:lumOff val="35000"/>
+            </a:schemeClr>
           </a:solidFill>
           <a:latin typeface="+mn-lt"/>
           <a:ea typeface="+mn-ea"/>
@@ -3142,16 +6583,22 @@
       </a:lvl4pPr>
       <a:lvl5pPr marL="2057400" indent="-228600" algn="l" defTabSz="914400" rtl="0" eaLnBrk="1" latinLnBrk="0" hangingPunct="1">
         <a:lnSpc>
-          <a:spcPct val="90000"/>
+          <a:spcPct val="110000"/>
         </a:lnSpc>
         <a:spcBef>
-          <a:spcPts val="500"/>
+          <a:spcPts val="700"/>
         </a:spcBef>
+        <a:buClr>
+          <a:schemeClr val="tx2"/>
+        </a:buClr>
         <a:buFont typeface="Arial" panose="020B0604020202020204" pitchFamily="34" charset="0"/>
         <a:buChar char="•"/>
-        <a:defRPr sz="1800" kern="1200">
+        <a:defRPr sz="1400" kern="1200">
           <a:solidFill>
-            <a:schemeClr val="tx1"/>
+            <a:schemeClr val="tx1">
+              <a:lumMod val="65000"/>
+              <a:lumOff val="35000"/>
+            </a:schemeClr>
           </a:solidFill>
           <a:latin typeface="+mn-lt"/>
           <a:ea typeface="+mn-ea"/>
@@ -3160,16 +6607,22 @@
       </a:lvl5pPr>
       <a:lvl6pPr marL="2514600" indent="-228600" algn="l" defTabSz="914400" rtl="0" eaLnBrk="1" latinLnBrk="0" hangingPunct="1">
         <a:lnSpc>
-          <a:spcPct val="90000"/>
+          <a:spcPct val="110000"/>
         </a:lnSpc>
         <a:spcBef>
-          <a:spcPts val="500"/>
+          <a:spcPts val="700"/>
         </a:spcBef>
-        <a:buFont typeface="Arial" panose="020B0604020202020204" pitchFamily="34" charset="0"/>
-        <a:buChar char="•"/>
-        <a:defRPr sz="1800" kern="1200">
+        <a:buClr>
+          <a:schemeClr val="tx2"/>
+        </a:buClr>
+        <a:buFont typeface="Gill Sans MT" panose="020B0502020104020203" pitchFamily="34" charset="0"/>
+        <a:buChar char="–"/>
+        <a:defRPr sz="1400" kern="1200">
           <a:solidFill>
-            <a:schemeClr val="tx1"/>
+            <a:schemeClr val="tx1">
+              <a:lumMod val="65000"/>
+              <a:lumOff val="35000"/>
+            </a:schemeClr>
           </a:solidFill>
           <a:latin typeface="+mn-lt"/>
           <a:ea typeface="+mn-ea"/>
@@ -3178,16 +6631,22 @@
       </a:lvl6pPr>
       <a:lvl7pPr marL="2971800" indent="-228600" algn="l" defTabSz="914400" rtl="0" eaLnBrk="1" latinLnBrk="0" hangingPunct="1">
         <a:lnSpc>
-          <a:spcPct val="90000"/>
+          <a:spcPct val="110000"/>
         </a:lnSpc>
         <a:spcBef>
-          <a:spcPts val="500"/>
+          <a:spcPts val="700"/>
         </a:spcBef>
+        <a:buClr>
+          <a:schemeClr val="tx2"/>
+        </a:buClr>
         <a:buFont typeface="Arial" panose="020B0604020202020204" pitchFamily="34" charset="0"/>
         <a:buChar char="•"/>
-        <a:defRPr sz="1800" kern="1200">
+        <a:defRPr sz="1400" kern="1200">
           <a:solidFill>
-            <a:schemeClr val="tx1"/>
+            <a:schemeClr val="tx1">
+              <a:lumMod val="65000"/>
+              <a:lumOff val="35000"/>
+            </a:schemeClr>
           </a:solidFill>
           <a:latin typeface="+mn-lt"/>
           <a:ea typeface="+mn-ea"/>
@@ -3196,16 +6655,22 @@
       </a:lvl7pPr>
       <a:lvl8pPr marL="3429000" indent="-228600" algn="l" defTabSz="914400" rtl="0" eaLnBrk="1" latinLnBrk="0" hangingPunct="1">
         <a:lnSpc>
-          <a:spcPct val="90000"/>
+          <a:spcPct val="110000"/>
         </a:lnSpc>
         <a:spcBef>
-          <a:spcPts val="500"/>
+          <a:spcPts val="700"/>
         </a:spcBef>
-        <a:buFont typeface="Arial" panose="020B0604020202020204" pitchFamily="34" charset="0"/>
-        <a:buChar char="•"/>
-        <a:defRPr sz="1800" kern="1200">
+        <a:buClr>
+          <a:schemeClr val="tx2"/>
+        </a:buClr>
+        <a:buFont typeface="Gill Sans MT" panose="020B0502020104020203" pitchFamily="34" charset="0"/>
+        <a:buChar char="–"/>
+        <a:defRPr sz="1400" kern="1200" baseline="0">
           <a:solidFill>
-            <a:schemeClr val="tx1"/>
+            <a:schemeClr val="tx1">
+              <a:lumMod val="65000"/>
+              <a:lumOff val="35000"/>
+            </a:schemeClr>
           </a:solidFill>
           <a:latin typeface="+mn-lt"/>
           <a:ea typeface="+mn-ea"/>
@@ -3214,16 +6679,22 @@
       </a:lvl8pPr>
       <a:lvl9pPr marL="3886200" indent="-228600" algn="l" defTabSz="914400" rtl="0" eaLnBrk="1" latinLnBrk="0" hangingPunct="1">
         <a:lnSpc>
-          <a:spcPct val="90000"/>
+          <a:spcPct val="110000"/>
         </a:lnSpc>
         <a:spcBef>
-          <a:spcPts val="500"/>
+          <a:spcPts val="700"/>
         </a:spcBef>
+        <a:buClr>
+          <a:schemeClr val="tx2"/>
+        </a:buClr>
         <a:buFont typeface="Arial" panose="020B0604020202020204" pitchFamily="34" charset="0"/>
         <a:buChar char="•"/>
-        <a:defRPr sz="1800" kern="1200">
+        <a:defRPr sz="1400" kern="1200" baseline="0">
           <a:solidFill>
-            <a:schemeClr val="tx1"/>
+            <a:schemeClr val="tx1">
+              <a:lumMod val="65000"/>
+              <a:lumOff val="35000"/>
+            </a:schemeClr>
           </a:solidFill>
           <a:latin typeface="+mn-lt"/>
           <a:ea typeface="+mn-ea"/>
@@ -3327,6 +6798,42 @@
       </a:lvl9pPr>
     </p:otherStyle>
   </p:txStyles>
+  <p:extLst mod="1">
+    <p:ext uri="{27BBF7A9-308A-43DC-89C8-2F10F3537804}">
+      <p15:sldGuideLst xmlns:p15="http://schemas.microsoft.com/office/powerpoint/2012/main">
+        <p15:guide id="1" pos="792">
+          <p15:clr>
+            <a:srgbClr val="F26B43"/>
+          </p15:clr>
+        </p15:guide>
+        <p15:guide id="2" pos="7200">
+          <p15:clr>
+            <a:srgbClr val="F26B43"/>
+          </p15:clr>
+        </p15:guide>
+        <p15:guide id="3" orient="horz" pos="4008">
+          <p15:clr>
+            <a:srgbClr val="F26B43"/>
+          </p15:clr>
+        </p15:guide>
+        <p15:guide id="4" orient="horz" pos="1440">
+          <p15:clr>
+            <a:srgbClr val="F26B43"/>
+          </p15:clr>
+        </p15:guide>
+        <p15:guide id="5" orient="horz" pos="3720">
+          <p15:clr>
+            <a:srgbClr val="F26B43"/>
+          </p15:clr>
+        </p15:guide>
+        <p15:guide id="6" orient="horz" pos="240">
+          <p15:clr>
+            <a:srgbClr val="F26B43"/>
+          </p15:clr>
+        </p15:guide>
+      </p15:sldGuideLst>
+    </p:ext>
+  </p:extLst>
 </p:sldMaster>
 </file>
 
@@ -3433,7 +6940,9 @@
         </p:nvSpPr>
         <p:spPr/>
         <p:txBody>
-          <a:bodyPr/>
+          <a:bodyPr>
+            <a:normAutofit lnSpcReduction="10000"/>
+          </a:bodyPr>
           <a:lstStyle/>
           <a:p>
             <a:r>
@@ -3484,7 +6993,7 @@
           <p:cNvPr id="2" name="Title 1">
             <a:extLst>
               <a:ext uri="{FF2B5EF4-FFF2-40B4-BE49-F238E27FC236}">
-                <a16:creationId xmlns:a16="http://schemas.microsoft.com/office/drawing/2014/main" id="{66E36B59-6B0B-404C-AC42-E52A35787D2D}"/>
+                <a16:creationId xmlns:a16="http://schemas.microsoft.com/office/drawing/2014/main" id="{4BDA6FF0-6EEA-4962-A2F1-B141B4E01550}"/>
               </a:ext>
             </a:extLst>
           </p:cNvPr>
@@ -3502,7 +7011,7 @@
           <a:p>
             <a:r>
               <a:rPr lang="en-US" dirty="0" err="1"/>
-              <a:t>MDTraj</a:t>
+              <a:t>OpenMM</a:t>
             </a:r>
             <a:endParaRPr lang="en-US" dirty="0"/>
           </a:p>
@@ -3513,7 +7022,7 @@
           <p:cNvPr id="3" name="Content Placeholder 2">
             <a:extLst>
               <a:ext uri="{FF2B5EF4-FFF2-40B4-BE49-F238E27FC236}">
-                <a16:creationId xmlns:a16="http://schemas.microsoft.com/office/drawing/2014/main" id="{3C8A6690-56F2-4896-A1CE-682100F2C994}"/>
+                <a16:creationId xmlns:a16="http://schemas.microsoft.com/office/drawing/2014/main" id="{63817A70-3B9D-4B3D-8FA6-5A5F51EA6AE8}"/>
               </a:ext>
             </a:extLst>
           </p:cNvPr>
@@ -3521,7 +7030,7 @@
             <a:spLocks noGrp="1"/>
           </p:cNvSpPr>
           <p:nvPr>
-            <p:ph idx="1"/>
+            <p:ph sz="half" idx="1"/>
           </p:nvPr>
         </p:nvSpPr>
         <p:spPr/>
@@ -3529,14 +7038,121 @@
           <a:bodyPr/>
           <a:lstStyle/>
           <a:p>
-            <a:endParaRPr lang="en-US"/>
+            <a:r>
+              <a:rPr lang="en-US" dirty="0"/>
+              <a:t>Molecular mechanics and forcefield calculator able to do molecular dynamics under python and C++ languages.</a:t>
+            </a:r>
+          </a:p>
+          <a:p>
+            <a:r>
+              <a:rPr lang="en-US" dirty="0"/>
+              <a:t>Freeware that has many incorporated files for easy use</a:t>
+            </a:r>
+          </a:p>
+          <a:p>
+            <a:endParaRPr lang="en-US" dirty="0"/>
+          </a:p>
+          <a:p>
+            <a:endParaRPr lang="en-US" dirty="0"/>
+          </a:p>
+          <a:p>
+            <a:endParaRPr lang="en-US" dirty="0"/>
+          </a:p>
+        </p:txBody>
+      </p:sp>
+      <p:sp>
+        <p:nvSpPr>
+          <p:cNvPr id="4" name="Content Placeholder 3">
+            <a:extLst>
+              <a:ext uri="{FF2B5EF4-FFF2-40B4-BE49-F238E27FC236}">
+                <a16:creationId xmlns:a16="http://schemas.microsoft.com/office/drawing/2014/main" id="{253DFDA4-316C-4E18-9AB1-AE29ECF2B2C9}"/>
+              </a:ext>
+            </a:extLst>
+          </p:cNvPr>
+          <p:cNvSpPr>
+            <a:spLocks noGrp="1"/>
+          </p:cNvSpPr>
+          <p:nvPr>
+            <p:ph sz="half" idx="2"/>
+          </p:nvPr>
+        </p:nvSpPr>
+        <p:spPr/>
+        <p:txBody>
+          <a:bodyPr/>
+          <a:lstStyle/>
+          <a:p>
+            <a:pPr marL="0" indent="0">
+              <a:buNone/>
+            </a:pPr>
+            <a:r>
+              <a:rPr lang="en-US" dirty="0"/>
+              <a:t>Integrators</a:t>
+            </a:r>
+          </a:p>
+          <a:p>
+            <a:r>
+              <a:rPr lang="en-US" dirty="0"/>
+              <a:t>Langevin Integrator</a:t>
+            </a:r>
+          </a:p>
+          <a:p>
+            <a:r>
+              <a:rPr lang="en-US" dirty="0"/>
+              <a:t>VVVR Integrator</a:t>
+            </a:r>
+          </a:p>
+          <a:p>
+            <a:r>
+              <a:rPr lang="en-US" dirty="0"/>
+              <a:t>BAOAB Integrator</a:t>
+            </a:r>
+          </a:p>
+          <a:p>
+            <a:r>
+              <a:rPr lang="en-US" dirty="0"/>
+              <a:t>Generalized hybrid Monte Carlo</a:t>
+            </a:r>
+          </a:p>
+          <a:p>
+            <a:pPr marL="0" indent="0">
+              <a:buNone/>
+            </a:pPr>
+            <a:r>
+              <a:rPr lang="en-US" dirty="0"/>
+              <a:t>Force Fields</a:t>
+            </a:r>
+          </a:p>
+          <a:p>
+            <a:r>
+              <a:rPr lang="en-US" dirty="0" err="1"/>
+              <a:t>Charmm</a:t>
+            </a:r>
+            <a:r>
+              <a:rPr lang="en-US" dirty="0"/>
+              <a:t> and Amber Force Fields</a:t>
+            </a:r>
+          </a:p>
+          <a:p>
+            <a:endParaRPr lang="en-US" dirty="0"/>
+          </a:p>
+          <a:p>
+            <a:endParaRPr lang="en-US" dirty="0"/>
+          </a:p>
+          <a:p>
+            <a:endParaRPr lang="en-US" dirty="0"/>
+          </a:p>
+          <a:p>
+            <a:endParaRPr lang="en-US" dirty="0"/>
+          </a:p>
+          <a:p>
+            <a:endParaRPr lang="en-US" dirty="0"/>
           </a:p>
         </p:txBody>
       </p:sp>
     </p:spTree>
     <p:extLst>
       <p:ext uri="{BB962C8B-B14F-4D97-AF65-F5344CB8AC3E}">
-        <p14:creationId xmlns:p14="http://schemas.microsoft.com/office/powerpoint/2010/main" val="4260478691"/>
+        <p14:creationId xmlns:p14="http://schemas.microsoft.com/office/powerpoint/2010/main" val="3801423583"/>
       </p:ext>
     </p:extLst>
   </p:cSld>
@@ -3568,6 +7184,2003 @@
           <p:cNvPr id="2" name="Title 1">
             <a:extLst>
               <a:ext uri="{FF2B5EF4-FFF2-40B4-BE49-F238E27FC236}">
+                <a16:creationId xmlns:a16="http://schemas.microsoft.com/office/drawing/2014/main" id="{D3F4914E-51E3-4B72-9F3C-F9635B68DB01}"/>
+              </a:ext>
+            </a:extLst>
+          </p:cNvPr>
+          <p:cNvSpPr>
+            <a:spLocks noGrp="1"/>
+          </p:cNvSpPr>
+          <p:nvPr>
+            <p:ph type="title"/>
+          </p:nvPr>
+        </p:nvSpPr>
+        <p:spPr/>
+        <p:txBody>
+          <a:bodyPr/>
+          <a:lstStyle/>
+          <a:p>
+            <a:r>
+              <a:rPr lang="en-US" dirty="0" err="1"/>
+              <a:t>OpenMM</a:t>
+            </a:r>
+            <a:endParaRPr lang="en-US" dirty="0"/>
+          </a:p>
+        </p:txBody>
+      </p:sp>
+      <p:sp>
+        <p:nvSpPr>
+          <p:cNvPr id="3" name="Content Placeholder 2">
+            <a:extLst>
+              <a:ext uri="{FF2B5EF4-FFF2-40B4-BE49-F238E27FC236}">
+                <a16:creationId xmlns:a16="http://schemas.microsoft.com/office/drawing/2014/main" id="{FF6FA96B-E51F-4F9E-A65A-D47AF95F1FA4}"/>
+              </a:ext>
+            </a:extLst>
+          </p:cNvPr>
+          <p:cNvSpPr>
+            <a:spLocks noGrp="1"/>
+          </p:cNvSpPr>
+          <p:nvPr>
+            <p:ph idx="1"/>
+          </p:nvPr>
+        </p:nvSpPr>
+        <p:spPr>
+          <a:xfrm>
+            <a:off x="838199" y="1825625"/>
+            <a:ext cx="8315326" cy="4351338"/>
+          </a:xfrm>
+        </p:spPr>
+        <p:txBody>
+          <a:bodyPr>
+            <a:normAutofit/>
+          </a:bodyPr>
+          <a:lstStyle/>
+          <a:p>
+            <a:pPr marL="0" indent="0">
+              <a:buNone/>
+            </a:pPr>
+            <a:r>
+              <a:rPr lang="en-US" dirty="0">
+                <a:latin typeface="Courier New" panose="02070309020205020404" pitchFamily="49" charset="0"/>
+                <a:cs typeface="Courier New" panose="02070309020205020404" pitchFamily="49" charset="0"/>
+              </a:rPr>
+              <a:t>From </a:t>
+            </a:r>
+            <a:r>
+              <a:rPr lang="en-US" dirty="0" err="1">
+                <a:latin typeface="Courier New" panose="02070309020205020404" pitchFamily="49" charset="0"/>
+                <a:cs typeface="Courier New" panose="02070309020205020404" pitchFamily="49" charset="0"/>
+              </a:rPr>
+              <a:t>simtk.openmm</a:t>
+            </a:r>
+            <a:r>
+              <a:rPr lang="en-US" dirty="0">
+                <a:latin typeface="Courier New" panose="02070309020205020404" pitchFamily="49" charset="0"/>
+                <a:cs typeface="Courier New" panose="02070309020205020404" pitchFamily="49" charset="0"/>
+              </a:rPr>
+              <a:t> import app</a:t>
+            </a:r>
+          </a:p>
+          <a:p>
+            <a:pPr marL="0" indent="0">
+              <a:buNone/>
+            </a:pPr>
+            <a:r>
+              <a:rPr lang="en-US" dirty="0">
+                <a:latin typeface="Courier New" panose="02070309020205020404" pitchFamily="49" charset="0"/>
+                <a:cs typeface="Courier New" panose="02070309020205020404" pitchFamily="49" charset="0"/>
+              </a:rPr>
+              <a:t>Import </a:t>
+            </a:r>
+            <a:r>
+              <a:rPr lang="en-US" dirty="0" err="1">
+                <a:latin typeface="Courier New" panose="02070309020205020404" pitchFamily="49" charset="0"/>
+                <a:cs typeface="Courier New" panose="02070309020205020404" pitchFamily="49" charset="0"/>
+              </a:rPr>
+              <a:t>simtk.openmm</a:t>
+            </a:r>
+            <a:r>
+              <a:rPr lang="en-US" dirty="0">
+                <a:latin typeface="Courier New" panose="02070309020205020404" pitchFamily="49" charset="0"/>
+                <a:cs typeface="Courier New" panose="02070309020205020404" pitchFamily="49" charset="0"/>
+              </a:rPr>
+              <a:t> as mm</a:t>
+            </a:r>
+          </a:p>
+          <a:p>
+            <a:pPr marL="0" indent="0">
+              <a:buNone/>
+            </a:pPr>
+            <a:r>
+              <a:rPr lang="en-US" dirty="0">
+                <a:latin typeface="Courier New" panose="02070309020205020404" pitchFamily="49" charset="0"/>
+                <a:cs typeface="Courier New" panose="02070309020205020404" pitchFamily="49" charset="0"/>
+              </a:rPr>
+              <a:t>From </a:t>
+            </a:r>
+            <a:r>
+              <a:rPr lang="en-US" dirty="0" err="1">
+                <a:latin typeface="Courier New" panose="02070309020205020404" pitchFamily="49" charset="0"/>
+                <a:cs typeface="Courier New" panose="02070309020205020404" pitchFamily="49" charset="0"/>
+              </a:rPr>
+              <a:t>simtk</a:t>
+            </a:r>
+            <a:r>
+              <a:rPr lang="en-US" dirty="0">
+                <a:latin typeface="Courier New" panose="02070309020205020404" pitchFamily="49" charset="0"/>
+                <a:cs typeface="Courier New" panose="02070309020205020404" pitchFamily="49" charset="0"/>
+              </a:rPr>
+              <a:t> import unit</a:t>
+            </a:r>
+          </a:p>
+          <a:p>
+            <a:pPr marL="0" indent="0">
+              <a:buNone/>
+            </a:pPr>
+            <a:r>
+              <a:rPr lang="en-US" dirty="0">
+                <a:latin typeface="Courier New" panose="02070309020205020404" pitchFamily="49" charset="0"/>
+                <a:cs typeface="Courier New" panose="02070309020205020404" pitchFamily="49" charset="0"/>
+              </a:rPr>
+              <a:t>From sys import </a:t>
+            </a:r>
+            <a:r>
+              <a:rPr lang="en-US" dirty="0" err="1">
+                <a:latin typeface="Courier New" panose="02070309020205020404" pitchFamily="49" charset="0"/>
+                <a:cs typeface="Courier New" panose="02070309020205020404" pitchFamily="49" charset="0"/>
+              </a:rPr>
+              <a:t>stdout</a:t>
+            </a:r>
+            <a:endParaRPr lang="en-US" dirty="0">
+              <a:latin typeface="Courier New" panose="02070309020205020404" pitchFamily="49" charset="0"/>
+              <a:cs typeface="Courier New" panose="02070309020205020404" pitchFamily="49" charset="0"/>
+            </a:endParaRPr>
+          </a:p>
+          <a:p>
+            <a:pPr marL="0" indent="0">
+              <a:buNone/>
+            </a:pPr>
+            <a:r>
+              <a:rPr lang="en-US" dirty="0">
+                <a:latin typeface="Courier New" panose="02070309020205020404" pitchFamily="49" charset="0"/>
+                <a:cs typeface="Courier New" panose="02070309020205020404" pitchFamily="49" charset="0"/>
+              </a:rPr>
+              <a:t>Import time as time</a:t>
+            </a:r>
+          </a:p>
+          <a:p>
+            <a:pPr marL="0" indent="0">
+              <a:buNone/>
+            </a:pPr>
+            <a:endParaRPr lang="en-US" dirty="0">
+              <a:latin typeface="Courier New" panose="02070309020205020404" pitchFamily="49" charset="0"/>
+              <a:cs typeface="Courier New" panose="02070309020205020404" pitchFamily="49" charset="0"/>
+            </a:endParaRPr>
+          </a:p>
+          <a:p>
+            <a:pPr marL="0" indent="0">
+              <a:buNone/>
+            </a:pPr>
+            <a:r>
+              <a:rPr lang="en-US" dirty="0" err="1">
+                <a:latin typeface="Courier New" panose="02070309020205020404" pitchFamily="49" charset="0"/>
+                <a:cs typeface="Courier New" panose="02070309020205020404" pitchFamily="49" charset="0"/>
+              </a:rPr>
+              <a:t>Pdb</a:t>
+            </a:r>
+            <a:r>
+              <a:rPr lang="en-US" dirty="0">
+                <a:latin typeface="Courier New" panose="02070309020205020404" pitchFamily="49" charset="0"/>
+                <a:cs typeface="Courier New" panose="02070309020205020404" pitchFamily="49" charset="0"/>
+              </a:rPr>
+              <a:t>=</a:t>
+            </a:r>
+            <a:r>
+              <a:rPr lang="en-US" dirty="0" err="1">
+                <a:latin typeface="Courier New" panose="02070309020205020404" pitchFamily="49" charset="0"/>
+                <a:cs typeface="Courier New" panose="02070309020205020404" pitchFamily="49" charset="0"/>
+              </a:rPr>
+              <a:t>mm.PDBFile</a:t>
+            </a:r>
+            <a:r>
+              <a:rPr lang="en-US" dirty="0">
+                <a:latin typeface="Courier New" panose="02070309020205020404" pitchFamily="49" charset="0"/>
+                <a:cs typeface="Courier New" panose="02070309020205020404" pitchFamily="49" charset="0"/>
+              </a:rPr>
+              <a:t>(‘&lt;file.pdb&gt;’)</a:t>
+            </a:r>
+          </a:p>
+          <a:p>
+            <a:pPr marL="0" indent="0">
+              <a:buNone/>
+            </a:pPr>
+            <a:r>
+              <a:rPr lang="en-US" dirty="0">
+                <a:latin typeface="Courier New" panose="02070309020205020404" pitchFamily="49" charset="0"/>
+                <a:cs typeface="Courier New" panose="02070309020205020404" pitchFamily="49" charset="0"/>
+              </a:rPr>
+              <a:t>Forcefield=</a:t>
+            </a:r>
+            <a:r>
+              <a:rPr lang="en-US" dirty="0" err="1">
+                <a:latin typeface="Courier New" panose="02070309020205020404" pitchFamily="49" charset="0"/>
+                <a:cs typeface="Courier New" panose="02070309020205020404" pitchFamily="49" charset="0"/>
+              </a:rPr>
+              <a:t>mm.ForceField</a:t>
+            </a:r>
+            <a:r>
+              <a:rPr lang="en-US" dirty="0">
+                <a:latin typeface="Courier New" panose="02070309020205020404" pitchFamily="49" charset="0"/>
+                <a:cs typeface="Courier New" panose="02070309020205020404" pitchFamily="49" charset="0"/>
+              </a:rPr>
+              <a:t>(‘&lt;file&gt;.xml’)</a:t>
+            </a:r>
+          </a:p>
+        </p:txBody>
+      </p:sp>
+    </p:spTree>
+    <p:extLst>
+      <p:ext uri="{BB962C8B-B14F-4D97-AF65-F5344CB8AC3E}">
+        <p14:creationId xmlns:p14="http://schemas.microsoft.com/office/powerpoint/2010/main" val="1278633761"/>
+      </p:ext>
+    </p:extLst>
+  </p:cSld>
+  <p:clrMapOvr>
+    <a:masterClrMapping/>
+  </p:clrMapOvr>
+</p:sld>
+</file>
+
+<file path=ppt/slides/slide12.xml><?xml version="1.0" encoding="utf-8"?>
+<p:sld xmlns:a="http://schemas.openxmlformats.org/drawingml/2006/main" xmlns:r="http://schemas.openxmlformats.org/officeDocument/2006/relationships" xmlns:p="http://schemas.openxmlformats.org/presentationml/2006/main">
+  <p:cSld>
+    <p:spTree>
+      <p:nvGrpSpPr>
+        <p:cNvPr id="1" name=""/>
+        <p:cNvGrpSpPr/>
+        <p:nvPr/>
+      </p:nvGrpSpPr>
+      <p:grpSpPr>
+        <a:xfrm>
+          <a:off x="0" y="0"/>
+          <a:ext cx="0" cy="0"/>
+          <a:chOff x="0" y="0"/>
+          <a:chExt cx="0" cy="0"/>
+        </a:xfrm>
+      </p:grpSpPr>
+      <p:sp>
+        <p:nvSpPr>
+          <p:cNvPr id="2" name="Title 1">
+            <a:extLst>
+              <a:ext uri="{FF2B5EF4-FFF2-40B4-BE49-F238E27FC236}">
+                <a16:creationId xmlns:a16="http://schemas.microsoft.com/office/drawing/2014/main" id="{11872217-592E-4824-918A-8F99C664B1D8}"/>
+              </a:ext>
+            </a:extLst>
+          </p:cNvPr>
+          <p:cNvSpPr>
+            <a:spLocks noGrp="1"/>
+          </p:cNvSpPr>
+          <p:nvPr>
+            <p:ph type="title"/>
+          </p:nvPr>
+        </p:nvSpPr>
+        <p:spPr/>
+        <p:txBody>
+          <a:bodyPr/>
+          <a:lstStyle/>
+          <a:p>
+            <a:r>
+              <a:rPr lang="en-US" dirty="0" err="1"/>
+              <a:t>OpenMM</a:t>
+            </a:r>
+            <a:endParaRPr lang="en-US" dirty="0"/>
+          </a:p>
+        </p:txBody>
+      </p:sp>
+      <p:sp>
+        <p:nvSpPr>
+          <p:cNvPr id="3" name="Content Placeholder 2">
+            <a:extLst>
+              <a:ext uri="{FF2B5EF4-FFF2-40B4-BE49-F238E27FC236}">
+                <a16:creationId xmlns:a16="http://schemas.microsoft.com/office/drawing/2014/main" id="{6AA065CF-91F6-4E5C-9ED6-2E207C4F4314}"/>
+              </a:ext>
+            </a:extLst>
+          </p:cNvPr>
+          <p:cNvSpPr>
+            <a:spLocks noGrp="1"/>
+          </p:cNvSpPr>
+          <p:nvPr>
+            <p:ph idx="1"/>
+          </p:nvPr>
+        </p:nvSpPr>
+        <p:spPr/>
+        <p:txBody>
+          <a:bodyPr>
+            <a:normAutofit lnSpcReduction="10000"/>
+          </a:bodyPr>
+          <a:lstStyle/>
+          <a:p>
+            <a:pPr marL="0" indent="0">
+              <a:buNone/>
+            </a:pPr>
+            <a:r>
+              <a:rPr lang="en-US" dirty="0">
+                <a:latin typeface="Courier New" panose="02070309020205020404" pitchFamily="49" charset="0"/>
+                <a:cs typeface="Courier New" panose="02070309020205020404" pitchFamily="49" charset="0"/>
+              </a:rPr>
+              <a:t>system=&lt;forcefield&gt;.</a:t>
+            </a:r>
+            <a:r>
+              <a:rPr lang="en-US" dirty="0" err="1">
+                <a:latin typeface="Courier New" panose="02070309020205020404" pitchFamily="49" charset="0"/>
+                <a:cs typeface="Courier New" panose="02070309020205020404" pitchFamily="49" charset="0"/>
+              </a:rPr>
+              <a:t>createSystem</a:t>
+            </a:r>
+            <a:r>
+              <a:rPr lang="en-US" dirty="0">
+                <a:latin typeface="Courier New" panose="02070309020205020404" pitchFamily="49" charset="0"/>
+                <a:cs typeface="Courier New" panose="02070309020205020404" pitchFamily="49" charset="0"/>
+              </a:rPr>
+              <a:t>(…)</a:t>
+            </a:r>
+          </a:p>
+          <a:p>
+            <a:pPr marL="0" indent="0">
+              <a:buNone/>
+            </a:pPr>
+            <a:r>
+              <a:rPr lang="en-US" dirty="0">
+                <a:latin typeface="Courier New" panose="02070309020205020404" pitchFamily="49" charset="0"/>
+                <a:cs typeface="Courier New" panose="02070309020205020404" pitchFamily="49" charset="0"/>
+              </a:rPr>
+              <a:t>Integrator=mm.&lt;</a:t>
+            </a:r>
+            <a:r>
+              <a:rPr lang="en-US" dirty="0" err="1">
+                <a:latin typeface="Courier New" panose="02070309020205020404" pitchFamily="49" charset="0"/>
+                <a:cs typeface="Courier New" panose="02070309020205020404" pitchFamily="49" charset="0"/>
+              </a:rPr>
+              <a:t>TypeOfIntegrator</a:t>
+            </a:r>
+            <a:r>
+              <a:rPr lang="en-US" dirty="0">
+                <a:latin typeface="Courier New" panose="02070309020205020404" pitchFamily="49" charset="0"/>
+                <a:cs typeface="Courier New" panose="02070309020205020404" pitchFamily="49" charset="0"/>
+              </a:rPr>
+              <a:t>&gt;(&lt;constraint&gt;)</a:t>
+            </a:r>
+          </a:p>
+          <a:p>
+            <a:pPr marL="0" indent="0">
+              <a:buNone/>
+            </a:pPr>
+            <a:r>
+              <a:rPr lang="en-US" dirty="0">
+                <a:latin typeface="Courier New" panose="02070309020205020404" pitchFamily="49" charset="0"/>
+                <a:cs typeface="Courier New" panose="02070309020205020404" pitchFamily="49" charset="0"/>
+              </a:rPr>
+              <a:t>Simulation=</a:t>
+            </a:r>
+            <a:r>
+              <a:rPr lang="en-US" dirty="0" err="1">
+                <a:latin typeface="Courier New" panose="02070309020205020404" pitchFamily="49" charset="0"/>
+                <a:cs typeface="Courier New" panose="02070309020205020404" pitchFamily="49" charset="0"/>
+              </a:rPr>
+              <a:t>app.Sumulation</a:t>
+            </a:r>
+            <a:r>
+              <a:rPr lang="en-US" dirty="0">
+                <a:latin typeface="Courier New" panose="02070309020205020404" pitchFamily="49" charset="0"/>
+                <a:cs typeface="Courier New" panose="02070309020205020404" pitchFamily="49" charset="0"/>
+              </a:rPr>
+              <a:t>(&lt;</a:t>
+            </a:r>
+            <a:r>
+              <a:rPr lang="en-US" dirty="0" err="1">
+                <a:latin typeface="Courier New" panose="02070309020205020404" pitchFamily="49" charset="0"/>
+                <a:cs typeface="Courier New" panose="02070309020205020404" pitchFamily="49" charset="0"/>
+              </a:rPr>
+              <a:t>pdb</a:t>
+            </a:r>
+            <a:r>
+              <a:rPr lang="en-US" dirty="0">
+                <a:latin typeface="Courier New" panose="02070309020205020404" pitchFamily="49" charset="0"/>
+                <a:cs typeface="Courier New" panose="02070309020205020404" pitchFamily="49" charset="0"/>
+              </a:rPr>
+              <a:t>&gt;.topology, system, integrator)</a:t>
+            </a:r>
+          </a:p>
+          <a:p>
+            <a:pPr marL="0" indent="0">
+              <a:buNone/>
+            </a:pPr>
+            <a:r>
+              <a:rPr lang="en-US" dirty="0" err="1">
+                <a:latin typeface="Courier New" panose="02070309020205020404" pitchFamily="49" charset="0"/>
+                <a:cs typeface="Courier New" panose="02070309020205020404" pitchFamily="49" charset="0"/>
+              </a:rPr>
+              <a:t>Simulation.context.setPositions</a:t>
+            </a:r>
+            <a:r>
+              <a:rPr lang="en-US" dirty="0">
+                <a:latin typeface="Courier New" panose="02070309020205020404" pitchFamily="49" charset="0"/>
+                <a:cs typeface="Courier New" panose="02070309020205020404" pitchFamily="49" charset="0"/>
+              </a:rPr>
+              <a:t>(&lt;</a:t>
+            </a:r>
+            <a:r>
+              <a:rPr lang="en-US" dirty="0" err="1">
+                <a:latin typeface="Courier New" panose="02070309020205020404" pitchFamily="49" charset="0"/>
+                <a:cs typeface="Courier New" panose="02070309020205020404" pitchFamily="49" charset="0"/>
+              </a:rPr>
+              <a:t>pdb</a:t>
+            </a:r>
+            <a:r>
+              <a:rPr lang="en-US" dirty="0">
+                <a:latin typeface="Courier New" panose="02070309020205020404" pitchFamily="49" charset="0"/>
+                <a:cs typeface="Courier New" panose="02070309020205020404" pitchFamily="49" charset="0"/>
+              </a:rPr>
+              <a:t>&gt;.positions</a:t>
+            </a:r>
+          </a:p>
+          <a:p>
+            <a:pPr marL="0" indent="0">
+              <a:buNone/>
+            </a:pPr>
+            <a:endParaRPr lang="en-US" dirty="0">
+              <a:latin typeface="Courier New" panose="02070309020205020404" pitchFamily="49" charset="0"/>
+              <a:cs typeface="Courier New" panose="02070309020205020404" pitchFamily="49" charset="0"/>
+            </a:endParaRPr>
+          </a:p>
+          <a:p>
+            <a:pPr marL="0" indent="0">
+              <a:buNone/>
+            </a:pPr>
+            <a:r>
+              <a:rPr lang="en-US" dirty="0" err="1">
+                <a:latin typeface="Courier New" panose="02070309020205020404" pitchFamily="49" charset="0"/>
+                <a:cs typeface="Courier New" panose="02070309020205020404" pitchFamily="49" charset="0"/>
+              </a:rPr>
+              <a:t>Simulation.minimizeEnergy</a:t>
+            </a:r>
+            <a:r>
+              <a:rPr lang="en-US" dirty="0">
+                <a:latin typeface="Courier New" panose="02070309020205020404" pitchFamily="49" charset="0"/>
+                <a:cs typeface="Courier New" panose="02070309020205020404" pitchFamily="49" charset="0"/>
+              </a:rPr>
+              <a:t>()</a:t>
+            </a:r>
+          </a:p>
+          <a:p>
+            <a:pPr marL="0" indent="0">
+              <a:buNone/>
+            </a:pPr>
+            <a:r>
+              <a:rPr lang="en-US" dirty="0" err="1">
+                <a:latin typeface="Courier New" panose="02070309020205020404" pitchFamily="49" charset="0"/>
+                <a:cs typeface="Courier New" panose="02070309020205020404" pitchFamily="49" charset="0"/>
+              </a:rPr>
+              <a:t>Simulation.context.setVelocitiesToTemperature</a:t>
+            </a:r>
+            <a:r>
+              <a:rPr lang="en-US" dirty="0">
+                <a:latin typeface="Courier New" panose="02070309020205020404" pitchFamily="49" charset="0"/>
+                <a:cs typeface="Courier New" panose="02070309020205020404" pitchFamily="49" charset="0"/>
+              </a:rPr>
+              <a:t>(&lt;#&gt;*</a:t>
+            </a:r>
+            <a:r>
+              <a:rPr lang="en-US" dirty="0" err="1">
+                <a:latin typeface="Courier New" panose="02070309020205020404" pitchFamily="49" charset="0"/>
+                <a:cs typeface="Courier New" panose="02070309020205020404" pitchFamily="49" charset="0"/>
+              </a:rPr>
+              <a:t>unit,kelvin</a:t>
+            </a:r>
+            <a:r>
+              <a:rPr lang="en-US" dirty="0">
+                <a:latin typeface="Courier New" panose="02070309020205020404" pitchFamily="49" charset="0"/>
+                <a:cs typeface="Courier New" panose="02070309020205020404" pitchFamily="49" charset="0"/>
+              </a:rPr>
+              <a:t>)</a:t>
+            </a:r>
+          </a:p>
+          <a:p>
+            <a:pPr marL="0" indent="0">
+              <a:buNone/>
+            </a:pPr>
+            <a:r>
+              <a:rPr lang="en-US" dirty="0" err="1">
+                <a:latin typeface="Courier New" panose="02070309020205020404" pitchFamily="49" charset="0"/>
+                <a:cs typeface="Courier New" panose="02070309020205020404" pitchFamily="49" charset="0"/>
+              </a:rPr>
+              <a:t>Simulation.reports.append</a:t>
+            </a:r>
+            <a:r>
+              <a:rPr lang="en-US" dirty="0">
+                <a:latin typeface="Courier New" panose="02070309020205020404" pitchFamily="49" charset="0"/>
+                <a:cs typeface="Courier New" panose="02070309020205020404" pitchFamily="49" charset="0"/>
+              </a:rPr>
+              <a:t>(</a:t>
+            </a:r>
+            <a:r>
+              <a:rPr lang="en-US" dirty="0" err="1">
+                <a:latin typeface="Courier New" panose="02070309020205020404" pitchFamily="49" charset="0"/>
+                <a:cs typeface="Courier New" panose="02070309020205020404" pitchFamily="49" charset="0"/>
+              </a:rPr>
+              <a:t>app.StateDataReporter</a:t>
+            </a:r>
+            <a:r>
+              <a:rPr lang="en-US" dirty="0">
+                <a:latin typeface="Courier New" panose="02070309020205020404" pitchFamily="49" charset="0"/>
+                <a:cs typeface="Courier New" panose="02070309020205020404" pitchFamily="49" charset="0"/>
+              </a:rPr>
+              <a:t>(</a:t>
+            </a:r>
+            <a:r>
+              <a:rPr lang="en-US" dirty="0" err="1">
+                <a:latin typeface="Courier New" panose="02070309020205020404" pitchFamily="49" charset="0"/>
+                <a:cs typeface="Courier New" panose="02070309020205020404" pitchFamily="49" charset="0"/>
+              </a:rPr>
+              <a:t>stdout</a:t>
+            </a:r>
+            <a:r>
+              <a:rPr lang="en-US" dirty="0">
+                <a:latin typeface="Courier New" panose="02070309020205020404" pitchFamily="49" charset="0"/>
+                <a:cs typeface="Courier New" panose="02070309020205020404" pitchFamily="49" charset="0"/>
+              </a:rPr>
+              <a:t>,&lt;stuff&gt;)</a:t>
+            </a:r>
+          </a:p>
+          <a:p>
+            <a:pPr marL="0" indent="0">
+              <a:buNone/>
+            </a:pPr>
+            <a:r>
+              <a:rPr lang="en-US" dirty="0" err="1">
+                <a:latin typeface="Courier New" panose="02070309020205020404" pitchFamily="49" charset="0"/>
+                <a:cs typeface="Courier New" panose="02070309020205020404" pitchFamily="49" charset="0"/>
+              </a:rPr>
+              <a:t>Simulation.step</a:t>
+            </a:r>
+            <a:r>
+              <a:rPr lang="en-US" dirty="0">
+                <a:latin typeface="Courier New" panose="02070309020205020404" pitchFamily="49" charset="0"/>
+                <a:cs typeface="Courier New" panose="02070309020205020404" pitchFamily="49" charset="0"/>
+              </a:rPr>
+              <a:t>(&lt;#&gt;</a:t>
+            </a:r>
+          </a:p>
+          <a:p>
+            <a:endParaRPr lang="en-US" dirty="0">
+              <a:latin typeface="Courier New" panose="02070309020205020404" pitchFamily="49" charset="0"/>
+              <a:cs typeface="Courier New" panose="02070309020205020404" pitchFamily="49" charset="0"/>
+            </a:endParaRPr>
+          </a:p>
+        </p:txBody>
+      </p:sp>
+    </p:spTree>
+    <p:extLst>
+      <p:ext uri="{BB962C8B-B14F-4D97-AF65-F5344CB8AC3E}">
+        <p14:creationId xmlns:p14="http://schemas.microsoft.com/office/powerpoint/2010/main" val="183337722"/>
+      </p:ext>
+    </p:extLst>
+  </p:cSld>
+  <p:clrMapOvr>
+    <a:masterClrMapping/>
+  </p:clrMapOvr>
+</p:sld>
+</file>
+
+<file path=ppt/slides/slide13.xml><?xml version="1.0" encoding="utf-8"?>
+<p:sld xmlns:a="http://schemas.openxmlformats.org/drawingml/2006/main" xmlns:r="http://schemas.openxmlformats.org/officeDocument/2006/relationships" xmlns:p="http://schemas.openxmlformats.org/presentationml/2006/main">
+  <p:cSld>
+    <p:spTree>
+      <p:nvGrpSpPr>
+        <p:cNvPr id="1" name=""/>
+        <p:cNvGrpSpPr/>
+        <p:nvPr/>
+      </p:nvGrpSpPr>
+      <p:grpSpPr>
+        <a:xfrm>
+          <a:off x="0" y="0"/>
+          <a:ext cx="0" cy="0"/>
+          <a:chOff x="0" y="0"/>
+          <a:chExt cx="0" cy="0"/>
+        </a:xfrm>
+      </p:grpSpPr>
+      <p:sp>
+        <p:nvSpPr>
+          <p:cNvPr id="2" name="Title 1">
+            <a:extLst>
+              <a:ext uri="{FF2B5EF4-FFF2-40B4-BE49-F238E27FC236}">
+                <a16:creationId xmlns:a16="http://schemas.microsoft.com/office/drawing/2014/main" id="{24FD0DF1-ACC1-4AD9-A473-BEA5AC2B7F9A}"/>
+              </a:ext>
+            </a:extLst>
+          </p:cNvPr>
+          <p:cNvSpPr>
+            <a:spLocks noGrp="1"/>
+          </p:cNvSpPr>
+          <p:nvPr>
+            <p:ph type="title"/>
+          </p:nvPr>
+        </p:nvSpPr>
+        <p:spPr/>
+        <p:txBody>
+          <a:bodyPr/>
+          <a:lstStyle/>
+          <a:p>
+            <a:r>
+              <a:rPr lang="en-US" dirty="0" err="1"/>
+              <a:t>OpenMM</a:t>
+            </a:r>
+            <a:endParaRPr lang="en-US" dirty="0"/>
+          </a:p>
+        </p:txBody>
+      </p:sp>
+      <p:sp>
+        <p:nvSpPr>
+          <p:cNvPr id="3" name="Content Placeholder 2">
+            <a:extLst>
+              <a:ext uri="{FF2B5EF4-FFF2-40B4-BE49-F238E27FC236}">
+                <a16:creationId xmlns:a16="http://schemas.microsoft.com/office/drawing/2014/main" id="{E81293C0-CABE-4105-90C2-9BFDFD84856D}"/>
+              </a:ext>
+            </a:extLst>
+          </p:cNvPr>
+          <p:cNvSpPr>
+            <a:spLocks noGrp="1"/>
+          </p:cNvSpPr>
+          <p:nvPr>
+            <p:ph idx="1"/>
+          </p:nvPr>
+        </p:nvSpPr>
+        <p:spPr/>
+        <p:txBody>
+          <a:bodyPr/>
+          <a:lstStyle/>
+          <a:p>
+            <a:pPr marL="0" indent="0">
+              <a:buNone/>
+            </a:pPr>
+            <a:r>
+              <a:rPr lang="en-US" dirty="0" err="1">
+                <a:latin typeface="Courier New" panose="02070309020205020404" pitchFamily="49" charset="0"/>
+                <a:cs typeface="Courier New" panose="02070309020205020404" pitchFamily="49" charset="0"/>
+              </a:rPr>
+              <a:t>Simulation.reporters.clear</a:t>
+            </a:r>
+            <a:r>
+              <a:rPr lang="en-US" dirty="0">
+                <a:latin typeface="Courier New" panose="02070309020205020404" pitchFamily="49" charset="0"/>
+                <a:cs typeface="Courier New" panose="02070309020205020404" pitchFamily="49" charset="0"/>
+              </a:rPr>
+              <a:t>()</a:t>
+            </a:r>
+          </a:p>
+          <a:p>
+            <a:pPr marL="0" indent="0">
+              <a:buNone/>
+            </a:pPr>
+            <a:r>
+              <a:rPr lang="en-US" dirty="0" err="1">
+                <a:latin typeface="Courier New" panose="02070309020205020404" pitchFamily="49" charset="0"/>
+                <a:cs typeface="Courier New" panose="02070309020205020404" pitchFamily="49" charset="0"/>
+              </a:rPr>
+              <a:t>Simulatoin.reporters.append</a:t>
+            </a:r>
+            <a:r>
+              <a:rPr lang="en-US" dirty="0">
+                <a:latin typeface="Courier New" panose="02070309020205020404" pitchFamily="49" charset="0"/>
+                <a:cs typeface="Courier New" panose="02070309020205020404" pitchFamily="49" charset="0"/>
+              </a:rPr>
+              <a:t>(</a:t>
+            </a:r>
+            <a:r>
+              <a:rPr lang="en-US" dirty="0" err="1">
+                <a:latin typeface="Courier New" panose="02070309020205020404" pitchFamily="49" charset="0"/>
+                <a:cs typeface="Courier New" panose="02070309020205020404" pitchFamily="49" charset="0"/>
+              </a:rPr>
+              <a:t>app.DCDReporter</a:t>
+            </a:r>
+            <a:r>
+              <a:rPr lang="en-US" dirty="0">
+                <a:latin typeface="Courier New" panose="02070309020205020404" pitchFamily="49" charset="0"/>
+                <a:cs typeface="Courier New" panose="02070309020205020404" pitchFamily="49" charset="0"/>
+              </a:rPr>
+              <a:t>(&lt;</a:t>
+            </a:r>
+            <a:r>
+              <a:rPr lang="en-US" dirty="0" err="1">
+                <a:latin typeface="Courier New" panose="02070309020205020404" pitchFamily="49" charset="0"/>
+                <a:cs typeface="Courier New" panose="02070309020205020404" pitchFamily="49" charset="0"/>
+              </a:rPr>
+              <a:t>file.dcd</a:t>
+            </a:r>
+            <a:r>
+              <a:rPr lang="en-US" dirty="0">
+                <a:latin typeface="Courier New" panose="02070309020205020404" pitchFamily="49" charset="0"/>
+                <a:cs typeface="Courier New" panose="02070309020205020404" pitchFamily="49" charset="0"/>
+              </a:rPr>
+              <a:t>&gt;,&lt;#&gt;)</a:t>
+            </a:r>
+          </a:p>
+          <a:p>
+            <a:pPr marL="0" indent="0">
+              <a:buNone/>
+            </a:pPr>
+            <a:r>
+              <a:rPr lang="en-US" dirty="0" err="1">
+                <a:latin typeface="Courier New" panose="02070309020205020404" pitchFamily="49" charset="0"/>
+                <a:cs typeface="Courier New" panose="02070309020205020404" pitchFamily="49" charset="0"/>
+              </a:rPr>
+              <a:t>Simulation.reporters.append</a:t>
+            </a:r>
+            <a:r>
+              <a:rPr lang="en-US" dirty="0">
+                <a:latin typeface="Courier New" panose="02070309020205020404" pitchFamily="49" charset="0"/>
+                <a:cs typeface="Courier New" panose="02070309020205020404" pitchFamily="49" charset="0"/>
+              </a:rPr>
+              <a:t>(</a:t>
+            </a:r>
+            <a:r>
+              <a:rPr lang="en-US" dirty="0" err="1">
+                <a:latin typeface="Courier New" panose="02070309020205020404" pitchFamily="49" charset="0"/>
+                <a:cs typeface="Courier New" panose="02070309020205020404" pitchFamily="49" charset="0"/>
+              </a:rPr>
+              <a:t>app.StateDataReporter</a:t>
+            </a:r>
+            <a:r>
+              <a:rPr lang="en-US" dirty="0">
+                <a:latin typeface="Courier New" panose="02070309020205020404" pitchFamily="49" charset="0"/>
+                <a:cs typeface="Courier New" panose="02070309020205020404" pitchFamily="49" charset="0"/>
+              </a:rPr>
+              <a:t>(</a:t>
+            </a:r>
+            <a:r>
+              <a:rPr lang="en-US" dirty="0" err="1">
+                <a:latin typeface="Courier New" panose="02070309020205020404" pitchFamily="49" charset="0"/>
+                <a:cs typeface="Courier New" panose="02070309020205020404" pitchFamily="49" charset="0"/>
+              </a:rPr>
+              <a:t>stdout</a:t>
+            </a:r>
+            <a:r>
+              <a:rPr lang="en-US" dirty="0">
+                <a:latin typeface="Courier New" panose="02070309020205020404" pitchFamily="49" charset="0"/>
+                <a:cs typeface="Courier New" panose="02070309020205020404" pitchFamily="49" charset="0"/>
+              </a:rPr>
+              <a:t>,&lt;stuff&gt;)</a:t>
+            </a:r>
+          </a:p>
+          <a:p>
+            <a:pPr marL="0" indent="0">
+              <a:buNone/>
+            </a:pPr>
+            <a:r>
+              <a:rPr lang="en-US" dirty="0" err="1">
+                <a:latin typeface="Courier New" panose="02070309020205020404" pitchFamily="49" charset="0"/>
+                <a:cs typeface="Courier New" panose="02070309020205020404" pitchFamily="49" charset="0"/>
+              </a:rPr>
+              <a:t>Simulation.step</a:t>
+            </a:r>
+            <a:r>
+              <a:rPr lang="en-US" dirty="0">
+                <a:latin typeface="Courier New" panose="02070309020205020404" pitchFamily="49" charset="0"/>
+                <a:cs typeface="Courier New" panose="02070309020205020404" pitchFamily="49" charset="0"/>
+              </a:rPr>
+              <a:t>(&lt;#&gt;)</a:t>
+            </a:r>
+          </a:p>
+          <a:p>
+            <a:pPr marL="0" indent="0">
+              <a:buNone/>
+            </a:pPr>
+            <a:endParaRPr lang="en-US" dirty="0">
+              <a:latin typeface="Courier New" panose="02070309020205020404" pitchFamily="49" charset="0"/>
+              <a:cs typeface="Courier New" panose="02070309020205020404" pitchFamily="49" charset="0"/>
+            </a:endParaRPr>
+          </a:p>
+          <a:p>
+            <a:pPr marL="0" indent="0">
+              <a:buNone/>
+            </a:pPr>
+            <a:r>
+              <a:rPr lang="en-US" sz="2800" dirty="0">
+                <a:cs typeface="Courier New" panose="02070309020205020404" pitchFamily="49" charset="0"/>
+              </a:rPr>
+              <a:t>Your simulation has been completed and data read into a dcd file for </a:t>
+            </a:r>
+            <a:r>
+              <a:rPr lang="en-US" sz="2800" dirty="0" err="1">
+                <a:cs typeface="Courier New" panose="02070309020205020404" pitchFamily="49" charset="0"/>
+              </a:rPr>
+              <a:t>MDTraj</a:t>
+            </a:r>
+            <a:r>
+              <a:rPr lang="en-US" sz="2800" dirty="0">
+                <a:cs typeface="Courier New" panose="02070309020205020404" pitchFamily="49" charset="0"/>
+              </a:rPr>
+              <a:t> to analyses</a:t>
+            </a:r>
+          </a:p>
+        </p:txBody>
+      </p:sp>
+    </p:spTree>
+    <p:extLst>
+      <p:ext uri="{BB962C8B-B14F-4D97-AF65-F5344CB8AC3E}">
+        <p14:creationId xmlns:p14="http://schemas.microsoft.com/office/powerpoint/2010/main" val="3767654153"/>
+      </p:ext>
+    </p:extLst>
+  </p:cSld>
+  <p:clrMapOvr>
+    <a:masterClrMapping/>
+  </p:clrMapOvr>
+</p:sld>
+</file>
+
+<file path=ppt/slides/slide14.xml><?xml version="1.0" encoding="utf-8"?>
+<p:sld xmlns:a="http://schemas.openxmlformats.org/drawingml/2006/main" xmlns:r="http://schemas.openxmlformats.org/officeDocument/2006/relationships" xmlns:p="http://schemas.openxmlformats.org/presentationml/2006/main">
+  <p:cSld>
+    <p:spTree>
+      <p:nvGrpSpPr>
+        <p:cNvPr id="1" name=""/>
+        <p:cNvGrpSpPr/>
+        <p:nvPr/>
+      </p:nvGrpSpPr>
+      <p:grpSpPr>
+        <a:xfrm>
+          <a:off x="0" y="0"/>
+          <a:ext cx="0" cy="0"/>
+          <a:chOff x="0" y="0"/>
+          <a:chExt cx="0" cy="0"/>
+        </a:xfrm>
+      </p:grpSpPr>
+      <p:sp>
+        <p:nvSpPr>
+          <p:cNvPr id="2" name="Title 1">
+            <a:extLst>
+              <a:ext uri="{FF2B5EF4-FFF2-40B4-BE49-F238E27FC236}">
+                <a16:creationId xmlns:a16="http://schemas.microsoft.com/office/drawing/2014/main" id="{66E36B59-6B0B-404C-AC42-E52A35787D2D}"/>
+              </a:ext>
+            </a:extLst>
+          </p:cNvPr>
+          <p:cNvSpPr>
+            <a:spLocks noGrp="1"/>
+          </p:cNvSpPr>
+          <p:nvPr>
+            <p:ph type="title"/>
+          </p:nvPr>
+        </p:nvSpPr>
+        <p:spPr/>
+        <p:txBody>
+          <a:bodyPr/>
+          <a:lstStyle/>
+          <a:p>
+            <a:r>
+              <a:rPr lang="en-US" dirty="0" err="1"/>
+              <a:t>MDTraj</a:t>
+            </a:r>
+            <a:endParaRPr lang="en-US" dirty="0"/>
+          </a:p>
+        </p:txBody>
+      </p:sp>
+      <p:sp>
+        <p:nvSpPr>
+          <p:cNvPr id="6" name="Text Placeholder 5">
+            <a:extLst>
+              <a:ext uri="{FF2B5EF4-FFF2-40B4-BE49-F238E27FC236}">
+                <a16:creationId xmlns:a16="http://schemas.microsoft.com/office/drawing/2014/main" id="{A2F2D65F-0804-47E8-BF70-3A509B790B8F}"/>
+              </a:ext>
+            </a:extLst>
+          </p:cNvPr>
+          <p:cNvSpPr>
+            <a:spLocks noGrp="1"/>
+          </p:cNvSpPr>
+          <p:nvPr>
+            <p:ph type="body" idx="1"/>
+          </p:nvPr>
+        </p:nvSpPr>
+        <p:spPr/>
+        <p:txBody>
+          <a:bodyPr/>
+          <a:lstStyle/>
+          <a:p>
+            <a:r>
+              <a:rPr lang="en-US" dirty="0"/>
+              <a:t>What is it</a:t>
+            </a:r>
+          </a:p>
+        </p:txBody>
+      </p:sp>
+      <p:sp>
+        <p:nvSpPr>
+          <p:cNvPr id="4" name="Content Placeholder 3">
+            <a:extLst>
+              <a:ext uri="{FF2B5EF4-FFF2-40B4-BE49-F238E27FC236}">
+                <a16:creationId xmlns:a16="http://schemas.microsoft.com/office/drawing/2014/main" id="{3EA8F5F1-FE52-43EF-819A-D4B56025C7C7}"/>
+              </a:ext>
+            </a:extLst>
+          </p:cNvPr>
+          <p:cNvSpPr>
+            <a:spLocks noGrp="1"/>
+          </p:cNvSpPr>
+          <p:nvPr>
+            <p:ph sz="half" idx="2"/>
+          </p:nvPr>
+        </p:nvSpPr>
+        <p:spPr/>
+        <p:txBody>
+          <a:bodyPr/>
+          <a:lstStyle/>
+          <a:p>
+            <a:r>
+              <a:rPr lang="en-US" dirty="0"/>
+              <a:t>Another package free for python made to read .dcd and </a:t>
+            </a:r>
+            <a:r>
+              <a:rPr lang="en-US" dirty="0" err="1"/>
+              <a:t>analize</a:t>
+            </a:r>
+            <a:r>
+              <a:rPr lang="en-US" dirty="0"/>
+              <a:t> data.</a:t>
+            </a:r>
+          </a:p>
+          <a:p>
+            <a:r>
+              <a:rPr lang="en-US" dirty="0"/>
+              <a:t>Can look at population density for </a:t>
+            </a:r>
+            <a:r>
+              <a:rPr lang="en-US" dirty="0" err="1"/>
+              <a:t>enegies</a:t>
+            </a:r>
+            <a:r>
+              <a:rPr lang="en-US" dirty="0"/>
+              <a:t> across parameters</a:t>
+            </a:r>
+          </a:p>
+          <a:p>
+            <a:r>
+              <a:rPr lang="en-US" dirty="0"/>
+              <a:t>Can look at parameters over time to see how molecule changes</a:t>
+            </a:r>
+          </a:p>
+        </p:txBody>
+      </p:sp>
+      <p:sp>
+        <p:nvSpPr>
+          <p:cNvPr id="7" name="Text Placeholder 6">
+            <a:extLst>
+              <a:ext uri="{FF2B5EF4-FFF2-40B4-BE49-F238E27FC236}">
+                <a16:creationId xmlns:a16="http://schemas.microsoft.com/office/drawing/2014/main" id="{B7F2893A-D65E-4CD9-9396-20A5E8FBF85D}"/>
+              </a:ext>
+            </a:extLst>
+          </p:cNvPr>
+          <p:cNvSpPr>
+            <a:spLocks noGrp="1"/>
+          </p:cNvSpPr>
+          <p:nvPr>
+            <p:ph type="body" sz="quarter" idx="3"/>
+          </p:nvPr>
+        </p:nvSpPr>
+        <p:spPr/>
+        <p:txBody>
+          <a:bodyPr/>
+          <a:lstStyle/>
+          <a:p>
+            <a:endParaRPr lang="en-US" dirty="0"/>
+          </a:p>
+        </p:txBody>
+      </p:sp>
+      <p:sp>
+        <p:nvSpPr>
+          <p:cNvPr id="8" name="Content Placeholder 7">
+            <a:extLst>
+              <a:ext uri="{FF2B5EF4-FFF2-40B4-BE49-F238E27FC236}">
+                <a16:creationId xmlns:a16="http://schemas.microsoft.com/office/drawing/2014/main" id="{41223CD1-4E7B-49AA-AB38-E66CE5C8E301}"/>
+              </a:ext>
+            </a:extLst>
+          </p:cNvPr>
+          <p:cNvSpPr>
+            <a:spLocks noGrp="1"/>
+          </p:cNvSpPr>
+          <p:nvPr>
+            <p:ph sz="quarter" idx="4"/>
+          </p:nvPr>
+        </p:nvSpPr>
+        <p:spPr/>
+        <p:txBody>
+          <a:bodyPr/>
+          <a:lstStyle/>
+          <a:p>
+            <a:endParaRPr lang="en-US"/>
+          </a:p>
+        </p:txBody>
+      </p:sp>
+    </p:spTree>
+    <p:extLst>
+      <p:ext uri="{BB962C8B-B14F-4D97-AF65-F5344CB8AC3E}">
+        <p14:creationId xmlns:p14="http://schemas.microsoft.com/office/powerpoint/2010/main" val="4260478691"/>
+      </p:ext>
+    </p:extLst>
+  </p:cSld>
+  <p:clrMapOvr>
+    <a:masterClrMapping/>
+  </p:clrMapOvr>
+</p:sld>
+</file>
+
+<file path=ppt/slides/slide15.xml><?xml version="1.0" encoding="utf-8"?>
+<p:sld xmlns:a="http://schemas.openxmlformats.org/drawingml/2006/main" xmlns:r="http://schemas.openxmlformats.org/officeDocument/2006/relationships" xmlns:p="http://schemas.openxmlformats.org/presentationml/2006/main">
+  <p:cSld>
+    <p:spTree>
+      <p:nvGrpSpPr>
+        <p:cNvPr id="1" name=""/>
+        <p:cNvGrpSpPr/>
+        <p:nvPr/>
+      </p:nvGrpSpPr>
+      <p:grpSpPr>
+        <a:xfrm>
+          <a:off x="0" y="0"/>
+          <a:ext cx="0" cy="0"/>
+          <a:chOff x="0" y="0"/>
+          <a:chExt cx="0" cy="0"/>
+        </a:xfrm>
+      </p:grpSpPr>
+      <p:sp>
+        <p:nvSpPr>
+          <p:cNvPr id="7" name="Title 6">
+            <a:extLst>
+              <a:ext uri="{FF2B5EF4-FFF2-40B4-BE49-F238E27FC236}">
+                <a16:creationId xmlns:a16="http://schemas.microsoft.com/office/drawing/2014/main" id="{C4FE9945-86DB-4FAA-BF03-7FF6F79EFC3D}"/>
+              </a:ext>
+            </a:extLst>
+          </p:cNvPr>
+          <p:cNvSpPr>
+            <a:spLocks noGrp="1"/>
+          </p:cNvSpPr>
+          <p:nvPr>
+            <p:ph type="title"/>
+          </p:nvPr>
+        </p:nvSpPr>
+        <p:spPr/>
+        <p:txBody>
+          <a:bodyPr/>
+          <a:lstStyle/>
+          <a:p>
+            <a:r>
+              <a:rPr lang="en-US" dirty="0" err="1"/>
+              <a:t>MDTraj</a:t>
+            </a:r>
+            <a:endParaRPr lang="en-US" dirty="0"/>
+          </a:p>
+        </p:txBody>
+      </p:sp>
+      <p:sp>
+        <p:nvSpPr>
+          <p:cNvPr id="8" name="Content Placeholder 7">
+            <a:extLst>
+              <a:ext uri="{FF2B5EF4-FFF2-40B4-BE49-F238E27FC236}">
+                <a16:creationId xmlns:a16="http://schemas.microsoft.com/office/drawing/2014/main" id="{8AEB9452-E7CE-4ADC-ABF1-89A6B7D8EE1D}"/>
+              </a:ext>
+            </a:extLst>
+          </p:cNvPr>
+          <p:cNvSpPr>
+            <a:spLocks noGrp="1"/>
+          </p:cNvSpPr>
+          <p:nvPr>
+            <p:ph idx="1"/>
+          </p:nvPr>
+        </p:nvSpPr>
+        <p:spPr/>
+        <p:txBody>
+          <a:bodyPr>
+            <a:normAutofit fontScale="85000" lnSpcReduction="20000"/>
+          </a:bodyPr>
+          <a:lstStyle/>
+          <a:p>
+            <a:pPr marL="0" indent="0">
+              <a:buNone/>
+            </a:pPr>
+            <a:r>
+              <a:rPr lang="en-US" dirty="0">
+                <a:latin typeface="Courier New" panose="02070309020205020404" pitchFamily="49" charset="0"/>
+                <a:cs typeface="Courier New" panose="02070309020205020404" pitchFamily="49" charset="0"/>
+              </a:rPr>
+              <a:t>Import </a:t>
+            </a:r>
+            <a:r>
+              <a:rPr lang="en-US" dirty="0" err="1">
+                <a:latin typeface="Courier New" panose="02070309020205020404" pitchFamily="49" charset="0"/>
+                <a:cs typeface="Courier New" panose="02070309020205020404" pitchFamily="49" charset="0"/>
+              </a:rPr>
+              <a:t>mdtraj</a:t>
+            </a:r>
+            <a:r>
+              <a:rPr lang="en-US" dirty="0">
+                <a:latin typeface="Courier New" panose="02070309020205020404" pitchFamily="49" charset="0"/>
+                <a:cs typeface="Courier New" panose="02070309020205020404" pitchFamily="49" charset="0"/>
+              </a:rPr>
+              <a:t> as md</a:t>
+            </a:r>
+          </a:p>
+          <a:p>
+            <a:pPr marL="0" indent="0">
+              <a:buNone/>
+            </a:pPr>
+            <a:r>
+              <a:rPr lang="en-US" dirty="0">
+                <a:latin typeface="Courier New" panose="02070309020205020404" pitchFamily="49" charset="0"/>
+                <a:cs typeface="Courier New" panose="02070309020205020404" pitchFamily="49" charset="0"/>
+              </a:rPr>
+              <a:t>Import </a:t>
+            </a:r>
+            <a:r>
+              <a:rPr lang="en-US" dirty="0" err="1">
+                <a:latin typeface="Courier New" panose="02070309020205020404" pitchFamily="49" charset="0"/>
+                <a:cs typeface="Courier New" panose="02070309020205020404" pitchFamily="49" charset="0"/>
+              </a:rPr>
+              <a:t>numpy</a:t>
+            </a:r>
+            <a:r>
+              <a:rPr lang="en-US" dirty="0">
+                <a:latin typeface="Courier New" panose="02070309020205020404" pitchFamily="49" charset="0"/>
+                <a:cs typeface="Courier New" panose="02070309020205020404" pitchFamily="49" charset="0"/>
+              </a:rPr>
+              <a:t> as np</a:t>
+            </a:r>
+          </a:p>
+          <a:p>
+            <a:pPr marL="0" indent="0">
+              <a:buNone/>
+            </a:pPr>
+            <a:r>
+              <a:rPr lang="en-US" dirty="0" err="1">
+                <a:latin typeface="Courier New" panose="02070309020205020404" pitchFamily="49" charset="0"/>
+                <a:cs typeface="Courier New" panose="02070309020205020404" pitchFamily="49" charset="0"/>
+              </a:rPr>
+              <a:t>Improt</a:t>
+            </a:r>
+            <a:r>
+              <a:rPr lang="en-US" dirty="0">
+                <a:latin typeface="Courier New" panose="02070309020205020404" pitchFamily="49" charset="0"/>
+                <a:cs typeface="Courier New" panose="02070309020205020404" pitchFamily="49" charset="0"/>
+              </a:rPr>
+              <a:t> </a:t>
+            </a:r>
+            <a:r>
+              <a:rPr lang="en-US" dirty="0" err="1">
+                <a:latin typeface="Courier New" panose="02070309020205020404" pitchFamily="49" charset="0"/>
+                <a:cs typeface="Courier New" panose="02070309020205020404" pitchFamily="49" charset="0"/>
+              </a:rPr>
+              <a:t>matplotlib.pyplot</a:t>
+            </a:r>
+            <a:r>
+              <a:rPr lang="en-US" dirty="0">
+                <a:latin typeface="Courier New" panose="02070309020205020404" pitchFamily="49" charset="0"/>
+                <a:cs typeface="Courier New" panose="02070309020205020404" pitchFamily="49" charset="0"/>
+              </a:rPr>
+              <a:t> as </a:t>
+            </a:r>
+            <a:r>
+              <a:rPr lang="en-US" dirty="0" err="1">
+                <a:latin typeface="Courier New" panose="02070309020205020404" pitchFamily="49" charset="0"/>
+                <a:cs typeface="Courier New" panose="02070309020205020404" pitchFamily="49" charset="0"/>
+              </a:rPr>
+              <a:t>plt</a:t>
+            </a:r>
+            <a:endParaRPr lang="en-US" dirty="0">
+              <a:latin typeface="Courier New" panose="02070309020205020404" pitchFamily="49" charset="0"/>
+              <a:cs typeface="Courier New" panose="02070309020205020404" pitchFamily="49" charset="0"/>
+            </a:endParaRPr>
+          </a:p>
+          <a:p>
+            <a:pPr marL="0" indent="0">
+              <a:buNone/>
+            </a:pPr>
+            <a:r>
+              <a:rPr lang="en-US" dirty="0">
+                <a:latin typeface="Courier New" panose="02070309020205020404" pitchFamily="49" charset="0"/>
+                <a:cs typeface="Courier New" panose="02070309020205020404" pitchFamily="49" charset="0"/>
+              </a:rPr>
+              <a:t>Import </a:t>
+            </a:r>
+            <a:r>
+              <a:rPr lang="en-US" dirty="0" err="1">
+                <a:latin typeface="Courier New" panose="02070309020205020404" pitchFamily="49" charset="0"/>
+                <a:cs typeface="Courier New" panose="02070309020205020404" pitchFamily="49" charset="0"/>
+              </a:rPr>
+              <a:t>statsmodels.api</a:t>
+            </a:r>
+            <a:r>
+              <a:rPr lang="en-US" dirty="0">
+                <a:latin typeface="Courier New" panose="02070309020205020404" pitchFamily="49" charset="0"/>
+                <a:cs typeface="Courier New" panose="02070309020205020404" pitchFamily="49" charset="0"/>
+              </a:rPr>
+              <a:t> as </a:t>
+            </a:r>
+            <a:r>
+              <a:rPr lang="en-US" dirty="0" err="1">
+                <a:latin typeface="Courier New" panose="02070309020205020404" pitchFamily="49" charset="0"/>
+                <a:cs typeface="Courier New" panose="02070309020205020404" pitchFamily="49" charset="0"/>
+              </a:rPr>
+              <a:t>sm</a:t>
+            </a:r>
+            <a:endParaRPr lang="en-US" dirty="0">
+              <a:latin typeface="Courier New" panose="02070309020205020404" pitchFamily="49" charset="0"/>
+              <a:cs typeface="Courier New" panose="02070309020205020404" pitchFamily="49" charset="0"/>
+            </a:endParaRPr>
+          </a:p>
+          <a:p>
+            <a:pPr marL="0" indent="0">
+              <a:buNone/>
+            </a:pPr>
+            <a:r>
+              <a:rPr lang="en-US" dirty="0">
+                <a:latin typeface="Courier New" panose="02070309020205020404" pitchFamily="49" charset="0"/>
+                <a:cs typeface="Courier New" panose="02070309020205020404" pitchFamily="49" charset="0"/>
+              </a:rPr>
+              <a:t>Import </a:t>
+            </a:r>
+            <a:r>
+              <a:rPr lang="en-US" dirty="0" err="1">
+                <a:latin typeface="Courier New" panose="02070309020205020404" pitchFamily="49" charset="0"/>
+                <a:cs typeface="Courier New" panose="02070309020205020404" pitchFamily="49" charset="0"/>
+              </a:rPr>
+              <a:t>nglview</a:t>
+            </a:r>
+            <a:r>
+              <a:rPr lang="en-US" dirty="0">
+                <a:latin typeface="Courier New" panose="02070309020205020404" pitchFamily="49" charset="0"/>
+                <a:cs typeface="Courier New" panose="02070309020205020404" pitchFamily="49" charset="0"/>
+              </a:rPr>
+              <a:t> as </a:t>
+            </a:r>
+            <a:r>
+              <a:rPr lang="en-US" dirty="0" err="1">
+                <a:latin typeface="Courier New" panose="02070309020205020404" pitchFamily="49" charset="0"/>
+                <a:cs typeface="Courier New" panose="02070309020205020404" pitchFamily="49" charset="0"/>
+              </a:rPr>
+              <a:t>ngl</a:t>
+            </a:r>
+            <a:endParaRPr lang="en-US" dirty="0">
+              <a:latin typeface="Courier New" panose="02070309020205020404" pitchFamily="49" charset="0"/>
+              <a:cs typeface="Courier New" panose="02070309020205020404" pitchFamily="49" charset="0"/>
+            </a:endParaRPr>
+          </a:p>
+          <a:p>
+            <a:pPr marL="0" indent="0">
+              <a:buNone/>
+            </a:pPr>
+            <a:r>
+              <a:rPr lang="en-US" dirty="0">
+                <a:latin typeface="Courier New" panose="02070309020205020404" pitchFamily="49" charset="0"/>
+                <a:cs typeface="Courier New" panose="02070309020205020404" pitchFamily="49" charset="0"/>
+              </a:rPr>
+              <a:t>Import math as math</a:t>
+            </a:r>
+          </a:p>
+          <a:p>
+            <a:pPr marL="0" indent="0">
+              <a:buNone/>
+            </a:pPr>
+            <a:endParaRPr lang="en-US" dirty="0">
+              <a:latin typeface="Courier New" panose="02070309020205020404" pitchFamily="49" charset="0"/>
+              <a:cs typeface="Courier New" panose="02070309020205020404" pitchFamily="49" charset="0"/>
+            </a:endParaRPr>
+          </a:p>
+          <a:p>
+            <a:pPr marL="0" indent="0">
+              <a:buNone/>
+            </a:pPr>
+            <a:r>
+              <a:rPr lang="en-US" dirty="0">
+                <a:latin typeface="Courier New" panose="02070309020205020404" pitchFamily="49" charset="0"/>
+                <a:cs typeface="Courier New" panose="02070309020205020404" pitchFamily="49" charset="0"/>
+              </a:rPr>
+              <a:t>kB=8.31446/1000</a:t>
+            </a:r>
+          </a:p>
+          <a:p>
+            <a:pPr marL="0" indent="0">
+              <a:buNone/>
+            </a:pPr>
+            <a:r>
+              <a:rPr lang="en-US" dirty="0">
+                <a:latin typeface="Courier New" panose="02070309020205020404" pitchFamily="49" charset="0"/>
+                <a:cs typeface="Courier New" panose="02070309020205020404" pitchFamily="49" charset="0"/>
+              </a:rPr>
+              <a:t>Temp=298.15</a:t>
+            </a:r>
+          </a:p>
+          <a:p>
+            <a:pPr marL="0" indent="0">
+              <a:buNone/>
+            </a:pPr>
+            <a:endParaRPr lang="en-US" dirty="0">
+              <a:latin typeface="Courier New" panose="02070309020205020404" pitchFamily="49" charset="0"/>
+              <a:cs typeface="Courier New" panose="02070309020205020404" pitchFamily="49" charset="0"/>
+            </a:endParaRPr>
+          </a:p>
+          <a:p>
+            <a:pPr marL="0" indent="0">
+              <a:buNone/>
+            </a:pPr>
+            <a:r>
+              <a:rPr lang="en-US" dirty="0" err="1">
+                <a:latin typeface="Courier New" panose="02070309020205020404" pitchFamily="49" charset="0"/>
+                <a:cs typeface="Courier New" panose="02070309020205020404" pitchFamily="49" charset="0"/>
+              </a:rPr>
+              <a:t>Traj</a:t>
+            </a:r>
+            <a:r>
+              <a:rPr lang="en-US" dirty="0">
+                <a:latin typeface="Courier New" panose="02070309020205020404" pitchFamily="49" charset="0"/>
+                <a:cs typeface="Courier New" panose="02070309020205020404" pitchFamily="49" charset="0"/>
+              </a:rPr>
+              <a:t>=</a:t>
+            </a:r>
+            <a:r>
+              <a:rPr lang="en-US" dirty="0" err="1">
+                <a:latin typeface="Courier New" panose="02070309020205020404" pitchFamily="49" charset="0"/>
+                <a:cs typeface="Courier New" panose="02070309020205020404" pitchFamily="49" charset="0"/>
+              </a:rPr>
+              <a:t>md.load</a:t>
+            </a:r>
+            <a:r>
+              <a:rPr lang="en-US" dirty="0">
+                <a:latin typeface="Courier New" panose="02070309020205020404" pitchFamily="49" charset="0"/>
+                <a:cs typeface="Courier New" panose="02070309020205020404" pitchFamily="49" charset="0"/>
+              </a:rPr>
+              <a:t>(‘&lt;file&gt;.dcd’, top=‘&lt;File&gt;.</a:t>
+            </a:r>
+            <a:r>
+              <a:rPr lang="en-US" dirty="0" err="1">
+                <a:latin typeface="Courier New" panose="02070309020205020404" pitchFamily="49" charset="0"/>
+                <a:cs typeface="Courier New" panose="02070309020205020404" pitchFamily="49" charset="0"/>
+              </a:rPr>
+              <a:t>pdb</a:t>
+            </a:r>
+            <a:r>
+              <a:rPr lang="en-US" dirty="0">
+                <a:latin typeface="Courier New" panose="02070309020205020404" pitchFamily="49" charset="0"/>
+                <a:cs typeface="Courier New" panose="02070309020205020404" pitchFamily="49" charset="0"/>
+              </a:rPr>
+              <a:t>’)</a:t>
+            </a:r>
+          </a:p>
+        </p:txBody>
+      </p:sp>
+    </p:spTree>
+    <p:extLst>
+      <p:ext uri="{BB962C8B-B14F-4D97-AF65-F5344CB8AC3E}">
+        <p14:creationId xmlns:p14="http://schemas.microsoft.com/office/powerpoint/2010/main" val="3555719613"/>
+      </p:ext>
+    </p:extLst>
+  </p:cSld>
+  <p:clrMapOvr>
+    <a:masterClrMapping/>
+  </p:clrMapOvr>
+</p:sld>
+</file>
+
+<file path=ppt/slides/slide16.xml><?xml version="1.0" encoding="utf-8"?>
+<p:sld xmlns:a="http://schemas.openxmlformats.org/drawingml/2006/main" xmlns:r="http://schemas.openxmlformats.org/officeDocument/2006/relationships" xmlns:p="http://schemas.openxmlformats.org/presentationml/2006/main">
+  <p:cSld>
+    <p:spTree>
+      <p:nvGrpSpPr>
+        <p:cNvPr id="1" name=""/>
+        <p:cNvGrpSpPr/>
+        <p:nvPr/>
+      </p:nvGrpSpPr>
+      <p:grpSpPr>
+        <a:xfrm>
+          <a:off x="0" y="0"/>
+          <a:ext cx="0" cy="0"/>
+          <a:chOff x="0" y="0"/>
+          <a:chExt cx="0" cy="0"/>
+        </a:xfrm>
+      </p:grpSpPr>
+      <p:sp>
+        <p:nvSpPr>
+          <p:cNvPr id="2" name="Title 1">
+            <a:extLst>
+              <a:ext uri="{FF2B5EF4-FFF2-40B4-BE49-F238E27FC236}">
+                <a16:creationId xmlns:a16="http://schemas.microsoft.com/office/drawing/2014/main" id="{84390C2B-0478-404D-B617-0AF65FAD8ADC}"/>
+              </a:ext>
+            </a:extLst>
+          </p:cNvPr>
+          <p:cNvSpPr>
+            <a:spLocks noGrp="1"/>
+          </p:cNvSpPr>
+          <p:nvPr>
+            <p:ph type="title"/>
+          </p:nvPr>
+        </p:nvSpPr>
+        <p:spPr/>
+        <p:txBody>
+          <a:bodyPr/>
+          <a:lstStyle/>
+          <a:p>
+            <a:r>
+              <a:rPr lang="en-US" dirty="0" err="1"/>
+              <a:t>MDTraj</a:t>
+            </a:r>
+            <a:r>
+              <a:rPr lang="en-US" dirty="0"/>
+              <a:t>-Visualize</a:t>
+            </a:r>
+          </a:p>
+        </p:txBody>
+      </p:sp>
+      <p:sp>
+        <p:nvSpPr>
+          <p:cNvPr id="4" name="Content Placeholder 3">
+            <a:extLst>
+              <a:ext uri="{FF2B5EF4-FFF2-40B4-BE49-F238E27FC236}">
+                <a16:creationId xmlns:a16="http://schemas.microsoft.com/office/drawing/2014/main" id="{C45C7397-98D2-47F2-B31B-39608A369D5D}"/>
+              </a:ext>
+            </a:extLst>
+          </p:cNvPr>
+          <p:cNvSpPr>
+            <a:spLocks noGrp="1"/>
+          </p:cNvSpPr>
+          <p:nvPr>
+            <p:ph sz="half" idx="1"/>
+          </p:nvPr>
+        </p:nvSpPr>
+        <p:spPr>
+          <a:xfrm>
+            <a:off x="1251678" y="2286000"/>
+            <a:ext cx="4806222" cy="3619500"/>
+          </a:xfrm>
+        </p:spPr>
+        <p:txBody>
+          <a:bodyPr/>
+          <a:lstStyle/>
+          <a:p>
+            <a:pPr marL="0" indent="0">
+              <a:buNone/>
+            </a:pPr>
+            <a:r>
+              <a:rPr lang="en-US" dirty="0">
+                <a:latin typeface="Courier New" panose="02070309020205020404" pitchFamily="49" charset="0"/>
+                <a:cs typeface="Courier New" panose="02070309020205020404" pitchFamily="49" charset="0"/>
+              </a:rPr>
+              <a:t>Visualize= 	</a:t>
+            </a:r>
+            <a:r>
+              <a:rPr lang="en-US" dirty="0" err="1">
+                <a:latin typeface="Courier New" panose="02070309020205020404" pitchFamily="49" charset="0"/>
+                <a:cs typeface="Courier New" panose="02070309020205020404" pitchFamily="49" charset="0"/>
+              </a:rPr>
+              <a:t>ngl.show_mdtraj</a:t>
+            </a:r>
+            <a:r>
+              <a:rPr lang="en-US" dirty="0">
+                <a:latin typeface="Courier New" panose="02070309020205020404" pitchFamily="49" charset="0"/>
+                <a:cs typeface="Courier New" panose="02070309020205020404" pitchFamily="49" charset="0"/>
+              </a:rPr>
+              <a:t>(</a:t>
+            </a:r>
+            <a:r>
+              <a:rPr lang="en-US" dirty="0" err="1">
+                <a:latin typeface="Courier New" panose="02070309020205020404" pitchFamily="49" charset="0"/>
+                <a:cs typeface="Courier New" panose="02070309020205020404" pitchFamily="49" charset="0"/>
+              </a:rPr>
+              <a:t>traj</a:t>
+            </a:r>
+            <a:r>
+              <a:rPr lang="en-US" dirty="0">
+                <a:latin typeface="Courier New" panose="02070309020205020404" pitchFamily="49" charset="0"/>
+                <a:cs typeface="Courier New" panose="02070309020205020404" pitchFamily="49" charset="0"/>
+              </a:rPr>
+              <a:t>)</a:t>
+            </a:r>
+          </a:p>
+          <a:p>
+            <a:pPr marL="0" indent="0">
+              <a:buNone/>
+            </a:pPr>
+            <a:r>
+              <a:rPr lang="en-US" dirty="0">
+                <a:latin typeface="Courier New" panose="02070309020205020404" pitchFamily="49" charset="0"/>
+                <a:cs typeface="Courier New" panose="02070309020205020404" pitchFamily="49" charset="0"/>
+              </a:rPr>
+              <a:t>Visualize </a:t>
+            </a:r>
+          </a:p>
+        </p:txBody>
+      </p:sp>
+      <p:sp>
+        <p:nvSpPr>
+          <p:cNvPr id="5" name="Content Placeholder 4">
+            <a:extLst>
+              <a:ext uri="{FF2B5EF4-FFF2-40B4-BE49-F238E27FC236}">
+                <a16:creationId xmlns:a16="http://schemas.microsoft.com/office/drawing/2014/main" id="{D0B0F804-99E4-4BD0-AC62-0E3C663AC9E3}"/>
+              </a:ext>
+            </a:extLst>
+          </p:cNvPr>
+          <p:cNvSpPr>
+            <a:spLocks noGrp="1"/>
+          </p:cNvSpPr>
+          <p:nvPr>
+            <p:ph sz="half" idx="2"/>
+          </p:nvPr>
+        </p:nvSpPr>
+        <p:spPr/>
+        <p:txBody>
+          <a:bodyPr/>
+          <a:lstStyle/>
+          <a:p>
+            <a:endParaRPr lang="en-US"/>
+          </a:p>
+        </p:txBody>
+      </p:sp>
+    </p:spTree>
+    <p:extLst>
+      <p:ext uri="{BB962C8B-B14F-4D97-AF65-F5344CB8AC3E}">
+        <p14:creationId xmlns:p14="http://schemas.microsoft.com/office/powerpoint/2010/main" val="589725817"/>
+      </p:ext>
+    </p:extLst>
+  </p:cSld>
+  <p:clrMapOvr>
+    <a:masterClrMapping/>
+  </p:clrMapOvr>
+</p:sld>
+</file>
+
+<file path=ppt/slides/slide17.xml><?xml version="1.0" encoding="utf-8"?>
+<p:sld xmlns:a="http://schemas.openxmlformats.org/drawingml/2006/main" xmlns:r="http://schemas.openxmlformats.org/officeDocument/2006/relationships" xmlns:p="http://schemas.openxmlformats.org/presentationml/2006/main">
+  <p:cSld>
+    <p:spTree>
+      <p:nvGrpSpPr>
+        <p:cNvPr id="1" name=""/>
+        <p:cNvGrpSpPr/>
+        <p:nvPr/>
+      </p:nvGrpSpPr>
+      <p:grpSpPr>
+        <a:xfrm>
+          <a:off x="0" y="0"/>
+          <a:ext cx="0" cy="0"/>
+          <a:chOff x="0" y="0"/>
+          <a:chExt cx="0" cy="0"/>
+        </a:xfrm>
+      </p:grpSpPr>
+      <p:sp>
+        <p:nvSpPr>
+          <p:cNvPr id="2" name="Title 1">
+            <a:extLst>
+              <a:ext uri="{FF2B5EF4-FFF2-40B4-BE49-F238E27FC236}">
+                <a16:creationId xmlns:a16="http://schemas.microsoft.com/office/drawing/2014/main" id="{9700A78F-D620-45EF-B490-9F7C240ACD5C}"/>
+              </a:ext>
+            </a:extLst>
+          </p:cNvPr>
+          <p:cNvSpPr>
+            <a:spLocks noGrp="1"/>
+          </p:cNvSpPr>
+          <p:nvPr>
+            <p:ph type="title"/>
+          </p:nvPr>
+        </p:nvSpPr>
+        <p:spPr/>
+        <p:txBody>
+          <a:bodyPr/>
+          <a:lstStyle/>
+          <a:p>
+            <a:r>
+              <a:rPr lang="en-US" dirty="0" err="1"/>
+              <a:t>MDTraj</a:t>
+            </a:r>
+            <a:r>
+              <a:rPr lang="en-US" dirty="0"/>
+              <a:t>-Energetic Studies</a:t>
+            </a:r>
+          </a:p>
+        </p:txBody>
+      </p:sp>
+      <p:sp>
+        <p:nvSpPr>
+          <p:cNvPr id="3" name="Content Placeholder 2">
+            <a:extLst>
+              <a:ext uri="{FF2B5EF4-FFF2-40B4-BE49-F238E27FC236}">
+                <a16:creationId xmlns:a16="http://schemas.microsoft.com/office/drawing/2014/main" id="{5260ED57-247D-480E-9D17-0911C53780DB}"/>
+              </a:ext>
+            </a:extLst>
+          </p:cNvPr>
+          <p:cNvSpPr>
+            <a:spLocks noGrp="1"/>
+          </p:cNvSpPr>
+          <p:nvPr>
+            <p:ph sz="half" idx="1"/>
+          </p:nvPr>
+        </p:nvSpPr>
+        <p:spPr>
+          <a:xfrm>
+            <a:off x="1257300" y="2286000"/>
+            <a:ext cx="4800600" cy="4076700"/>
+          </a:xfrm>
+        </p:spPr>
+        <p:txBody>
+          <a:bodyPr>
+            <a:normAutofit fontScale="92500"/>
+          </a:bodyPr>
+          <a:lstStyle/>
+          <a:p>
+            <a:pPr marL="0" indent="0">
+              <a:buNone/>
+            </a:pPr>
+            <a:r>
+              <a:rPr lang="en-US" dirty="0" err="1">
+                <a:latin typeface="Courier New" panose="02070309020205020404" pitchFamily="49" charset="0"/>
+                <a:cs typeface="Courier New" panose="02070309020205020404" pitchFamily="49" charset="0"/>
+              </a:rPr>
+              <a:t>Indicies</a:t>
+            </a:r>
+            <a:r>
+              <a:rPr lang="en-US" dirty="0">
+                <a:latin typeface="Courier New" panose="02070309020205020404" pitchFamily="49" charset="0"/>
+                <a:cs typeface="Courier New" panose="02070309020205020404" pitchFamily="49" charset="0"/>
+              </a:rPr>
+              <a:t>=[]</a:t>
+            </a:r>
+          </a:p>
+          <a:p>
+            <a:pPr marL="0" indent="0">
+              <a:buNone/>
+            </a:pPr>
+            <a:r>
+              <a:rPr lang="en-US" dirty="0">
+                <a:latin typeface="Courier New" panose="02070309020205020404" pitchFamily="49" charset="0"/>
+                <a:cs typeface="Courier New" panose="02070309020205020404" pitchFamily="49" charset="0"/>
+              </a:rPr>
+              <a:t>Obj=</a:t>
+            </a:r>
+            <a:r>
+              <a:rPr lang="en-US" dirty="0" err="1">
+                <a:latin typeface="Courier New" panose="02070309020205020404" pitchFamily="49" charset="0"/>
+                <a:cs typeface="Courier New" panose="02070309020205020404" pitchFamily="49" charset="0"/>
+              </a:rPr>
+              <a:t>md.compute</a:t>
+            </a:r>
+            <a:r>
+              <a:rPr lang="en-US" dirty="0">
+                <a:latin typeface="Courier New" panose="02070309020205020404" pitchFamily="49" charset="0"/>
+                <a:cs typeface="Courier New" panose="02070309020205020404" pitchFamily="49" charset="0"/>
+              </a:rPr>
+              <a:t>_&lt;type&gt;(</a:t>
+            </a:r>
+            <a:r>
+              <a:rPr lang="en-US" dirty="0" err="1">
+                <a:latin typeface="Courier New" panose="02070309020205020404" pitchFamily="49" charset="0"/>
+                <a:cs typeface="Courier New" panose="02070309020205020404" pitchFamily="49" charset="0"/>
+              </a:rPr>
+              <a:t>traj</a:t>
+            </a:r>
+            <a:r>
+              <a:rPr lang="en-US" dirty="0">
+                <a:latin typeface="Courier New" panose="02070309020205020404" pitchFamily="49" charset="0"/>
+                <a:cs typeface="Courier New" panose="02070309020205020404" pitchFamily="49" charset="0"/>
+              </a:rPr>
+              <a:t>,</a:t>
+            </a:r>
+          </a:p>
+          <a:p>
+            <a:pPr marL="0" indent="0">
+              <a:buNone/>
+            </a:pPr>
+            <a:r>
+              <a:rPr lang="en-US" dirty="0">
+                <a:latin typeface="Courier New" panose="02070309020205020404" pitchFamily="49" charset="0"/>
+                <a:cs typeface="Courier New" panose="02070309020205020404" pitchFamily="49" charset="0"/>
+              </a:rPr>
+              <a:t>	[indices])*&lt;</a:t>
+            </a:r>
+            <a:r>
+              <a:rPr lang="en-US" dirty="0" err="1">
+                <a:latin typeface="Courier New" panose="02070309020205020404" pitchFamily="49" charset="0"/>
+                <a:cs typeface="Courier New" panose="02070309020205020404" pitchFamily="49" charset="0"/>
+              </a:rPr>
+              <a:t>unit_convert</a:t>
+            </a:r>
+            <a:r>
+              <a:rPr lang="en-US" dirty="0">
+                <a:latin typeface="Courier New" panose="02070309020205020404" pitchFamily="49" charset="0"/>
+                <a:cs typeface="Courier New" panose="02070309020205020404" pitchFamily="49" charset="0"/>
+              </a:rPr>
+              <a:t>&gt;</a:t>
+            </a:r>
+          </a:p>
+          <a:p>
+            <a:pPr marL="0" indent="0">
+              <a:buNone/>
+            </a:pPr>
+            <a:r>
+              <a:rPr lang="en-US" dirty="0" err="1">
+                <a:latin typeface="Courier New" panose="02070309020205020404" pitchFamily="49" charset="0"/>
+                <a:cs typeface="Courier New" panose="02070309020205020404" pitchFamily="49" charset="0"/>
+              </a:rPr>
+              <a:t>Objc,bine,other</a:t>
+            </a:r>
+            <a:r>
+              <a:rPr lang="en-US" dirty="0">
+                <a:latin typeface="Courier New" panose="02070309020205020404" pitchFamily="49" charset="0"/>
+                <a:cs typeface="Courier New" panose="02070309020205020404" pitchFamily="49" charset="0"/>
+              </a:rPr>
+              <a:t>=</a:t>
+            </a:r>
+            <a:r>
+              <a:rPr lang="en-US" dirty="0" err="1">
+                <a:latin typeface="Courier New" panose="02070309020205020404" pitchFamily="49" charset="0"/>
+                <a:cs typeface="Courier New" panose="02070309020205020404" pitchFamily="49" charset="0"/>
+              </a:rPr>
+              <a:t>plt.hsit</a:t>
+            </a:r>
+            <a:r>
+              <a:rPr lang="en-US" dirty="0">
+                <a:latin typeface="Courier New" panose="02070309020205020404" pitchFamily="49" charset="0"/>
+                <a:cs typeface="Courier New" panose="02070309020205020404" pitchFamily="49" charset="0"/>
+              </a:rPr>
+              <a:t>(obj)</a:t>
+            </a:r>
+          </a:p>
+          <a:p>
+            <a:pPr marL="0" indent="0">
+              <a:buNone/>
+            </a:pPr>
+            <a:r>
+              <a:rPr lang="en-US" dirty="0" err="1">
+                <a:latin typeface="Courier New" panose="02070309020205020404" pitchFamily="49" charset="0"/>
+                <a:cs typeface="Courier New" panose="02070309020205020404" pitchFamily="49" charset="0"/>
+              </a:rPr>
+              <a:t>Objc</a:t>
+            </a:r>
+            <a:r>
+              <a:rPr lang="en-US" dirty="0">
+                <a:latin typeface="Courier New" panose="02070309020205020404" pitchFamily="49" charset="0"/>
+                <a:cs typeface="Courier New" panose="02070309020205020404" pitchFamily="49" charset="0"/>
+              </a:rPr>
+              <a:t>[</a:t>
+            </a:r>
+            <a:r>
+              <a:rPr lang="en-US" dirty="0" err="1">
+                <a:latin typeface="Courier New" panose="02070309020205020404" pitchFamily="49" charset="0"/>
+                <a:cs typeface="Courier New" panose="02070309020205020404" pitchFamily="49" charset="0"/>
+              </a:rPr>
+              <a:t>objc</a:t>
+            </a:r>
+            <a:r>
+              <a:rPr lang="en-US" dirty="0">
+                <a:latin typeface="Courier New" panose="02070309020205020404" pitchFamily="49" charset="0"/>
+                <a:cs typeface="Courier New" panose="02070309020205020404" pitchFamily="49" charset="0"/>
+              </a:rPr>
+              <a:t>==0]=0.1</a:t>
+            </a:r>
+          </a:p>
+          <a:p>
+            <a:pPr marL="0" indent="0">
+              <a:buNone/>
+            </a:pPr>
+            <a:r>
+              <a:rPr lang="en-US" dirty="0" err="1">
+                <a:latin typeface="Courier New" panose="02070309020205020404" pitchFamily="49" charset="0"/>
+                <a:cs typeface="Courier New" panose="02070309020205020404" pitchFamily="49" charset="0"/>
+              </a:rPr>
+              <a:t>Pmf</a:t>
+            </a:r>
+            <a:r>
+              <a:rPr lang="en-US" dirty="0">
+                <a:latin typeface="Courier New" panose="02070309020205020404" pitchFamily="49" charset="0"/>
+                <a:cs typeface="Courier New" panose="02070309020205020404" pitchFamily="49" charset="0"/>
+              </a:rPr>
+              <a:t>=-kB*Temp*np.log(</a:t>
+            </a:r>
+            <a:r>
+              <a:rPr lang="en-US" dirty="0" err="1">
+                <a:latin typeface="Courier New" panose="02070309020205020404" pitchFamily="49" charset="0"/>
+                <a:cs typeface="Courier New" panose="02070309020205020404" pitchFamily="49" charset="0"/>
+              </a:rPr>
+              <a:t>objc</a:t>
+            </a:r>
+            <a:r>
+              <a:rPr lang="en-US" dirty="0">
+                <a:latin typeface="Courier New" panose="02070309020205020404" pitchFamily="49" charset="0"/>
+                <a:cs typeface="Courier New" panose="02070309020205020404" pitchFamily="49" charset="0"/>
+              </a:rPr>
+              <a:t>)</a:t>
+            </a:r>
+          </a:p>
+          <a:p>
+            <a:pPr marL="0" indent="0">
+              <a:buNone/>
+            </a:pPr>
+            <a:r>
+              <a:rPr lang="en-US" dirty="0" err="1">
+                <a:latin typeface="Courier New" panose="02070309020205020404" pitchFamily="49" charset="0"/>
+                <a:cs typeface="Courier New" panose="02070309020205020404" pitchFamily="49" charset="0"/>
+              </a:rPr>
+              <a:t>Pmf</a:t>
+            </a:r>
+            <a:r>
+              <a:rPr lang="en-US" dirty="0">
+                <a:latin typeface="Courier New" panose="02070309020205020404" pitchFamily="49" charset="0"/>
+                <a:cs typeface="Courier New" panose="02070309020205020404" pitchFamily="49" charset="0"/>
+              </a:rPr>
+              <a:t>=</a:t>
+            </a:r>
+            <a:r>
+              <a:rPr lang="en-US" dirty="0" err="1">
+                <a:latin typeface="Courier New" panose="02070309020205020404" pitchFamily="49" charset="0"/>
+                <a:cs typeface="Courier New" panose="02070309020205020404" pitchFamily="49" charset="0"/>
+              </a:rPr>
+              <a:t>pmf-np.min</a:t>
+            </a:r>
+            <a:r>
+              <a:rPr lang="en-US" dirty="0">
+                <a:latin typeface="Courier New" panose="02070309020205020404" pitchFamily="49" charset="0"/>
+                <a:cs typeface="Courier New" panose="02070309020205020404" pitchFamily="49" charset="0"/>
+              </a:rPr>
+              <a:t>(</a:t>
+            </a:r>
+            <a:r>
+              <a:rPr lang="en-US" dirty="0" err="1">
+                <a:latin typeface="Courier New" panose="02070309020205020404" pitchFamily="49" charset="0"/>
+                <a:cs typeface="Courier New" panose="02070309020205020404" pitchFamily="49" charset="0"/>
+              </a:rPr>
+              <a:t>pmf</a:t>
+            </a:r>
+            <a:r>
+              <a:rPr lang="en-US" dirty="0">
+                <a:latin typeface="Courier New" panose="02070309020205020404" pitchFamily="49" charset="0"/>
+                <a:cs typeface="Courier New" panose="02070309020205020404" pitchFamily="49" charset="0"/>
+              </a:rPr>
+              <a:t>)</a:t>
+            </a:r>
+          </a:p>
+          <a:p>
+            <a:pPr marL="0" indent="0">
+              <a:buNone/>
+            </a:pPr>
+            <a:r>
+              <a:rPr lang="en-US" dirty="0" err="1">
+                <a:latin typeface="Courier New" panose="02070309020205020404" pitchFamily="49" charset="0"/>
+                <a:cs typeface="Courier New" panose="02070309020205020404" pitchFamily="49" charset="0"/>
+              </a:rPr>
+              <a:t>Binc</a:t>
+            </a:r>
+            <a:r>
+              <a:rPr lang="en-US" dirty="0">
+                <a:latin typeface="Courier New" panose="02070309020205020404" pitchFamily="49" charset="0"/>
+                <a:cs typeface="Courier New" panose="02070309020205020404" pitchFamily="49" charset="0"/>
+              </a:rPr>
+              <a:t>=(bine[1:]+bine[:-1])/2</a:t>
+            </a:r>
+          </a:p>
+          <a:p>
+            <a:pPr marL="0" indent="0">
+              <a:buNone/>
+            </a:pPr>
+            <a:r>
+              <a:rPr lang="en-US" dirty="0" err="1">
+                <a:latin typeface="Courier New" panose="02070309020205020404" pitchFamily="49" charset="0"/>
+                <a:cs typeface="Courier New" panose="02070309020205020404" pitchFamily="49" charset="0"/>
+              </a:rPr>
+              <a:t>Pmfs</a:t>
+            </a:r>
+            <a:r>
+              <a:rPr lang="en-US" dirty="0">
+                <a:latin typeface="Courier New" panose="02070309020205020404" pitchFamily="49" charset="0"/>
+                <a:cs typeface="Courier New" panose="02070309020205020404" pitchFamily="49" charset="0"/>
+              </a:rPr>
+              <a:t>=</a:t>
+            </a:r>
+            <a:r>
+              <a:rPr lang="en-US" dirty="0" err="1">
+                <a:latin typeface="Courier New" panose="02070309020205020404" pitchFamily="49" charset="0"/>
+                <a:cs typeface="Courier New" panose="02070309020205020404" pitchFamily="49" charset="0"/>
+              </a:rPr>
+              <a:t>sm.nonparametric.lowess</a:t>
+            </a:r>
+            <a:endParaRPr lang="en-US" dirty="0">
+              <a:latin typeface="Courier New" panose="02070309020205020404" pitchFamily="49" charset="0"/>
+              <a:cs typeface="Courier New" panose="02070309020205020404" pitchFamily="49" charset="0"/>
+            </a:endParaRPr>
+          </a:p>
+          <a:p>
+            <a:pPr marL="0" indent="0">
+              <a:buNone/>
+            </a:pPr>
+            <a:r>
+              <a:rPr lang="en-US" dirty="0">
+                <a:latin typeface="Courier New" panose="02070309020205020404" pitchFamily="49" charset="0"/>
+                <a:cs typeface="Courier New" panose="02070309020205020404" pitchFamily="49" charset="0"/>
+              </a:rPr>
+              <a:t>	(</a:t>
+            </a:r>
+            <a:r>
+              <a:rPr lang="en-US" dirty="0" err="1">
+                <a:latin typeface="Courier New" panose="02070309020205020404" pitchFamily="49" charset="0"/>
+                <a:cs typeface="Courier New" panose="02070309020205020404" pitchFamily="49" charset="0"/>
+              </a:rPr>
+              <a:t>pmf,binc,frac</a:t>
+            </a:r>
+            <a:r>
+              <a:rPr lang="en-US" dirty="0">
+                <a:latin typeface="Courier New" panose="02070309020205020404" pitchFamily="49" charset="0"/>
+                <a:cs typeface="Courier New" panose="02070309020205020404" pitchFamily="49" charset="0"/>
+              </a:rPr>
+              <a:t>=0.05)</a:t>
+            </a:r>
+          </a:p>
+        </p:txBody>
+      </p:sp>
+      <p:sp>
+        <p:nvSpPr>
+          <p:cNvPr id="4" name="Content Placeholder 3">
+            <a:extLst>
+              <a:ext uri="{FF2B5EF4-FFF2-40B4-BE49-F238E27FC236}">
+                <a16:creationId xmlns:a16="http://schemas.microsoft.com/office/drawing/2014/main" id="{4B90CB71-4EDB-42E1-8DB9-3420B39942D9}"/>
+              </a:ext>
+            </a:extLst>
+          </p:cNvPr>
+          <p:cNvSpPr>
+            <a:spLocks noGrp="1"/>
+          </p:cNvSpPr>
+          <p:nvPr>
+            <p:ph sz="half" idx="2"/>
+          </p:nvPr>
+        </p:nvSpPr>
+        <p:spPr>
+          <a:xfrm>
+            <a:off x="6647796" y="2286000"/>
+            <a:ext cx="4800600" cy="4076700"/>
+          </a:xfrm>
+        </p:spPr>
+        <p:txBody>
+          <a:bodyPr>
+            <a:normAutofit fontScale="92500"/>
+          </a:bodyPr>
+          <a:lstStyle/>
+          <a:p>
+            <a:endParaRPr lang="en-US" dirty="0"/>
+          </a:p>
+        </p:txBody>
+      </p:sp>
+    </p:spTree>
+    <p:extLst>
+      <p:ext uri="{BB962C8B-B14F-4D97-AF65-F5344CB8AC3E}">
+        <p14:creationId xmlns:p14="http://schemas.microsoft.com/office/powerpoint/2010/main" val="4148851378"/>
+      </p:ext>
+    </p:extLst>
+  </p:cSld>
+  <p:clrMapOvr>
+    <a:masterClrMapping/>
+  </p:clrMapOvr>
+</p:sld>
+</file>
+
+<file path=ppt/slides/slide18.xml><?xml version="1.0" encoding="utf-8"?>
+<p:sld xmlns:a="http://schemas.openxmlformats.org/drawingml/2006/main" xmlns:r="http://schemas.openxmlformats.org/officeDocument/2006/relationships" xmlns:p="http://schemas.openxmlformats.org/presentationml/2006/main">
+  <p:cSld>
+    <p:spTree>
+      <p:nvGrpSpPr>
+        <p:cNvPr id="1" name=""/>
+        <p:cNvGrpSpPr/>
+        <p:nvPr/>
+      </p:nvGrpSpPr>
+      <p:grpSpPr>
+        <a:xfrm>
+          <a:off x="0" y="0"/>
+          <a:ext cx="0" cy="0"/>
+          <a:chOff x="0" y="0"/>
+          <a:chExt cx="0" cy="0"/>
+        </a:xfrm>
+      </p:grpSpPr>
+      <p:sp>
+        <p:nvSpPr>
+          <p:cNvPr id="2" name="Title 1">
+            <a:extLst>
+              <a:ext uri="{FF2B5EF4-FFF2-40B4-BE49-F238E27FC236}">
                 <a16:creationId xmlns:a16="http://schemas.microsoft.com/office/drawing/2014/main" id="{2FABBB84-8E07-4A6B-AD8C-5986C73A9ECE}"/>
               </a:ext>
             </a:extLst>
@@ -3612,7 +9225,57 @@
           <a:bodyPr/>
           <a:lstStyle/>
           <a:p>
-            <a:endParaRPr lang="en-US"/>
+            <a:r>
+              <a:rPr lang="en-US" dirty="0"/>
+              <a:t>Repository</a:t>
+            </a:r>
+          </a:p>
+          <a:p>
+            <a:pPr lvl="1"/>
+            <a:r>
+              <a:rPr lang="en-US" dirty="0"/>
+              <a:t>Place to store files, and back them up</a:t>
+            </a:r>
+          </a:p>
+          <a:p>
+            <a:pPr lvl="1"/>
+            <a:r>
+              <a:rPr lang="en-US" dirty="0"/>
+              <a:t>Share documents for collaboration</a:t>
+            </a:r>
+          </a:p>
+          <a:p>
+            <a:pPr lvl="1"/>
+            <a:r>
+              <a:rPr lang="en-US" dirty="0"/>
+              <a:t>Merge versions for program design</a:t>
+            </a:r>
+          </a:p>
+          <a:p>
+            <a:r>
+              <a:rPr lang="en-US" dirty="0" err="1"/>
+              <a:t>OpenMM</a:t>
+            </a:r>
+            <a:r>
+              <a:rPr lang="en-US" dirty="0"/>
+              <a:t> and </a:t>
+            </a:r>
+            <a:r>
+              <a:rPr lang="en-US" dirty="0" err="1"/>
+              <a:t>MDTraj</a:t>
+            </a:r>
+            <a:r>
+              <a:rPr lang="en-US" dirty="0"/>
+              <a:t> are maintained communally </a:t>
+            </a:r>
+            <a:r>
+              <a:rPr lang="en-US"/>
+              <a:t>through GitHub.</a:t>
+            </a:r>
+            <a:endParaRPr lang="en-US" dirty="0"/>
+          </a:p>
+          <a:p>
+            <a:endParaRPr lang="en-US" dirty="0"/>
           </a:p>
         </p:txBody>
       </p:sp>
@@ -3620,6 +9283,86 @@
     <p:extLst>
       <p:ext uri="{BB962C8B-B14F-4D97-AF65-F5344CB8AC3E}">
         <p14:creationId xmlns:p14="http://schemas.microsoft.com/office/powerpoint/2010/main" val="3039199340"/>
+      </p:ext>
+    </p:extLst>
+  </p:cSld>
+  <p:clrMapOvr>
+    <a:masterClrMapping/>
+  </p:clrMapOvr>
+</p:sld>
+</file>
+
+<file path=ppt/slides/slide19.xml><?xml version="1.0" encoding="utf-8"?>
+<p:sld xmlns:a="http://schemas.openxmlformats.org/drawingml/2006/main" xmlns:r="http://schemas.openxmlformats.org/officeDocument/2006/relationships" xmlns:p="http://schemas.openxmlformats.org/presentationml/2006/main">
+  <p:cSld>
+    <p:spTree>
+      <p:nvGrpSpPr>
+        <p:cNvPr id="1" name=""/>
+        <p:cNvGrpSpPr/>
+        <p:nvPr/>
+      </p:nvGrpSpPr>
+      <p:grpSpPr>
+        <a:xfrm>
+          <a:off x="0" y="0"/>
+          <a:ext cx="0" cy="0"/>
+          <a:chOff x="0" y="0"/>
+          <a:chExt cx="0" cy="0"/>
+        </a:xfrm>
+      </p:grpSpPr>
+      <p:sp>
+        <p:nvSpPr>
+          <p:cNvPr id="2" name="Title 1">
+            <a:extLst>
+              <a:ext uri="{FF2B5EF4-FFF2-40B4-BE49-F238E27FC236}">
+                <a16:creationId xmlns:a16="http://schemas.microsoft.com/office/drawing/2014/main" id="{C5A4822E-DD79-4196-AE59-8F19513859CC}"/>
+              </a:ext>
+            </a:extLst>
+          </p:cNvPr>
+          <p:cNvSpPr>
+            <a:spLocks noGrp="1"/>
+          </p:cNvSpPr>
+          <p:nvPr>
+            <p:ph type="title"/>
+          </p:nvPr>
+        </p:nvSpPr>
+        <p:spPr/>
+        <p:txBody>
+          <a:bodyPr/>
+          <a:lstStyle/>
+          <a:p>
+            <a:endParaRPr lang="en-US" dirty="0"/>
+          </a:p>
+        </p:txBody>
+      </p:sp>
+      <p:sp>
+        <p:nvSpPr>
+          <p:cNvPr id="3" name="Content Placeholder 2">
+            <a:extLst>
+              <a:ext uri="{FF2B5EF4-FFF2-40B4-BE49-F238E27FC236}">
+                <a16:creationId xmlns:a16="http://schemas.microsoft.com/office/drawing/2014/main" id="{34F0E479-DABD-448D-B6CA-AA1FDD950506}"/>
+              </a:ext>
+            </a:extLst>
+          </p:cNvPr>
+          <p:cNvSpPr>
+            <a:spLocks noGrp="1"/>
+          </p:cNvSpPr>
+          <p:nvPr>
+            <p:ph idx="1"/>
+          </p:nvPr>
+        </p:nvSpPr>
+        <p:spPr/>
+        <p:txBody>
+          <a:bodyPr/>
+          <a:lstStyle/>
+          <a:p>
+            <a:endParaRPr lang="en-US"/>
+          </a:p>
+        </p:txBody>
+      </p:sp>
+    </p:spTree>
+    <p:extLst>
+      <p:ext uri="{BB962C8B-B14F-4D97-AF65-F5344CB8AC3E}">
+        <p14:creationId xmlns:p14="http://schemas.microsoft.com/office/powerpoint/2010/main" val="2012923741"/>
       </p:ext>
     </p:extLst>
   </p:cSld>
@@ -3664,7 +9407,9 @@
         </p:nvSpPr>
         <p:spPr/>
         <p:txBody>
-          <a:bodyPr/>
+          <a:bodyPr>
+            <a:normAutofit/>
+          </a:bodyPr>
           <a:lstStyle/>
           <a:p>
             <a:r>
@@ -3789,7 +9534,7 @@
     <p:bg>
       <p:bgPr>
         <a:solidFill>
-          <a:schemeClr val="bg1"/>
+          <a:schemeClr val="bg2"/>
         </a:solidFill>
         <a:effectLst/>
       </p:bgPr>
@@ -3826,18 +9571,18 @@
         </p:nvSpPr>
         <p:spPr>
           <a:xfrm>
-            <a:off x="648929" y="629266"/>
-            <a:ext cx="5127031" cy="1676603"/>
+            <a:off x="1251679" y="645107"/>
+            <a:ext cx="3384329" cy="1640894"/>
           </a:xfrm>
         </p:spPr>
         <p:txBody>
-          <a:bodyPr>
+          <a:bodyPr anchor="t">
             <a:normAutofit/>
           </a:bodyPr>
           <a:lstStyle/>
           <a:p>
             <a:r>
-              <a:rPr lang="en-US" dirty="0"/>
+              <a:rPr lang="en-US" sz="4000"/>
               <a:t>Molecular Mechanics</a:t>
             </a:r>
           </a:p>
@@ -3861,8 +9606,8 @@
         </p:nvSpPr>
         <p:spPr>
           <a:xfrm>
-            <a:off x="648930" y="2438400"/>
-            <a:ext cx="5127029" cy="3785419"/>
+            <a:off x="1251679" y="2286001"/>
+            <a:ext cx="3384330" cy="3940844"/>
           </a:xfrm>
         </p:spPr>
         <p:txBody>
@@ -3891,18 +9636,17 @@
         </p:nvPicPr>
         <p:blipFill rotWithShape="1">
           <a:blip r:embed="rId2"/>
-          <a:srcRect r="2085" b="3"/>
+          <a:srcRect t="6695" r="2" b="2"/>
           <a:stretch/>
         </p:blipFill>
         <p:spPr>
           <a:xfrm>
-            <a:off x="6090613" y="640082"/>
-            <a:ext cx="5461724" cy="5577837"/>
+            <a:off x="5279472" y="645107"/>
+            <a:ext cx="5995465" cy="5594047"/>
           </a:xfrm>
           <a:prstGeom prst="rect">
             <a:avLst/>
           </a:prstGeom>
-          <a:effectLst/>
         </p:spPr>
       </p:pic>
     </p:spTree>
@@ -4011,7 +9755,9 @@
             </p:nvSpPr>
             <p:spPr/>
             <p:txBody>
-              <a:bodyPr/>
+              <a:bodyPr>
+                <a:normAutofit fontScale="92500"/>
+              </a:bodyPr>
               <a:lstStyle/>
               <a:p>
                 <a:r>
@@ -4243,7 +9989,7 @@
               <a:blipFill>
                 <a:blip r:embed="rId2"/>
                 <a:stretch>
-                  <a:fillRect l="-2128" t="-2815" r="-236"/>
+                  <a:fillRect l="-888" t="-1016" r="-254" b="-22967"/>
                 </a:stretch>
               </a:blipFill>
             </p:spPr>
@@ -4308,12 +10054,20 @@
         </p:nvSpPr>
         <p:spPr/>
         <p:txBody>
-          <a:bodyPr/>
+          <a:bodyPr>
+            <a:normAutofit fontScale="92500"/>
+          </a:bodyPr>
           <a:lstStyle/>
           <a:p>
             <a:r>
               <a:rPr lang="en-US" dirty="0"/>
               <a:t>Bonds are classified through classical spring potentials and parameterized periodic functions</a:t>
+            </a:r>
+          </a:p>
+          <a:p>
+            <a:r>
+              <a:rPr lang="en-US" dirty="0"/>
+              <a:t>Molecules interact through electrostatic and Lenard-Jones potentials</a:t>
             </a:r>
           </a:p>
           <a:p>
@@ -4438,8 +10192,8 @@
           </a:p>
         </p:txBody>
       </p:sp>
-      <mc:AlternateContent xmlns:mc="http://schemas.openxmlformats.org/markup-compatibility/2006">
-        <mc:Choice xmlns:a14="http://schemas.microsoft.com/office/drawing/2010/main" Requires="a14">
+      <mc:AlternateContent xmlns:mc="http://schemas.openxmlformats.org/markup-compatibility/2006" xmlns:a14="http://schemas.microsoft.com/office/drawing/2010/main">
+        <mc:Choice Requires="a14">
           <p:sp>
             <p:nvSpPr>
               <p:cNvPr id="5" name="Content Placeholder 4">
@@ -4463,7 +10217,7 @@
               <a:p>
                 <a14:m>
                   <m:oMath xmlns:m="http://schemas.openxmlformats.org/officeDocument/2006/math">
-                    <a:fld id="{7882E0CD-87BF-4158-ADC4-C3C0A40F9496}" type="mathplaceholder">
+                    <a:fld id="{B0528D61-3EE1-4248-AA2A-2771780B3867}" type="mathplaceholder">
                       <a:rPr lang="en-US" i="1" smtClean="0">
                         <a:latin typeface="Cambria Math" panose="02040503050406030204" pitchFamily="18" charset="0"/>
                       </a:rPr>
@@ -4476,7 +10230,7 @@
               <a:p>
                 <a14:m>
                   <m:oMath xmlns:m="http://schemas.openxmlformats.org/officeDocument/2006/math">
-                    <a:fld id="{9AAC35F3-9146-4425-8B80-5702030C67AF}" type="mathplaceholder">
+                    <a:fld id="{C841A0D8-FEAB-4B88-A45F-69038F986A18}" type="mathplaceholder">
                       <a:rPr lang="en-US" i="1" smtClean="0">
                         <a:latin typeface="Cambria Math" panose="02040503050406030204" pitchFamily="18" charset="0"/>
                       </a:rPr>
@@ -4489,7 +10243,7 @@
               <a:p>
                 <a14:m>
                   <m:oMath xmlns:m="http://schemas.openxmlformats.org/officeDocument/2006/math">
-                    <a:fld id="{3C6FF189-6532-459C-B976-BF28C8C7B71B}" type="mathplaceholder">
+                    <a:fld id="{CB5AEEA5-1573-47D5-BC26-FE78481187BB}" type="mathplaceholder">
                       <a:rPr lang="en-US" i="1" smtClean="0">
                         <a:latin typeface="Cambria Math" panose="02040503050406030204" pitchFamily="18" charset="0"/>
                       </a:rPr>
@@ -4505,7 +10259,7 @@
             </p:txBody>
           </p:sp>
         </mc:Choice>
-        <mc:Fallback>
+        <mc:Fallback xmlns="">
           <p:sp>
             <p:nvSpPr>
               <p:cNvPr id="5" name="Content Placeholder 4">
@@ -4650,7 +10404,7 @@
         <p:spPr/>
         <p:txBody>
           <a:bodyPr>
-            <a:normAutofit fontScale="92500" lnSpcReduction="20000"/>
+            <a:normAutofit fontScale="85000" lnSpcReduction="10000"/>
           </a:bodyPr>
           <a:lstStyle/>
           <a:p>
@@ -4756,7 +10510,7 @@
         <p:spPr/>
         <p:txBody>
           <a:bodyPr>
-            <a:normAutofit fontScale="92500" lnSpcReduction="20000"/>
+            <a:normAutofit fontScale="85000" lnSpcReduction="10000"/>
           </a:bodyPr>
           <a:lstStyle/>
           <a:p>
@@ -4810,7 +10564,7 @@
 </file>
 
 <file path=ppt/slides/slide7.xml><?xml version="1.0" encoding="utf-8"?>
-<p:sld xmlns:a="http://schemas.openxmlformats.org/drawingml/2006/main" xmlns:r="http://schemas.openxmlformats.org/officeDocument/2006/relationships" xmlns:p="http://schemas.openxmlformats.org/presentationml/2006/main">
+<p:sld xmlns:a="http://schemas.openxmlformats.org/drawingml/2006/main" xmlns:r="http://schemas.openxmlformats.org/officeDocument/2006/relationships" xmlns:p="http://schemas.openxmlformats.org/presentationml/2006/main" show="0">
   <p:cSld>
     <p:spTree>
       <p:nvGrpSpPr>
@@ -5008,7 +10762,7 @@
         </p:spPr>
         <p:txBody>
           <a:bodyPr>
-            <a:normAutofit lnSpcReduction="10000"/>
+            <a:normAutofit/>
           </a:bodyPr>
           <a:lstStyle/>
           <a:p>
@@ -5127,7 +10881,7 @@
           <p:cNvPr id="2" name="Title 1">
             <a:extLst>
               <a:ext uri="{FF2B5EF4-FFF2-40B4-BE49-F238E27FC236}">
-                <a16:creationId xmlns:a16="http://schemas.microsoft.com/office/drawing/2014/main" id="{4BDA6FF0-6EEA-4962-A2F1-B141B4E01550}"/>
+                <a16:creationId xmlns:a16="http://schemas.microsoft.com/office/drawing/2014/main" id="{FDFCBC2B-5F61-4D68-B5CB-C06419AF82D0}"/>
               </a:ext>
             </a:extLst>
           </p:cNvPr>
@@ -5140,14 +10894,31 @@
         </p:nvSpPr>
         <p:spPr/>
         <p:txBody>
-          <a:bodyPr/>
+          <a:bodyPr>
+            <a:normAutofit/>
+          </a:bodyPr>
           <a:lstStyle/>
           <a:p>
             <a:r>
+              <a:rPr lang="en-US" dirty="0"/>
+              <a:t>Use </a:t>
+            </a:r>
+            <a:r>
               <a:rPr lang="en-US" dirty="0" err="1"/>
-              <a:t>OpenMM</a:t>
-            </a:r>
-            <a:endParaRPr lang="en-US" dirty="0"/>
+              <a:t>openMM</a:t>
+            </a:r>
+            <a:r>
+              <a:rPr lang="en-US" dirty="0"/>
+              <a:t> and </a:t>
+            </a:r>
+            <a:r>
+              <a:rPr lang="en-US" dirty="0" err="1"/>
+              <a:t>MDTraj</a:t>
+            </a:r>
+            <a:r>
+              <a:rPr lang="en-US" dirty="0"/>
+              <a:t> in anaconda</a:t>
+            </a:r>
           </a:p>
         </p:txBody>
       </p:sp>
@@ -5156,7 +10927,7 @@
           <p:cNvPr id="3" name="Content Placeholder 2">
             <a:extLst>
               <a:ext uri="{FF2B5EF4-FFF2-40B4-BE49-F238E27FC236}">
-                <a16:creationId xmlns:a16="http://schemas.microsoft.com/office/drawing/2014/main" id="{63817A70-3B9D-4B3D-8FA6-5A5F51EA6AE8}"/>
+                <a16:creationId xmlns:a16="http://schemas.microsoft.com/office/drawing/2014/main" id="{1860DA71-E1DD-421B-9396-8BA609EEC4CA}"/>
               </a:ext>
             </a:extLst>
           </p:cNvPr>
@@ -5169,17 +10940,289 @@
         </p:nvSpPr>
         <p:spPr/>
         <p:txBody>
-          <a:bodyPr/>
+          <a:bodyPr>
+            <a:normAutofit/>
+          </a:bodyPr>
           <a:lstStyle/>
           <a:p>
-            <a:endParaRPr lang="en-US"/>
+            <a:r>
+              <a:rPr lang="en-US" dirty="0"/>
+              <a:t>Download packages</a:t>
+            </a:r>
+          </a:p>
+          <a:p>
+            <a:pPr lvl="1"/>
+            <a:r>
+              <a:rPr lang="en-US" dirty="0" err="1">
+                <a:latin typeface="Courier New" panose="02070309020205020404" pitchFamily="49" charset="0"/>
+                <a:cs typeface="Courier New" panose="02070309020205020404" pitchFamily="49" charset="0"/>
+              </a:rPr>
+              <a:t>conda</a:t>
+            </a:r>
+            <a:r>
+              <a:rPr lang="en-US" dirty="0">
+                <a:latin typeface="Courier New" panose="02070309020205020404" pitchFamily="49" charset="0"/>
+                <a:cs typeface="Courier New" panose="02070309020205020404" pitchFamily="49" charset="0"/>
+              </a:rPr>
+              <a:t> install </a:t>
+            </a:r>
+            <a:r>
+              <a:rPr lang="en-US" dirty="0" err="1">
+                <a:latin typeface="Courier New" panose="02070309020205020404" pitchFamily="49" charset="0"/>
+                <a:cs typeface="Courier New" panose="02070309020205020404" pitchFamily="49" charset="0"/>
+              </a:rPr>
+              <a:t>openmm</a:t>
+            </a:r>
+            <a:r>
+              <a:rPr lang="en-US" dirty="0">
+                <a:latin typeface="Courier New" panose="02070309020205020404" pitchFamily="49" charset="0"/>
+                <a:cs typeface="Courier New" panose="02070309020205020404" pitchFamily="49" charset="0"/>
+              </a:rPr>
+              <a:t> -c omnia</a:t>
+            </a:r>
+          </a:p>
+          <a:p>
+            <a:pPr lvl="1"/>
+            <a:r>
+              <a:rPr lang="en-US" dirty="0" err="1">
+                <a:latin typeface="Courier New" panose="02070309020205020404" pitchFamily="49" charset="0"/>
+                <a:cs typeface="Courier New" panose="02070309020205020404" pitchFamily="49" charset="0"/>
+              </a:rPr>
+              <a:t>conda</a:t>
+            </a:r>
+            <a:r>
+              <a:rPr lang="en-US" dirty="0">
+                <a:latin typeface="Courier New" panose="02070309020205020404" pitchFamily="49" charset="0"/>
+                <a:cs typeface="Courier New" panose="02070309020205020404" pitchFamily="49" charset="0"/>
+              </a:rPr>
+              <a:t> install </a:t>
+            </a:r>
+            <a:r>
+              <a:rPr lang="en-US" dirty="0" err="1">
+                <a:latin typeface="Courier New" panose="02070309020205020404" pitchFamily="49" charset="0"/>
+                <a:cs typeface="Courier New" panose="02070309020205020404" pitchFamily="49" charset="0"/>
+              </a:rPr>
+              <a:t>mdtraj</a:t>
+            </a:r>
+            <a:r>
+              <a:rPr lang="en-US" dirty="0">
+                <a:latin typeface="Courier New" panose="02070309020205020404" pitchFamily="49" charset="0"/>
+                <a:cs typeface="Courier New" panose="02070309020205020404" pitchFamily="49" charset="0"/>
+              </a:rPr>
+              <a:t> -c omnia</a:t>
+            </a:r>
+          </a:p>
+          <a:p>
+            <a:pPr lvl="1"/>
+            <a:r>
+              <a:rPr lang="en-US" dirty="0" err="1">
+                <a:latin typeface="Courier New" panose="02070309020205020404" pitchFamily="49" charset="0"/>
+                <a:cs typeface="Courier New" panose="02070309020205020404" pitchFamily="49" charset="0"/>
+              </a:rPr>
+              <a:t>conda</a:t>
+            </a:r>
+            <a:r>
+              <a:rPr lang="en-US" dirty="0">
+                <a:latin typeface="Courier New" panose="02070309020205020404" pitchFamily="49" charset="0"/>
+                <a:cs typeface="Courier New" panose="02070309020205020404" pitchFamily="49" charset="0"/>
+              </a:rPr>
+              <a:t> config --add channels </a:t>
+            </a:r>
+            <a:r>
+              <a:rPr lang="en-US" dirty="0" err="1">
+                <a:latin typeface="Courier New" panose="02070309020205020404" pitchFamily="49" charset="0"/>
+                <a:cs typeface="Courier New" panose="02070309020205020404" pitchFamily="49" charset="0"/>
+              </a:rPr>
+              <a:t>conda</a:t>
+            </a:r>
+            <a:r>
+              <a:rPr lang="en-US" dirty="0">
+                <a:latin typeface="Courier New" panose="02070309020205020404" pitchFamily="49" charset="0"/>
+                <a:cs typeface="Courier New" panose="02070309020205020404" pitchFamily="49" charset="0"/>
+              </a:rPr>
+              <a:t>-forge</a:t>
+            </a:r>
+          </a:p>
+          <a:p>
+            <a:pPr lvl="1"/>
+            <a:r>
+              <a:rPr lang="en-US" dirty="0" err="1">
+                <a:latin typeface="Courier New" panose="02070309020205020404" pitchFamily="49" charset="0"/>
+                <a:cs typeface="Courier New" panose="02070309020205020404" pitchFamily="49" charset="0"/>
+              </a:rPr>
+              <a:t>conda</a:t>
+            </a:r>
+            <a:r>
+              <a:rPr lang="en-US" dirty="0">
+                <a:latin typeface="Courier New" panose="02070309020205020404" pitchFamily="49" charset="0"/>
+                <a:cs typeface="Courier New" panose="02070309020205020404" pitchFamily="49" charset="0"/>
+              </a:rPr>
+              <a:t> install </a:t>
+            </a:r>
+            <a:r>
+              <a:rPr lang="en-US" dirty="0" err="1">
+                <a:latin typeface="Courier New" panose="02070309020205020404" pitchFamily="49" charset="0"/>
+                <a:cs typeface="Courier New" panose="02070309020205020404" pitchFamily="49" charset="0"/>
+              </a:rPr>
+              <a:t>nglview</a:t>
+            </a:r>
+            <a:r>
+              <a:rPr lang="en-US" dirty="0">
+                <a:latin typeface="Courier New" panose="02070309020205020404" pitchFamily="49" charset="0"/>
+                <a:cs typeface="Courier New" panose="02070309020205020404" pitchFamily="49" charset="0"/>
+              </a:rPr>
+              <a:t> -c </a:t>
+            </a:r>
+            <a:r>
+              <a:rPr lang="en-US" dirty="0" err="1">
+                <a:latin typeface="Courier New" panose="02070309020205020404" pitchFamily="49" charset="0"/>
+                <a:cs typeface="Courier New" panose="02070309020205020404" pitchFamily="49" charset="0"/>
+              </a:rPr>
+              <a:t>bioconda</a:t>
+            </a:r>
+            <a:endParaRPr lang="en-US" dirty="0">
+              <a:latin typeface="Courier New" panose="02070309020205020404" pitchFamily="49" charset="0"/>
+              <a:cs typeface="Courier New" panose="02070309020205020404" pitchFamily="49" charset="0"/>
+            </a:endParaRPr>
+          </a:p>
+          <a:p>
+            <a:pPr lvl="1"/>
+            <a:r>
+              <a:rPr lang="en-US" dirty="0" err="1">
+                <a:latin typeface="Courier New" panose="02070309020205020404" pitchFamily="49" charset="0"/>
+                <a:cs typeface="Courier New" panose="02070309020205020404" pitchFamily="49" charset="0"/>
+              </a:rPr>
+              <a:t>jupyter-nbextension</a:t>
+            </a:r>
+            <a:r>
+              <a:rPr lang="en-US" dirty="0">
+                <a:latin typeface="Courier New" panose="02070309020205020404" pitchFamily="49" charset="0"/>
+                <a:cs typeface="Courier New" panose="02070309020205020404" pitchFamily="49" charset="0"/>
+              </a:rPr>
+              <a:t> install </a:t>
+            </a:r>
+            <a:r>
+              <a:rPr lang="en-US" dirty="0" err="1">
+                <a:latin typeface="Courier New" panose="02070309020205020404" pitchFamily="49" charset="0"/>
+                <a:cs typeface="Courier New" panose="02070309020205020404" pitchFamily="49" charset="0"/>
+              </a:rPr>
+              <a:t>widgetsnbextension</a:t>
+            </a:r>
+            <a:r>
+              <a:rPr lang="en-US" dirty="0">
+                <a:latin typeface="Courier New" panose="02070309020205020404" pitchFamily="49" charset="0"/>
+                <a:cs typeface="Courier New" panose="02070309020205020404" pitchFamily="49" charset="0"/>
+              </a:rPr>
+              <a:t> --</a:t>
+            </a:r>
+            <a:r>
+              <a:rPr lang="en-US" dirty="0" err="1">
+                <a:latin typeface="Courier New" panose="02070309020205020404" pitchFamily="49" charset="0"/>
+                <a:cs typeface="Courier New" panose="02070309020205020404" pitchFamily="49" charset="0"/>
+              </a:rPr>
+              <a:t>py</a:t>
+            </a:r>
+            <a:r>
+              <a:rPr lang="en-US" dirty="0">
+                <a:latin typeface="Courier New" panose="02070309020205020404" pitchFamily="49" charset="0"/>
+                <a:cs typeface="Courier New" panose="02070309020205020404" pitchFamily="49" charset="0"/>
+              </a:rPr>
+              <a:t> --sys-prefix</a:t>
+            </a:r>
+          </a:p>
+          <a:p>
+            <a:pPr lvl="1"/>
+            <a:r>
+              <a:rPr lang="en-US" dirty="0" err="1">
+                <a:latin typeface="Courier New" panose="02070309020205020404" pitchFamily="49" charset="0"/>
+                <a:cs typeface="Courier New" panose="02070309020205020404" pitchFamily="49" charset="0"/>
+              </a:rPr>
+              <a:t>jupyter-nbextension</a:t>
+            </a:r>
+            <a:r>
+              <a:rPr lang="en-US" dirty="0">
+                <a:latin typeface="Courier New" panose="02070309020205020404" pitchFamily="49" charset="0"/>
+                <a:cs typeface="Courier New" panose="02070309020205020404" pitchFamily="49" charset="0"/>
+              </a:rPr>
+              <a:t> enable –-</a:t>
+            </a:r>
+            <a:r>
+              <a:rPr lang="en-US" dirty="0" err="1">
+                <a:latin typeface="Courier New" panose="02070309020205020404" pitchFamily="49" charset="0"/>
+                <a:cs typeface="Courier New" panose="02070309020205020404" pitchFamily="49" charset="0"/>
+              </a:rPr>
+              <a:t>py</a:t>
+            </a:r>
+            <a:r>
+              <a:rPr lang="en-US" dirty="0">
+                <a:latin typeface="Courier New" panose="02070309020205020404" pitchFamily="49" charset="0"/>
+                <a:cs typeface="Courier New" panose="02070309020205020404" pitchFamily="49" charset="0"/>
+              </a:rPr>
+              <a:t> –-sys-prefix </a:t>
+            </a:r>
+            <a:r>
+              <a:rPr lang="en-US" dirty="0" err="1">
+                <a:latin typeface="Courier New" panose="02070309020205020404" pitchFamily="49" charset="0"/>
+                <a:cs typeface="Courier New" panose="02070309020205020404" pitchFamily="49" charset="0"/>
+              </a:rPr>
+              <a:t>widgetsnbextension</a:t>
+            </a:r>
+            <a:endParaRPr lang="en-US" dirty="0">
+              <a:latin typeface="Courier New" panose="02070309020205020404" pitchFamily="49" charset="0"/>
+              <a:cs typeface="Courier New" panose="02070309020205020404" pitchFamily="49" charset="0"/>
+            </a:endParaRPr>
+          </a:p>
+          <a:p>
+            <a:pPr lvl="1"/>
+            <a:r>
+              <a:rPr lang="en-US" dirty="0" err="1">
+                <a:latin typeface="Courier New" panose="02070309020205020404" pitchFamily="49" charset="0"/>
+                <a:cs typeface="Courier New" panose="02070309020205020404" pitchFamily="49" charset="0"/>
+              </a:rPr>
+              <a:t>jupyter-nbxtension</a:t>
+            </a:r>
+            <a:r>
+              <a:rPr lang="en-US" dirty="0">
+                <a:latin typeface="Courier New" panose="02070309020205020404" pitchFamily="49" charset="0"/>
+                <a:cs typeface="Courier New" panose="02070309020205020404" pitchFamily="49" charset="0"/>
+              </a:rPr>
+              <a:t> enable </a:t>
+            </a:r>
+            <a:r>
+              <a:rPr lang="en-US" dirty="0" err="1">
+                <a:latin typeface="Courier New" panose="02070309020205020404" pitchFamily="49" charset="0"/>
+                <a:cs typeface="Courier New" panose="02070309020205020404" pitchFamily="49" charset="0"/>
+              </a:rPr>
+              <a:t>nglview</a:t>
+            </a:r>
+            <a:r>
+              <a:rPr lang="en-US" dirty="0">
+                <a:latin typeface="Courier New" panose="02070309020205020404" pitchFamily="49" charset="0"/>
+                <a:cs typeface="Courier New" panose="02070309020205020404" pitchFamily="49" charset="0"/>
+              </a:rPr>
+              <a:t> –-</a:t>
+            </a:r>
+            <a:r>
+              <a:rPr lang="en-US" dirty="0" err="1">
+                <a:latin typeface="Courier New" panose="02070309020205020404" pitchFamily="49" charset="0"/>
+                <a:cs typeface="Courier New" panose="02070309020205020404" pitchFamily="49" charset="0"/>
+              </a:rPr>
+              <a:t>py</a:t>
+            </a:r>
+            <a:r>
+              <a:rPr lang="en-US" dirty="0">
+                <a:latin typeface="Courier New" panose="02070309020205020404" pitchFamily="49" charset="0"/>
+                <a:cs typeface="Courier New" panose="02070309020205020404" pitchFamily="49" charset="0"/>
+              </a:rPr>
+              <a:t> –-sys-prefix</a:t>
+            </a:r>
           </a:p>
         </p:txBody>
       </p:sp>
     </p:spTree>
     <p:extLst>
       <p:ext uri="{BB962C8B-B14F-4D97-AF65-F5344CB8AC3E}">
-        <p14:creationId xmlns:p14="http://schemas.microsoft.com/office/powerpoint/2010/main" val="3801423583"/>
+        <p14:creationId xmlns:p14="http://schemas.microsoft.com/office/powerpoint/2010/main" val="260809300"/>
       </p:ext>
     </p:extLst>
   </p:cSld>
@@ -5190,9 +11233,9 @@
 </file>
 
 <file path=ppt/theme/theme1.xml><?xml version="1.0" encoding="utf-8"?>
-<a:theme xmlns:a="http://schemas.openxmlformats.org/drawingml/2006/main" name="Office Theme">
+<a:theme xmlns:a="http://schemas.openxmlformats.org/drawingml/2006/main" name="Badge">
   <a:themeElements>
-    <a:clrScheme name="Office">
+    <a:clrScheme name="Custom 1">
       <a:dk1>
         <a:sysClr val="windowText" lastClr="000000"/>
       </a:dk1>
@@ -5200,96 +11243,44 @@
         <a:sysClr val="window" lastClr="FFFFFF"/>
       </a:lt1>
       <a:dk2>
-        <a:srgbClr val="44546A"/>
+        <a:srgbClr val="323232"/>
       </a:dk2>
       <a:lt2>
-        <a:srgbClr val="E7E6E6"/>
+        <a:srgbClr val="F2F2F2"/>
       </a:lt2>
       <a:accent1>
-        <a:srgbClr val="4472C4"/>
+        <a:srgbClr val="A5300F"/>
       </a:accent1>
       <a:accent2>
-        <a:srgbClr val="ED7D31"/>
+        <a:srgbClr val="D55816"/>
       </a:accent2>
       <a:accent3>
-        <a:srgbClr val="A5A5A5"/>
+        <a:srgbClr val="E19825"/>
       </a:accent3>
       <a:accent4>
-        <a:srgbClr val="FFC000"/>
+        <a:srgbClr val="B19C7D"/>
       </a:accent4>
       <a:accent5>
-        <a:srgbClr val="5B9BD5"/>
+        <a:srgbClr val="7F5F52"/>
       </a:accent5>
       <a:accent6>
-        <a:srgbClr val="70AD47"/>
+        <a:srgbClr val="B27D49"/>
       </a:accent6>
       <a:hlink>
-        <a:srgbClr val="0563C1"/>
+        <a:srgbClr val="6B9F25"/>
       </a:hlink>
       <a:folHlink>
-        <a:srgbClr val="954F72"/>
+        <a:srgbClr val="B26B02"/>
       </a:folHlink>
     </a:clrScheme>
-    <a:fontScheme name="Office">
+    <a:fontScheme name="Badge">
       <a:majorFont>
-        <a:latin typeface="Calibri Light" panose="020F0302020204030204"/>
+        <a:latin typeface="Impact" panose="020B0806030902050204"/>
         <a:ea typeface=""/>
         <a:cs typeface=""/>
-        <a:font script="Jpan" typeface="游ゴシック Light"/>
+        <a:font script="Jpan" typeface="メイリオ"/>
         <a:font script="Hang" typeface="맑은 고딕"/>
-        <a:font script="Hans" typeface="等线 Light"/>
-        <a:font script="Hant" typeface="新細明體"/>
-        <a:font script="Arab" typeface="Times New Roman"/>
-        <a:font script="Hebr" typeface="Times New Roman"/>
-        <a:font script="Thai" typeface="Angsana New"/>
-        <a:font script="Ethi" typeface="Nyala"/>
-        <a:font script="Beng" typeface="Vrinda"/>
-        <a:font script="Gujr" typeface="Shruti"/>
-        <a:font script="Khmr" typeface="MoolBoran"/>
-        <a:font script="Knda" typeface="Tunga"/>
-        <a:font script="Guru" typeface="Raavi"/>
-        <a:font script="Cans" typeface="Euphemia"/>
-        <a:font script="Cher" typeface="Plantagenet Cherokee"/>
-        <a:font script="Yiii" typeface="Microsoft Yi Baiti"/>
-        <a:font script="Tibt" typeface="Microsoft Himalaya"/>
-        <a:font script="Thaa" typeface="MV Boli"/>
-        <a:font script="Deva" typeface="Mangal"/>
-        <a:font script="Telu" typeface="Gautami"/>
-        <a:font script="Taml" typeface="Latha"/>
-        <a:font script="Syrc" typeface="Estrangelo Edessa"/>
-        <a:font script="Orya" typeface="Kalinga"/>
-        <a:font script="Mlym" typeface="Kartika"/>
-        <a:font script="Laoo" typeface="DokChampa"/>
-        <a:font script="Sinh" typeface="Iskoola Pota"/>
-        <a:font script="Mong" typeface="Mongolian Baiti"/>
-        <a:font script="Viet" typeface="Times New Roman"/>
-        <a:font script="Uigh" typeface="Microsoft Uighur"/>
-        <a:font script="Geor" typeface="Sylfaen"/>
-        <a:font script="Armn" typeface="Arial"/>
-        <a:font script="Bugi" typeface="Leelawadee UI"/>
-        <a:font script="Bopo" typeface="Microsoft JhengHei"/>
-        <a:font script="Java" typeface="Javanese Text"/>
-        <a:font script="Lisu" typeface="Segoe UI"/>
-        <a:font script="Mymr" typeface="Myanmar Text"/>
-        <a:font script="Nkoo" typeface="Ebrima"/>
-        <a:font script="Olck" typeface="Nirmala UI"/>
-        <a:font script="Osma" typeface="Ebrima"/>
-        <a:font script="Phag" typeface="Phagspa"/>
-        <a:font script="Syrn" typeface="Estrangelo Edessa"/>
-        <a:font script="Syrj" typeface="Estrangelo Edessa"/>
-        <a:font script="Syre" typeface="Estrangelo Edessa"/>
-        <a:font script="Sora" typeface="Nirmala UI"/>
-        <a:font script="Tale" typeface="Microsoft Tai Le"/>
-        <a:font script="Talu" typeface="Microsoft New Tai Lue"/>
-        <a:font script="Tfng" typeface="Ebrima"/>
-      </a:majorFont>
-      <a:minorFont>
-        <a:latin typeface="Calibri" panose="020F0502020204030204"/>
-        <a:ea typeface=""/>
-        <a:cs typeface=""/>
-        <a:font script="Jpan" typeface="游ゴシック"/>
-        <a:font script="Hang" typeface="맑은 고딕"/>
-        <a:font script="Hans" typeface="等线"/>
+        <a:font script="Hans" typeface="宋体"/>
         <a:font script="Hant" typeface="新細明體"/>
         <a:font script="Arab" typeface="Arial"/>
         <a:font script="Hebr" typeface="Arial"/>
@@ -5317,26 +11308,46 @@
         <a:font script="Viet" typeface="Arial"/>
         <a:font script="Uigh" typeface="Microsoft Uighur"/>
         <a:font script="Geor" typeface="Sylfaen"/>
-        <a:font script="Armn" typeface="Arial"/>
-        <a:font script="Bugi" typeface="Leelawadee UI"/>
-        <a:font script="Bopo" typeface="Microsoft JhengHei"/>
-        <a:font script="Java" typeface="Javanese Text"/>
-        <a:font script="Lisu" typeface="Segoe UI"/>
-        <a:font script="Mymr" typeface="Myanmar Text"/>
-        <a:font script="Nkoo" typeface="Ebrima"/>
-        <a:font script="Olck" typeface="Nirmala UI"/>
-        <a:font script="Osma" typeface="Ebrima"/>
-        <a:font script="Phag" typeface="Phagspa"/>
-        <a:font script="Syrn" typeface="Estrangelo Edessa"/>
-        <a:font script="Syrj" typeface="Estrangelo Edessa"/>
-        <a:font script="Syre" typeface="Estrangelo Edessa"/>
-        <a:font script="Sora" typeface="Nirmala UI"/>
-        <a:font script="Tale" typeface="Microsoft Tai Le"/>
-        <a:font script="Talu" typeface="Microsoft New Tai Lue"/>
-        <a:font script="Tfng" typeface="Ebrima"/>
+      </a:majorFont>
+      <a:minorFont>
+        <a:latin typeface="Gill Sans MT" panose="020B0502020104020203"/>
+        <a:ea typeface=""/>
+        <a:cs typeface=""/>
+        <a:font script="Grek" typeface="Corbel"/>
+        <a:font script="Cyrl" typeface="Corbel"/>
+        <a:font script="Jpan" typeface="メイリオ"/>
+        <a:font script="Hang" typeface="휴먼매직체"/>
+        <a:font script="Hans" typeface="华文中宋"/>
+        <a:font script="Hant" typeface="微軟正黑體"/>
+        <a:font script="Arab" typeface="Majalla UI"/>
+        <a:font script="Hebr" typeface="Arial"/>
+        <a:font script="Thai" typeface="Cordia New"/>
+        <a:font script="Ethi" typeface="Nyala"/>
+        <a:font script="Beng" typeface="Vrinda"/>
+        <a:font script="Gujr" typeface="Shruti"/>
+        <a:font script="Khmr" typeface="DaunPenh"/>
+        <a:font script="Knda" typeface="Tunga"/>
+        <a:font script="Guru" typeface="Raavi"/>
+        <a:font script="Cans" typeface="Euphemia"/>
+        <a:font script="Cher" typeface="Plantagenet Cherokee"/>
+        <a:font script="Yiii" typeface="Microsoft Yi Baiti"/>
+        <a:font script="Tibt" typeface="Microsoft Himalaya"/>
+        <a:font script="Thaa" typeface="MV Boli"/>
+        <a:font script="Deva" typeface="Mangal"/>
+        <a:font script="Telu" typeface="Gautami"/>
+        <a:font script="Taml" typeface="Latha"/>
+        <a:font script="Syrc" typeface="Estrangelo Edessa"/>
+        <a:font script="Orya" typeface="Kalinga"/>
+        <a:font script="Mlym" typeface="Kartika"/>
+        <a:font script="Laoo" typeface="DokChampa"/>
+        <a:font script="Sinh" typeface="Iskoola Pota"/>
+        <a:font script="Mong" typeface="Mongolian Baiti"/>
+        <a:font script="Viet" typeface="Tahoma"/>
+        <a:font script="Uigh" typeface="Microsoft Uighur"/>
+        <a:font script="Geor" typeface="Sylfaen"/>
       </a:minorFont>
     </a:fontScheme>
-    <a:fmtScheme name="Office">
+    <a:fmtScheme name="Badge">
       <a:fillStyleLst>
         <a:solidFill>
           <a:schemeClr val="phClr"/>
@@ -5345,23 +11356,23 @@
           <a:gsLst>
             <a:gs pos="0">
               <a:schemeClr val="phClr">
+                <a:tint val="67000"/>
+                <a:satMod val="105000"/>
                 <a:lumMod val="110000"/>
-                <a:satMod val="105000"/>
-                <a:tint val="67000"/>
               </a:schemeClr>
             </a:gs>
             <a:gs pos="50000">
               <a:schemeClr val="phClr">
+                <a:tint val="73000"/>
+                <a:satMod val="103000"/>
                 <a:lumMod val="105000"/>
-                <a:satMod val="103000"/>
-                <a:tint val="73000"/>
               </a:schemeClr>
             </a:gs>
             <a:gs pos="100000">
               <a:schemeClr val="phClr">
+                <a:tint val="81000"/>
+                <a:satMod val="109000"/>
                 <a:lumMod val="105000"/>
-                <a:satMod val="109000"/>
-                <a:tint val="81000"/>
               </a:schemeClr>
             </a:gs>
           </a:gsLst>
@@ -5371,23 +11382,23 @@
           <a:gsLst>
             <a:gs pos="0">
               <a:schemeClr val="phClr">
+                <a:tint val="94000"/>
                 <a:satMod val="103000"/>
                 <a:lumMod val="102000"/>
-                <a:tint val="94000"/>
               </a:schemeClr>
             </a:gs>
             <a:gs pos="50000">
               <a:schemeClr val="phClr">
+                <a:shade val="100000"/>
                 <a:satMod val="110000"/>
                 <a:lumMod val="100000"/>
-                <a:shade val="100000"/>
               </a:schemeClr>
             </a:gs>
             <a:gs pos="100000">
               <a:schemeClr val="phClr">
+                <a:shade val="78000"/>
+                <a:satMod val="120000"/>
                 <a:lumMod val="99000"/>
-                <a:satMod val="120000"/>
-                <a:shade val="78000"/>
               </a:schemeClr>
             </a:gs>
           </a:gsLst>
@@ -5395,26 +11406,23 @@
         </a:gradFill>
       </a:fillStyleLst>
       <a:lnStyleLst>
-        <a:ln w="6350" cap="flat" cmpd="sng" algn="ctr">
+        <a:ln w="6350" cap="flat" cmpd="sng" algn="in">
           <a:solidFill>
             <a:schemeClr val="phClr"/>
           </a:solidFill>
           <a:prstDash val="solid"/>
-          <a:miter lim="800000"/>
         </a:ln>
-        <a:ln w="12700" cap="flat" cmpd="sng" algn="ctr">
+        <a:ln w="12700" cap="flat" cmpd="sng" algn="in">
           <a:solidFill>
             <a:schemeClr val="phClr"/>
           </a:solidFill>
           <a:prstDash val="solid"/>
-          <a:miter lim="800000"/>
         </a:ln>
-        <a:ln w="19050" cap="flat" cmpd="sng" algn="ctr">
+        <a:ln w="50800" cap="flat" cmpd="sng" algn="in">
           <a:solidFill>
             <a:schemeClr val="phClr"/>
           </a:solidFill>
           <a:prstDash val="solid"/>
-          <a:miter lim="800000"/>
         </a:ln>
       </a:lnStyleLst>
       <a:effectStyleLst>
@@ -5426,9 +11434,9 @@
         </a:effectStyle>
         <a:effectStyle>
           <a:effectLst>
-            <a:outerShdw blurRad="57150" dist="19050" dir="5400000" algn="ctr" rotWithShape="0">
+            <a:outerShdw blurRad="38100" dist="25400" dir="5400000" algn="ctr" rotWithShape="0">
               <a:srgbClr val="000000">
-                <a:alpha val="63000"/>
+                <a:alpha val="25000"/>
               </a:srgbClr>
             </a:outerShdw>
           </a:effectLst>
@@ -5449,16 +11457,16 @@
             <a:gs pos="0">
               <a:schemeClr val="phClr">
                 <a:tint val="93000"/>
+                <a:shade val="98000"/>
                 <a:satMod val="150000"/>
-                <a:shade val="98000"/>
                 <a:lumMod val="102000"/>
               </a:schemeClr>
             </a:gs>
             <a:gs pos="50000">
               <a:schemeClr val="phClr">
                 <a:tint val="98000"/>
+                <a:shade val="90000"/>
                 <a:satMod val="130000"/>
-                <a:shade val="90000"/>
                 <a:lumMod val="103000"/>
               </a:schemeClr>
             </a:gs>
@@ -5478,7 +11486,7 @@
   <a:extraClrSchemeLst/>
   <a:extLst>
     <a:ext uri="{05A4C25C-085E-4340-85A3-A5531E510DB2}">
-      <thm15:themeFamily xmlns:thm15="http://schemas.microsoft.com/office/thememl/2012/main" name="Office Theme" id="{62F939B6-93AF-4DB8-9C6B-D6C7DFDC589F}" vid="{4A3C46E8-61CC-4603-A589-7422A47A8E4A}"/>
+      <thm15:themeFamily xmlns:thm15="http://schemas.microsoft.com/office/thememl/2012/main" name="Badge" id="{71A07785-5930-41D4-9A83-E23602B48E98}" vid="{771EA782-DFA6-45B1-AEA3-661F1715B310}"/>
     </a:ext>
   </a:extLst>
 </a:theme>

--- a/MOLSSIWorkshop2018.pptx
+++ b/MOLSSIWorkshop2018.pptx
@@ -17,13 +17,15 @@
     <p:sldId id="264" r:id="rId11"/>
     <p:sldId id="269" r:id="rId12"/>
     <p:sldId id="270" r:id="rId13"/>
-    <p:sldId id="271" r:id="rId14"/>
-    <p:sldId id="265" r:id="rId15"/>
-    <p:sldId id="272" r:id="rId16"/>
-    <p:sldId id="273" r:id="rId17"/>
-    <p:sldId id="274" r:id="rId18"/>
-    <p:sldId id="266" r:id="rId19"/>
-    <p:sldId id="267" r:id="rId20"/>
+    <p:sldId id="275" r:id="rId14"/>
+    <p:sldId id="271" r:id="rId15"/>
+    <p:sldId id="265" r:id="rId16"/>
+    <p:sldId id="272" r:id="rId17"/>
+    <p:sldId id="273" r:id="rId18"/>
+    <p:sldId id="274" r:id="rId19"/>
+    <p:sldId id="266" r:id="rId20"/>
+    <p:sldId id="267" r:id="rId21"/>
+    <p:sldId id="276" r:id="rId22"/>
   </p:sldIdLst>
   <p:sldSz cx="12192000" cy="6858000"/>
   <p:notesSz cx="6858000" cy="9144000"/>
@@ -1352,7 +1354,7 @@
           <a:p>
             <a:fld id="{F219F925-99BD-4AD1-A639-9652BFEDB5F5}" type="datetimeFigureOut">
               <a:rPr lang="en-US" smtClean="0"/>
-              <a:t>7/23/2018</a:t>
+              <a:t>7/23/18</a:t>
             </a:fld>
             <a:endParaRPr lang="en-US"/>
           </a:p>
@@ -1590,7 +1592,7 @@
           <a:p>
             <a:fld id="{F219F925-99BD-4AD1-A639-9652BFEDB5F5}" type="datetimeFigureOut">
               <a:rPr lang="en-US" smtClean="0"/>
-              <a:t>7/23/2018</a:t>
+              <a:t>7/23/18</a:t>
             </a:fld>
             <a:endParaRPr lang="en-US"/>
           </a:p>
@@ -1770,7 +1772,7 @@
           <a:p>
             <a:fld id="{F219F925-99BD-4AD1-A639-9652BFEDB5F5}" type="datetimeFigureOut">
               <a:rPr lang="en-US" smtClean="0"/>
-              <a:t>7/23/2018</a:t>
+              <a:t>7/23/18</a:t>
             </a:fld>
             <a:endParaRPr lang="en-US"/>
           </a:p>
@@ -1940,7 +1942,7 @@
           <a:p>
             <a:fld id="{F219F925-99BD-4AD1-A639-9652BFEDB5F5}" type="datetimeFigureOut">
               <a:rPr lang="en-US" smtClean="0"/>
-              <a:t>7/23/2018</a:t>
+              <a:t>7/23/18</a:t>
             </a:fld>
             <a:endParaRPr lang="en-US"/>
           </a:p>
@@ -2216,7 +2218,7 @@
           <a:p>
             <a:fld id="{F219F925-99BD-4AD1-A639-9652BFEDB5F5}" type="datetimeFigureOut">
               <a:rPr lang="en-US" smtClean="0"/>
-              <a:t>7/23/2018</a:t>
+              <a:t>7/23/18</a:t>
             </a:fld>
             <a:endParaRPr lang="en-US"/>
           </a:p>
@@ -3417,7 +3419,7 @@
           <a:p>
             <a:fld id="{F219F925-99BD-4AD1-A639-9652BFEDB5F5}" type="datetimeFigureOut">
               <a:rPr lang="en-US" smtClean="0"/>
-              <a:t>7/23/2018</a:t>
+              <a:t>7/23/18</a:t>
             </a:fld>
             <a:endParaRPr lang="en-US"/>
           </a:p>
@@ -3807,7 +3809,7 @@
           <a:p>
             <a:fld id="{F219F925-99BD-4AD1-A639-9652BFEDB5F5}" type="datetimeFigureOut">
               <a:rPr lang="en-US" smtClean="0"/>
-              <a:t>7/23/2018</a:t>
+              <a:t>7/23/18</a:t>
             </a:fld>
             <a:endParaRPr lang="en-US"/>
           </a:p>
@@ -3930,7 +3932,7 @@
           <a:p>
             <a:fld id="{F219F925-99BD-4AD1-A639-9652BFEDB5F5}" type="datetimeFigureOut">
               <a:rPr lang="en-US" smtClean="0"/>
-              <a:t>7/23/2018</a:t>
+              <a:t>7/23/18</a:t>
             </a:fld>
             <a:endParaRPr lang="en-US"/>
           </a:p>
@@ -4025,7 +4027,7 @@
           <a:p>
             <a:fld id="{F219F925-99BD-4AD1-A639-9652BFEDB5F5}" type="datetimeFigureOut">
               <a:rPr lang="en-US" smtClean="0"/>
-              <a:t>7/23/2018</a:t>
+              <a:t>7/23/18</a:t>
             </a:fld>
             <a:endParaRPr lang="en-US"/>
           </a:p>
@@ -4788,7 +4790,7 @@
           <a:p>
             <a:fld id="{F219F925-99BD-4AD1-A639-9652BFEDB5F5}" type="datetimeFigureOut">
               <a:rPr lang="en-US" smtClean="0"/>
-              <a:t>7/23/2018</a:t>
+              <a:t>7/23/18</a:t>
             </a:fld>
             <a:endParaRPr lang="en-US"/>
           </a:p>
@@ -5628,7 +5630,7 @@
           <a:p>
             <a:fld id="{F219F925-99BD-4AD1-A639-9652BFEDB5F5}" type="datetimeFigureOut">
               <a:rPr lang="en-US" smtClean="0"/>
-              <a:t>7/23/2018</a:t>
+              <a:t>7/23/18</a:t>
             </a:fld>
             <a:endParaRPr lang="en-US"/>
           </a:p>
@@ -5855,7 +5857,7 @@
           <a:p>
             <a:fld id="{F219F925-99BD-4AD1-A639-9652BFEDB5F5}" type="datetimeFigureOut">
               <a:rPr lang="en-US" smtClean="0"/>
-              <a:t>7/23/2018</a:t>
+              <a:t>7/23/18</a:t>
             </a:fld>
             <a:endParaRPr lang="en-US"/>
           </a:p>
@@ -6859,7 +6861,7 @@
           <p:cNvPr id="2" name="Title 1">
             <a:extLst>
               <a:ext uri="{FF2B5EF4-FFF2-40B4-BE49-F238E27FC236}">
-                <a16:creationId xmlns:a16="http://schemas.microsoft.com/office/drawing/2014/main" id="{A7A67B7D-C792-441F-A0FE-D6881281E236}"/>
+                <a16:creationId xmlns:a16="http://schemas.microsoft.com/office/drawing/2014/main" xmlns="" id="{A7A67B7D-C792-441F-A0FE-D6881281E236}"/>
               </a:ext>
             </a:extLst>
           </p:cNvPr>
@@ -6911,6 +6913,10 @@
               <a:rPr lang="en-US" sz="4000" dirty="0" err="1"/>
               <a:t>MDTraj</a:t>
             </a:r>
+            <a:r>
+              <a:rPr lang="en-US" sz="4000" dirty="0"/>
+              <a:t/>
+            </a:r>
             <a:br>
               <a:rPr lang="en-US" sz="4000" dirty="0"/>
             </a:br>
@@ -6927,7 +6933,7 @@
           <p:cNvPr id="3" name="Subtitle 2">
             <a:extLst>
               <a:ext uri="{FF2B5EF4-FFF2-40B4-BE49-F238E27FC236}">
-                <a16:creationId xmlns:a16="http://schemas.microsoft.com/office/drawing/2014/main" id="{B1A04ADF-AE9B-4049-B8B6-9FC7DED668FE}"/>
+                <a16:creationId xmlns:a16="http://schemas.microsoft.com/office/drawing/2014/main" xmlns="" id="{B1A04ADF-AE9B-4049-B8B6-9FC7DED668FE}"/>
               </a:ext>
             </a:extLst>
           </p:cNvPr>
@@ -6968,6 +6974,13 @@
   <p:clrMapOvr>
     <a:masterClrMapping/>
   </p:clrMapOvr>
+  <p:timing>
+    <p:tnLst>
+      <p:par>
+        <p:cTn id="1" dur="indefinite" restart="never" nodeType="tmRoot"/>
+      </p:par>
+    </p:tnLst>
+  </p:timing>
 </p:sld>
 </file>
 
@@ -6993,7 +7006,7 @@
           <p:cNvPr id="2" name="Title 1">
             <a:extLst>
               <a:ext uri="{FF2B5EF4-FFF2-40B4-BE49-F238E27FC236}">
-                <a16:creationId xmlns:a16="http://schemas.microsoft.com/office/drawing/2014/main" id="{4BDA6FF0-6EEA-4962-A2F1-B141B4E01550}"/>
+                <a16:creationId xmlns:a16="http://schemas.microsoft.com/office/drawing/2014/main" xmlns="" id="{4BDA6FF0-6EEA-4962-A2F1-B141B4E01550}"/>
               </a:ext>
             </a:extLst>
           </p:cNvPr>
@@ -7019,18 +7032,12 @@
       </p:sp>
       <p:sp>
         <p:nvSpPr>
-          <p:cNvPr id="3" name="Content Placeholder 2">
-            <a:extLst>
-              <a:ext uri="{FF2B5EF4-FFF2-40B4-BE49-F238E27FC236}">
-                <a16:creationId xmlns:a16="http://schemas.microsoft.com/office/drawing/2014/main" id="{63817A70-3B9D-4B3D-8FA6-5A5F51EA6AE8}"/>
-              </a:ext>
-            </a:extLst>
-          </p:cNvPr>
+          <p:cNvPr id="6" name="Text Placeholder 5"/>
           <p:cNvSpPr>
             <a:spLocks noGrp="1"/>
           </p:cNvSpPr>
           <p:nvPr>
-            <p:ph sz="half" idx="1"/>
+            <p:ph type="body" idx="1"/>
           </p:nvPr>
         </p:nvSpPr>
         <p:spPr/>
@@ -7039,33 +7046,19 @@
           <a:lstStyle/>
           <a:p>
             <a:r>
-              <a:rPr lang="en-US" dirty="0"/>
-              <a:t>Molecular mechanics and forcefield calculator able to do molecular dynamics under python and C++ languages.</a:t>
-            </a:r>
-          </a:p>
-          <a:p>
-            <a:r>
-              <a:rPr lang="en-US" dirty="0"/>
-              <a:t>Freeware that has many incorporated files for easy use</a:t>
-            </a:r>
-          </a:p>
-          <a:p>
-            <a:endParaRPr lang="en-US" dirty="0"/>
-          </a:p>
-          <a:p>
-            <a:endParaRPr lang="en-US" dirty="0"/>
-          </a:p>
-          <a:p>
+              <a:rPr lang="en-US" dirty="0" smtClean="0"/>
+              <a:t>What Is it?</a:t>
+            </a:r>
             <a:endParaRPr lang="en-US" dirty="0"/>
           </a:p>
         </p:txBody>
       </p:sp>
       <p:sp>
         <p:nvSpPr>
-          <p:cNvPr id="4" name="Content Placeholder 3">
+          <p:cNvPr id="3" name="Content Placeholder 2">
             <a:extLst>
               <a:ext uri="{FF2B5EF4-FFF2-40B4-BE49-F238E27FC236}">
-                <a16:creationId xmlns:a16="http://schemas.microsoft.com/office/drawing/2014/main" id="{253DFDA4-316C-4E18-9AB1-AE29ECF2B2C9}"/>
+                <a16:creationId xmlns:a16="http://schemas.microsoft.com/office/drawing/2014/main" xmlns="" id="{63817A70-3B9D-4B3D-8FA6-5A5F51EA6AE8}"/>
               </a:ext>
             </a:extLst>
           </p:cNvPr>
@@ -7081,62 +7074,16 @@
           <a:bodyPr/>
           <a:lstStyle/>
           <a:p>
-            <a:pPr marL="0" indent="0">
-              <a:buNone/>
-            </a:pPr>
             <a:r>
               <a:rPr lang="en-US" dirty="0"/>
-              <a:t>Integrators</a:t>
+              <a:t>Molecular mechanics and forcefield calculator able to do molecular dynamics under python and C++ languages.</a:t>
             </a:r>
           </a:p>
           <a:p>
             <a:r>
               <a:rPr lang="en-US" dirty="0"/>
-              <a:t>Langevin Integrator</a:t>
-            </a:r>
-          </a:p>
-          <a:p>
-            <a:r>
-              <a:rPr lang="en-US" dirty="0"/>
-              <a:t>VVVR Integrator</a:t>
-            </a:r>
-          </a:p>
-          <a:p>
-            <a:r>
-              <a:rPr lang="en-US" dirty="0"/>
-              <a:t>BAOAB Integrator</a:t>
-            </a:r>
-          </a:p>
-          <a:p>
-            <a:r>
-              <a:rPr lang="en-US" dirty="0"/>
-              <a:t>Generalized hybrid Monte Carlo</a:t>
-            </a:r>
-          </a:p>
-          <a:p>
-            <a:pPr marL="0" indent="0">
-              <a:buNone/>
-            </a:pPr>
-            <a:r>
-              <a:rPr lang="en-US" dirty="0"/>
-              <a:t>Force Fields</a:t>
-            </a:r>
-          </a:p>
-          <a:p>
-            <a:r>
-              <a:rPr lang="en-US" dirty="0" err="1"/>
-              <a:t>Charmm</a:t>
-            </a:r>
-            <a:r>
-              <a:rPr lang="en-US" dirty="0"/>
-              <a:t> and Amber Force Fields</a:t>
-            </a:r>
-          </a:p>
-          <a:p>
-            <a:endParaRPr lang="en-US" dirty="0"/>
-          </a:p>
-          <a:p>
-            <a:endParaRPr lang="en-US" dirty="0"/>
+              <a:t>Freeware that has many incorporated files for easy use</a:t>
+            </a:r>
           </a:p>
           <a:p>
             <a:endParaRPr lang="en-US" dirty="0"/>
@@ -7149,6 +7096,133 @@
           </a:p>
         </p:txBody>
       </p:sp>
+      <p:sp>
+        <p:nvSpPr>
+          <p:cNvPr id="7" name="Text Placeholder 6"/>
+          <p:cNvSpPr>
+            <a:spLocks noGrp="1"/>
+          </p:cNvSpPr>
+          <p:nvPr>
+            <p:ph type="body" sz="quarter" idx="3"/>
+          </p:nvPr>
+        </p:nvSpPr>
+        <p:spPr/>
+        <p:txBody>
+          <a:bodyPr/>
+          <a:lstStyle/>
+          <a:p>
+            <a:r>
+              <a:rPr lang="en-US" dirty="0" smtClean="0"/>
+              <a:t>Benefits</a:t>
+            </a:r>
+            <a:endParaRPr lang="en-US" dirty="0"/>
+          </a:p>
+        </p:txBody>
+      </p:sp>
+      <p:sp>
+        <p:nvSpPr>
+          <p:cNvPr id="4" name="Content Placeholder 3">
+            <a:extLst>
+              <a:ext uri="{FF2B5EF4-FFF2-40B4-BE49-F238E27FC236}">
+                <a16:creationId xmlns:a16="http://schemas.microsoft.com/office/drawing/2014/main" xmlns="" id="{253DFDA4-316C-4E18-9AB1-AE29ECF2B2C9}"/>
+              </a:ext>
+            </a:extLst>
+          </p:cNvPr>
+          <p:cNvSpPr>
+            <a:spLocks noGrp="1"/>
+          </p:cNvSpPr>
+          <p:nvPr>
+            <p:ph sz="quarter" idx="4"/>
+          </p:nvPr>
+        </p:nvSpPr>
+        <p:spPr/>
+        <p:txBody>
+          <a:bodyPr>
+            <a:normAutofit lnSpcReduction="10000"/>
+          </a:bodyPr>
+          <a:lstStyle/>
+          <a:p>
+            <a:r>
+              <a:rPr lang="en-US" dirty="0" smtClean="0"/>
+              <a:t>Implemented through python script</a:t>
+            </a:r>
+          </a:p>
+          <a:p>
+            <a:r>
+              <a:rPr lang="en-US" dirty="0" smtClean="0"/>
+              <a:t>Flexible for customizable input files for force fields and topology</a:t>
+            </a:r>
+          </a:p>
+          <a:p>
+            <a:r>
+              <a:rPr lang="en-US" dirty="0" smtClean="0"/>
+              <a:t>Constantly being updated by both scientists and software engineers through </a:t>
+            </a:r>
+            <a:r>
+              <a:rPr lang="en-US" dirty="0" err="1" smtClean="0"/>
+              <a:t>GitHub</a:t>
+            </a:r>
+            <a:endParaRPr lang="en-US" dirty="0" smtClean="0"/>
+          </a:p>
+          <a:p>
+            <a:r>
+              <a:rPr lang="en-US" dirty="0" smtClean="0"/>
+              <a:t>Can now be implemented on GPUs, which are much faster.</a:t>
+            </a:r>
+            <a:endParaRPr lang="en-US" dirty="0"/>
+          </a:p>
+          <a:p>
+            <a:endParaRPr lang="en-US" dirty="0"/>
+          </a:p>
+          <a:p>
+            <a:endParaRPr lang="en-US" dirty="0"/>
+          </a:p>
+          <a:p>
+            <a:endParaRPr lang="en-US" dirty="0"/>
+          </a:p>
+          <a:p>
+            <a:endParaRPr lang="en-US" dirty="0"/>
+          </a:p>
+        </p:txBody>
+      </p:sp>
+      <p:pic>
+        <p:nvPicPr>
+          <p:cNvPr id="5" name="Picture 4"/>
+          <p:cNvPicPr>
+            <a:picLocks noChangeAspect="1"/>
+          </p:cNvPicPr>
+          <p:nvPr/>
+        </p:nvPicPr>
+        <p:blipFill>
+          <a:blip r:embed="rId2"/>
+          <a:stretch>
+            <a:fillRect/>
+          </a:stretch>
+        </p:blipFill>
+        <p:spPr>
+          <a:xfrm>
+            <a:off x="8889166" y="381000"/>
+            <a:ext cx="2559229" cy="1914303"/>
+          </a:xfrm>
+          <a:prstGeom prst="rect">
+            <a:avLst/>
+          </a:prstGeom>
+          <a:ln w="38100" cap="sq">
+            <a:solidFill>
+              <a:srgbClr val="000000"/>
+            </a:solidFill>
+            <a:prstDash val="solid"/>
+            <a:miter lim="800000"/>
+          </a:ln>
+          <a:effectLst>
+            <a:outerShdw blurRad="50800" dist="38100" dir="2700000" algn="tl" rotWithShape="0">
+              <a:srgbClr val="000000">
+                <a:alpha val="43000"/>
+              </a:srgbClr>
+            </a:outerShdw>
+          </a:effectLst>
+        </p:spPr>
+      </p:pic>
     </p:spTree>
     <p:extLst>
       <p:ext uri="{BB962C8B-B14F-4D97-AF65-F5344CB8AC3E}">
@@ -7159,6 +7233,13 @@
   <p:clrMapOvr>
     <a:masterClrMapping/>
   </p:clrMapOvr>
+  <p:timing>
+    <p:tnLst>
+      <p:par>
+        <p:cTn id="1" dur="indefinite" restart="never" nodeType="tmRoot"/>
+      </p:par>
+    </p:tnLst>
+  </p:timing>
 </p:sld>
 </file>
 
@@ -7184,7 +7265,7 @@
           <p:cNvPr id="2" name="Title 1">
             <a:extLst>
               <a:ext uri="{FF2B5EF4-FFF2-40B4-BE49-F238E27FC236}">
-                <a16:creationId xmlns:a16="http://schemas.microsoft.com/office/drawing/2014/main" id="{D3F4914E-51E3-4B72-9F3C-F9635B68DB01}"/>
+                <a16:creationId xmlns:a16="http://schemas.microsoft.com/office/drawing/2014/main" xmlns="" id="{D3F4914E-51E3-4B72-9F3C-F9635B68DB01}"/>
               </a:ext>
             </a:extLst>
           </p:cNvPr>
@@ -7213,7 +7294,7 @@
           <p:cNvPr id="3" name="Content Placeholder 2">
             <a:extLst>
               <a:ext uri="{FF2B5EF4-FFF2-40B4-BE49-F238E27FC236}">
-                <a16:creationId xmlns:a16="http://schemas.microsoft.com/office/drawing/2014/main" id="{FF6FA96B-E51F-4F9E-A65A-D47AF95F1FA4}"/>
+                <a16:creationId xmlns:a16="http://schemas.microsoft.com/office/drawing/2014/main" xmlns="" id="{FF6FA96B-E51F-4F9E-A65A-D47AF95F1FA4}"/>
               </a:ext>
             </a:extLst>
           </p:cNvPr>
@@ -7226,8 +7307,8 @@
         </p:nvSpPr>
         <p:spPr>
           <a:xfrm>
-            <a:off x="838199" y="1825625"/>
-            <a:ext cx="8315326" cy="4351338"/>
+            <a:off x="1257300" y="2286000"/>
+            <a:ext cx="6012930" cy="4351338"/>
           </a:xfrm>
         </p:spPr>
         <p:txBody>
@@ -7418,6 +7499,572 @@
           </a:p>
         </p:txBody>
       </p:sp>
+      <p:grpSp>
+        <p:nvGrpSpPr>
+          <p:cNvPr id="28" name="Group 27"/>
+          <p:cNvGrpSpPr/>
+          <p:nvPr/>
+        </p:nvGrpSpPr>
+        <p:grpSpPr>
+          <a:xfrm>
+            <a:off x="5741231" y="716968"/>
+            <a:ext cx="5441431" cy="1756409"/>
+            <a:chOff x="5741231" y="716968"/>
+            <a:chExt cx="5441431" cy="1756409"/>
+          </a:xfrm>
+        </p:grpSpPr>
+        <p:cxnSp>
+          <p:nvCxnSpPr>
+            <p:cNvPr id="4" name="Straight Arrow Connector 3"/>
+            <p:cNvCxnSpPr/>
+            <p:nvPr/>
+          </p:nvCxnSpPr>
+          <p:spPr>
+            <a:xfrm flipH="1">
+              <a:off x="5741231" y="1128451"/>
+              <a:ext cx="2459736" cy="1344926"/>
+            </a:xfrm>
+            <a:prstGeom prst="straightConnector1">
+              <a:avLst/>
+            </a:prstGeom>
+            <a:ln w="38100">
+              <a:tailEnd type="triangle"/>
+            </a:ln>
+          </p:spPr>
+          <p:style>
+            <a:lnRef idx="1">
+              <a:schemeClr val="accent1"/>
+            </a:lnRef>
+            <a:fillRef idx="0">
+              <a:schemeClr val="accent1"/>
+            </a:fillRef>
+            <a:effectRef idx="0">
+              <a:schemeClr val="accent1"/>
+            </a:effectRef>
+            <a:fontRef idx="minor">
+              <a:schemeClr val="tx1"/>
+            </a:fontRef>
+          </p:style>
+        </p:cxnSp>
+        <p:sp>
+          <p:nvSpPr>
+            <p:cNvPr id="20" name="TextBox 19"/>
+            <p:cNvSpPr txBox="1"/>
+            <p:nvPr/>
+          </p:nvSpPr>
+          <p:spPr>
+            <a:xfrm>
+              <a:off x="8514413" y="716968"/>
+              <a:ext cx="2668249" cy="923330"/>
+            </a:xfrm>
+            <a:prstGeom prst="rect">
+              <a:avLst/>
+            </a:prstGeom>
+            <a:noFill/>
+          </p:spPr>
+          <p:txBody>
+            <a:bodyPr wrap="square" rtlCol="0">
+              <a:spAutoFit/>
+            </a:bodyPr>
+            <a:lstStyle/>
+            <a:p>
+              <a:r>
+                <a:rPr lang="en-US" dirty="0" err="1" smtClean="0"/>
+                <a:t>Creats</a:t>
+              </a:r>
+              <a:r>
+                <a:rPr lang="en-US" dirty="0" smtClean="0"/>
+                <a:t> small function app for many specific purposes throughout </a:t>
+              </a:r>
+              <a:r>
+                <a:rPr lang="en-US" dirty="0" err="1" smtClean="0"/>
+                <a:t>OpenMM</a:t>
+              </a:r>
+              <a:endParaRPr lang="en-US" dirty="0"/>
+            </a:p>
+          </p:txBody>
+        </p:sp>
+      </p:grpSp>
+      <p:grpSp>
+        <p:nvGrpSpPr>
+          <p:cNvPr id="29" name="Group 28"/>
+          <p:cNvGrpSpPr/>
+          <p:nvPr/>
+        </p:nvGrpSpPr>
+        <p:grpSpPr>
+          <a:xfrm>
+            <a:off x="5396458" y="1948721"/>
+            <a:ext cx="6033542" cy="1009742"/>
+            <a:chOff x="5396458" y="1948721"/>
+            <a:chExt cx="6033542" cy="1009742"/>
+          </a:xfrm>
+        </p:grpSpPr>
+        <p:cxnSp>
+          <p:nvCxnSpPr>
+            <p:cNvPr id="5" name="Straight Arrow Connector 4"/>
+            <p:cNvCxnSpPr/>
+            <p:nvPr/>
+          </p:nvCxnSpPr>
+          <p:spPr>
+            <a:xfrm flipH="1">
+              <a:off x="5396458" y="2286000"/>
+              <a:ext cx="2804509" cy="672463"/>
+            </a:xfrm>
+            <a:prstGeom prst="straightConnector1">
+              <a:avLst/>
+            </a:prstGeom>
+            <a:ln w="38100">
+              <a:tailEnd type="triangle"/>
+            </a:ln>
+          </p:spPr>
+          <p:style>
+            <a:lnRef idx="1">
+              <a:schemeClr val="accent1"/>
+            </a:lnRef>
+            <a:fillRef idx="0">
+              <a:schemeClr val="accent1"/>
+            </a:fillRef>
+            <a:effectRef idx="0">
+              <a:schemeClr val="accent1"/>
+            </a:effectRef>
+            <a:fontRef idx="minor">
+              <a:schemeClr val="tx1"/>
+            </a:fontRef>
+          </p:style>
+        </p:cxnSp>
+        <p:sp>
+          <p:nvSpPr>
+            <p:cNvPr id="21" name="TextBox 20"/>
+            <p:cNvSpPr txBox="1"/>
+            <p:nvPr/>
+          </p:nvSpPr>
+          <p:spPr>
+            <a:xfrm>
+              <a:off x="8514413" y="1948721"/>
+              <a:ext cx="2915587" cy="369332"/>
+            </a:xfrm>
+            <a:prstGeom prst="rect">
+              <a:avLst/>
+            </a:prstGeom>
+            <a:noFill/>
+          </p:spPr>
+          <p:txBody>
+            <a:bodyPr wrap="square" rtlCol="0">
+              <a:spAutoFit/>
+            </a:bodyPr>
+            <a:lstStyle/>
+            <a:p>
+              <a:r>
+                <a:rPr lang="en-US" dirty="0" smtClean="0"/>
+                <a:t>Imports main program</a:t>
+              </a:r>
+              <a:endParaRPr lang="en-US" dirty="0"/>
+            </a:p>
+          </p:txBody>
+        </p:sp>
+      </p:grpSp>
+      <p:grpSp>
+        <p:nvGrpSpPr>
+          <p:cNvPr id="30" name="Group 29"/>
+          <p:cNvGrpSpPr/>
+          <p:nvPr/>
+        </p:nvGrpSpPr>
+        <p:grpSpPr>
+          <a:xfrm>
+            <a:off x="4866132" y="2668249"/>
+            <a:ext cx="6563868" cy="720134"/>
+            <a:chOff x="4866132" y="2668249"/>
+            <a:chExt cx="6563868" cy="720134"/>
+          </a:xfrm>
+        </p:grpSpPr>
+        <p:cxnSp>
+          <p:nvCxnSpPr>
+            <p:cNvPr id="7" name="Straight Arrow Connector 6"/>
+            <p:cNvCxnSpPr/>
+            <p:nvPr/>
+          </p:nvCxnSpPr>
+          <p:spPr>
+            <a:xfrm flipH="1">
+              <a:off x="4866132" y="3072984"/>
+              <a:ext cx="3334835" cy="315399"/>
+            </a:xfrm>
+            <a:prstGeom prst="straightConnector1">
+              <a:avLst/>
+            </a:prstGeom>
+            <a:ln w="38100">
+              <a:tailEnd type="triangle"/>
+            </a:ln>
+          </p:spPr>
+          <p:style>
+            <a:lnRef idx="1">
+              <a:schemeClr val="accent1"/>
+            </a:lnRef>
+            <a:fillRef idx="0">
+              <a:schemeClr val="accent1"/>
+            </a:fillRef>
+            <a:effectRef idx="0">
+              <a:schemeClr val="accent1"/>
+            </a:effectRef>
+            <a:fontRef idx="minor">
+              <a:schemeClr val="tx1"/>
+            </a:fontRef>
+          </p:style>
+        </p:cxnSp>
+        <p:sp>
+          <p:nvSpPr>
+            <p:cNvPr id="22" name="TextBox 21"/>
+            <p:cNvSpPr txBox="1"/>
+            <p:nvPr/>
+          </p:nvSpPr>
+          <p:spPr>
+            <a:xfrm>
+              <a:off x="8349521" y="2668249"/>
+              <a:ext cx="3080479" cy="646331"/>
+            </a:xfrm>
+            <a:prstGeom prst="rect">
+              <a:avLst/>
+            </a:prstGeom>
+            <a:noFill/>
+          </p:spPr>
+          <p:txBody>
+            <a:bodyPr wrap="square" rtlCol="0">
+              <a:spAutoFit/>
+            </a:bodyPr>
+            <a:lstStyle/>
+            <a:p>
+              <a:r>
+                <a:rPr lang="en-US" dirty="0" smtClean="0"/>
+                <a:t>Imports units for good </a:t>
+              </a:r>
+              <a:r>
+                <a:rPr lang="en-US" dirty="0" err="1" smtClean="0"/>
+                <a:t>converstions</a:t>
+              </a:r>
+              <a:endParaRPr lang="en-US" dirty="0"/>
+            </a:p>
+          </p:txBody>
+        </p:sp>
+      </p:grpSp>
+      <p:grpSp>
+        <p:nvGrpSpPr>
+          <p:cNvPr id="31" name="Group 30"/>
+          <p:cNvGrpSpPr/>
+          <p:nvPr/>
+        </p:nvGrpSpPr>
+        <p:grpSpPr>
+          <a:xfrm>
+            <a:off x="4866133" y="3597639"/>
+            <a:ext cx="6706274" cy="646331"/>
+            <a:chOff x="4866133" y="3597639"/>
+            <a:chExt cx="6706274" cy="646331"/>
+          </a:xfrm>
+        </p:grpSpPr>
+        <p:cxnSp>
+          <p:nvCxnSpPr>
+            <p:cNvPr id="9" name="Straight Arrow Connector 8"/>
+            <p:cNvCxnSpPr/>
+            <p:nvPr/>
+          </p:nvCxnSpPr>
+          <p:spPr>
+            <a:xfrm flipH="1" flipV="1">
+              <a:off x="4866133" y="3771681"/>
+              <a:ext cx="3334834" cy="40988"/>
+            </a:xfrm>
+            <a:prstGeom prst="straightConnector1">
+              <a:avLst/>
+            </a:prstGeom>
+            <a:ln w="38100">
+              <a:tailEnd type="triangle"/>
+            </a:ln>
+          </p:spPr>
+          <p:style>
+            <a:lnRef idx="1">
+              <a:schemeClr val="accent1"/>
+            </a:lnRef>
+            <a:fillRef idx="0">
+              <a:schemeClr val="accent1"/>
+            </a:fillRef>
+            <a:effectRef idx="0">
+              <a:schemeClr val="accent1"/>
+            </a:effectRef>
+            <a:fontRef idx="minor">
+              <a:schemeClr val="tx1"/>
+            </a:fontRef>
+          </p:style>
+        </p:cxnSp>
+        <p:sp>
+          <p:nvSpPr>
+            <p:cNvPr id="23" name="TextBox 22"/>
+            <p:cNvSpPr txBox="1"/>
+            <p:nvPr/>
+          </p:nvSpPr>
+          <p:spPr>
+            <a:xfrm>
+              <a:off x="8349521" y="3597639"/>
+              <a:ext cx="3222886" cy="646331"/>
+            </a:xfrm>
+            <a:prstGeom prst="rect">
+              <a:avLst/>
+            </a:prstGeom>
+            <a:noFill/>
+          </p:spPr>
+          <p:txBody>
+            <a:bodyPr wrap="square" rtlCol="0">
+              <a:spAutoFit/>
+            </a:bodyPr>
+            <a:lstStyle/>
+            <a:p>
+              <a:r>
+                <a:rPr lang="en-US" dirty="0" err="1" smtClean="0"/>
+                <a:t>Creats</a:t>
+              </a:r>
+              <a:r>
+                <a:rPr lang="en-US" dirty="0" smtClean="0"/>
+                <a:t> a thingy for printing output to screen</a:t>
+              </a:r>
+              <a:endParaRPr lang="en-US" dirty="0"/>
+            </a:p>
+          </p:txBody>
+        </p:sp>
+      </p:grpSp>
+      <p:grpSp>
+        <p:nvGrpSpPr>
+          <p:cNvPr id="32" name="Group 31"/>
+          <p:cNvGrpSpPr/>
+          <p:nvPr/>
+        </p:nvGrpSpPr>
+        <p:grpSpPr>
+          <a:xfrm>
+            <a:off x="4430741" y="4302341"/>
+            <a:ext cx="7486438" cy="369332"/>
+            <a:chOff x="4430741" y="4302341"/>
+            <a:chExt cx="7486438" cy="369332"/>
+          </a:xfrm>
+        </p:grpSpPr>
+        <p:cxnSp>
+          <p:nvCxnSpPr>
+            <p:cNvPr id="11" name="Straight Arrow Connector 10"/>
+            <p:cNvCxnSpPr/>
+            <p:nvPr/>
+          </p:nvCxnSpPr>
+          <p:spPr>
+            <a:xfrm flipH="1" flipV="1">
+              <a:off x="4430741" y="4302341"/>
+              <a:ext cx="3648957" cy="260980"/>
+            </a:xfrm>
+            <a:prstGeom prst="straightConnector1">
+              <a:avLst/>
+            </a:prstGeom>
+            <a:ln w="38100">
+              <a:tailEnd type="triangle"/>
+            </a:ln>
+          </p:spPr>
+          <p:style>
+            <a:lnRef idx="1">
+              <a:schemeClr val="accent1"/>
+            </a:lnRef>
+            <a:fillRef idx="0">
+              <a:schemeClr val="accent1"/>
+            </a:fillRef>
+            <a:effectRef idx="0">
+              <a:schemeClr val="accent1"/>
+            </a:effectRef>
+            <a:fontRef idx="minor">
+              <a:schemeClr val="tx1"/>
+            </a:fontRef>
+          </p:style>
+        </p:cxnSp>
+        <p:sp>
+          <p:nvSpPr>
+            <p:cNvPr id="25" name="TextBox 24"/>
+            <p:cNvSpPr txBox="1"/>
+            <p:nvPr/>
+          </p:nvSpPr>
+          <p:spPr>
+            <a:xfrm>
+              <a:off x="8079698" y="4302341"/>
+              <a:ext cx="3837481" cy="369332"/>
+            </a:xfrm>
+            <a:prstGeom prst="rect">
+              <a:avLst/>
+            </a:prstGeom>
+            <a:noFill/>
+          </p:spPr>
+          <p:txBody>
+            <a:bodyPr wrap="square" rtlCol="0">
+              <a:spAutoFit/>
+            </a:bodyPr>
+            <a:lstStyle/>
+            <a:p>
+              <a:r>
+                <a:rPr lang="en-US" smtClean="0"/>
+                <a:t>Time is a tool you can put on the wall</a:t>
+              </a:r>
+              <a:endParaRPr lang="en-US"/>
+            </a:p>
+          </p:txBody>
+        </p:sp>
+      </p:grpSp>
+      <p:grpSp>
+        <p:nvGrpSpPr>
+          <p:cNvPr id="33" name="Group 32"/>
+          <p:cNvGrpSpPr/>
+          <p:nvPr/>
+        </p:nvGrpSpPr>
+        <p:grpSpPr>
+          <a:xfrm>
+            <a:off x="5741231" y="4821411"/>
+            <a:ext cx="6071018" cy="369332"/>
+            <a:chOff x="5741231" y="4821411"/>
+            <a:chExt cx="6071018" cy="369332"/>
+          </a:xfrm>
+        </p:grpSpPr>
+        <p:cxnSp>
+          <p:nvCxnSpPr>
+            <p:cNvPr id="13" name="Straight Arrow Connector 12"/>
+            <p:cNvCxnSpPr/>
+            <p:nvPr/>
+          </p:nvCxnSpPr>
+          <p:spPr>
+            <a:xfrm flipH="1" flipV="1">
+              <a:off x="5741231" y="4974804"/>
+              <a:ext cx="2773182" cy="78189"/>
+            </a:xfrm>
+            <a:prstGeom prst="straightConnector1">
+              <a:avLst/>
+            </a:prstGeom>
+            <a:ln w="38100">
+              <a:tailEnd type="triangle"/>
+            </a:ln>
+          </p:spPr>
+          <p:style>
+            <a:lnRef idx="1">
+              <a:schemeClr val="accent1"/>
+            </a:lnRef>
+            <a:fillRef idx="0">
+              <a:schemeClr val="accent1"/>
+            </a:fillRef>
+            <a:effectRef idx="0">
+              <a:schemeClr val="accent1"/>
+            </a:effectRef>
+            <a:fontRef idx="minor">
+              <a:schemeClr val="tx1"/>
+            </a:fontRef>
+          </p:style>
+        </p:cxnSp>
+        <p:sp>
+          <p:nvSpPr>
+            <p:cNvPr id="26" name="TextBox 25"/>
+            <p:cNvSpPr txBox="1"/>
+            <p:nvPr/>
+          </p:nvSpPr>
+          <p:spPr>
+            <a:xfrm>
+              <a:off x="8514413" y="4821411"/>
+              <a:ext cx="3297836" cy="369332"/>
+            </a:xfrm>
+            <a:prstGeom prst="rect">
+              <a:avLst/>
+            </a:prstGeom>
+            <a:noFill/>
+          </p:spPr>
+          <p:txBody>
+            <a:bodyPr wrap="square" rtlCol="0">
+              <a:spAutoFit/>
+            </a:bodyPr>
+            <a:lstStyle/>
+            <a:p>
+              <a:r>
+                <a:rPr lang="en-US" dirty="0" smtClean="0"/>
+                <a:t>Reads PDB file </a:t>
+              </a:r>
+              <a:r>
+                <a:rPr lang="en-US" smtClean="0"/>
+                <a:t>for topology</a:t>
+              </a:r>
+              <a:endParaRPr lang="en-US"/>
+            </a:p>
+          </p:txBody>
+        </p:sp>
+      </p:grpSp>
+      <p:grpSp>
+        <p:nvGrpSpPr>
+          <p:cNvPr id="34" name="Group 33"/>
+          <p:cNvGrpSpPr/>
+          <p:nvPr/>
+        </p:nvGrpSpPr>
+        <p:grpSpPr>
+          <a:xfrm>
+            <a:off x="7127823" y="5569078"/>
+            <a:ext cx="4486908" cy="646331"/>
+            <a:chOff x="7127823" y="5569078"/>
+            <a:chExt cx="4486908" cy="646331"/>
+          </a:xfrm>
+        </p:grpSpPr>
+        <p:cxnSp>
+          <p:nvCxnSpPr>
+            <p:cNvPr id="18" name="Straight Arrow Connector 17"/>
+            <p:cNvCxnSpPr/>
+            <p:nvPr/>
+          </p:nvCxnSpPr>
+          <p:spPr>
+            <a:xfrm flipH="1" flipV="1">
+              <a:off x="7127823" y="5569080"/>
+              <a:ext cx="1596452" cy="336420"/>
+            </a:xfrm>
+            <a:prstGeom prst="straightConnector1">
+              <a:avLst/>
+            </a:prstGeom>
+            <a:ln w="38100">
+              <a:tailEnd type="triangle"/>
+            </a:ln>
+          </p:spPr>
+          <p:style>
+            <a:lnRef idx="1">
+              <a:schemeClr val="accent1"/>
+            </a:lnRef>
+            <a:fillRef idx="0">
+              <a:schemeClr val="accent1"/>
+            </a:fillRef>
+            <a:effectRef idx="0">
+              <a:schemeClr val="accent1"/>
+            </a:effectRef>
+            <a:fontRef idx="minor">
+              <a:schemeClr val="tx1"/>
+            </a:fontRef>
+          </p:style>
+        </p:cxnSp>
+        <p:sp>
+          <p:nvSpPr>
+            <p:cNvPr id="27" name="TextBox 26"/>
+            <p:cNvSpPr txBox="1"/>
+            <p:nvPr/>
+          </p:nvSpPr>
+          <p:spPr>
+            <a:xfrm>
+              <a:off x="8889167" y="5569078"/>
+              <a:ext cx="2725564" cy="646331"/>
+            </a:xfrm>
+            <a:prstGeom prst="rect">
+              <a:avLst/>
+            </a:prstGeom>
+            <a:noFill/>
+          </p:spPr>
+          <p:txBody>
+            <a:bodyPr wrap="square" rtlCol="0">
+              <a:spAutoFit/>
+            </a:bodyPr>
+            <a:lstStyle/>
+            <a:p>
+              <a:r>
+                <a:rPr lang="en-US" dirty="0" smtClean="0"/>
+                <a:t>Reads force field for MM analysis</a:t>
+              </a:r>
+              <a:endParaRPr lang="en-US" dirty="0"/>
+            </a:p>
+          </p:txBody>
+        </p:sp>
+      </p:grpSp>
     </p:spTree>
     <p:extLst>
       <p:ext uri="{BB962C8B-B14F-4D97-AF65-F5344CB8AC3E}">
@@ -7428,6 +8075,673 @@
   <p:clrMapOvr>
     <a:masterClrMapping/>
   </p:clrMapOvr>
+  <p:timing>
+    <p:tnLst>
+      <p:par>
+        <p:cTn id="1" dur="indefinite" restart="never" nodeType="tmRoot">
+          <p:childTnLst>
+            <p:seq concurrent="1" nextAc="seek">
+              <p:cTn id="2" dur="indefinite" nodeType="mainSeq">
+                <p:childTnLst>
+                  <p:par>
+                    <p:cTn id="3" fill="hold">
+                      <p:stCondLst>
+                        <p:cond delay="indefinite"/>
+                      </p:stCondLst>
+                      <p:childTnLst>
+                        <p:par>
+                          <p:cTn id="4" fill="hold">
+                            <p:stCondLst>
+                              <p:cond delay="0"/>
+                            </p:stCondLst>
+                            <p:childTnLst>
+                              <p:par>
+                                <p:cTn id="5" presetID="2" presetClass="entr" presetSubtype="4" fill="hold" nodeType="clickEffect">
+                                  <p:stCondLst>
+                                    <p:cond delay="0"/>
+                                  </p:stCondLst>
+                                  <p:childTnLst>
+                                    <p:set>
+                                      <p:cBhvr>
+                                        <p:cTn id="6" dur="1" fill="hold">
+                                          <p:stCondLst>
+                                            <p:cond delay="0"/>
+                                          </p:stCondLst>
+                                        </p:cTn>
+                                        <p:tgtEl>
+                                          <p:spTgt spid="28"/>
+                                        </p:tgtEl>
+                                        <p:attrNameLst>
+                                          <p:attrName>style.visibility</p:attrName>
+                                        </p:attrNameLst>
+                                      </p:cBhvr>
+                                      <p:to>
+                                        <p:strVal val="visible"/>
+                                      </p:to>
+                                    </p:set>
+                                    <p:anim calcmode="lin" valueType="num">
+                                      <p:cBhvr additive="base">
+                                        <p:cTn id="7" dur="500" fill="hold"/>
+                                        <p:tgtEl>
+                                          <p:spTgt spid="28"/>
+                                        </p:tgtEl>
+                                        <p:attrNameLst>
+                                          <p:attrName>ppt_x</p:attrName>
+                                        </p:attrNameLst>
+                                      </p:cBhvr>
+                                      <p:tavLst>
+                                        <p:tav tm="0">
+                                          <p:val>
+                                            <p:strVal val="#ppt_x"/>
+                                          </p:val>
+                                        </p:tav>
+                                        <p:tav tm="100000">
+                                          <p:val>
+                                            <p:strVal val="#ppt_x"/>
+                                          </p:val>
+                                        </p:tav>
+                                      </p:tavLst>
+                                    </p:anim>
+                                    <p:anim calcmode="lin" valueType="num">
+                                      <p:cBhvr additive="base">
+                                        <p:cTn id="8" dur="500" fill="hold"/>
+                                        <p:tgtEl>
+                                          <p:spTgt spid="28"/>
+                                        </p:tgtEl>
+                                        <p:attrNameLst>
+                                          <p:attrName>ppt_y</p:attrName>
+                                        </p:attrNameLst>
+                                      </p:cBhvr>
+                                      <p:tavLst>
+                                        <p:tav tm="0">
+                                          <p:val>
+                                            <p:strVal val="1+#ppt_h/2"/>
+                                          </p:val>
+                                        </p:tav>
+                                        <p:tav tm="100000">
+                                          <p:val>
+                                            <p:strVal val="#ppt_y"/>
+                                          </p:val>
+                                        </p:tav>
+                                      </p:tavLst>
+                                    </p:anim>
+                                  </p:childTnLst>
+                                </p:cTn>
+                              </p:par>
+                            </p:childTnLst>
+                          </p:cTn>
+                        </p:par>
+                      </p:childTnLst>
+                    </p:cTn>
+                  </p:par>
+                  <p:par>
+                    <p:cTn id="9" fill="hold">
+                      <p:stCondLst>
+                        <p:cond delay="indefinite"/>
+                      </p:stCondLst>
+                      <p:childTnLst>
+                        <p:par>
+                          <p:cTn id="10" fill="hold">
+                            <p:stCondLst>
+                              <p:cond delay="0"/>
+                            </p:stCondLst>
+                            <p:childTnLst>
+                              <p:par>
+                                <p:cTn id="11" presetID="2" presetClass="entr" presetSubtype="4" fill="hold" nodeType="clickEffect">
+                                  <p:stCondLst>
+                                    <p:cond delay="0"/>
+                                  </p:stCondLst>
+                                  <p:childTnLst>
+                                    <p:set>
+                                      <p:cBhvr>
+                                        <p:cTn id="12" dur="1" fill="hold">
+                                          <p:stCondLst>
+                                            <p:cond delay="0"/>
+                                          </p:stCondLst>
+                                        </p:cTn>
+                                        <p:tgtEl>
+                                          <p:spTgt spid="29"/>
+                                        </p:tgtEl>
+                                        <p:attrNameLst>
+                                          <p:attrName>style.visibility</p:attrName>
+                                        </p:attrNameLst>
+                                      </p:cBhvr>
+                                      <p:to>
+                                        <p:strVal val="visible"/>
+                                      </p:to>
+                                    </p:set>
+                                    <p:anim calcmode="lin" valueType="num">
+                                      <p:cBhvr additive="base">
+                                        <p:cTn id="13" dur="500" fill="hold"/>
+                                        <p:tgtEl>
+                                          <p:spTgt spid="29"/>
+                                        </p:tgtEl>
+                                        <p:attrNameLst>
+                                          <p:attrName>ppt_x</p:attrName>
+                                        </p:attrNameLst>
+                                      </p:cBhvr>
+                                      <p:tavLst>
+                                        <p:tav tm="0">
+                                          <p:val>
+                                            <p:strVal val="#ppt_x"/>
+                                          </p:val>
+                                        </p:tav>
+                                        <p:tav tm="100000">
+                                          <p:val>
+                                            <p:strVal val="#ppt_x"/>
+                                          </p:val>
+                                        </p:tav>
+                                      </p:tavLst>
+                                    </p:anim>
+                                    <p:anim calcmode="lin" valueType="num">
+                                      <p:cBhvr additive="base">
+                                        <p:cTn id="14" dur="500" fill="hold"/>
+                                        <p:tgtEl>
+                                          <p:spTgt spid="29"/>
+                                        </p:tgtEl>
+                                        <p:attrNameLst>
+                                          <p:attrName>ppt_y</p:attrName>
+                                        </p:attrNameLst>
+                                      </p:cBhvr>
+                                      <p:tavLst>
+                                        <p:tav tm="0">
+                                          <p:val>
+                                            <p:strVal val="1+#ppt_h/2"/>
+                                          </p:val>
+                                        </p:tav>
+                                        <p:tav tm="100000">
+                                          <p:val>
+                                            <p:strVal val="#ppt_y"/>
+                                          </p:val>
+                                        </p:tav>
+                                      </p:tavLst>
+                                    </p:anim>
+                                  </p:childTnLst>
+                                </p:cTn>
+                              </p:par>
+                            </p:childTnLst>
+                          </p:cTn>
+                        </p:par>
+                      </p:childTnLst>
+                    </p:cTn>
+                  </p:par>
+                  <p:par>
+                    <p:cTn id="15" fill="hold">
+                      <p:stCondLst>
+                        <p:cond delay="indefinite"/>
+                      </p:stCondLst>
+                      <p:childTnLst>
+                        <p:par>
+                          <p:cTn id="16" fill="hold">
+                            <p:stCondLst>
+                              <p:cond delay="0"/>
+                            </p:stCondLst>
+                            <p:childTnLst>
+                              <p:par>
+                                <p:cTn id="17" presetID="2" presetClass="entr" presetSubtype="4" fill="hold" nodeType="clickEffect">
+                                  <p:stCondLst>
+                                    <p:cond delay="0"/>
+                                  </p:stCondLst>
+                                  <p:childTnLst>
+                                    <p:set>
+                                      <p:cBhvr>
+                                        <p:cTn id="18" dur="1" fill="hold">
+                                          <p:stCondLst>
+                                            <p:cond delay="0"/>
+                                          </p:stCondLst>
+                                        </p:cTn>
+                                        <p:tgtEl>
+                                          <p:spTgt spid="30"/>
+                                        </p:tgtEl>
+                                        <p:attrNameLst>
+                                          <p:attrName>style.visibility</p:attrName>
+                                        </p:attrNameLst>
+                                      </p:cBhvr>
+                                      <p:to>
+                                        <p:strVal val="visible"/>
+                                      </p:to>
+                                    </p:set>
+                                    <p:anim calcmode="lin" valueType="num">
+                                      <p:cBhvr additive="base">
+                                        <p:cTn id="19" dur="500" fill="hold"/>
+                                        <p:tgtEl>
+                                          <p:spTgt spid="30"/>
+                                        </p:tgtEl>
+                                        <p:attrNameLst>
+                                          <p:attrName>ppt_x</p:attrName>
+                                        </p:attrNameLst>
+                                      </p:cBhvr>
+                                      <p:tavLst>
+                                        <p:tav tm="0">
+                                          <p:val>
+                                            <p:strVal val="#ppt_x"/>
+                                          </p:val>
+                                        </p:tav>
+                                        <p:tav tm="100000">
+                                          <p:val>
+                                            <p:strVal val="#ppt_x"/>
+                                          </p:val>
+                                        </p:tav>
+                                      </p:tavLst>
+                                    </p:anim>
+                                    <p:anim calcmode="lin" valueType="num">
+                                      <p:cBhvr additive="base">
+                                        <p:cTn id="20" dur="500" fill="hold"/>
+                                        <p:tgtEl>
+                                          <p:spTgt spid="30"/>
+                                        </p:tgtEl>
+                                        <p:attrNameLst>
+                                          <p:attrName>ppt_y</p:attrName>
+                                        </p:attrNameLst>
+                                      </p:cBhvr>
+                                      <p:tavLst>
+                                        <p:tav tm="0">
+                                          <p:val>
+                                            <p:strVal val="1+#ppt_h/2"/>
+                                          </p:val>
+                                        </p:tav>
+                                        <p:tav tm="100000">
+                                          <p:val>
+                                            <p:strVal val="#ppt_y"/>
+                                          </p:val>
+                                        </p:tav>
+                                      </p:tavLst>
+                                    </p:anim>
+                                  </p:childTnLst>
+                                </p:cTn>
+                              </p:par>
+                            </p:childTnLst>
+                          </p:cTn>
+                        </p:par>
+                      </p:childTnLst>
+                    </p:cTn>
+                  </p:par>
+                  <p:par>
+                    <p:cTn id="21" fill="hold">
+                      <p:stCondLst>
+                        <p:cond delay="indefinite"/>
+                      </p:stCondLst>
+                      <p:childTnLst>
+                        <p:par>
+                          <p:cTn id="22" fill="hold">
+                            <p:stCondLst>
+                              <p:cond delay="0"/>
+                            </p:stCondLst>
+                            <p:childTnLst>
+                              <p:par>
+                                <p:cTn id="23" presetID="2" presetClass="entr" presetSubtype="4" fill="hold" nodeType="clickEffect">
+                                  <p:stCondLst>
+                                    <p:cond delay="0"/>
+                                  </p:stCondLst>
+                                  <p:childTnLst>
+                                    <p:set>
+                                      <p:cBhvr>
+                                        <p:cTn id="24" dur="1" fill="hold">
+                                          <p:stCondLst>
+                                            <p:cond delay="0"/>
+                                          </p:stCondLst>
+                                        </p:cTn>
+                                        <p:tgtEl>
+                                          <p:spTgt spid="31"/>
+                                        </p:tgtEl>
+                                        <p:attrNameLst>
+                                          <p:attrName>style.visibility</p:attrName>
+                                        </p:attrNameLst>
+                                      </p:cBhvr>
+                                      <p:to>
+                                        <p:strVal val="visible"/>
+                                      </p:to>
+                                    </p:set>
+                                    <p:anim calcmode="lin" valueType="num">
+                                      <p:cBhvr additive="base">
+                                        <p:cTn id="25" dur="500" fill="hold"/>
+                                        <p:tgtEl>
+                                          <p:spTgt spid="31"/>
+                                        </p:tgtEl>
+                                        <p:attrNameLst>
+                                          <p:attrName>ppt_x</p:attrName>
+                                        </p:attrNameLst>
+                                      </p:cBhvr>
+                                      <p:tavLst>
+                                        <p:tav tm="0">
+                                          <p:val>
+                                            <p:strVal val="#ppt_x"/>
+                                          </p:val>
+                                        </p:tav>
+                                        <p:tav tm="100000">
+                                          <p:val>
+                                            <p:strVal val="#ppt_x"/>
+                                          </p:val>
+                                        </p:tav>
+                                      </p:tavLst>
+                                    </p:anim>
+                                    <p:anim calcmode="lin" valueType="num">
+                                      <p:cBhvr additive="base">
+                                        <p:cTn id="26" dur="500" fill="hold"/>
+                                        <p:tgtEl>
+                                          <p:spTgt spid="31"/>
+                                        </p:tgtEl>
+                                        <p:attrNameLst>
+                                          <p:attrName>ppt_y</p:attrName>
+                                        </p:attrNameLst>
+                                      </p:cBhvr>
+                                      <p:tavLst>
+                                        <p:tav tm="0">
+                                          <p:val>
+                                            <p:strVal val="1+#ppt_h/2"/>
+                                          </p:val>
+                                        </p:tav>
+                                        <p:tav tm="100000">
+                                          <p:val>
+                                            <p:strVal val="#ppt_y"/>
+                                          </p:val>
+                                        </p:tav>
+                                      </p:tavLst>
+                                    </p:anim>
+                                  </p:childTnLst>
+                                </p:cTn>
+                              </p:par>
+                            </p:childTnLst>
+                          </p:cTn>
+                        </p:par>
+                      </p:childTnLst>
+                    </p:cTn>
+                  </p:par>
+                  <p:par>
+                    <p:cTn id="27" fill="hold">
+                      <p:stCondLst>
+                        <p:cond delay="indefinite"/>
+                      </p:stCondLst>
+                      <p:childTnLst>
+                        <p:par>
+                          <p:cTn id="28" fill="hold">
+                            <p:stCondLst>
+                              <p:cond delay="0"/>
+                            </p:stCondLst>
+                            <p:childTnLst>
+                              <p:par>
+                                <p:cTn id="29" presetID="2" presetClass="entr" presetSubtype="4" fill="hold" nodeType="clickEffect">
+                                  <p:stCondLst>
+                                    <p:cond delay="0"/>
+                                  </p:stCondLst>
+                                  <p:childTnLst>
+                                    <p:set>
+                                      <p:cBhvr>
+                                        <p:cTn id="30" dur="1" fill="hold">
+                                          <p:stCondLst>
+                                            <p:cond delay="0"/>
+                                          </p:stCondLst>
+                                        </p:cTn>
+                                        <p:tgtEl>
+                                          <p:spTgt spid="32"/>
+                                        </p:tgtEl>
+                                        <p:attrNameLst>
+                                          <p:attrName>style.visibility</p:attrName>
+                                        </p:attrNameLst>
+                                      </p:cBhvr>
+                                      <p:to>
+                                        <p:strVal val="visible"/>
+                                      </p:to>
+                                    </p:set>
+                                    <p:anim calcmode="lin" valueType="num">
+                                      <p:cBhvr additive="base">
+                                        <p:cTn id="31" dur="500" fill="hold"/>
+                                        <p:tgtEl>
+                                          <p:spTgt spid="32"/>
+                                        </p:tgtEl>
+                                        <p:attrNameLst>
+                                          <p:attrName>ppt_x</p:attrName>
+                                        </p:attrNameLst>
+                                      </p:cBhvr>
+                                      <p:tavLst>
+                                        <p:tav tm="0">
+                                          <p:val>
+                                            <p:strVal val="#ppt_x"/>
+                                          </p:val>
+                                        </p:tav>
+                                        <p:tav tm="100000">
+                                          <p:val>
+                                            <p:strVal val="#ppt_x"/>
+                                          </p:val>
+                                        </p:tav>
+                                      </p:tavLst>
+                                    </p:anim>
+                                    <p:anim calcmode="lin" valueType="num">
+                                      <p:cBhvr additive="base">
+                                        <p:cTn id="32" dur="500" fill="hold"/>
+                                        <p:tgtEl>
+                                          <p:spTgt spid="32"/>
+                                        </p:tgtEl>
+                                        <p:attrNameLst>
+                                          <p:attrName>ppt_y</p:attrName>
+                                        </p:attrNameLst>
+                                      </p:cBhvr>
+                                      <p:tavLst>
+                                        <p:tav tm="0">
+                                          <p:val>
+                                            <p:strVal val="1+#ppt_h/2"/>
+                                          </p:val>
+                                        </p:tav>
+                                        <p:tav tm="100000">
+                                          <p:val>
+                                            <p:strVal val="#ppt_y"/>
+                                          </p:val>
+                                        </p:tav>
+                                      </p:tavLst>
+                                    </p:anim>
+                                  </p:childTnLst>
+                                </p:cTn>
+                              </p:par>
+                            </p:childTnLst>
+                          </p:cTn>
+                        </p:par>
+                      </p:childTnLst>
+                    </p:cTn>
+                  </p:par>
+                  <p:par>
+                    <p:cTn id="33" fill="hold">
+                      <p:stCondLst>
+                        <p:cond delay="indefinite"/>
+                      </p:stCondLst>
+                      <p:childTnLst>
+                        <p:par>
+                          <p:cTn id="34" fill="hold">
+                            <p:stCondLst>
+                              <p:cond delay="0"/>
+                            </p:stCondLst>
+                            <p:childTnLst>
+                              <p:par>
+                                <p:cTn id="35" presetID="2" presetClass="entr" presetSubtype="4" fill="hold" nodeType="clickEffect">
+                                  <p:stCondLst>
+                                    <p:cond delay="0"/>
+                                  </p:stCondLst>
+                                  <p:childTnLst>
+                                    <p:set>
+                                      <p:cBhvr>
+                                        <p:cTn id="36" dur="1" fill="hold">
+                                          <p:stCondLst>
+                                            <p:cond delay="0"/>
+                                          </p:stCondLst>
+                                        </p:cTn>
+                                        <p:tgtEl>
+                                          <p:spTgt spid="33"/>
+                                        </p:tgtEl>
+                                        <p:attrNameLst>
+                                          <p:attrName>style.visibility</p:attrName>
+                                        </p:attrNameLst>
+                                      </p:cBhvr>
+                                      <p:to>
+                                        <p:strVal val="visible"/>
+                                      </p:to>
+                                    </p:set>
+                                    <p:anim calcmode="lin" valueType="num">
+                                      <p:cBhvr additive="base">
+                                        <p:cTn id="37" dur="500" fill="hold"/>
+                                        <p:tgtEl>
+                                          <p:spTgt spid="33"/>
+                                        </p:tgtEl>
+                                        <p:attrNameLst>
+                                          <p:attrName>ppt_x</p:attrName>
+                                        </p:attrNameLst>
+                                      </p:cBhvr>
+                                      <p:tavLst>
+                                        <p:tav tm="0">
+                                          <p:val>
+                                            <p:strVal val="#ppt_x"/>
+                                          </p:val>
+                                        </p:tav>
+                                        <p:tav tm="100000">
+                                          <p:val>
+                                            <p:strVal val="#ppt_x"/>
+                                          </p:val>
+                                        </p:tav>
+                                      </p:tavLst>
+                                    </p:anim>
+                                    <p:anim calcmode="lin" valueType="num">
+                                      <p:cBhvr additive="base">
+                                        <p:cTn id="38" dur="500" fill="hold"/>
+                                        <p:tgtEl>
+                                          <p:spTgt spid="33"/>
+                                        </p:tgtEl>
+                                        <p:attrNameLst>
+                                          <p:attrName>ppt_y</p:attrName>
+                                        </p:attrNameLst>
+                                      </p:cBhvr>
+                                      <p:tavLst>
+                                        <p:tav tm="0">
+                                          <p:val>
+                                            <p:strVal val="1+#ppt_h/2"/>
+                                          </p:val>
+                                        </p:tav>
+                                        <p:tav tm="100000">
+                                          <p:val>
+                                            <p:strVal val="#ppt_y"/>
+                                          </p:val>
+                                        </p:tav>
+                                      </p:tavLst>
+                                    </p:anim>
+                                  </p:childTnLst>
+                                </p:cTn>
+                              </p:par>
+                            </p:childTnLst>
+                          </p:cTn>
+                        </p:par>
+                      </p:childTnLst>
+                    </p:cTn>
+                  </p:par>
+                  <p:par>
+                    <p:cTn id="39" fill="hold">
+                      <p:stCondLst>
+                        <p:cond delay="indefinite"/>
+                      </p:stCondLst>
+                      <p:childTnLst>
+                        <p:par>
+                          <p:cTn id="40" fill="hold">
+                            <p:stCondLst>
+                              <p:cond delay="0"/>
+                            </p:stCondLst>
+                            <p:childTnLst>
+                              <p:par>
+                                <p:cTn id="41" presetID="2" presetClass="entr" presetSubtype="4" fill="hold" nodeType="clickEffect">
+                                  <p:stCondLst>
+                                    <p:cond delay="0"/>
+                                  </p:stCondLst>
+                                  <p:childTnLst>
+                                    <p:set>
+                                      <p:cBhvr>
+                                        <p:cTn id="42" dur="1" fill="hold">
+                                          <p:stCondLst>
+                                            <p:cond delay="0"/>
+                                          </p:stCondLst>
+                                        </p:cTn>
+                                        <p:tgtEl>
+                                          <p:spTgt spid="34"/>
+                                        </p:tgtEl>
+                                        <p:attrNameLst>
+                                          <p:attrName>style.visibility</p:attrName>
+                                        </p:attrNameLst>
+                                      </p:cBhvr>
+                                      <p:to>
+                                        <p:strVal val="visible"/>
+                                      </p:to>
+                                    </p:set>
+                                    <p:anim calcmode="lin" valueType="num">
+                                      <p:cBhvr additive="base">
+                                        <p:cTn id="43" dur="500" fill="hold"/>
+                                        <p:tgtEl>
+                                          <p:spTgt spid="34"/>
+                                        </p:tgtEl>
+                                        <p:attrNameLst>
+                                          <p:attrName>ppt_x</p:attrName>
+                                        </p:attrNameLst>
+                                      </p:cBhvr>
+                                      <p:tavLst>
+                                        <p:tav tm="0">
+                                          <p:val>
+                                            <p:strVal val="#ppt_x"/>
+                                          </p:val>
+                                        </p:tav>
+                                        <p:tav tm="100000">
+                                          <p:val>
+                                            <p:strVal val="#ppt_x"/>
+                                          </p:val>
+                                        </p:tav>
+                                      </p:tavLst>
+                                    </p:anim>
+                                    <p:anim calcmode="lin" valueType="num">
+                                      <p:cBhvr additive="base">
+                                        <p:cTn id="44" dur="500" fill="hold"/>
+                                        <p:tgtEl>
+                                          <p:spTgt spid="34"/>
+                                        </p:tgtEl>
+                                        <p:attrNameLst>
+                                          <p:attrName>ppt_y</p:attrName>
+                                        </p:attrNameLst>
+                                      </p:cBhvr>
+                                      <p:tavLst>
+                                        <p:tav tm="0">
+                                          <p:val>
+                                            <p:strVal val="1+#ppt_h/2"/>
+                                          </p:val>
+                                        </p:tav>
+                                        <p:tav tm="100000">
+                                          <p:val>
+                                            <p:strVal val="#ppt_y"/>
+                                          </p:val>
+                                        </p:tav>
+                                      </p:tavLst>
+                                    </p:anim>
+                                  </p:childTnLst>
+                                </p:cTn>
+                              </p:par>
+                            </p:childTnLst>
+                          </p:cTn>
+                        </p:par>
+                      </p:childTnLst>
+                    </p:cTn>
+                  </p:par>
+                </p:childTnLst>
+              </p:cTn>
+              <p:prevCondLst>
+                <p:cond evt="onPrev" delay="0">
+                  <p:tgtEl>
+                    <p:sldTgt/>
+                  </p:tgtEl>
+                </p:cond>
+              </p:prevCondLst>
+              <p:nextCondLst>
+                <p:cond evt="onNext" delay="0">
+                  <p:tgtEl>
+                    <p:sldTgt/>
+                  </p:tgtEl>
+                </p:cond>
+              </p:nextCondLst>
+            </p:seq>
+          </p:childTnLst>
+        </p:cTn>
+      </p:par>
+    </p:tnLst>
+  </p:timing>
 </p:sld>
 </file>
 
@@ -7453,7 +8767,7 @@
           <p:cNvPr id="2" name="Title 1">
             <a:extLst>
               <a:ext uri="{FF2B5EF4-FFF2-40B4-BE49-F238E27FC236}">
-                <a16:creationId xmlns:a16="http://schemas.microsoft.com/office/drawing/2014/main" id="{11872217-592E-4824-918A-8F99C664B1D8}"/>
+                <a16:creationId xmlns:a16="http://schemas.microsoft.com/office/drawing/2014/main" xmlns="" id="{11872217-592E-4824-918A-8F99C664B1D8}"/>
               </a:ext>
             </a:extLst>
           </p:cNvPr>
@@ -7482,7 +8796,7 @@
           <p:cNvPr id="3" name="Content Placeholder 2">
             <a:extLst>
               <a:ext uri="{FF2B5EF4-FFF2-40B4-BE49-F238E27FC236}">
-                <a16:creationId xmlns:a16="http://schemas.microsoft.com/office/drawing/2014/main" id="{6AA065CF-91F6-4E5C-9ED6-2E207C4F4314}"/>
+                <a16:creationId xmlns:a16="http://schemas.microsoft.com/office/drawing/2014/main" xmlns="" id="{6AA065CF-91F6-4E5C-9ED6-2E207C4F4314}"/>
               </a:ext>
             </a:extLst>
           </p:cNvPr>
@@ -7493,12 +8807,75 @@
             <p:ph idx="1"/>
           </p:nvPr>
         </p:nvSpPr>
-        <p:spPr/>
+        <p:spPr>
+          <a:xfrm>
+            <a:off x="1251677" y="2286001"/>
+            <a:ext cx="6318355" cy="3593591"/>
+          </a:xfrm>
+        </p:spPr>
         <p:txBody>
           <a:bodyPr>
-            <a:normAutofit lnSpcReduction="10000"/>
+            <a:normAutofit/>
           </a:bodyPr>
           <a:lstStyle/>
+          <a:p>
+            <a:pPr marL="0" indent="0">
+              <a:spcBef>
+                <a:spcPts val="0"/>
+              </a:spcBef>
+              <a:buNone/>
+            </a:pPr>
+            <a:r>
+              <a:rPr lang="en-US" dirty="0">
+                <a:latin typeface="Courier New" panose="02070309020205020404" pitchFamily="49" charset="0"/>
+                <a:cs typeface="Courier New" panose="02070309020205020404" pitchFamily="49" charset="0"/>
+              </a:rPr>
+              <a:t>system=&lt;</a:t>
+            </a:r>
+            <a:r>
+              <a:rPr lang="en-US" dirty="0" err="1">
+                <a:latin typeface="Courier New" panose="02070309020205020404" pitchFamily="49" charset="0"/>
+                <a:cs typeface="Courier New" panose="02070309020205020404" pitchFamily="49" charset="0"/>
+              </a:rPr>
+              <a:t>forcefield</a:t>
+            </a:r>
+            <a:r>
+              <a:rPr lang="en-US" dirty="0" smtClean="0">
+                <a:latin typeface="Courier New" panose="02070309020205020404" pitchFamily="49" charset="0"/>
+                <a:cs typeface="Courier New" panose="02070309020205020404" pitchFamily="49" charset="0"/>
+              </a:rPr>
+              <a:t>&gt;.</a:t>
+            </a:r>
+          </a:p>
+          <a:p>
+            <a:pPr marL="0" indent="0">
+              <a:spcBef>
+                <a:spcPts val="0"/>
+              </a:spcBef>
+              <a:buNone/>
+            </a:pPr>
+            <a:r>
+              <a:rPr lang="en-US" dirty="0">
+                <a:latin typeface="Courier New" panose="02070309020205020404" pitchFamily="49" charset="0"/>
+                <a:cs typeface="Courier New" panose="02070309020205020404" pitchFamily="49" charset="0"/>
+              </a:rPr>
+              <a:t>	</a:t>
+            </a:r>
+            <a:r>
+              <a:rPr lang="en-US" dirty="0" err="1" smtClean="0">
+                <a:latin typeface="Courier New" panose="02070309020205020404" pitchFamily="49" charset="0"/>
+                <a:cs typeface="Courier New" panose="02070309020205020404" pitchFamily="49" charset="0"/>
+              </a:rPr>
+              <a:t>createSystem</a:t>
+            </a:r>
+            <a:r>
+              <a:rPr lang="en-US" dirty="0">
+                <a:latin typeface="Courier New" panose="02070309020205020404" pitchFamily="49" charset="0"/>
+                <a:cs typeface="Courier New" panose="02070309020205020404" pitchFamily="49" charset="0"/>
+              </a:rPr>
+              <a:t>(…)</a:t>
+            </a:r>
+          </a:p>
           <a:p>
             <a:pPr marL="0" indent="0">
               <a:buNone/>
@@ -7508,21 +8885,100 @@
                 <a:latin typeface="Courier New" panose="02070309020205020404" pitchFamily="49" charset="0"/>
                 <a:cs typeface="Courier New" panose="02070309020205020404" pitchFamily="49" charset="0"/>
               </a:rPr>
-              <a:t>system=&lt;forcefield&gt;.</a:t>
+              <a:t>Integrator=mm.&lt;</a:t>
             </a:r>
             <a:r>
               <a:rPr lang="en-US" dirty="0" err="1">
                 <a:latin typeface="Courier New" panose="02070309020205020404" pitchFamily="49" charset="0"/>
                 <a:cs typeface="Courier New" panose="02070309020205020404" pitchFamily="49" charset="0"/>
               </a:rPr>
-              <a:t>createSystem</a:t>
-            </a:r>
+              <a:t>TypeOfIntegrator</a:t>
+            </a:r>
+            <a:r>
+              <a:rPr lang="en-US" dirty="0" smtClean="0">
+                <a:latin typeface="Courier New" panose="02070309020205020404" pitchFamily="49" charset="0"/>
+                <a:cs typeface="Courier New" panose="02070309020205020404" pitchFamily="49" charset="0"/>
+              </a:rPr>
+              <a:t>&gt;</a:t>
+            </a:r>
+          </a:p>
+          <a:p>
+            <a:pPr marL="0" indent="0">
+              <a:spcBef>
+                <a:spcPts val="0"/>
+              </a:spcBef>
+              <a:buNone/>
+            </a:pPr>
             <a:r>
               <a:rPr lang="en-US" dirty="0">
                 <a:latin typeface="Courier New" panose="02070309020205020404" pitchFamily="49" charset="0"/>
                 <a:cs typeface="Courier New" panose="02070309020205020404" pitchFamily="49" charset="0"/>
               </a:rPr>
-              <a:t>(…)</a:t>
+              <a:t>	</a:t>
+            </a:r>
+            <a:r>
+              <a:rPr lang="en-US" dirty="0" smtClean="0">
+                <a:latin typeface="Courier New" panose="02070309020205020404" pitchFamily="49" charset="0"/>
+                <a:cs typeface="Courier New" panose="02070309020205020404" pitchFamily="49" charset="0"/>
+              </a:rPr>
+              <a:t>(&lt;</a:t>
+            </a:r>
+            <a:r>
+              <a:rPr lang="en-US" dirty="0">
+                <a:latin typeface="Courier New" panose="02070309020205020404" pitchFamily="49" charset="0"/>
+                <a:cs typeface="Courier New" panose="02070309020205020404" pitchFamily="49" charset="0"/>
+              </a:rPr>
+              <a:t>constraint&gt;)</a:t>
+            </a:r>
+          </a:p>
+          <a:p>
+            <a:pPr marL="0" indent="0">
+              <a:spcBef>
+                <a:spcPts val="0"/>
+              </a:spcBef>
+              <a:buNone/>
+            </a:pPr>
+            <a:r>
+              <a:rPr lang="en-US" dirty="0">
+                <a:latin typeface="Courier New" panose="02070309020205020404" pitchFamily="49" charset="0"/>
+                <a:cs typeface="Courier New" panose="02070309020205020404" pitchFamily="49" charset="0"/>
+              </a:rPr>
+              <a:t>Simulation=</a:t>
+            </a:r>
+            <a:r>
+              <a:rPr lang="en-US" dirty="0" err="1">
+                <a:latin typeface="Courier New" panose="02070309020205020404" pitchFamily="49" charset="0"/>
+                <a:cs typeface="Courier New" panose="02070309020205020404" pitchFamily="49" charset="0"/>
+              </a:rPr>
+              <a:t>app.Sumulation</a:t>
+            </a:r>
+            <a:r>
+              <a:rPr lang="en-US" dirty="0">
+                <a:latin typeface="Courier New" panose="02070309020205020404" pitchFamily="49" charset="0"/>
+                <a:cs typeface="Courier New" panose="02070309020205020404" pitchFamily="49" charset="0"/>
+              </a:rPr>
+              <a:t>(&lt;</a:t>
+            </a:r>
+            <a:r>
+              <a:rPr lang="en-US" dirty="0" err="1" smtClean="0">
+                <a:latin typeface="Courier New" panose="02070309020205020404" pitchFamily="49" charset="0"/>
+                <a:cs typeface="Courier New" panose="02070309020205020404" pitchFamily="49" charset="0"/>
+              </a:rPr>
+              <a:t>pdb</a:t>
+            </a:r>
+            <a:r>
+              <a:rPr lang="en-US" dirty="0" smtClean="0">
+                <a:latin typeface="Courier New" panose="02070309020205020404" pitchFamily="49" charset="0"/>
+                <a:cs typeface="Courier New" panose="02070309020205020404" pitchFamily="49" charset="0"/>
+              </a:rPr>
+              <a:t>&gt;.topology	, </a:t>
+            </a:r>
+            <a:r>
+              <a:rPr lang="en-US" dirty="0">
+                <a:latin typeface="Courier New" panose="02070309020205020404" pitchFamily="49" charset="0"/>
+                <a:cs typeface="Courier New" panose="02070309020205020404" pitchFamily="49" charset="0"/>
+              </a:rPr>
+              <a:t>system, integrator)</a:t>
             </a:r>
           </a:p>
           <a:p>
@@ -7530,29 +8986,22 @@
               <a:buNone/>
             </a:pPr>
             <a:r>
-              <a:rPr lang="en-US" dirty="0">
-                <a:latin typeface="Courier New" panose="02070309020205020404" pitchFamily="49" charset="0"/>
-                <a:cs typeface="Courier New" panose="02070309020205020404" pitchFamily="49" charset="0"/>
-              </a:rPr>
-              <a:t>Integrator=mm.&lt;</a:t>
-            </a:r>
-            <a:r>
-              <a:rPr lang="en-US" dirty="0" err="1">
-                <a:latin typeface="Courier New" panose="02070309020205020404" pitchFamily="49" charset="0"/>
-                <a:cs typeface="Courier New" panose="02070309020205020404" pitchFamily="49" charset="0"/>
-              </a:rPr>
-              <a:t>TypeOfIntegrator</a:t>
-            </a:r>
-            <a:r>
-              <a:rPr lang="en-US" dirty="0">
-                <a:latin typeface="Courier New" panose="02070309020205020404" pitchFamily="49" charset="0"/>
-                <a:cs typeface="Courier New" panose="02070309020205020404" pitchFamily="49" charset="0"/>
-              </a:rPr>
-              <a:t>&gt;(&lt;constraint&gt;)</a:t>
-            </a:r>
+              <a:rPr lang="en-US" dirty="0" err="1" smtClean="0">
+                <a:latin typeface="Courier New" panose="02070309020205020404" pitchFamily="49" charset="0"/>
+                <a:cs typeface="Courier New" panose="02070309020205020404" pitchFamily="49" charset="0"/>
+              </a:rPr>
+              <a:t>Simulation.context.setPositions</a:t>
+            </a:r>
+            <a:endParaRPr lang="en-US" dirty="0" smtClean="0">
+              <a:latin typeface="Courier New" panose="02070309020205020404" pitchFamily="49" charset="0"/>
+              <a:cs typeface="Courier New" panose="02070309020205020404" pitchFamily="49" charset="0"/>
+            </a:endParaRPr>
           </a:p>
           <a:p>
             <a:pPr marL="0" indent="0">
+              <a:spcBef>
+                <a:spcPts val="0"/>
+              </a:spcBef>
               <a:buNone/>
             </a:pPr>
             <a:r>
@@ -7560,69 +9009,40 @@
                 <a:latin typeface="Courier New" panose="02070309020205020404" pitchFamily="49" charset="0"/>
                 <a:cs typeface="Courier New" panose="02070309020205020404" pitchFamily="49" charset="0"/>
               </a:rPr>
-              <a:t>Simulation=</a:t>
+              <a:t>	</a:t>
+            </a:r>
+            <a:r>
+              <a:rPr lang="en-US" dirty="0" smtClean="0">
+                <a:latin typeface="Courier New" panose="02070309020205020404" pitchFamily="49" charset="0"/>
+                <a:cs typeface="Courier New" panose="02070309020205020404" pitchFamily="49" charset="0"/>
+              </a:rPr>
+              <a:t>(&lt;</a:t>
             </a:r>
             <a:r>
               <a:rPr lang="en-US" dirty="0" err="1">
                 <a:latin typeface="Courier New" panose="02070309020205020404" pitchFamily="49" charset="0"/>
                 <a:cs typeface="Courier New" panose="02070309020205020404" pitchFamily="49" charset="0"/>
               </a:rPr>
-              <a:t>app.Sumulation</a:t>
+              <a:t>pdb</a:t>
             </a:r>
             <a:r>
               <a:rPr lang="en-US" dirty="0">
                 <a:latin typeface="Courier New" panose="02070309020205020404" pitchFamily="49" charset="0"/>
                 <a:cs typeface="Courier New" panose="02070309020205020404" pitchFamily="49" charset="0"/>
               </a:rPr>
-              <a:t>(&lt;</a:t>
-            </a:r>
-            <a:r>
-              <a:rPr lang="en-US" dirty="0" err="1">
-                <a:latin typeface="Courier New" panose="02070309020205020404" pitchFamily="49" charset="0"/>
-                <a:cs typeface="Courier New" panose="02070309020205020404" pitchFamily="49" charset="0"/>
-              </a:rPr>
-              <a:t>pdb</a:t>
-            </a:r>
-            <a:r>
-              <a:rPr lang="en-US" dirty="0">
-                <a:latin typeface="Courier New" panose="02070309020205020404" pitchFamily="49" charset="0"/>
-                <a:cs typeface="Courier New" panose="02070309020205020404" pitchFamily="49" charset="0"/>
-              </a:rPr>
-              <a:t>&gt;.topology, system, integrator)</a:t>
-            </a:r>
-          </a:p>
-          <a:p>
-            <a:pPr marL="0" indent="0">
-              <a:buNone/>
-            </a:pPr>
-            <a:r>
-              <a:rPr lang="en-US" dirty="0" err="1">
-                <a:latin typeface="Courier New" panose="02070309020205020404" pitchFamily="49" charset="0"/>
-                <a:cs typeface="Courier New" panose="02070309020205020404" pitchFamily="49" charset="0"/>
-              </a:rPr>
-              <a:t>Simulation.context.setPositions</a:t>
-            </a:r>
-            <a:r>
-              <a:rPr lang="en-US" dirty="0">
-                <a:latin typeface="Courier New" panose="02070309020205020404" pitchFamily="49" charset="0"/>
-                <a:cs typeface="Courier New" panose="02070309020205020404" pitchFamily="49" charset="0"/>
-              </a:rPr>
-              <a:t>(&lt;</a:t>
-            </a:r>
-            <a:r>
-              <a:rPr lang="en-US" dirty="0" err="1">
-                <a:latin typeface="Courier New" panose="02070309020205020404" pitchFamily="49" charset="0"/>
-                <a:cs typeface="Courier New" panose="02070309020205020404" pitchFamily="49" charset="0"/>
-              </a:rPr>
-              <a:t>pdb</a:t>
-            </a:r>
-            <a:r>
-              <a:rPr lang="en-US" dirty="0">
-                <a:latin typeface="Courier New" panose="02070309020205020404" pitchFamily="49" charset="0"/>
-                <a:cs typeface="Courier New" panose="02070309020205020404" pitchFamily="49" charset="0"/>
-              </a:rPr>
-              <a:t>&gt;.positions</a:t>
-            </a:r>
+              <a:t>&gt;.</a:t>
+            </a:r>
+            <a:r>
+              <a:rPr lang="en-US" dirty="0" smtClean="0">
+                <a:latin typeface="Courier New" panose="02070309020205020404" pitchFamily="49" charset="0"/>
+                <a:cs typeface="Courier New" panose="02070309020205020404" pitchFamily="49" charset="0"/>
+              </a:rPr>
+              <a:t>positions)</a:t>
+            </a:r>
+            <a:endParaRPr lang="en-US" dirty="0">
+              <a:latin typeface="Courier New" panose="02070309020205020404" pitchFamily="49" charset="0"/>
+              <a:cs typeface="Courier New" panose="02070309020205020404" pitchFamily="49" charset="0"/>
+            </a:endParaRPr>
           </a:p>
           <a:p>
             <a:pPr marL="0" indent="0">
@@ -7634,124 +9054,6 @@
             </a:endParaRPr>
           </a:p>
           <a:p>
-            <a:pPr marL="0" indent="0">
-              <a:buNone/>
-            </a:pPr>
-            <a:r>
-              <a:rPr lang="en-US" dirty="0" err="1">
-                <a:latin typeface="Courier New" panose="02070309020205020404" pitchFamily="49" charset="0"/>
-                <a:cs typeface="Courier New" panose="02070309020205020404" pitchFamily="49" charset="0"/>
-              </a:rPr>
-              <a:t>Simulation.minimizeEnergy</a:t>
-            </a:r>
-            <a:r>
-              <a:rPr lang="en-US" dirty="0">
-                <a:latin typeface="Courier New" panose="02070309020205020404" pitchFamily="49" charset="0"/>
-                <a:cs typeface="Courier New" panose="02070309020205020404" pitchFamily="49" charset="0"/>
-              </a:rPr>
-              <a:t>()</a:t>
-            </a:r>
-          </a:p>
-          <a:p>
-            <a:pPr marL="0" indent="0">
-              <a:buNone/>
-            </a:pPr>
-            <a:r>
-              <a:rPr lang="en-US" dirty="0" err="1">
-                <a:latin typeface="Courier New" panose="02070309020205020404" pitchFamily="49" charset="0"/>
-                <a:cs typeface="Courier New" panose="02070309020205020404" pitchFamily="49" charset="0"/>
-              </a:rPr>
-              <a:t>Simulation.context.setVelocitiesToTemperature</a:t>
-            </a:r>
-            <a:r>
-              <a:rPr lang="en-US" dirty="0">
-                <a:latin typeface="Courier New" panose="02070309020205020404" pitchFamily="49" charset="0"/>
-                <a:cs typeface="Courier New" panose="02070309020205020404" pitchFamily="49" charset="0"/>
-              </a:rPr>
-              <a:t>(&lt;#&gt;*</a:t>
-            </a:r>
-            <a:r>
-              <a:rPr lang="en-US" dirty="0" err="1">
-                <a:latin typeface="Courier New" panose="02070309020205020404" pitchFamily="49" charset="0"/>
-                <a:cs typeface="Courier New" panose="02070309020205020404" pitchFamily="49" charset="0"/>
-              </a:rPr>
-              <a:t>unit,kelvin</a:t>
-            </a:r>
-            <a:r>
-              <a:rPr lang="en-US" dirty="0">
-                <a:latin typeface="Courier New" panose="02070309020205020404" pitchFamily="49" charset="0"/>
-                <a:cs typeface="Courier New" panose="02070309020205020404" pitchFamily="49" charset="0"/>
-              </a:rPr>
-              <a:t>)</a:t>
-            </a:r>
-          </a:p>
-          <a:p>
-            <a:pPr marL="0" indent="0">
-              <a:buNone/>
-            </a:pPr>
-            <a:r>
-              <a:rPr lang="en-US" dirty="0" err="1">
-                <a:latin typeface="Courier New" panose="02070309020205020404" pitchFamily="49" charset="0"/>
-                <a:cs typeface="Courier New" panose="02070309020205020404" pitchFamily="49" charset="0"/>
-              </a:rPr>
-              <a:t>Simulation.reports.append</a:t>
-            </a:r>
-            <a:r>
-              <a:rPr lang="en-US" dirty="0">
-                <a:latin typeface="Courier New" panose="02070309020205020404" pitchFamily="49" charset="0"/>
-                <a:cs typeface="Courier New" panose="02070309020205020404" pitchFamily="49" charset="0"/>
-              </a:rPr>
-              <a:t>(</a:t>
-            </a:r>
-            <a:r>
-              <a:rPr lang="en-US" dirty="0" err="1">
-                <a:latin typeface="Courier New" panose="02070309020205020404" pitchFamily="49" charset="0"/>
-                <a:cs typeface="Courier New" panose="02070309020205020404" pitchFamily="49" charset="0"/>
-              </a:rPr>
-              <a:t>app.StateDataReporter</a:t>
-            </a:r>
-            <a:r>
-              <a:rPr lang="en-US" dirty="0">
-                <a:latin typeface="Courier New" panose="02070309020205020404" pitchFamily="49" charset="0"/>
-                <a:cs typeface="Courier New" panose="02070309020205020404" pitchFamily="49" charset="0"/>
-              </a:rPr>
-              <a:t>(</a:t>
-            </a:r>
-            <a:r>
-              <a:rPr lang="en-US" dirty="0" err="1">
-                <a:latin typeface="Courier New" panose="02070309020205020404" pitchFamily="49" charset="0"/>
-                <a:cs typeface="Courier New" panose="02070309020205020404" pitchFamily="49" charset="0"/>
-              </a:rPr>
-              <a:t>stdout</a:t>
-            </a:r>
-            <a:r>
-              <a:rPr lang="en-US" dirty="0">
-                <a:latin typeface="Courier New" panose="02070309020205020404" pitchFamily="49" charset="0"/>
-                <a:cs typeface="Courier New" panose="02070309020205020404" pitchFamily="49" charset="0"/>
-              </a:rPr>
-              <a:t>,&lt;stuff&gt;)</a:t>
-            </a:r>
-          </a:p>
-          <a:p>
-            <a:pPr marL="0" indent="0">
-              <a:buNone/>
-            </a:pPr>
-            <a:r>
-              <a:rPr lang="en-US" dirty="0" err="1">
-                <a:latin typeface="Courier New" panose="02070309020205020404" pitchFamily="49" charset="0"/>
-                <a:cs typeface="Courier New" panose="02070309020205020404" pitchFamily="49" charset="0"/>
-              </a:rPr>
-              <a:t>Simulation.step</a:t>
-            </a:r>
-            <a:r>
-              <a:rPr lang="en-US" dirty="0">
-                <a:latin typeface="Courier New" panose="02070309020205020404" pitchFamily="49" charset="0"/>
-                <a:cs typeface="Courier New" panose="02070309020205020404" pitchFamily="49" charset="0"/>
-              </a:rPr>
-              <a:t>(&lt;#&gt;</a:t>
-            </a:r>
-          </a:p>
-          <a:p>
             <a:endParaRPr lang="en-US" dirty="0">
               <a:latin typeface="Courier New" panose="02070309020205020404" pitchFamily="49" charset="0"/>
               <a:cs typeface="Courier New" panose="02070309020205020404" pitchFamily="49" charset="0"/>
@@ -7759,6 +9061,359 @@
           </a:p>
         </p:txBody>
       </p:sp>
+      <p:grpSp>
+        <p:nvGrpSpPr>
+          <p:cNvPr id="20" name="Group 19"/>
+          <p:cNvGrpSpPr/>
+          <p:nvPr/>
+        </p:nvGrpSpPr>
+        <p:grpSpPr>
+          <a:xfrm>
+            <a:off x="4761202" y="515502"/>
+            <a:ext cx="6151637" cy="2001498"/>
+            <a:chOff x="4761202" y="515502"/>
+            <a:chExt cx="6151637" cy="2001498"/>
+          </a:xfrm>
+        </p:grpSpPr>
+        <p:cxnSp>
+          <p:nvCxnSpPr>
+            <p:cNvPr id="4" name="Straight Arrow Connector 3"/>
+            <p:cNvCxnSpPr/>
+            <p:nvPr/>
+          </p:nvCxnSpPr>
+          <p:spPr>
+            <a:xfrm flipH="1">
+              <a:off x="4761202" y="794479"/>
+              <a:ext cx="1984372" cy="1722521"/>
+            </a:xfrm>
+            <a:prstGeom prst="straightConnector1">
+              <a:avLst/>
+            </a:prstGeom>
+            <a:ln w="38100">
+              <a:tailEnd type="triangle"/>
+            </a:ln>
+          </p:spPr>
+          <p:style>
+            <a:lnRef idx="1">
+              <a:schemeClr val="accent1"/>
+            </a:lnRef>
+            <a:fillRef idx="0">
+              <a:schemeClr val="accent1"/>
+            </a:fillRef>
+            <a:effectRef idx="0">
+              <a:schemeClr val="accent1"/>
+            </a:effectRef>
+            <a:fontRef idx="minor">
+              <a:schemeClr val="tx1"/>
+            </a:fontRef>
+          </p:style>
+        </p:cxnSp>
+        <p:sp>
+          <p:nvSpPr>
+            <p:cNvPr id="13" name="TextBox 12"/>
+            <p:cNvSpPr txBox="1"/>
+            <p:nvPr/>
+          </p:nvSpPr>
+          <p:spPr>
+            <a:xfrm>
+              <a:off x="7158478" y="515502"/>
+              <a:ext cx="3754361" cy="923330"/>
+            </a:xfrm>
+            <a:prstGeom prst="rect">
+              <a:avLst/>
+            </a:prstGeom>
+            <a:noFill/>
+          </p:spPr>
+          <p:txBody>
+            <a:bodyPr wrap="square" rtlCol="0">
+              <a:spAutoFit/>
+            </a:bodyPr>
+            <a:lstStyle/>
+            <a:p>
+              <a:r>
+                <a:rPr lang="en-US" dirty="0" smtClean="0"/>
+                <a:t>Creates and edits </a:t>
+              </a:r>
+              <a:r>
+                <a:rPr lang="en-US" dirty="0" err="1" smtClean="0"/>
+                <a:t>forcefield</a:t>
+              </a:r>
+              <a:r>
+                <a:rPr lang="en-US" dirty="0" smtClean="0"/>
+                <a:t>.</a:t>
+              </a:r>
+            </a:p>
+            <a:p>
+              <a:r>
+                <a:rPr lang="en-US" dirty="0" smtClean="0"/>
+                <a:t>Allows for edits such as constraining H vibrations (can run at 2 fs now!!!!)</a:t>
+              </a:r>
+              <a:endParaRPr lang="en-US" dirty="0"/>
+            </a:p>
+          </p:txBody>
+        </p:sp>
+      </p:grpSp>
+      <p:grpSp>
+        <p:nvGrpSpPr>
+          <p:cNvPr id="21" name="Group 20"/>
+          <p:cNvGrpSpPr/>
+          <p:nvPr/>
+        </p:nvGrpSpPr>
+        <p:grpSpPr>
+          <a:xfrm>
+            <a:off x="6340839" y="1571949"/>
+            <a:ext cx="4976735" cy="2031325"/>
+            <a:chOff x="6340839" y="1571949"/>
+            <a:chExt cx="4976735" cy="2031325"/>
+          </a:xfrm>
+        </p:grpSpPr>
+        <p:cxnSp>
+          <p:nvCxnSpPr>
+            <p:cNvPr id="7" name="Straight Arrow Connector 6"/>
+            <p:cNvCxnSpPr/>
+            <p:nvPr/>
+          </p:nvCxnSpPr>
+          <p:spPr>
+            <a:xfrm flipH="1">
+              <a:off x="6340839" y="2286001"/>
+              <a:ext cx="1019330" cy="1142999"/>
+            </a:xfrm>
+            <a:prstGeom prst="straightConnector1">
+              <a:avLst/>
+            </a:prstGeom>
+            <a:ln w="38100">
+              <a:tailEnd type="triangle"/>
+            </a:ln>
+          </p:spPr>
+          <p:style>
+            <a:lnRef idx="1">
+              <a:schemeClr val="accent1"/>
+            </a:lnRef>
+            <a:fillRef idx="0">
+              <a:schemeClr val="accent1"/>
+            </a:fillRef>
+            <a:effectRef idx="0">
+              <a:schemeClr val="accent1"/>
+            </a:effectRef>
+            <a:fontRef idx="minor">
+              <a:schemeClr val="tx1"/>
+            </a:fontRef>
+          </p:style>
+        </p:cxnSp>
+        <p:sp>
+          <p:nvSpPr>
+            <p:cNvPr id="14" name="TextBox 13"/>
+            <p:cNvSpPr txBox="1"/>
+            <p:nvPr/>
+          </p:nvSpPr>
+          <p:spPr>
+            <a:xfrm>
+              <a:off x="7570032" y="1571949"/>
+              <a:ext cx="3747542" cy="2031325"/>
+            </a:xfrm>
+            <a:prstGeom prst="rect">
+              <a:avLst/>
+            </a:prstGeom>
+            <a:noFill/>
+          </p:spPr>
+          <p:txBody>
+            <a:bodyPr wrap="square" rtlCol="0">
+              <a:spAutoFit/>
+            </a:bodyPr>
+            <a:lstStyle/>
+            <a:p>
+              <a:r>
+                <a:rPr lang="en-US" dirty="0" smtClean="0"/>
+                <a:t>Specify the Integrator, such as </a:t>
+              </a:r>
+              <a:r>
+                <a:rPr lang="en-US" dirty="0" err="1" smtClean="0"/>
+                <a:t>Langevin</a:t>
+              </a:r>
+              <a:r>
+                <a:rPr lang="en-US" dirty="0" smtClean="0"/>
+                <a:t> Integrator, VVVR Integrator,</a:t>
+              </a:r>
+              <a:r>
+                <a:rPr lang="en-US" dirty="0"/>
+                <a:t> </a:t>
+              </a:r>
+              <a:r>
+                <a:rPr lang="en-US" dirty="0" smtClean="0"/>
+                <a:t>BAOAB Integrator, Generalized </a:t>
+              </a:r>
+              <a:r>
+                <a:rPr lang="en-US" dirty="0"/>
+                <a:t>hybrid Monte </a:t>
+              </a:r>
+              <a:r>
+                <a:rPr lang="en-US" dirty="0" smtClean="0"/>
+                <a:t>Carlo.  Also where you can make your system isothermal or isobaric</a:t>
+              </a:r>
+              <a:endParaRPr lang="en-US" dirty="0"/>
+            </a:p>
+            <a:p>
+              <a:endParaRPr lang="en-US" dirty="0"/>
+            </a:p>
+          </p:txBody>
+        </p:sp>
+      </p:grpSp>
+      <p:grpSp>
+        <p:nvGrpSpPr>
+          <p:cNvPr id="22" name="Group 21"/>
+          <p:cNvGrpSpPr/>
+          <p:nvPr/>
+        </p:nvGrpSpPr>
+        <p:grpSpPr>
+          <a:xfrm>
+            <a:off x="6096000" y="4014758"/>
+            <a:ext cx="4996721" cy="646331"/>
+            <a:chOff x="6096000" y="4014758"/>
+            <a:chExt cx="4996721" cy="646331"/>
+          </a:xfrm>
+        </p:grpSpPr>
+        <p:cxnSp>
+          <p:nvCxnSpPr>
+            <p:cNvPr id="8" name="Straight Arrow Connector 7"/>
+            <p:cNvCxnSpPr/>
+            <p:nvPr/>
+          </p:nvCxnSpPr>
+          <p:spPr>
+            <a:xfrm flipH="1">
+              <a:off x="6096000" y="4082796"/>
+              <a:ext cx="2418413" cy="284571"/>
+            </a:xfrm>
+            <a:prstGeom prst="straightConnector1">
+              <a:avLst/>
+            </a:prstGeom>
+            <a:ln w="38100">
+              <a:tailEnd type="triangle"/>
+            </a:ln>
+          </p:spPr>
+          <p:style>
+            <a:lnRef idx="1">
+              <a:schemeClr val="accent1"/>
+            </a:lnRef>
+            <a:fillRef idx="0">
+              <a:schemeClr val="accent1"/>
+            </a:fillRef>
+            <a:effectRef idx="0">
+              <a:schemeClr val="accent1"/>
+            </a:effectRef>
+            <a:fontRef idx="minor">
+              <a:schemeClr val="tx1"/>
+            </a:fontRef>
+          </p:style>
+        </p:cxnSp>
+        <p:sp>
+          <p:nvSpPr>
+            <p:cNvPr id="18" name="TextBox 17"/>
+            <p:cNvSpPr txBox="1"/>
+            <p:nvPr/>
+          </p:nvSpPr>
+          <p:spPr>
+            <a:xfrm>
+              <a:off x="8889167" y="4014758"/>
+              <a:ext cx="2203554" cy="646331"/>
+            </a:xfrm>
+            <a:prstGeom prst="rect">
+              <a:avLst/>
+            </a:prstGeom>
+            <a:noFill/>
+          </p:spPr>
+          <p:txBody>
+            <a:bodyPr wrap="square" rtlCol="0">
+              <a:spAutoFit/>
+            </a:bodyPr>
+            <a:lstStyle/>
+            <a:p>
+              <a:r>
+                <a:rPr lang="en-US" dirty="0" smtClean="0"/>
+                <a:t>Creates Simulation using stuff before</a:t>
+              </a:r>
+              <a:endParaRPr lang="en-US" dirty="0"/>
+            </a:p>
+          </p:txBody>
+        </p:sp>
+      </p:grpSp>
+      <p:grpSp>
+        <p:nvGrpSpPr>
+          <p:cNvPr id="23" name="Group 22"/>
+          <p:cNvGrpSpPr/>
+          <p:nvPr/>
+        </p:nvGrpSpPr>
+        <p:grpSpPr>
+          <a:xfrm>
+            <a:off x="5306518" y="5185410"/>
+            <a:ext cx="5786203" cy="842390"/>
+            <a:chOff x="5306518" y="5185410"/>
+            <a:chExt cx="5786203" cy="842390"/>
+          </a:xfrm>
+        </p:grpSpPr>
+        <p:cxnSp>
+          <p:nvCxnSpPr>
+            <p:cNvPr id="10" name="Straight Arrow Connector 9"/>
+            <p:cNvCxnSpPr/>
+            <p:nvPr/>
+          </p:nvCxnSpPr>
+          <p:spPr>
+            <a:xfrm flipH="1" flipV="1">
+              <a:off x="5306518" y="5185410"/>
+              <a:ext cx="2053651" cy="720090"/>
+            </a:xfrm>
+            <a:prstGeom prst="straightConnector1">
+              <a:avLst/>
+            </a:prstGeom>
+            <a:ln w="38100">
+              <a:tailEnd type="triangle"/>
+            </a:ln>
+          </p:spPr>
+          <p:style>
+            <a:lnRef idx="1">
+              <a:schemeClr val="accent1"/>
+            </a:lnRef>
+            <a:fillRef idx="0">
+              <a:schemeClr val="accent1"/>
+            </a:fillRef>
+            <a:effectRef idx="0">
+              <a:schemeClr val="accent1"/>
+            </a:effectRef>
+            <a:fontRef idx="minor">
+              <a:schemeClr val="tx1"/>
+            </a:fontRef>
+          </p:style>
+        </p:cxnSp>
+        <p:sp>
+          <p:nvSpPr>
+            <p:cNvPr id="19" name="TextBox 18"/>
+            <p:cNvSpPr txBox="1"/>
+            <p:nvPr/>
+          </p:nvSpPr>
+          <p:spPr>
+            <a:xfrm>
+              <a:off x="7749915" y="5381469"/>
+              <a:ext cx="3342806" cy="646331"/>
+            </a:xfrm>
+            <a:prstGeom prst="rect">
+              <a:avLst/>
+            </a:prstGeom>
+            <a:noFill/>
+          </p:spPr>
+          <p:txBody>
+            <a:bodyPr wrap="square" rtlCol="0">
+              <a:spAutoFit/>
+            </a:bodyPr>
+            <a:lstStyle/>
+            <a:p>
+              <a:r>
+                <a:rPr lang="en-US" dirty="0" smtClean="0"/>
+                <a:t>Sets environment for simulation to start!</a:t>
+              </a:r>
+              <a:endParaRPr lang="en-US" dirty="0"/>
+            </a:p>
+          </p:txBody>
+        </p:sp>
+      </p:grpSp>
     </p:spTree>
     <p:extLst>
       <p:ext uri="{BB962C8B-B14F-4D97-AF65-F5344CB8AC3E}">
@@ -7769,6 +9424,382 @@
   <p:clrMapOvr>
     <a:masterClrMapping/>
   </p:clrMapOvr>
+  <p:timing>
+    <p:tnLst>
+      <p:par>
+        <p:cTn id="1" dur="indefinite" restart="never" nodeType="tmRoot">
+          <p:childTnLst>
+            <p:seq concurrent="1" nextAc="seek">
+              <p:cTn id="2" dur="indefinite" nodeType="mainSeq">
+                <p:childTnLst>
+                  <p:par>
+                    <p:cTn id="3" fill="hold">
+                      <p:stCondLst>
+                        <p:cond delay="indefinite"/>
+                      </p:stCondLst>
+                      <p:childTnLst>
+                        <p:par>
+                          <p:cTn id="4" fill="hold">
+                            <p:stCondLst>
+                              <p:cond delay="0"/>
+                            </p:stCondLst>
+                            <p:childTnLst>
+                              <p:par>
+                                <p:cTn id="5" presetID="2" presetClass="entr" presetSubtype="4" fill="hold" nodeType="clickEffect">
+                                  <p:stCondLst>
+                                    <p:cond delay="0"/>
+                                  </p:stCondLst>
+                                  <p:childTnLst>
+                                    <p:set>
+                                      <p:cBhvr>
+                                        <p:cTn id="6" dur="1" fill="hold">
+                                          <p:stCondLst>
+                                            <p:cond delay="0"/>
+                                          </p:stCondLst>
+                                        </p:cTn>
+                                        <p:tgtEl>
+                                          <p:spTgt spid="20"/>
+                                        </p:tgtEl>
+                                        <p:attrNameLst>
+                                          <p:attrName>style.visibility</p:attrName>
+                                        </p:attrNameLst>
+                                      </p:cBhvr>
+                                      <p:to>
+                                        <p:strVal val="visible"/>
+                                      </p:to>
+                                    </p:set>
+                                    <p:anim calcmode="lin" valueType="num">
+                                      <p:cBhvr additive="base">
+                                        <p:cTn id="7" dur="500" fill="hold"/>
+                                        <p:tgtEl>
+                                          <p:spTgt spid="20"/>
+                                        </p:tgtEl>
+                                        <p:attrNameLst>
+                                          <p:attrName>ppt_x</p:attrName>
+                                        </p:attrNameLst>
+                                      </p:cBhvr>
+                                      <p:tavLst>
+                                        <p:tav tm="0">
+                                          <p:val>
+                                            <p:strVal val="#ppt_x"/>
+                                          </p:val>
+                                        </p:tav>
+                                        <p:tav tm="100000">
+                                          <p:val>
+                                            <p:strVal val="#ppt_x"/>
+                                          </p:val>
+                                        </p:tav>
+                                      </p:tavLst>
+                                    </p:anim>
+                                    <p:anim calcmode="lin" valueType="num">
+                                      <p:cBhvr additive="base">
+                                        <p:cTn id="8" dur="500" fill="hold"/>
+                                        <p:tgtEl>
+                                          <p:spTgt spid="20"/>
+                                        </p:tgtEl>
+                                        <p:attrNameLst>
+                                          <p:attrName>ppt_y</p:attrName>
+                                        </p:attrNameLst>
+                                      </p:cBhvr>
+                                      <p:tavLst>
+                                        <p:tav tm="0">
+                                          <p:val>
+                                            <p:strVal val="1+#ppt_h/2"/>
+                                          </p:val>
+                                        </p:tav>
+                                        <p:tav tm="100000">
+                                          <p:val>
+                                            <p:strVal val="#ppt_y"/>
+                                          </p:val>
+                                        </p:tav>
+                                      </p:tavLst>
+                                    </p:anim>
+                                  </p:childTnLst>
+                                </p:cTn>
+                              </p:par>
+                            </p:childTnLst>
+                          </p:cTn>
+                        </p:par>
+                      </p:childTnLst>
+                    </p:cTn>
+                  </p:par>
+                  <p:par>
+                    <p:cTn id="9" fill="hold">
+                      <p:stCondLst>
+                        <p:cond delay="indefinite"/>
+                      </p:stCondLst>
+                      <p:childTnLst>
+                        <p:par>
+                          <p:cTn id="10" fill="hold">
+                            <p:stCondLst>
+                              <p:cond delay="0"/>
+                            </p:stCondLst>
+                            <p:childTnLst>
+                              <p:par>
+                                <p:cTn id="11" presetID="2" presetClass="entr" presetSubtype="4" fill="hold" nodeType="clickEffect">
+                                  <p:stCondLst>
+                                    <p:cond delay="0"/>
+                                  </p:stCondLst>
+                                  <p:childTnLst>
+                                    <p:set>
+                                      <p:cBhvr>
+                                        <p:cTn id="12" dur="1" fill="hold">
+                                          <p:stCondLst>
+                                            <p:cond delay="0"/>
+                                          </p:stCondLst>
+                                        </p:cTn>
+                                        <p:tgtEl>
+                                          <p:spTgt spid="21"/>
+                                        </p:tgtEl>
+                                        <p:attrNameLst>
+                                          <p:attrName>style.visibility</p:attrName>
+                                        </p:attrNameLst>
+                                      </p:cBhvr>
+                                      <p:to>
+                                        <p:strVal val="visible"/>
+                                      </p:to>
+                                    </p:set>
+                                    <p:anim calcmode="lin" valueType="num">
+                                      <p:cBhvr additive="base">
+                                        <p:cTn id="13" dur="500" fill="hold"/>
+                                        <p:tgtEl>
+                                          <p:spTgt spid="21"/>
+                                        </p:tgtEl>
+                                        <p:attrNameLst>
+                                          <p:attrName>ppt_x</p:attrName>
+                                        </p:attrNameLst>
+                                      </p:cBhvr>
+                                      <p:tavLst>
+                                        <p:tav tm="0">
+                                          <p:val>
+                                            <p:strVal val="#ppt_x"/>
+                                          </p:val>
+                                        </p:tav>
+                                        <p:tav tm="100000">
+                                          <p:val>
+                                            <p:strVal val="#ppt_x"/>
+                                          </p:val>
+                                        </p:tav>
+                                      </p:tavLst>
+                                    </p:anim>
+                                    <p:anim calcmode="lin" valueType="num">
+                                      <p:cBhvr additive="base">
+                                        <p:cTn id="14" dur="500" fill="hold"/>
+                                        <p:tgtEl>
+                                          <p:spTgt spid="21"/>
+                                        </p:tgtEl>
+                                        <p:attrNameLst>
+                                          <p:attrName>ppt_y</p:attrName>
+                                        </p:attrNameLst>
+                                      </p:cBhvr>
+                                      <p:tavLst>
+                                        <p:tav tm="0">
+                                          <p:val>
+                                            <p:strVal val="1+#ppt_h/2"/>
+                                          </p:val>
+                                        </p:tav>
+                                        <p:tav tm="100000">
+                                          <p:val>
+                                            <p:strVal val="#ppt_y"/>
+                                          </p:val>
+                                        </p:tav>
+                                      </p:tavLst>
+                                    </p:anim>
+                                  </p:childTnLst>
+                                </p:cTn>
+                              </p:par>
+                            </p:childTnLst>
+                          </p:cTn>
+                        </p:par>
+                      </p:childTnLst>
+                    </p:cTn>
+                  </p:par>
+                  <p:par>
+                    <p:cTn id="15" fill="hold">
+                      <p:stCondLst>
+                        <p:cond delay="indefinite"/>
+                      </p:stCondLst>
+                      <p:childTnLst>
+                        <p:par>
+                          <p:cTn id="16" fill="hold">
+                            <p:stCondLst>
+                              <p:cond delay="0"/>
+                            </p:stCondLst>
+                            <p:childTnLst>
+                              <p:par>
+                                <p:cTn id="17" presetID="2" presetClass="entr" presetSubtype="4" fill="hold" nodeType="clickEffect">
+                                  <p:stCondLst>
+                                    <p:cond delay="0"/>
+                                  </p:stCondLst>
+                                  <p:childTnLst>
+                                    <p:set>
+                                      <p:cBhvr>
+                                        <p:cTn id="18" dur="1" fill="hold">
+                                          <p:stCondLst>
+                                            <p:cond delay="0"/>
+                                          </p:stCondLst>
+                                        </p:cTn>
+                                        <p:tgtEl>
+                                          <p:spTgt spid="22"/>
+                                        </p:tgtEl>
+                                        <p:attrNameLst>
+                                          <p:attrName>style.visibility</p:attrName>
+                                        </p:attrNameLst>
+                                      </p:cBhvr>
+                                      <p:to>
+                                        <p:strVal val="visible"/>
+                                      </p:to>
+                                    </p:set>
+                                    <p:anim calcmode="lin" valueType="num">
+                                      <p:cBhvr additive="base">
+                                        <p:cTn id="19" dur="500" fill="hold"/>
+                                        <p:tgtEl>
+                                          <p:spTgt spid="22"/>
+                                        </p:tgtEl>
+                                        <p:attrNameLst>
+                                          <p:attrName>ppt_x</p:attrName>
+                                        </p:attrNameLst>
+                                      </p:cBhvr>
+                                      <p:tavLst>
+                                        <p:tav tm="0">
+                                          <p:val>
+                                            <p:strVal val="#ppt_x"/>
+                                          </p:val>
+                                        </p:tav>
+                                        <p:tav tm="100000">
+                                          <p:val>
+                                            <p:strVal val="#ppt_x"/>
+                                          </p:val>
+                                        </p:tav>
+                                      </p:tavLst>
+                                    </p:anim>
+                                    <p:anim calcmode="lin" valueType="num">
+                                      <p:cBhvr additive="base">
+                                        <p:cTn id="20" dur="500" fill="hold"/>
+                                        <p:tgtEl>
+                                          <p:spTgt spid="22"/>
+                                        </p:tgtEl>
+                                        <p:attrNameLst>
+                                          <p:attrName>ppt_y</p:attrName>
+                                        </p:attrNameLst>
+                                      </p:cBhvr>
+                                      <p:tavLst>
+                                        <p:tav tm="0">
+                                          <p:val>
+                                            <p:strVal val="1+#ppt_h/2"/>
+                                          </p:val>
+                                        </p:tav>
+                                        <p:tav tm="100000">
+                                          <p:val>
+                                            <p:strVal val="#ppt_y"/>
+                                          </p:val>
+                                        </p:tav>
+                                      </p:tavLst>
+                                    </p:anim>
+                                  </p:childTnLst>
+                                </p:cTn>
+                              </p:par>
+                              <p:par>
+                                <p:cTn id="21" presetID="2" presetClass="entr" presetSubtype="4" fill="hold" nodeType="withEffect">
+                                  <p:stCondLst>
+                                    <p:cond delay="0"/>
+                                  </p:stCondLst>
+                                  <p:childTnLst>
+                                    <p:set>
+                                      <p:cBhvr>
+                                        <p:cTn id="22" dur="1" fill="hold">
+                                          <p:stCondLst>
+                                            <p:cond delay="0"/>
+                                          </p:stCondLst>
+                                        </p:cTn>
+                                        <p:tgtEl>
+                                          <p:spTgt spid="23"/>
+                                        </p:tgtEl>
+                                        <p:attrNameLst>
+                                          <p:attrName>style.visibility</p:attrName>
+                                        </p:attrNameLst>
+                                      </p:cBhvr>
+                                      <p:to>
+                                        <p:strVal val="visible"/>
+                                      </p:to>
+                                    </p:set>
+                                    <p:anim calcmode="lin" valueType="num">
+                                      <p:cBhvr additive="base">
+                                        <p:cTn id="23" dur="500" fill="hold"/>
+                                        <p:tgtEl>
+                                          <p:spTgt spid="23"/>
+                                        </p:tgtEl>
+                                        <p:attrNameLst>
+                                          <p:attrName>ppt_x</p:attrName>
+                                        </p:attrNameLst>
+                                      </p:cBhvr>
+                                      <p:tavLst>
+                                        <p:tav tm="0">
+                                          <p:val>
+                                            <p:strVal val="#ppt_x"/>
+                                          </p:val>
+                                        </p:tav>
+                                        <p:tav tm="100000">
+                                          <p:val>
+                                            <p:strVal val="#ppt_x"/>
+                                          </p:val>
+                                        </p:tav>
+                                      </p:tavLst>
+                                    </p:anim>
+                                    <p:anim calcmode="lin" valueType="num">
+                                      <p:cBhvr additive="base">
+                                        <p:cTn id="24" dur="500" fill="hold"/>
+                                        <p:tgtEl>
+                                          <p:spTgt spid="23"/>
+                                        </p:tgtEl>
+                                        <p:attrNameLst>
+                                          <p:attrName>ppt_y</p:attrName>
+                                        </p:attrNameLst>
+                                      </p:cBhvr>
+                                      <p:tavLst>
+                                        <p:tav tm="0">
+                                          <p:val>
+                                            <p:strVal val="1+#ppt_h/2"/>
+                                          </p:val>
+                                        </p:tav>
+                                        <p:tav tm="100000">
+                                          <p:val>
+                                            <p:strVal val="#ppt_y"/>
+                                          </p:val>
+                                        </p:tav>
+                                      </p:tavLst>
+                                    </p:anim>
+                                  </p:childTnLst>
+                                </p:cTn>
+                              </p:par>
+                            </p:childTnLst>
+                          </p:cTn>
+                        </p:par>
+                      </p:childTnLst>
+                    </p:cTn>
+                  </p:par>
+                </p:childTnLst>
+              </p:cTn>
+              <p:prevCondLst>
+                <p:cond evt="onPrev" delay="0">
+                  <p:tgtEl>
+                    <p:sldTgt/>
+                  </p:tgtEl>
+                </p:cond>
+              </p:prevCondLst>
+              <p:nextCondLst>
+                <p:cond evt="onNext" delay="0">
+                  <p:tgtEl>
+                    <p:sldTgt/>
+                  </p:tgtEl>
+                </p:cond>
+              </p:nextCondLst>
+            </p:seq>
+          </p:childTnLst>
+        </p:cTn>
+      </p:par>
+    </p:tnLst>
+  </p:timing>
 </p:sld>
 </file>
 
@@ -7791,13 +9822,7 @@
       </p:grpSpPr>
       <p:sp>
         <p:nvSpPr>
-          <p:cNvPr id="2" name="Title 1">
-            <a:extLst>
-              <a:ext uri="{FF2B5EF4-FFF2-40B4-BE49-F238E27FC236}">
-                <a16:creationId xmlns:a16="http://schemas.microsoft.com/office/drawing/2014/main" id="{24FD0DF1-ACC1-4AD9-A473-BEA5AC2B7F9A}"/>
-              </a:ext>
-            </a:extLst>
-          </p:cNvPr>
+          <p:cNvPr id="2" name="Title 1"/>
           <p:cNvSpPr>
             <a:spLocks noGrp="1"/>
           </p:cNvSpPr>
@@ -7811,7 +9836,7 @@
           <a:lstStyle/>
           <a:p>
             <a:r>
-              <a:rPr lang="en-US" dirty="0" err="1"/>
+              <a:rPr lang="en-US" dirty="0" err="1" smtClean="0"/>
               <a:t>OpenMM</a:t>
             </a:r>
             <a:endParaRPr lang="en-US" dirty="0"/>
@@ -7820,13 +9845,7 @@
       </p:sp>
       <p:sp>
         <p:nvSpPr>
-          <p:cNvPr id="3" name="Content Placeholder 2">
-            <a:extLst>
-              <a:ext uri="{FF2B5EF4-FFF2-40B4-BE49-F238E27FC236}">
-                <a16:creationId xmlns:a16="http://schemas.microsoft.com/office/drawing/2014/main" id="{E81293C0-CABE-4105-90C2-9BFDFD84856D}"/>
-              </a:ext>
-            </a:extLst>
-          </p:cNvPr>
+          <p:cNvPr id="3" name="Content Placeholder 2"/>
           <p:cNvSpPr>
             <a:spLocks noGrp="1"/>
           </p:cNvSpPr>
@@ -7834,186 +9853,37 @@
             <p:ph idx="1"/>
           </p:nvPr>
         </p:nvSpPr>
-        <p:spPr/>
+        <p:spPr>
+          <a:xfrm>
+            <a:off x="1251677" y="2286001"/>
+            <a:ext cx="7217765" cy="3593591"/>
+          </a:xfrm>
+        </p:spPr>
         <p:txBody>
           <a:bodyPr/>
           <a:lstStyle/>
           <a:p>
-            <a:pPr marL="0" indent="0">
-              <a:buNone/>
-            </a:pPr>
-            <a:r>
-              <a:rPr lang="en-US" dirty="0" err="1">
-                <a:latin typeface="Courier New" panose="02070309020205020404" pitchFamily="49" charset="0"/>
-                <a:cs typeface="Courier New" panose="02070309020205020404" pitchFamily="49" charset="0"/>
-              </a:rPr>
-              <a:t>Simulation.reporters.clear</a:t>
-            </a:r>
-            <a:r>
-              <a:rPr lang="en-US" dirty="0">
-                <a:latin typeface="Courier New" panose="02070309020205020404" pitchFamily="49" charset="0"/>
-                <a:cs typeface="Courier New" panose="02070309020205020404" pitchFamily="49" charset="0"/>
-              </a:rPr>
-              <a:t>()</a:t>
-            </a:r>
-          </a:p>
-          <a:p>
-            <a:pPr marL="0" indent="0">
-              <a:buNone/>
-            </a:pPr>
-            <a:r>
-              <a:rPr lang="en-US" dirty="0" err="1">
-                <a:latin typeface="Courier New" panose="02070309020205020404" pitchFamily="49" charset="0"/>
-                <a:cs typeface="Courier New" panose="02070309020205020404" pitchFamily="49" charset="0"/>
-              </a:rPr>
-              <a:t>Simulatoin.reporters.append</a:t>
-            </a:r>
-            <a:r>
-              <a:rPr lang="en-US" dirty="0">
-                <a:latin typeface="Courier New" panose="02070309020205020404" pitchFamily="49" charset="0"/>
-                <a:cs typeface="Courier New" panose="02070309020205020404" pitchFamily="49" charset="0"/>
-              </a:rPr>
-              <a:t>(</a:t>
-            </a:r>
-            <a:r>
-              <a:rPr lang="en-US" dirty="0" err="1">
-                <a:latin typeface="Courier New" panose="02070309020205020404" pitchFamily="49" charset="0"/>
-                <a:cs typeface="Courier New" panose="02070309020205020404" pitchFamily="49" charset="0"/>
-              </a:rPr>
-              <a:t>app.DCDReporter</a:t>
-            </a:r>
-            <a:r>
-              <a:rPr lang="en-US" dirty="0">
-                <a:latin typeface="Courier New" panose="02070309020205020404" pitchFamily="49" charset="0"/>
-                <a:cs typeface="Courier New" panose="02070309020205020404" pitchFamily="49" charset="0"/>
-              </a:rPr>
-              <a:t>(&lt;</a:t>
-            </a:r>
-            <a:r>
-              <a:rPr lang="en-US" dirty="0" err="1">
-                <a:latin typeface="Courier New" panose="02070309020205020404" pitchFamily="49" charset="0"/>
-                <a:cs typeface="Courier New" panose="02070309020205020404" pitchFamily="49" charset="0"/>
-              </a:rPr>
-              <a:t>file.dcd</a:t>
-            </a:r>
-            <a:r>
-              <a:rPr lang="en-US" dirty="0">
-                <a:latin typeface="Courier New" panose="02070309020205020404" pitchFamily="49" charset="0"/>
-                <a:cs typeface="Courier New" panose="02070309020205020404" pitchFamily="49" charset="0"/>
-              </a:rPr>
-              <a:t>&gt;,&lt;#&gt;)</a:t>
-            </a:r>
-          </a:p>
-          <a:p>
-            <a:pPr marL="0" indent="0">
-              <a:buNone/>
-            </a:pPr>
-            <a:r>
-              <a:rPr lang="en-US" dirty="0" err="1">
-                <a:latin typeface="Courier New" panose="02070309020205020404" pitchFamily="49" charset="0"/>
-                <a:cs typeface="Courier New" panose="02070309020205020404" pitchFamily="49" charset="0"/>
-              </a:rPr>
-              <a:t>Simulation.reporters.append</a:t>
-            </a:r>
-            <a:r>
-              <a:rPr lang="en-US" dirty="0">
-                <a:latin typeface="Courier New" panose="02070309020205020404" pitchFamily="49" charset="0"/>
-                <a:cs typeface="Courier New" panose="02070309020205020404" pitchFamily="49" charset="0"/>
-              </a:rPr>
-              <a:t>(</a:t>
-            </a:r>
-            <a:r>
-              <a:rPr lang="en-US" dirty="0" err="1">
-                <a:latin typeface="Courier New" panose="02070309020205020404" pitchFamily="49" charset="0"/>
-                <a:cs typeface="Courier New" panose="02070309020205020404" pitchFamily="49" charset="0"/>
-              </a:rPr>
-              <a:t>app.StateDataReporter</a:t>
-            </a:r>
-            <a:r>
-              <a:rPr lang="en-US" dirty="0">
-                <a:latin typeface="Courier New" panose="02070309020205020404" pitchFamily="49" charset="0"/>
-                <a:cs typeface="Courier New" panose="02070309020205020404" pitchFamily="49" charset="0"/>
-              </a:rPr>
-              <a:t>(</a:t>
-            </a:r>
-            <a:r>
-              <a:rPr lang="en-US" dirty="0" err="1">
-                <a:latin typeface="Courier New" panose="02070309020205020404" pitchFamily="49" charset="0"/>
-                <a:cs typeface="Courier New" panose="02070309020205020404" pitchFamily="49" charset="0"/>
-              </a:rPr>
-              <a:t>stdout</a:t>
-            </a:r>
-            <a:r>
-              <a:rPr lang="en-US" dirty="0">
-                <a:latin typeface="Courier New" panose="02070309020205020404" pitchFamily="49" charset="0"/>
-                <a:cs typeface="Courier New" panose="02070309020205020404" pitchFamily="49" charset="0"/>
-              </a:rPr>
-              <a:t>,&lt;stuff&gt;)</a:t>
-            </a:r>
-          </a:p>
-          <a:p>
-            <a:pPr marL="0" indent="0">
-              <a:buNone/>
-            </a:pPr>
-            <a:r>
-              <a:rPr lang="en-US" dirty="0" err="1">
-                <a:latin typeface="Courier New" panose="02070309020205020404" pitchFamily="49" charset="0"/>
-                <a:cs typeface="Courier New" panose="02070309020205020404" pitchFamily="49" charset="0"/>
-              </a:rPr>
-              <a:t>Simulation.step</a:t>
-            </a:r>
-            <a:r>
-              <a:rPr lang="en-US" dirty="0">
-                <a:latin typeface="Courier New" panose="02070309020205020404" pitchFamily="49" charset="0"/>
-                <a:cs typeface="Courier New" panose="02070309020205020404" pitchFamily="49" charset="0"/>
-              </a:rPr>
-              <a:t>(&lt;#&gt;)</a:t>
-            </a:r>
-          </a:p>
-          <a:p>
-            <a:pPr marL="0" indent="0">
-              <a:buNone/>
-            </a:pPr>
-            <a:endParaRPr lang="en-US" dirty="0">
-              <a:latin typeface="Courier New" panose="02070309020205020404" pitchFamily="49" charset="0"/>
-              <a:cs typeface="Courier New" panose="02070309020205020404" pitchFamily="49" charset="0"/>
-            </a:endParaRPr>
-          </a:p>
-          <a:p>
-            <a:pPr marL="0" indent="0">
-              <a:buNone/>
-            </a:pPr>
-            <a:r>
-              <a:rPr lang="en-US" sz="2800" dirty="0">
-                <a:cs typeface="Courier New" panose="02070309020205020404" pitchFamily="49" charset="0"/>
-              </a:rPr>
-              <a:t>Your simulation has been completed and data read into a dcd file for </a:t>
-            </a:r>
-            <a:r>
-              <a:rPr lang="en-US" sz="2800" dirty="0" err="1">
-                <a:cs typeface="Courier New" panose="02070309020205020404" pitchFamily="49" charset="0"/>
-              </a:rPr>
-              <a:t>MDTraj</a:t>
-            </a:r>
-            <a:r>
-              <a:rPr lang="en-US" sz="2800" dirty="0">
-                <a:cs typeface="Courier New" panose="02070309020205020404" pitchFamily="49" charset="0"/>
-              </a:rPr>
-              <a:t> to analyses</a:t>
-            </a:r>
+            <a:endParaRPr lang="en-US" dirty="0"/>
           </a:p>
         </p:txBody>
       </p:sp>
     </p:spTree>
     <p:extLst>
       <p:ext uri="{BB962C8B-B14F-4D97-AF65-F5344CB8AC3E}">
-        <p14:creationId xmlns:p14="http://schemas.microsoft.com/office/powerpoint/2010/main" val="3767654153"/>
+        <p14:creationId xmlns:p14="http://schemas.microsoft.com/office/powerpoint/2010/main" val="315638262"/>
       </p:ext>
     </p:extLst>
   </p:cSld>
   <p:clrMapOvr>
     <a:masterClrMapping/>
   </p:clrMapOvr>
+  <p:timing>
+    <p:tnLst>
+      <p:par>
+        <p:cTn id="1" dur="indefinite" restart="never" nodeType="tmRoot"/>
+      </p:par>
+    </p:tnLst>
+  </p:timing>
 </p:sld>
 </file>
 
@@ -8039,7 +9909,7 @@
           <p:cNvPr id="2" name="Title 1">
             <a:extLst>
               <a:ext uri="{FF2B5EF4-FFF2-40B4-BE49-F238E27FC236}">
-                <a16:creationId xmlns:a16="http://schemas.microsoft.com/office/drawing/2014/main" id="{66E36B59-6B0B-404C-AC42-E52A35787D2D}"/>
+                <a16:creationId xmlns:a16="http://schemas.microsoft.com/office/drawing/2014/main" xmlns="" id="{24FD0DF1-ACC1-4AD9-A473-BEA5AC2B7F9A}"/>
               </a:ext>
             </a:extLst>
           </p:cNvPr>
@@ -8057,7 +9927,7 @@
           <a:p>
             <a:r>
               <a:rPr lang="en-US" dirty="0" err="1"/>
-              <a:t>MDTraj</a:t>
+              <a:t>OpenMM</a:t>
             </a:r>
             <a:endParaRPr lang="en-US" dirty="0"/>
           </a:p>
@@ -8065,10 +9935,10 @@
       </p:sp>
       <p:sp>
         <p:nvSpPr>
-          <p:cNvPr id="6" name="Text Placeholder 5">
+          <p:cNvPr id="3" name="Content Placeholder 2">
             <a:extLst>
               <a:ext uri="{FF2B5EF4-FFF2-40B4-BE49-F238E27FC236}">
-                <a16:creationId xmlns:a16="http://schemas.microsoft.com/office/drawing/2014/main" id="{A2F2D65F-0804-47E8-BF70-3A509B790B8F}"/>
+                <a16:creationId xmlns:a16="http://schemas.microsoft.com/office/drawing/2014/main" xmlns="" id="{E81293C0-CABE-4105-90C2-9BFDFD84856D}"/>
               </a:ext>
             </a:extLst>
           </p:cNvPr>
@@ -8076,137 +9946,888 @@
             <a:spLocks noGrp="1"/>
           </p:cNvSpPr>
           <p:nvPr>
-            <p:ph type="body" idx="1"/>
+            <p:ph idx="1"/>
           </p:nvPr>
         </p:nvSpPr>
-        <p:spPr/>
+        <p:spPr>
+          <a:xfrm>
+            <a:off x="1257300" y="1604254"/>
+            <a:ext cx="7736798" cy="4638831"/>
+          </a:xfrm>
+        </p:spPr>
         <p:txBody>
-          <a:bodyPr/>
+          <a:bodyPr>
+            <a:noAutofit/>
+          </a:bodyPr>
           <a:lstStyle/>
           <a:p>
-            <a:r>
-              <a:rPr lang="en-US" dirty="0"/>
-              <a:t>What is it</a:t>
-            </a:r>
+            <a:pPr marL="0" indent="0">
+              <a:buNone/>
+            </a:pPr>
+            <a:r>
+              <a:rPr lang="en-US" sz="1600" dirty="0" err="1">
+                <a:latin typeface="Courier New" panose="02070309020205020404" pitchFamily="49" charset="0"/>
+                <a:cs typeface="Courier New" panose="02070309020205020404" pitchFamily="49" charset="0"/>
+              </a:rPr>
+              <a:t>Simulation.minimizeEnergy</a:t>
+            </a:r>
+            <a:r>
+              <a:rPr lang="en-US" sz="1600" dirty="0" smtClean="0">
+                <a:latin typeface="Courier New" panose="02070309020205020404" pitchFamily="49" charset="0"/>
+                <a:cs typeface="Courier New" panose="02070309020205020404" pitchFamily="49" charset="0"/>
+              </a:rPr>
+              <a:t>()</a:t>
+            </a:r>
+          </a:p>
+          <a:p>
+            <a:pPr marL="0" indent="0">
+              <a:buNone/>
+            </a:pPr>
+            <a:endParaRPr lang="en-US" sz="1600" dirty="0">
+              <a:latin typeface="Courier New" panose="02070309020205020404" pitchFamily="49" charset="0"/>
+              <a:cs typeface="Courier New" panose="02070309020205020404" pitchFamily="49" charset="0"/>
+            </a:endParaRPr>
+          </a:p>
+          <a:p>
+            <a:pPr marL="0" indent="0">
+              <a:buNone/>
+            </a:pPr>
+            <a:r>
+              <a:rPr lang="en-US" sz="1600" dirty="0" err="1" smtClean="0">
+                <a:latin typeface="Courier New" panose="02070309020205020404" pitchFamily="49" charset="0"/>
+                <a:cs typeface="Courier New" panose="02070309020205020404" pitchFamily="49" charset="0"/>
+              </a:rPr>
+              <a:t>Simulation.context.setVelocitiesToTemperature</a:t>
+            </a:r>
+            <a:endParaRPr lang="en-US" sz="1600" dirty="0" smtClean="0">
+              <a:latin typeface="Courier New" panose="02070309020205020404" pitchFamily="49" charset="0"/>
+              <a:cs typeface="Courier New" panose="02070309020205020404" pitchFamily="49" charset="0"/>
+            </a:endParaRPr>
+          </a:p>
+          <a:p>
+            <a:pPr marL="0" indent="0">
+              <a:buNone/>
+            </a:pPr>
+            <a:r>
+              <a:rPr lang="en-US" sz="1600" dirty="0">
+                <a:latin typeface="Courier New" panose="02070309020205020404" pitchFamily="49" charset="0"/>
+                <a:cs typeface="Courier New" panose="02070309020205020404" pitchFamily="49" charset="0"/>
+              </a:rPr>
+              <a:t>	</a:t>
+            </a:r>
+            <a:r>
+              <a:rPr lang="en-US" sz="1600" dirty="0" smtClean="0">
+                <a:latin typeface="Courier New" panose="02070309020205020404" pitchFamily="49" charset="0"/>
+                <a:cs typeface="Courier New" panose="02070309020205020404" pitchFamily="49" charset="0"/>
+              </a:rPr>
+              <a:t>(&lt;#&gt;*</a:t>
+            </a:r>
+            <a:r>
+              <a:rPr lang="en-US" sz="1600" dirty="0" err="1">
+                <a:latin typeface="Courier New" panose="02070309020205020404" pitchFamily="49" charset="0"/>
+                <a:cs typeface="Courier New" panose="02070309020205020404" pitchFamily="49" charset="0"/>
+              </a:rPr>
+              <a:t>unit.kelvin</a:t>
+            </a:r>
+            <a:r>
+              <a:rPr lang="en-US" sz="1600" dirty="0">
+                <a:latin typeface="Courier New" panose="02070309020205020404" pitchFamily="49" charset="0"/>
+                <a:cs typeface="Courier New" panose="02070309020205020404" pitchFamily="49" charset="0"/>
+              </a:rPr>
+              <a:t>)</a:t>
+            </a:r>
+          </a:p>
+          <a:p>
+            <a:pPr marL="0" indent="0">
+              <a:buNone/>
+            </a:pPr>
+            <a:r>
+              <a:rPr lang="en-US" sz="1600" dirty="0" err="1" smtClean="0">
+                <a:latin typeface="Courier New" panose="02070309020205020404" pitchFamily="49" charset="0"/>
+                <a:cs typeface="Courier New" panose="02070309020205020404" pitchFamily="49" charset="0"/>
+              </a:rPr>
+              <a:t>Simulation.reports.append</a:t>
+            </a:r>
+            <a:r>
+              <a:rPr lang="en-US" sz="1600" dirty="0" smtClean="0">
+                <a:latin typeface="Courier New" panose="02070309020205020404" pitchFamily="49" charset="0"/>
+                <a:cs typeface="Courier New" panose="02070309020205020404" pitchFamily="49" charset="0"/>
+              </a:rPr>
+              <a:t>(</a:t>
+            </a:r>
+            <a:r>
+              <a:rPr lang="en-US" sz="1600" dirty="0" err="1" smtClean="0">
+                <a:latin typeface="Courier New" panose="02070309020205020404" pitchFamily="49" charset="0"/>
+                <a:cs typeface="Courier New" panose="02070309020205020404" pitchFamily="49" charset="0"/>
+              </a:rPr>
+              <a:t>app.StateDataReporter</a:t>
+            </a:r>
+            <a:endParaRPr lang="en-US" sz="1600" dirty="0" smtClean="0">
+              <a:latin typeface="Courier New" panose="02070309020205020404" pitchFamily="49" charset="0"/>
+              <a:cs typeface="Courier New" panose="02070309020205020404" pitchFamily="49" charset="0"/>
+            </a:endParaRPr>
+          </a:p>
+          <a:p>
+            <a:pPr marL="0" indent="0">
+              <a:buNone/>
+            </a:pPr>
+            <a:r>
+              <a:rPr lang="en-US" sz="1600" dirty="0">
+                <a:latin typeface="Courier New" panose="02070309020205020404" pitchFamily="49" charset="0"/>
+                <a:cs typeface="Courier New" panose="02070309020205020404" pitchFamily="49" charset="0"/>
+              </a:rPr>
+              <a:t>	</a:t>
+            </a:r>
+            <a:r>
+              <a:rPr lang="en-US" sz="1600" dirty="0" smtClean="0">
+                <a:latin typeface="Courier New" panose="02070309020205020404" pitchFamily="49" charset="0"/>
+                <a:cs typeface="Courier New" panose="02070309020205020404" pitchFamily="49" charset="0"/>
+              </a:rPr>
+              <a:t>(</a:t>
+            </a:r>
+            <a:r>
+              <a:rPr lang="en-US" sz="1600" dirty="0" err="1">
+                <a:latin typeface="Courier New" panose="02070309020205020404" pitchFamily="49" charset="0"/>
+                <a:cs typeface="Courier New" panose="02070309020205020404" pitchFamily="49" charset="0"/>
+              </a:rPr>
+              <a:t>stdout</a:t>
+            </a:r>
+            <a:r>
+              <a:rPr lang="en-US" sz="1600" dirty="0">
+                <a:latin typeface="Courier New" panose="02070309020205020404" pitchFamily="49" charset="0"/>
+                <a:cs typeface="Courier New" panose="02070309020205020404" pitchFamily="49" charset="0"/>
+              </a:rPr>
+              <a:t>,&lt;stuff&gt;)</a:t>
+            </a:r>
+          </a:p>
+          <a:p>
+            <a:pPr marL="0" indent="0">
+              <a:buNone/>
+            </a:pPr>
+            <a:r>
+              <a:rPr lang="en-US" sz="1600" dirty="0" err="1">
+                <a:latin typeface="Courier New" panose="02070309020205020404" pitchFamily="49" charset="0"/>
+                <a:cs typeface="Courier New" panose="02070309020205020404" pitchFamily="49" charset="0"/>
+              </a:rPr>
+              <a:t>Simulation.step</a:t>
+            </a:r>
+            <a:r>
+              <a:rPr lang="en-US" sz="1600" dirty="0">
+                <a:latin typeface="Courier New" panose="02070309020205020404" pitchFamily="49" charset="0"/>
+                <a:cs typeface="Courier New" panose="02070309020205020404" pitchFamily="49" charset="0"/>
+              </a:rPr>
+              <a:t>(&lt;#&gt;)</a:t>
+            </a:r>
+          </a:p>
+          <a:p>
+            <a:pPr marL="0" indent="0">
+              <a:buNone/>
+            </a:pPr>
+            <a:endParaRPr lang="en-US" sz="1600" dirty="0" smtClean="0">
+              <a:latin typeface="Courier New" panose="02070309020205020404" pitchFamily="49" charset="0"/>
+              <a:cs typeface="Courier New" panose="02070309020205020404" pitchFamily="49" charset="0"/>
+            </a:endParaRPr>
+          </a:p>
+          <a:p>
+            <a:pPr marL="0" indent="0">
+              <a:buNone/>
+            </a:pPr>
+            <a:r>
+              <a:rPr lang="en-US" sz="1600" dirty="0" err="1" smtClean="0">
+                <a:latin typeface="Courier New" panose="02070309020205020404" pitchFamily="49" charset="0"/>
+                <a:cs typeface="Courier New" panose="02070309020205020404" pitchFamily="49" charset="0"/>
+              </a:rPr>
+              <a:t>Simulation.reporters.clear</a:t>
+            </a:r>
+            <a:r>
+              <a:rPr lang="en-US" sz="1600" dirty="0">
+                <a:latin typeface="Courier New" panose="02070309020205020404" pitchFamily="49" charset="0"/>
+                <a:cs typeface="Courier New" panose="02070309020205020404" pitchFamily="49" charset="0"/>
+              </a:rPr>
+              <a:t>()</a:t>
+            </a:r>
+          </a:p>
+          <a:p>
+            <a:pPr marL="0" indent="0">
+              <a:buNone/>
+            </a:pPr>
+            <a:r>
+              <a:rPr lang="en-US" sz="1600" dirty="0" err="1" smtClean="0">
+                <a:latin typeface="Courier New" panose="02070309020205020404" pitchFamily="49" charset="0"/>
+                <a:cs typeface="Courier New" panose="02070309020205020404" pitchFamily="49" charset="0"/>
+              </a:rPr>
+              <a:t>Simulatoin.reporters.append</a:t>
+            </a:r>
+            <a:r>
+              <a:rPr lang="en-US" sz="1600" dirty="0" smtClean="0">
+                <a:latin typeface="Courier New" panose="02070309020205020404" pitchFamily="49" charset="0"/>
+                <a:cs typeface="Courier New" panose="02070309020205020404" pitchFamily="49" charset="0"/>
+              </a:rPr>
+              <a:t>(</a:t>
+            </a:r>
+            <a:r>
+              <a:rPr lang="en-US" sz="1600" dirty="0" err="1" smtClean="0">
+                <a:latin typeface="Courier New" panose="02070309020205020404" pitchFamily="49" charset="0"/>
+                <a:cs typeface="Courier New" panose="02070309020205020404" pitchFamily="49" charset="0"/>
+              </a:rPr>
+              <a:t>app.DCDReporter</a:t>
+            </a:r>
+            <a:endParaRPr lang="en-US" sz="1600" dirty="0" smtClean="0">
+              <a:latin typeface="Courier New" panose="02070309020205020404" pitchFamily="49" charset="0"/>
+              <a:cs typeface="Courier New" panose="02070309020205020404" pitchFamily="49" charset="0"/>
+            </a:endParaRPr>
+          </a:p>
+          <a:p>
+            <a:pPr marL="0" indent="0">
+              <a:buNone/>
+            </a:pPr>
+            <a:r>
+              <a:rPr lang="en-US" sz="1600" dirty="0">
+                <a:latin typeface="Courier New" panose="02070309020205020404" pitchFamily="49" charset="0"/>
+                <a:cs typeface="Courier New" panose="02070309020205020404" pitchFamily="49" charset="0"/>
+              </a:rPr>
+              <a:t>	</a:t>
+            </a:r>
+            <a:r>
+              <a:rPr lang="en-US" sz="1600" dirty="0" smtClean="0">
+                <a:latin typeface="Courier New" panose="02070309020205020404" pitchFamily="49" charset="0"/>
+                <a:cs typeface="Courier New" panose="02070309020205020404" pitchFamily="49" charset="0"/>
+              </a:rPr>
+              <a:t>(&lt;</a:t>
+            </a:r>
+            <a:r>
+              <a:rPr lang="en-US" sz="1600" dirty="0" err="1">
+                <a:latin typeface="Courier New" panose="02070309020205020404" pitchFamily="49" charset="0"/>
+                <a:cs typeface="Courier New" panose="02070309020205020404" pitchFamily="49" charset="0"/>
+              </a:rPr>
+              <a:t>file.dcd</a:t>
+            </a:r>
+            <a:r>
+              <a:rPr lang="en-US" sz="1600" dirty="0">
+                <a:latin typeface="Courier New" panose="02070309020205020404" pitchFamily="49" charset="0"/>
+                <a:cs typeface="Courier New" panose="02070309020205020404" pitchFamily="49" charset="0"/>
+              </a:rPr>
+              <a:t>&gt;,&lt;#&gt;)</a:t>
+            </a:r>
+          </a:p>
+          <a:p>
+            <a:pPr marL="0" indent="0">
+              <a:buNone/>
+            </a:pPr>
+            <a:r>
+              <a:rPr lang="en-US" sz="1600" dirty="0" err="1" smtClean="0">
+                <a:latin typeface="Courier New" panose="02070309020205020404" pitchFamily="49" charset="0"/>
+                <a:cs typeface="Courier New" panose="02070309020205020404" pitchFamily="49" charset="0"/>
+              </a:rPr>
+              <a:t>Simulation.reporters.append</a:t>
+            </a:r>
+            <a:r>
+              <a:rPr lang="en-US" sz="1600" dirty="0" smtClean="0">
+                <a:latin typeface="Courier New" panose="02070309020205020404" pitchFamily="49" charset="0"/>
+                <a:cs typeface="Courier New" panose="02070309020205020404" pitchFamily="49" charset="0"/>
+              </a:rPr>
+              <a:t>(</a:t>
+            </a:r>
+            <a:r>
+              <a:rPr lang="en-US" sz="1600" dirty="0" err="1" smtClean="0">
+                <a:latin typeface="Courier New" panose="02070309020205020404" pitchFamily="49" charset="0"/>
+                <a:cs typeface="Courier New" panose="02070309020205020404" pitchFamily="49" charset="0"/>
+              </a:rPr>
+              <a:t>app.StateDataReporter</a:t>
+            </a:r>
+            <a:endParaRPr lang="en-US" sz="1600" dirty="0" smtClean="0">
+              <a:latin typeface="Courier New" panose="02070309020205020404" pitchFamily="49" charset="0"/>
+              <a:cs typeface="Courier New" panose="02070309020205020404" pitchFamily="49" charset="0"/>
+            </a:endParaRPr>
+          </a:p>
+          <a:p>
+            <a:pPr marL="0" indent="0">
+              <a:buNone/>
+            </a:pPr>
+            <a:r>
+              <a:rPr lang="en-US" sz="1600" dirty="0" smtClean="0">
+                <a:latin typeface="Courier New" panose="02070309020205020404" pitchFamily="49" charset="0"/>
+                <a:cs typeface="Courier New" panose="02070309020205020404" pitchFamily="49" charset="0"/>
+              </a:rPr>
+              <a:t>	(</a:t>
+            </a:r>
+            <a:r>
+              <a:rPr lang="en-US" sz="1600" dirty="0" err="1">
+                <a:latin typeface="Courier New" panose="02070309020205020404" pitchFamily="49" charset="0"/>
+                <a:cs typeface="Courier New" panose="02070309020205020404" pitchFamily="49" charset="0"/>
+              </a:rPr>
+              <a:t>stdout</a:t>
+            </a:r>
+            <a:r>
+              <a:rPr lang="en-US" sz="1600" dirty="0">
+                <a:latin typeface="Courier New" panose="02070309020205020404" pitchFamily="49" charset="0"/>
+                <a:cs typeface="Courier New" panose="02070309020205020404" pitchFamily="49" charset="0"/>
+              </a:rPr>
+              <a:t>,&lt;stuff&gt;)</a:t>
+            </a:r>
+          </a:p>
+          <a:p>
+            <a:pPr marL="0" indent="0">
+              <a:buNone/>
+            </a:pPr>
+            <a:r>
+              <a:rPr lang="en-US" sz="1600" dirty="0" err="1">
+                <a:latin typeface="Courier New" panose="02070309020205020404" pitchFamily="49" charset="0"/>
+                <a:cs typeface="Courier New" panose="02070309020205020404" pitchFamily="49" charset="0"/>
+              </a:rPr>
+              <a:t>Simulation.step</a:t>
+            </a:r>
+            <a:r>
+              <a:rPr lang="en-US" sz="1600" dirty="0" smtClean="0">
+                <a:latin typeface="Courier New" panose="02070309020205020404" pitchFamily="49" charset="0"/>
+                <a:cs typeface="Courier New" panose="02070309020205020404" pitchFamily="49" charset="0"/>
+              </a:rPr>
+              <a:t>(&lt;#&gt;)</a:t>
+            </a:r>
+            <a:endParaRPr lang="en-US" sz="1600" dirty="0">
+              <a:latin typeface="Courier New" panose="02070309020205020404" pitchFamily="49" charset="0"/>
+              <a:cs typeface="Courier New" panose="02070309020205020404" pitchFamily="49" charset="0"/>
+            </a:endParaRPr>
+          </a:p>
+        </p:txBody>
+      </p:sp>
+      <p:cxnSp>
+        <p:nvCxnSpPr>
+          <p:cNvPr id="4" name="Straight Arrow Connector 3"/>
+          <p:cNvCxnSpPr/>
+          <p:nvPr/>
+        </p:nvCxnSpPr>
+        <p:spPr>
+          <a:xfrm flipH="1">
+            <a:off x="3837482" y="3429000"/>
+            <a:ext cx="5636303" cy="498423"/>
+          </a:xfrm>
+          <a:prstGeom prst="straightConnector1">
+            <a:avLst/>
+          </a:prstGeom>
+          <a:ln w="38100">
+            <a:tailEnd type="triangle"/>
+          </a:ln>
+        </p:spPr>
+        <p:style>
+          <a:lnRef idx="1">
+            <a:schemeClr val="accent1"/>
+          </a:lnRef>
+          <a:fillRef idx="0">
+            <a:schemeClr val="accent1"/>
+          </a:fillRef>
+          <a:effectRef idx="0">
+            <a:schemeClr val="accent1"/>
+          </a:effectRef>
+          <a:fontRef idx="minor">
+            <a:schemeClr val="tx1"/>
+          </a:fontRef>
+        </p:style>
+      </p:cxnSp>
+      <p:cxnSp>
+        <p:nvCxnSpPr>
+          <p:cNvPr id="5" name="Straight Arrow Connector 4"/>
+          <p:cNvCxnSpPr/>
+          <p:nvPr/>
+        </p:nvCxnSpPr>
+        <p:spPr>
+          <a:xfrm flipH="1">
+            <a:off x="6921758" y="2227182"/>
+            <a:ext cx="2109044" cy="322978"/>
+          </a:xfrm>
+          <a:prstGeom prst="straightConnector1">
+            <a:avLst/>
+          </a:prstGeom>
+          <a:ln w="38100">
+            <a:tailEnd type="triangle"/>
+          </a:ln>
+        </p:spPr>
+        <p:style>
+          <a:lnRef idx="1">
+            <a:schemeClr val="accent1"/>
+          </a:lnRef>
+          <a:fillRef idx="0">
+            <a:schemeClr val="accent1"/>
+          </a:fillRef>
+          <a:effectRef idx="0">
+            <a:schemeClr val="accent1"/>
+          </a:effectRef>
+          <a:fontRef idx="minor">
+            <a:schemeClr val="tx1"/>
+          </a:fontRef>
+        </p:style>
+      </p:cxnSp>
+      <p:cxnSp>
+        <p:nvCxnSpPr>
+          <p:cNvPr id="6" name="Straight Arrow Connector 5"/>
+          <p:cNvCxnSpPr/>
+          <p:nvPr/>
+        </p:nvCxnSpPr>
+        <p:spPr>
+          <a:xfrm flipH="1">
+            <a:off x="7136666" y="2790067"/>
+            <a:ext cx="1745682" cy="492779"/>
+          </a:xfrm>
+          <a:prstGeom prst="straightConnector1">
+            <a:avLst/>
+          </a:prstGeom>
+          <a:ln w="38100">
+            <a:tailEnd type="triangle"/>
+          </a:ln>
+        </p:spPr>
+        <p:style>
+          <a:lnRef idx="1">
+            <a:schemeClr val="accent1"/>
+          </a:lnRef>
+          <a:fillRef idx="0">
+            <a:schemeClr val="accent1"/>
+          </a:fillRef>
+          <a:effectRef idx="0">
+            <a:schemeClr val="accent1"/>
+          </a:effectRef>
+          <a:fontRef idx="minor">
+            <a:schemeClr val="tx1"/>
+          </a:fontRef>
+        </p:style>
+      </p:cxnSp>
+      <p:cxnSp>
+        <p:nvCxnSpPr>
+          <p:cNvPr id="8" name="Straight Arrow Connector 7"/>
+          <p:cNvCxnSpPr/>
+          <p:nvPr/>
+        </p:nvCxnSpPr>
+        <p:spPr>
+          <a:xfrm flipH="1">
+            <a:off x="4676931" y="1229193"/>
+            <a:ext cx="2687463" cy="645324"/>
+          </a:xfrm>
+          <a:prstGeom prst="straightConnector1">
+            <a:avLst/>
+          </a:prstGeom>
+          <a:ln w="38100">
+            <a:tailEnd type="triangle"/>
+          </a:ln>
+        </p:spPr>
+        <p:style>
+          <a:lnRef idx="1">
+            <a:schemeClr val="accent1"/>
+          </a:lnRef>
+          <a:fillRef idx="0">
+            <a:schemeClr val="accent1"/>
+          </a:fillRef>
+          <a:effectRef idx="0">
+            <a:schemeClr val="accent1"/>
+          </a:effectRef>
+          <a:fontRef idx="minor">
+            <a:schemeClr val="tx1"/>
+          </a:fontRef>
+        </p:style>
+      </p:cxnSp>
+      <p:sp>
+        <p:nvSpPr>
+          <p:cNvPr id="12" name="TextBox 11"/>
+          <p:cNvSpPr txBox="1"/>
+          <p:nvPr/>
+        </p:nvSpPr>
+        <p:spPr>
+          <a:xfrm>
+            <a:off x="7494070" y="1035506"/>
+            <a:ext cx="3806253" cy="369332"/>
+          </a:xfrm>
+          <a:prstGeom prst="rect">
+            <a:avLst/>
+          </a:prstGeom>
+          <a:noFill/>
+        </p:spPr>
+        <p:txBody>
+          <a:bodyPr wrap="square" rtlCol="0">
+            <a:spAutoFit/>
+          </a:bodyPr>
+          <a:lstStyle/>
+          <a:p>
+            <a:r>
+              <a:rPr lang="en-US" dirty="0" smtClean="0"/>
+              <a:t>Find Local minima as a starting point</a:t>
+            </a:r>
+            <a:endParaRPr lang="en-US" dirty="0"/>
           </a:p>
         </p:txBody>
       </p:sp>
       <p:sp>
         <p:nvSpPr>
-          <p:cNvPr id="4" name="Content Placeholder 3">
-            <a:extLst>
-              <a:ext uri="{FF2B5EF4-FFF2-40B4-BE49-F238E27FC236}">
-                <a16:creationId xmlns:a16="http://schemas.microsoft.com/office/drawing/2014/main" id="{3EA8F5F1-FE52-43EF-819A-D4B56025C7C7}"/>
-              </a:ext>
-            </a:extLst>
-          </p:cNvPr>
-          <p:cNvSpPr>
-            <a:spLocks noGrp="1"/>
-          </p:cNvSpPr>
-          <p:nvPr>
-            <p:ph sz="half" idx="2"/>
-          </p:nvPr>
+          <p:cNvPr id="13" name="TextBox 12"/>
+          <p:cNvSpPr txBox="1"/>
+          <p:nvPr/>
         </p:nvSpPr>
-        <p:spPr/>
+        <p:spPr>
+          <a:xfrm>
+            <a:off x="9147748" y="1904017"/>
+            <a:ext cx="2529590" cy="646331"/>
+          </a:xfrm>
+          <a:prstGeom prst="rect">
+            <a:avLst/>
+          </a:prstGeom>
+          <a:noFill/>
+        </p:spPr>
         <p:txBody>
-          <a:bodyPr/>
+          <a:bodyPr wrap="square" rtlCol="0">
+            <a:spAutoFit/>
+          </a:bodyPr>
           <a:lstStyle/>
           <a:p>
             <a:r>
-              <a:rPr lang="en-US" dirty="0"/>
-              <a:t>Another package free for python made to read .dcd and </a:t>
-            </a:r>
-            <a:r>
-              <a:rPr lang="en-US" dirty="0" err="1"/>
-              <a:t>analize</a:t>
-            </a:r>
-            <a:r>
-              <a:rPr lang="en-US" dirty="0"/>
-              <a:t> data.</a:t>
-            </a:r>
-          </a:p>
-          <a:p>
-            <a:r>
-              <a:rPr lang="en-US" dirty="0"/>
-              <a:t>Can look at population density for </a:t>
-            </a:r>
-            <a:r>
-              <a:rPr lang="en-US" dirty="0" err="1"/>
-              <a:t>enegies</a:t>
-            </a:r>
-            <a:r>
-              <a:rPr lang="en-US" dirty="0"/>
-              <a:t> across parameters</a:t>
-            </a:r>
-          </a:p>
-          <a:p>
-            <a:r>
-              <a:rPr lang="en-US" dirty="0"/>
-              <a:t>Can look at parameters over time to see how molecule changes</a:t>
-            </a:r>
+              <a:rPr lang="en-US" dirty="0" smtClean="0"/>
+              <a:t>Add Kinetic Energy to reach Temp</a:t>
+            </a:r>
+            <a:endParaRPr lang="en-US" dirty="0"/>
           </a:p>
         </p:txBody>
       </p:sp>
       <p:sp>
         <p:nvSpPr>
-          <p:cNvPr id="7" name="Text Placeholder 6">
-            <a:extLst>
-              <a:ext uri="{FF2B5EF4-FFF2-40B4-BE49-F238E27FC236}">
-                <a16:creationId xmlns:a16="http://schemas.microsoft.com/office/drawing/2014/main" id="{B7F2893A-D65E-4CD9-9396-20A5E8FBF85D}"/>
-              </a:ext>
-            </a:extLst>
-          </p:cNvPr>
-          <p:cNvSpPr>
-            <a:spLocks noGrp="1"/>
-          </p:cNvSpPr>
-          <p:nvPr>
-            <p:ph type="body" sz="quarter" idx="3"/>
-          </p:nvPr>
+          <p:cNvPr id="14" name="TextBox 13"/>
+          <p:cNvSpPr txBox="1"/>
+          <p:nvPr/>
         </p:nvSpPr>
-        <p:spPr/>
+        <p:spPr>
+          <a:xfrm>
+            <a:off x="9081064" y="2550160"/>
+            <a:ext cx="2713220" cy="369332"/>
+          </a:xfrm>
+          <a:prstGeom prst="rect">
+            <a:avLst/>
+          </a:prstGeom>
+          <a:noFill/>
+        </p:spPr>
         <p:txBody>
-          <a:bodyPr/>
+          <a:bodyPr wrap="square" rtlCol="0">
+            <a:spAutoFit/>
+          </a:bodyPr>
           <a:lstStyle/>
           <a:p>
+            <a:r>
+              <a:rPr lang="en-US" dirty="0" smtClean="0"/>
+              <a:t>Reads out </a:t>
+            </a:r>
+            <a:r>
+              <a:rPr lang="en-US" dirty="0" err="1" smtClean="0"/>
+              <a:t>equilibriation</a:t>
+            </a:r>
             <a:endParaRPr lang="en-US" dirty="0"/>
           </a:p>
         </p:txBody>
       </p:sp>
       <p:sp>
         <p:nvSpPr>
-          <p:cNvPr id="8" name="Content Placeholder 7">
-            <a:extLst>
-              <a:ext uri="{FF2B5EF4-FFF2-40B4-BE49-F238E27FC236}">
-                <a16:creationId xmlns:a16="http://schemas.microsoft.com/office/drawing/2014/main" id="{41223CD1-4E7B-49AA-AB38-E66CE5C8E301}"/>
-              </a:ext>
-            </a:extLst>
-          </p:cNvPr>
-          <p:cNvSpPr>
-            <a:spLocks noGrp="1"/>
-          </p:cNvSpPr>
-          <p:nvPr>
-            <p:ph sz="quarter" idx="4"/>
-          </p:nvPr>
+          <p:cNvPr id="15" name="TextBox 14"/>
+          <p:cNvSpPr txBox="1"/>
+          <p:nvPr/>
         </p:nvSpPr>
-        <p:spPr/>
+        <p:spPr>
+          <a:xfrm>
+            <a:off x="9694987" y="3089304"/>
+            <a:ext cx="1982351" cy="646331"/>
+          </a:xfrm>
+          <a:prstGeom prst="rect">
+            <a:avLst/>
+          </a:prstGeom>
+          <a:noFill/>
+        </p:spPr>
         <p:txBody>
-          <a:bodyPr/>
+          <a:bodyPr wrap="square" rtlCol="0">
+            <a:spAutoFit/>
+          </a:bodyPr>
           <a:lstStyle/>
           <a:p>
+            <a:r>
+              <a:rPr lang="en-US" dirty="0" smtClean="0"/>
+              <a:t>Loops simulation through </a:t>
+            </a:r>
+            <a:r>
+              <a:rPr lang="en-US" smtClean="0"/>
+              <a:t># steps</a:t>
+            </a:r>
             <a:endParaRPr lang="en-US"/>
+          </a:p>
+        </p:txBody>
+      </p:sp>
+      <p:cxnSp>
+        <p:nvCxnSpPr>
+          <p:cNvPr id="20" name="Straight Arrow Connector 19"/>
+          <p:cNvCxnSpPr/>
+          <p:nvPr/>
+        </p:nvCxnSpPr>
+        <p:spPr>
+          <a:xfrm flipH="1">
+            <a:off x="4886793" y="4407782"/>
+            <a:ext cx="3636415" cy="239169"/>
+          </a:xfrm>
+          <a:prstGeom prst="straightConnector1">
+            <a:avLst/>
+          </a:prstGeom>
+          <a:ln w="38100">
+            <a:tailEnd type="triangle"/>
+          </a:ln>
+        </p:spPr>
+        <p:style>
+          <a:lnRef idx="1">
+            <a:schemeClr val="accent1"/>
+          </a:lnRef>
+          <a:fillRef idx="0">
+            <a:schemeClr val="accent1"/>
+          </a:fillRef>
+          <a:effectRef idx="0">
+            <a:schemeClr val="accent1"/>
+          </a:effectRef>
+          <a:fontRef idx="minor">
+            <a:schemeClr val="tx1"/>
+          </a:fontRef>
+        </p:style>
+      </p:cxnSp>
+      <p:cxnSp>
+        <p:nvCxnSpPr>
+          <p:cNvPr id="21" name="Straight Arrow Connector 20"/>
+          <p:cNvCxnSpPr/>
+          <p:nvPr/>
+        </p:nvCxnSpPr>
+        <p:spPr>
+          <a:xfrm flipH="1">
+            <a:off x="6715593" y="5049341"/>
+            <a:ext cx="2278506" cy="92285"/>
+          </a:xfrm>
+          <a:prstGeom prst="straightConnector1">
+            <a:avLst/>
+          </a:prstGeom>
+          <a:ln w="38100">
+            <a:tailEnd type="triangle"/>
+          </a:ln>
+        </p:spPr>
+        <p:style>
+          <a:lnRef idx="1">
+            <a:schemeClr val="accent1"/>
+          </a:lnRef>
+          <a:fillRef idx="0">
+            <a:schemeClr val="accent1"/>
+          </a:fillRef>
+          <a:effectRef idx="0">
+            <a:schemeClr val="accent1"/>
+          </a:effectRef>
+          <a:fontRef idx="minor">
+            <a:schemeClr val="tx1"/>
+          </a:fontRef>
+        </p:style>
+      </p:cxnSp>
+      <p:cxnSp>
+        <p:nvCxnSpPr>
+          <p:cNvPr id="22" name="Straight Arrow Connector 21"/>
+          <p:cNvCxnSpPr/>
+          <p:nvPr/>
+        </p:nvCxnSpPr>
+        <p:spPr>
+          <a:xfrm flipH="1">
+            <a:off x="7451360" y="5779472"/>
+            <a:ext cx="1430988" cy="6731"/>
+          </a:xfrm>
+          <a:prstGeom prst="straightConnector1">
+            <a:avLst/>
+          </a:prstGeom>
+          <a:ln w="38100">
+            <a:tailEnd type="triangle"/>
+          </a:ln>
+        </p:spPr>
+        <p:style>
+          <a:lnRef idx="1">
+            <a:schemeClr val="accent1"/>
+          </a:lnRef>
+          <a:fillRef idx="0">
+            <a:schemeClr val="accent1"/>
+          </a:fillRef>
+          <a:effectRef idx="0">
+            <a:schemeClr val="accent1"/>
+          </a:effectRef>
+          <a:fontRef idx="minor">
+            <a:schemeClr val="tx1"/>
+          </a:fontRef>
+        </p:style>
+      </p:cxnSp>
+      <p:cxnSp>
+        <p:nvCxnSpPr>
+          <p:cNvPr id="23" name="Straight Arrow Connector 22"/>
+          <p:cNvCxnSpPr/>
+          <p:nvPr/>
+        </p:nvCxnSpPr>
+        <p:spPr>
+          <a:xfrm flipH="1" flipV="1">
+            <a:off x="3942414" y="6475752"/>
+            <a:ext cx="3336559" cy="44969"/>
+          </a:xfrm>
+          <a:prstGeom prst="straightConnector1">
+            <a:avLst/>
+          </a:prstGeom>
+          <a:ln w="38100">
+            <a:tailEnd type="triangle"/>
+          </a:ln>
+        </p:spPr>
+        <p:style>
+          <a:lnRef idx="1">
+            <a:schemeClr val="accent1"/>
+          </a:lnRef>
+          <a:fillRef idx="0">
+            <a:schemeClr val="accent1"/>
+          </a:fillRef>
+          <a:effectRef idx="0">
+            <a:schemeClr val="accent1"/>
+          </a:effectRef>
+          <a:fontRef idx="minor">
+            <a:schemeClr val="tx1"/>
+          </a:fontRef>
+        </p:style>
+      </p:cxnSp>
+      <p:sp>
+        <p:nvSpPr>
+          <p:cNvPr id="28" name="TextBox 27"/>
+          <p:cNvSpPr txBox="1"/>
+          <p:nvPr/>
+        </p:nvSpPr>
+        <p:spPr>
+          <a:xfrm>
+            <a:off x="8649324" y="4167861"/>
+            <a:ext cx="3144959" cy="646331"/>
+          </a:xfrm>
+          <a:prstGeom prst="rect">
+            <a:avLst/>
+          </a:prstGeom>
+          <a:noFill/>
+        </p:spPr>
+        <p:txBody>
+          <a:bodyPr wrap="square" rtlCol="0">
+            <a:spAutoFit/>
+          </a:bodyPr>
+          <a:lstStyle/>
+          <a:p>
+            <a:r>
+              <a:rPr lang="en-US" dirty="0" smtClean="0"/>
+              <a:t>Clear reporter </a:t>
+            </a:r>
+            <a:r>
+              <a:rPr lang="en-US" smtClean="0"/>
+              <a:t>for number of steps</a:t>
+            </a:r>
+            <a:endParaRPr lang="en-US"/>
+          </a:p>
+        </p:txBody>
+      </p:sp>
+      <p:sp>
+        <p:nvSpPr>
+          <p:cNvPr id="30" name="TextBox 29"/>
+          <p:cNvSpPr txBox="1"/>
+          <p:nvPr/>
+        </p:nvSpPr>
+        <p:spPr>
+          <a:xfrm>
+            <a:off x="9147748" y="4814192"/>
+            <a:ext cx="2646535" cy="646331"/>
+          </a:xfrm>
+          <a:prstGeom prst="rect">
+            <a:avLst/>
+          </a:prstGeom>
+          <a:noFill/>
+        </p:spPr>
+        <p:txBody>
+          <a:bodyPr wrap="square" rtlCol="0">
+            <a:spAutoFit/>
+          </a:bodyPr>
+          <a:lstStyle/>
+          <a:p>
+            <a:r>
+              <a:rPr lang="en-US" smtClean="0"/>
+              <a:t>Reads output to a DCD file</a:t>
+            </a:r>
+            <a:endParaRPr lang="en-US"/>
+          </a:p>
+        </p:txBody>
+      </p:sp>
+      <p:sp>
+        <p:nvSpPr>
+          <p:cNvPr id="31" name="TextBox 30"/>
+          <p:cNvSpPr txBox="1"/>
+          <p:nvPr/>
+        </p:nvSpPr>
+        <p:spPr>
+          <a:xfrm>
+            <a:off x="9147748" y="5636302"/>
+            <a:ext cx="2529590" cy="646331"/>
+          </a:xfrm>
+          <a:prstGeom prst="rect">
+            <a:avLst/>
+          </a:prstGeom>
+          <a:noFill/>
+        </p:spPr>
+        <p:txBody>
+          <a:bodyPr wrap="square" rtlCol="0">
+            <a:spAutoFit/>
+          </a:bodyPr>
+          <a:lstStyle/>
+          <a:p>
+            <a:r>
+              <a:rPr lang="en-US" dirty="0" smtClean="0"/>
+              <a:t>Reads out reports </a:t>
+            </a:r>
+            <a:r>
+              <a:rPr lang="en-US" smtClean="0"/>
+              <a:t>to screen</a:t>
+            </a:r>
+            <a:endParaRPr lang="en-US"/>
+          </a:p>
+        </p:txBody>
+      </p:sp>
+      <p:sp>
+        <p:nvSpPr>
+          <p:cNvPr id="32" name="TextBox 31"/>
+          <p:cNvSpPr txBox="1"/>
+          <p:nvPr/>
+        </p:nvSpPr>
+        <p:spPr>
+          <a:xfrm>
+            <a:off x="7278974" y="6362700"/>
+            <a:ext cx="4515310" cy="369332"/>
+          </a:xfrm>
+          <a:prstGeom prst="rect">
+            <a:avLst/>
+          </a:prstGeom>
+          <a:noFill/>
+        </p:spPr>
+        <p:txBody>
+          <a:bodyPr wrap="square" rtlCol="0">
+            <a:spAutoFit/>
+          </a:bodyPr>
+          <a:lstStyle/>
+          <a:p>
+            <a:r>
+              <a:rPr lang="en-US" dirty="0" smtClean="0"/>
+              <a:t>Loops through simulation for # steps</a:t>
+            </a:r>
+            <a:endParaRPr lang="en-US" dirty="0"/>
           </a:p>
         </p:txBody>
       </p:sp>
     </p:spTree>
     <p:extLst>
       <p:ext uri="{BB962C8B-B14F-4D97-AF65-F5344CB8AC3E}">
-        <p14:creationId xmlns:p14="http://schemas.microsoft.com/office/powerpoint/2010/main" val="4260478691"/>
+        <p14:creationId xmlns:p14="http://schemas.microsoft.com/office/powerpoint/2010/main" val="3767654153"/>
       </p:ext>
     </p:extLst>
   </p:cSld>
   <p:clrMapOvr>
     <a:masterClrMapping/>
   </p:clrMapOvr>
+  <p:timing>
+    <p:tnLst>
+      <p:par>
+        <p:cTn id="1" dur="indefinite" restart="never" nodeType="tmRoot"/>
+      </p:par>
+    </p:tnLst>
+  </p:timing>
 </p:sld>
 </file>
 
@@ -8229,10 +10850,10 @@
       </p:grpSpPr>
       <p:sp>
         <p:nvSpPr>
-          <p:cNvPr id="7" name="Title 6">
+          <p:cNvPr id="2" name="Title 1">
             <a:extLst>
               <a:ext uri="{FF2B5EF4-FFF2-40B4-BE49-F238E27FC236}">
-                <a16:creationId xmlns:a16="http://schemas.microsoft.com/office/drawing/2014/main" id="{C4FE9945-86DB-4FAA-BF03-7FF6F79EFC3D}"/>
+                <a16:creationId xmlns:a16="http://schemas.microsoft.com/office/drawing/2014/main" xmlns="" id="{66E36B59-6B0B-404C-AC42-E52A35787D2D}"/>
               </a:ext>
             </a:extLst>
           </p:cNvPr>
@@ -8258,10 +10879,10 @@
       </p:sp>
       <p:sp>
         <p:nvSpPr>
-          <p:cNvPr id="8" name="Content Placeholder 7">
+          <p:cNvPr id="6" name="Text Placeholder 5">
             <a:extLst>
               <a:ext uri="{FF2B5EF4-FFF2-40B4-BE49-F238E27FC236}">
-                <a16:creationId xmlns:a16="http://schemas.microsoft.com/office/drawing/2014/main" id="{8AEB9452-E7CE-4ADC-ABF1-89A6B7D8EE1D}"/>
+                <a16:creationId xmlns:a16="http://schemas.microsoft.com/office/drawing/2014/main" xmlns="" id="{A2F2D65F-0804-47E8-BF70-3A509B790B8F}"/>
               </a:ext>
             </a:extLst>
           </p:cNvPr>
@@ -8269,298 +10890,192 @@
             <a:spLocks noGrp="1"/>
           </p:cNvSpPr>
           <p:nvPr>
-            <p:ph idx="1"/>
+            <p:ph type="body" idx="1"/>
           </p:nvPr>
         </p:nvSpPr>
         <p:spPr/>
         <p:txBody>
-          <a:bodyPr>
-            <a:normAutofit fontScale="85000" lnSpcReduction="20000"/>
-          </a:bodyPr>
+          <a:bodyPr/>
           <a:lstStyle/>
           <a:p>
-            <a:pPr marL="0" indent="0">
-              <a:buNone/>
-            </a:pPr>
-            <a:r>
-              <a:rPr lang="en-US" dirty="0">
-                <a:latin typeface="Courier New" panose="02070309020205020404" pitchFamily="49" charset="0"/>
-                <a:cs typeface="Courier New" panose="02070309020205020404" pitchFamily="49" charset="0"/>
-              </a:rPr>
-              <a:t>Import </a:t>
-            </a:r>
-            <a:r>
-              <a:rPr lang="en-US" dirty="0" err="1">
-                <a:latin typeface="Courier New" panose="02070309020205020404" pitchFamily="49" charset="0"/>
-                <a:cs typeface="Courier New" panose="02070309020205020404" pitchFamily="49" charset="0"/>
-              </a:rPr>
-              <a:t>mdtraj</a:t>
-            </a:r>
-            <a:r>
-              <a:rPr lang="en-US" dirty="0">
-                <a:latin typeface="Courier New" panose="02070309020205020404" pitchFamily="49" charset="0"/>
-                <a:cs typeface="Courier New" panose="02070309020205020404" pitchFamily="49" charset="0"/>
-              </a:rPr>
-              <a:t> as md</a:t>
-            </a:r>
-          </a:p>
-          <a:p>
-            <a:pPr marL="0" indent="0">
-              <a:buNone/>
-            </a:pPr>
-            <a:r>
-              <a:rPr lang="en-US" dirty="0">
-                <a:latin typeface="Courier New" panose="02070309020205020404" pitchFamily="49" charset="0"/>
-                <a:cs typeface="Courier New" panose="02070309020205020404" pitchFamily="49" charset="0"/>
-              </a:rPr>
-              <a:t>Import </a:t>
-            </a:r>
-            <a:r>
-              <a:rPr lang="en-US" dirty="0" err="1">
-                <a:latin typeface="Courier New" panose="02070309020205020404" pitchFamily="49" charset="0"/>
-                <a:cs typeface="Courier New" panose="02070309020205020404" pitchFamily="49" charset="0"/>
-              </a:rPr>
-              <a:t>numpy</a:t>
-            </a:r>
-            <a:r>
-              <a:rPr lang="en-US" dirty="0">
-                <a:latin typeface="Courier New" panose="02070309020205020404" pitchFamily="49" charset="0"/>
-                <a:cs typeface="Courier New" panose="02070309020205020404" pitchFamily="49" charset="0"/>
-              </a:rPr>
-              <a:t> as np</a:t>
-            </a:r>
-          </a:p>
-          <a:p>
-            <a:pPr marL="0" indent="0">
-              <a:buNone/>
-            </a:pPr>
-            <a:r>
-              <a:rPr lang="en-US" dirty="0" err="1">
-                <a:latin typeface="Courier New" panose="02070309020205020404" pitchFamily="49" charset="0"/>
-                <a:cs typeface="Courier New" panose="02070309020205020404" pitchFamily="49" charset="0"/>
-              </a:rPr>
-              <a:t>Improt</a:t>
-            </a:r>
-            <a:r>
-              <a:rPr lang="en-US" dirty="0">
-                <a:latin typeface="Courier New" panose="02070309020205020404" pitchFamily="49" charset="0"/>
-                <a:cs typeface="Courier New" panose="02070309020205020404" pitchFamily="49" charset="0"/>
-              </a:rPr>
-              <a:t> </a:t>
-            </a:r>
-            <a:r>
-              <a:rPr lang="en-US" dirty="0" err="1">
-                <a:latin typeface="Courier New" panose="02070309020205020404" pitchFamily="49" charset="0"/>
-                <a:cs typeface="Courier New" panose="02070309020205020404" pitchFamily="49" charset="0"/>
-              </a:rPr>
-              <a:t>matplotlib.pyplot</a:t>
-            </a:r>
-            <a:r>
-              <a:rPr lang="en-US" dirty="0">
-                <a:latin typeface="Courier New" panose="02070309020205020404" pitchFamily="49" charset="0"/>
-                <a:cs typeface="Courier New" panose="02070309020205020404" pitchFamily="49" charset="0"/>
-              </a:rPr>
-              <a:t> as </a:t>
-            </a:r>
-            <a:r>
-              <a:rPr lang="en-US" dirty="0" err="1">
-                <a:latin typeface="Courier New" panose="02070309020205020404" pitchFamily="49" charset="0"/>
-                <a:cs typeface="Courier New" panose="02070309020205020404" pitchFamily="49" charset="0"/>
-              </a:rPr>
-              <a:t>plt</a:t>
-            </a:r>
-            <a:endParaRPr lang="en-US" dirty="0">
-              <a:latin typeface="Courier New" panose="02070309020205020404" pitchFamily="49" charset="0"/>
-              <a:cs typeface="Courier New" panose="02070309020205020404" pitchFamily="49" charset="0"/>
-            </a:endParaRPr>
-          </a:p>
-          <a:p>
-            <a:pPr marL="0" indent="0">
-              <a:buNone/>
-            </a:pPr>
-            <a:r>
-              <a:rPr lang="en-US" dirty="0">
-                <a:latin typeface="Courier New" panose="02070309020205020404" pitchFamily="49" charset="0"/>
-                <a:cs typeface="Courier New" panose="02070309020205020404" pitchFamily="49" charset="0"/>
-              </a:rPr>
-              <a:t>Import </a:t>
-            </a:r>
-            <a:r>
-              <a:rPr lang="en-US" dirty="0" err="1">
-                <a:latin typeface="Courier New" panose="02070309020205020404" pitchFamily="49" charset="0"/>
-                <a:cs typeface="Courier New" panose="02070309020205020404" pitchFamily="49" charset="0"/>
-              </a:rPr>
-              <a:t>statsmodels.api</a:t>
-            </a:r>
-            <a:r>
-              <a:rPr lang="en-US" dirty="0">
-                <a:latin typeface="Courier New" panose="02070309020205020404" pitchFamily="49" charset="0"/>
-                <a:cs typeface="Courier New" panose="02070309020205020404" pitchFamily="49" charset="0"/>
-              </a:rPr>
-              <a:t> as </a:t>
-            </a:r>
-            <a:r>
-              <a:rPr lang="en-US" dirty="0" err="1">
-                <a:latin typeface="Courier New" panose="02070309020205020404" pitchFamily="49" charset="0"/>
-                <a:cs typeface="Courier New" panose="02070309020205020404" pitchFamily="49" charset="0"/>
-              </a:rPr>
-              <a:t>sm</a:t>
-            </a:r>
-            <a:endParaRPr lang="en-US" dirty="0">
-              <a:latin typeface="Courier New" panose="02070309020205020404" pitchFamily="49" charset="0"/>
-              <a:cs typeface="Courier New" panose="02070309020205020404" pitchFamily="49" charset="0"/>
-            </a:endParaRPr>
-          </a:p>
-          <a:p>
-            <a:pPr marL="0" indent="0">
-              <a:buNone/>
-            </a:pPr>
-            <a:r>
-              <a:rPr lang="en-US" dirty="0">
-                <a:latin typeface="Courier New" panose="02070309020205020404" pitchFamily="49" charset="0"/>
-                <a:cs typeface="Courier New" panose="02070309020205020404" pitchFamily="49" charset="0"/>
-              </a:rPr>
-              <a:t>Import </a:t>
-            </a:r>
-            <a:r>
-              <a:rPr lang="en-US" dirty="0" err="1">
-                <a:latin typeface="Courier New" panose="02070309020205020404" pitchFamily="49" charset="0"/>
-                <a:cs typeface="Courier New" panose="02070309020205020404" pitchFamily="49" charset="0"/>
-              </a:rPr>
-              <a:t>nglview</a:t>
-            </a:r>
-            <a:r>
-              <a:rPr lang="en-US" dirty="0">
-                <a:latin typeface="Courier New" panose="02070309020205020404" pitchFamily="49" charset="0"/>
-                <a:cs typeface="Courier New" panose="02070309020205020404" pitchFamily="49" charset="0"/>
-              </a:rPr>
-              <a:t> as </a:t>
-            </a:r>
-            <a:r>
-              <a:rPr lang="en-US" dirty="0" err="1">
-                <a:latin typeface="Courier New" panose="02070309020205020404" pitchFamily="49" charset="0"/>
-                <a:cs typeface="Courier New" panose="02070309020205020404" pitchFamily="49" charset="0"/>
-              </a:rPr>
-              <a:t>ngl</a:t>
-            </a:r>
-            <a:endParaRPr lang="en-US" dirty="0">
-              <a:latin typeface="Courier New" panose="02070309020205020404" pitchFamily="49" charset="0"/>
-              <a:cs typeface="Courier New" panose="02070309020205020404" pitchFamily="49" charset="0"/>
-            </a:endParaRPr>
-          </a:p>
-          <a:p>
-            <a:pPr marL="0" indent="0">
-              <a:buNone/>
-            </a:pPr>
-            <a:r>
-              <a:rPr lang="en-US" dirty="0">
-                <a:latin typeface="Courier New" panose="02070309020205020404" pitchFamily="49" charset="0"/>
-                <a:cs typeface="Courier New" panose="02070309020205020404" pitchFamily="49" charset="0"/>
-              </a:rPr>
-              <a:t>Import math as math</a:t>
-            </a:r>
-          </a:p>
-          <a:p>
-            <a:pPr marL="0" indent="0">
-              <a:buNone/>
-            </a:pPr>
-            <a:endParaRPr lang="en-US" dirty="0">
-              <a:latin typeface="Courier New" panose="02070309020205020404" pitchFamily="49" charset="0"/>
-              <a:cs typeface="Courier New" panose="02070309020205020404" pitchFamily="49" charset="0"/>
-            </a:endParaRPr>
-          </a:p>
-          <a:p>
-            <a:pPr marL="0" indent="0">
-              <a:buNone/>
-            </a:pPr>
-            <a:r>
-              <a:rPr lang="en-US" dirty="0">
-                <a:latin typeface="Courier New" panose="02070309020205020404" pitchFamily="49" charset="0"/>
-                <a:cs typeface="Courier New" panose="02070309020205020404" pitchFamily="49" charset="0"/>
-              </a:rPr>
-              <a:t>kB=8.31446/1000</a:t>
-            </a:r>
-          </a:p>
-          <a:p>
-            <a:pPr marL="0" indent="0">
-              <a:buNone/>
-            </a:pPr>
-            <a:r>
-              <a:rPr lang="en-US" dirty="0">
-                <a:latin typeface="Courier New" panose="02070309020205020404" pitchFamily="49" charset="0"/>
-                <a:cs typeface="Courier New" panose="02070309020205020404" pitchFamily="49" charset="0"/>
-              </a:rPr>
-              <a:t>Temp=298.15</a:t>
-            </a:r>
-          </a:p>
-          <a:p>
-            <a:pPr marL="0" indent="0">
-              <a:buNone/>
-            </a:pPr>
-            <a:endParaRPr lang="en-US" dirty="0">
-              <a:latin typeface="Courier New" panose="02070309020205020404" pitchFamily="49" charset="0"/>
-              <a:cs typeface="Courier New" panose="02070309020205020404" pitchFamily="49" charset="0"/>
-            </a:endParaRPr>
-          </a:p>
-          <a:p>
-            <a:pPr marL="0" indent="0">
-              <a:buNone/>
-            </a:pPr>
-            <a:r>
-              <a:rPr lang="en-US" dirty="0" err="1">
-                <a:latin typeface="Courier New" panose="02070309020205020404" pitchFamily="49" charset="0"/>
-                <a:cs typeface="Courier New" panose="02070309020205020404" pitchFamily="49" charset="0"/>
-              </a:rPr>
-              <a:t>Traj</a:t>
-            </a:r>
-            <a:r>
-              <a:rPr lang="en-US" dirty="0">
-                <a:latin typeface="Courier New" panose="02070309020205020404" pitchFamily="49" charset="0"/>
-                <a:cs typeface="Courier New" panose="02070309020205020404" pitchFamily="49" charset="0"/>
-              </a:rPr>
-              <a:t>=</a:t>
-            </a:r>
-            <a:r>
-              <a:rPr lang="en-US" dirty="0" err="1">
-                <a:latin typeface="Courier New" panose="02070309020205020404" pitchFamily="49" charset="0"/>
-                <a:cs typeface="Courier New" panose="02070309020205020404" pitchFamily="49" charset="0"/>
-              </a:rPr>
-              <a:t>md.load</a:t>
-            </a:r>
-            <a:r>
-              <a:rPr lang="en-US" dirty="0">
-                <a:latin typeface="Courier New" panose="02070309020205020404" pitchFamily="49" charset="0"/>
-                <a:cs typeface="Courier New" panose="02070309020205020404" pitchFamily="49" charset="0"/>
-              </a:rPr>
-              <a:t>(‘&lt;file&gt;.dcd’, top=‘&lt;File&gt;.</a:t>
-            </a:r>
-            <a:r>
-              <a:rPr lang="en-US" dirty="0" err="1">
-                <a:latin typeface="Courier New" panose="02070309020205020404" pitchFamily="49" charset="0"/>
-                <a:cs typeface="Courier New" panose="02070309020205020404" pitchFamily="49" charset="0"/>
-              </a:rPr>
-              <a:t>pdb</a:t>
-            </a:r>
-            <a:r>
-              <a:rPr lang="en-US" dirty="0">
-                <a:latin typeface="Courier New" panose="02070309020205020404" pitchFamily="49" charset="0"/>
-                <a:cs typeface="Courier New" panose="02070309020205020404" pitchFamily="49" charset="0"/>
-              </a:rPr>
-              <a:t>’)</a:t>
+            <a:r>
+              <a:rPr lang="en-US" dirty="0"/>
+              <a:t>What is it</a:t>
             </a:r>
           </a:p>
         </p:txBody>
       </p:sp>
+      <p:sp>
+        <p:nvSpPr>
+          <p:cNvPr id="4" name="Content Placeholder 3">
+            <a:extLst>
+              <a:ext uri="{FF2B5EF4-FFF2-40B4-BE49-F238E27FC236}">
+                <a16:creationId xmlns:a16="http://schemas.microsoft.com/office/drawing/2014/main" xmlns="" id="{3EA8F5F1-FE52-43EF-819A-D4B56025C7C7}"/>
+              </a:ext>
+            </a:extLst>
+          </p:cNvPr>
+          <p:cNvSpPr>
+            <a:spLocks noGrp="1"/>
+          </p:cNvSpPr>
+          <p:nvPr>
+            <p:ph sz="half" idx="2"/>
+          </p:nvPr>
+        </p:nvSpPr>
+        <p:spPr/>
+        <p:txBody>
+          <a:bodyPr/>
+          <a:lstStyle/>
+          <a:p>
+            <a:r>
+              <a:rPr lang="en-US" dirty="0"/>
+              <a:t>Another package free for python made to read .dcd and </a:t>
+            </a:r>
+            <a:r>
+              <a:rPr lang="en-US" dirty="0" err="1"/>
+              <a:t>analize</a:t>
+            </a:r>
+            <a:r>
+              <a:rPr lang="en-US" dirty="0"/>
+              <a:t> data.</a:t>
+            </a:r>
+          </a:p>
+          <a:p>
+            <a:r>
+              <a:rPr lang="en-US" dirty="0"/>
+              <a:t>Can look at population density for </a:t>
+            </a:r>
+            <a:r>
+              <a:rPr lang="en-US" dirty="0" err="1"/>
+              <a:t>enegies</a:t>
+            </a:r>
+            <a:r>
+              <a:rPr lang="en-US" dirty="0"/>
+              <a:t> across parameters</a:t>
+            </a:r>
+          </a:p>
+          <a:p>
+            <a:r>
+              <a:rPr lang="en-US" dirty="0"/>
+              <a:t>Can look at parameters over time to see how molecule changes</a:t>
+            </a:r>
+          </a:p>
+        </p:txBody>
+      </p:sp>
+      <p:sp>
+        <p:nvSpPr>
+          <p:cNvPr id="7" name="Text Placeholder 6">
+            <a:extLst>
+              <a:ext uri="{FF2B5EF4-FFF2-40B4-BE49-F238E27FC236}">
+                <a16:creationId xmlns:a16="http://schemas.microsoft.com/office/drawing/2014/main" xmlns="" id="{B7F2893A-D65E-4CD9-9396-20A5E8FBF85D}"/>
+              </a:ext>
+            </a:extLst>
+          </p:cNvPr>
+          <p:cNvSpPr>
+            <a:spLocks noGrp="1"/>
+          </p:cNvSpPr>
+          <p:nvPr>
+            <p:ph type="body" sz="quarter" idx="3"/>
+          </p:nvPr>
+        </p:nvSpPr>
+        <p:spPr/>
+        <p:txBody>
+          <a:bodyPr/>
+          <a:lstStyle/>
+          <a:p>
+            <a:r>
+              <a:rPr lang="en-US" dirty="0" smtClean="0"/>
+              <a:t>Benefits</a:t>
+            </a:r>
+            <a:endParaRPr lang="en-US" dirty="0"/>
+          </a:p>
+        </p:txBody>
+      </p:sp>
+      <p:sp>
+        <p:nvSpPr>
+          <p:cNvPr id="8" name="Content Placeholder 7">
+            <a:extLst>
+              <a:ext uri="{FF2B5EF4-FFF2-40B4-BE49-F238E27FC236}">
+                <a16:creationId xmlns:a16="http://schemas.microsoft.com/office/drawing/2014/main" xmlns="" id="{41223CD1-4E7B-49AA-AB38-E66CE5C8E301}"/>
+              </a:ext>
+            </a:extLst>
+          </p:cNvPr>
+          <p:cNvSpPr>
+            <a:spLocks noGrp="1"/>
+          </p:cNvSpPr>
+          <p:nvPr>
+            <p:ph sz="quarter" idx="4"/>
+          </p:nvPr>
+        </p:nvSpPr>
+        <p:spPr/>
+        <p:txBody>
+          <a:bodyPr/>
+          <a:lstStyle/>
+          <a:p>
+            <a:r>
+              <a:rPr lang="en-US" dirty="0" smtClean="0"/>
+              <a:t>Very Plastic in that you pick what you output and how you output it.</a:t>
+            </a:r>
+          </a:p>
+          <a:p>
+            <a:endParaRPr lang="en-US" dirty="0"/>
+          </a:p>
+        </p:txBody>
+      </p:sp>
+      <p:pic>
+        <p:nvPicPr>
+          <p:cNvPr id="3" name="Picture 2"/>
+          <p:cNvPicPr>
+            <a:picLocks noChangeAspect="1"/>
+          </p:cNvPicPr>
+          <p:nvPr/>
+        </p:nvPicPr>
+        <p:blipFill>
+          <a:blip r:embed="rId2"/>
+          <a:stretch>
+            <a:fillRect/>
+          </a:stretch>
+        </p:blipFill>
+        <p:spPr>
+          <a:xfrm>
+            <a:off x="9529464" y="381000"/>
+            <a:ext cx="1905000" cy="1905000"/>
+          </a:xfrm>
+          <a:prstGeom prst="rect">
+            <a:avLst/>
+          </a:prstGeom>
+          <a:ln w="38100" cap="sq">
+            <a:solidFill>
+              <a:srgbClr val="000000"/>
+            </a:solidFill>
+            <a:prstDash val="solid"/>
+            <a:miter lim="800000"/>
+          </a:ln>
+          <a:effectLst>
+            <a:outerShdw blurRad="50800" dist="38100" dir="2700000" algn="tl" rotWithShape="0">
+              <a:srgbClr val="000000">
+                <a:alpha val="43000"/>
+              </a:srgbClr>
+            </a:outerShdw>
+          </a:effectLst>
+        </p:spPr>
+      </p:pic>
     </p:spTree>
     <p:extLst>
       <p:ext uri="{BB962C8B-B14F-4D97-AF65-F5344CB8AC3E}">
-        <p14:creationId xmlns:p14="http://schemas.microsoft.com/office/powerpoint/2010/main" val="3555719613"/>
+        <p14:creationId xmlns:p14="http://schemas.microsoft.com/office/powerpoint/2010/main" val="4260478691"/>
       </p:ext>
     </p:extLst>
   </p:cSld>
   <p:clrMapOvr>
     <a:masterClrMapping/>
   </p:clrMapOvr>
+  <p:timing>
+    <p:tnLst>
+      <p:par>
+        <p:cTn id="1" dur="indefinite" restart="never" nodeType="tmRoot"/>
+      </p:par>
+    </p:tnLst>
+  </p:timing>
 </p:sld>
 </file>
 
@@ -8583,10 +11098,10 @@
       </p:grpSpPr>
       <p:sp>
         <p:nvSpPr>
-          <p:cNvPr id="2" name="Title 1">
+          <p:cNvPr id="7" name="Title 6">
             <a:extLst>
               <a:ext uri="{FF2B5EF4-FFF2-40B4-BE49-F238E27FC236}">
-                <a16:creationId xmlns:a16="http://schemas.microsoft.com/office/drawing/2014/main" id="{84390C2B-0478-404D-B617-0AF65FAD8ADC}"/>
+                <a16:creationId xmlns:a16="http://schemas.microsoft.com/office/drawing/2014/main" xmlns="" id="{C4FE9945-86DB-4FAA-BF03-7FF6F79EFC3D}"/>
               </a:ext>
             </a:extLst>
           </p:cNvPr>
@@ -8606,19 +11121,16 @@
               <a:rPr lang="en-US" dirty="0" err="1"/>
               <a:t>MDTraj</a:t>
             </a:r>
-            <a:r>
-              <a:rPr lang="en-US" dirty="0"/>
-              <a:t>-Visualize</a:t>
-            </a:r>
+            <a:endParaRPr lang="en-US" dirty="0"/>
           </a:p>
         </p:txBody>
       </p:sp>
       <p:sp>
         <p:nvSpPr>
-          <p:cNvPr id="4" name="Content Placeholder 3">
+          <p:cNvPr id="8" name="Content Placeholder 7">
             <a:extLst>
               <a:ext uri="{FF2B5EF4-FFF2-40B4-BE49-F238E27FC236}">
-                <a16:creationId xmlns:a16="http://schemas.microsoft.com/office/drawing/2014/main" id="{C45C7397-98D2-47F2-B31B-39608A369D5D}"/>
+                <a16:creationId xmlns:a16="http://schemas.microsoft.com/office/drawing/2014/main" xmlns="" id="{8AEB9452-E7CE-4ADC-ABF1-89A6B7D8EE1D}"/>
               </a:ext>
             </a:extLst>
           </p:cNvPr>
@@ -8626,17 +11138,19 @@
             <a:spLocks noGrp="1"/>
           </p:cNvSpPr>
           <p:nvPr>
-            <p:ph sz="half" idx="1"/>
+            <p:ph idx="1"/>
           </p:nvPr>
         </p:nvSpPr>
         <p:spPr>
           <a:xfrm>
-            <a:off x="1251678" y="2286000"/>
-            <a:ext cx="4806222" cy="3619500"/>
+            <a:off x="1251678" y="2286001"/>
+            <a:ext cx="4844322" cy="4076699"/>
           </a:xfrm>
         </p:spPr>
         <p:txBody>
-          <a:bodyPr/>
+          <a:bodyPr>
+            <a:normAutofit fontScale="85000" lnSpcReduction="20000"/>
+          </a:bodyPr>
           <a:lstStyle/>
           <a:p>
             <a:pPr marL="0" indent="0">
@@ -8647,35 +11161,21 @@
                 <a:latin typeface="Courier New" panose="02070309020205020404" pitchFamily="49" charset="0"/>
                 <a:cs typeface="Courier New" panose="02070309020205020404" pitchFamily="49" charset="0"/>
               </a:rPr>
-              <a:t>Visualize= 	</a:t>
+              <a:t>Import </a:t>
             </a:r>
             <a:r>
               <a:rPr lang="en-US" dirty="0" err="1">
                 <a:latin typeface="Courier New" panose="02070309020205020404" pitchFamily="49" charset="0"/>
                 <a:cs typeface="Courier New" panose="02070309020205020404" pitchFamily="49" charset="0"/>
               </a:rPr>
-              <a:t>ngl.show_mdtraj</a:t>
+              <a:t>mdtraj</a:t>
             </a:r>
             <a:r>
               <a:rPr lang="en-US" dirty="0">
                 <a:latin typeface="Courier New" panose="02070309020205020404" pitchFamily="49" charset="0"/>
                 <a:cs typeface="Courier New" panose="02070309020205020404" pitchFamily="49" charset="0"/>
               </a:rPr>
-              <a:t>(</a:t>
-            </a:r>
-            <a:r>
-              <a:rPr lang="en-US" dirty="0" err="1">
-                <a:latin typeface="Courier New" panose="02070309020205020404" pitchFamily="49" charset="0"/>
-                <a:cs typeface="Courier New" panose="02070309020205020404" pitchFamily="49" charset="0"/>
-              </a:rPr>
-              <a:t>traj</a:t>
-            </a:r>
-            <a:r>
-              <a:rPr lang="en-US" dirty="0">
-                <a:latin typeface="Courier New" panose="02070309020205020404" pitchFamily="49" charset="0"/>
-                <a:cs typeface="Courier New" panose="02070309020205020404" pitchFamily="49" charset="0"/>
-              </a:rPr>
-              <a:t>)</a:t>
+              <a:t> as md</a:t>
             </a:r>
           </a:p>
           <a:p>
@@ -8687,46 +11187,1706 @@
                 <a:latin typeface="Courier New" panose="02070309020205020404" pitchFamily="49" charset="0"/>
                 <a:cs typeface="Courier New" panose="02070309020205020404" pitchFamily="49" charset="0"/>
               </a:rPr>
-              <a:t>Visualize </a:t>
+              <a:t>Import </a:t>
+            </a:r>
+            <a:r>
+              <a:rPr lang="en-US" dirty="0" err="1">
+                <a:latin typeface="Courier New" panose="02070309020205020404" pitchFamily="49" charset="0"/>
+                <a:cs typeface="Courier New" panose="02070309020205020404" pitchFamily="49" charset="0"/>
+              </a:rPr>
+              <a:t>numpy</a:t>
+            </a:r>
+            <a:r>
+              <a:rPr lang="en-US" dirty="0">
+                <a:latin typeface="Courier New" panose="02070309020205020404" pitchFamily="49" charset="0"/>
+                <a:cs typeface="Courier New" panose="02070309020205020404" pitchFamily="49" charset="0"/>
+              </a:rPr>
+              <a:t> as np</a:t>
+            </a:r>
+          </a:p>
+          <a:p>
+            <a:pPr marL="0" indent="0">
+              <a:buNone/>
+            </a:pPr>
+            <a:r>
+              <a:rPr lang="en-US" dirty="0" smtClean="0">
+                <a:latin typeface="Courier New" panose="02070309020205020404" pitchFamily="49" charset="0"/>
+                <a:cs typeface="Courier New" panose="02070309020205020404" pitchFamily="49" charset="0"/>
+              </a:rPr>
+              <a:t>Import </a:t>
+            </a:r>
+            <a:r>
+              <a:rPr lang="en-US" dirty="0" err="1">
+                <a:latin typeface="Courier New" panose="02070309020205020404" pitchFamily="49" charset="0"/>
+                <a:cs typeface="Courier New" panose="02070309020205020404" pitchFamily="49" charset="0"/>
+              </a:rPr>
+              <a:t>matplotlib.pyplot</a:t>
+            </a:r>
+            <a:r>
+              <a:rPr lang="en-US" dirty="0">
+                <a:latin typeface="Courier New" panose="02070309020205020404" pitchFamily="49" charset="0"/>
+                <a:cs typeface="Courier New" panose="02070309020205020404" pitchFamily="49" charset="0"/>
+              </a:rPr>
+              <a:t> as </a:t>
+            </a:r>
+            <a:r>
+              <a:rPr lang="en-US" dirty="0" err="1">
+                <a:latin typeface="Courier New" panose="02070309020205020404" pitchFamily="49" charset="0"/>
+                <a:cs typeface="Courier New" panose="02070309020205020404" pitchFamily="49" charset="0"/>
+              </a:rPr>
+              <a:t>plt</a:t>
+            </a:r>
+            <a:endParaRPr lang="en-US" dirty="0">
+              <a:latin typeface="Courier New" panose="02070309020205020404" pitchFamily="49" charset="0"/>
+              <a:cs typeface="Courier New" panose="02070309020205020404" pitchFamily="49" charset="0"/>
+            </a:endParaRPr>
+          </a:p>
+          <a:p>
+            <a:pPr marL="0" indent="0">
+              <a:buNone/>
+            </a:pPr>
+            <a:r>
+              <a:rPr lang="en-US" dirty="0">
+                <a:latin typeface="Courier New" panose="02070309020205020404" pitchFamily="49" charset="0"/>
+                <a:cs typeface="Courier New" panose="02070309020205020404" pitchFamily="49" charset="0"/>
+              </a:rPr>
+              <a:t>Import </a:t>
+            </a:r>
+            <a:r>
+              <a:rPr lang="en-US" dirty="0" err="1">
+                <a:latin typeface="Courier New" panose="02070309020205020404" pitchFamily="49" charset="0"/>
+                <a:cs typeface="Courier New" panose="02070309020205020404" pitchFamily="49" charset="0"/>
+              </a:rPr>
+              <a:t>statsmodels.api</a:t>
+            </a:r>
+            <a:r>
+              <a:rPr lang="en-US" dirty="0">
+                <a:latin typeface="Courier New" panose="02070309020205020404" pitchFamily="49" charset="0"/>
+                <a:cs typeface="Courier New" panose="02070309020205020404" pitchFamily="49" charset="0"/>
+              </a:rPr>
+              <a:t> as </a:t>
+            </a:r>
+            <a:r>
+              <a:rPr lang="en-US" dirty="0" err="1">
+                <a:latin typeface="Courier New" panose="02070309020205020404" pitchFamily="49" charset="0"/>
+                <a:cs typeface="Courier New" panose="02070309020205020404" pitchFamily="49" charset="0"/>
+              </a:rPr>
+              <a:t>sm</a:t>
+            </a:r>
+            <a:endParaRPr lang="en-US" dirty="0">
+              <a:latin typeface="Courier New" panose="02070309020205020404" pitchFamily="49" charset="0"/>
+              <a:cs typeface="Courier New" panose="02070309020205020404" pitchFamily="49" charset="0"/>
+            </a:endParaRPr>
+          </a:p>
+          <a:p>
+            <a:pPr marL="0" indent="0">
+              <a:buNone/>
+            </a:pPr>
+            <a:r>
+              <a:rPr lang="en-US" dirty="0">
+                <a:latin typeface="Courier New" panose="02070309020205020404" pitchFamily="49" charset="0"/>
+                <a:cs typeface="Courier New" panose="02070309020205020404" pitchFamily="49" charset="0"/>
+              </a:rPr>
+              <a:t>Import </a:t>
+            </a:r>
+            <a:r>
+              <a:rPr lang="en-US" dirty="0" err="1">
+                <a:latin typeface="Courier New" panose="02070309020205020404" pitchFamily="49" charset="0"/>
+                <a:cs typeface="Courier New" panose="02070309020205020404" pitchFamily="49" charset="0"/>
+              </a:rPr>
+              <a:t>nglview</a:t>
+            </a:r>
+            <a:r>
+              <a:rPr lang="en-US" dirty="0">
+                <a:latin typeface="Courier New" panose="02070309020205020404" pitchFamily="49" charset="0"/>
+                <a:cs typeface="Courier New" panose="02070309020205020404" pitchFamily="49" charset="0"/>
+              </a:rPr>
+              <a:t> as </a:t>
+            </a:r>
+            <a:r>
+              <a:rPr lang="en-US" dirty="0" err="1">
+                <a:latin typeface="Courier New" panose="02070309020205020404" pitchFamily="49" charset="0"/>
+                <a:cs typeface="Courier New" panose="02070309020205020404" pitchFamily="49" charset="0"/>
+              </a:rPr>
+              <a:t>ngl</a:t>
+            </a:r>
+            <a:endParaRPr lang="en-US" dirty="0">
+              <a:latin typeface="Courier New" panose="02070309020205020404" pitchFamily="49" charset="0"/>
+              <a:cs typeface="Courier New" panose="02070309020205020404" pitchFamily="49" charset="0"/>
+            </a:endParaRPr>
+          </a:p>
+          <a:p>
+            <a:pPr marL="0" indent="0">
+              <a:buNone/>
+            </a:pPr>
+            <a:r>
+              <a:rPr lang="en-US" dirty="0">
+                <a:latin typeface="Courier New" panose="02070309020205020404" pitchFamily="49" charset="0"/>
+                <a:cs typeface="Courier New" panose="02070309020205020404" pitchFamily="49" charset="0"/>
+              </a:rPr>
+              <a:t>Import math as math</a:t>
+            </a:r>
+          </a:p>
+          <a:p>
+            <a:pPr marL="0" indent="0">
+              <a:buNone/>
+            </a:pPr>
+            <a:endParaRPr lang="en-US" dirty="0">
+              <a:latin typeface="Courier New" panose="02070309020205020404" pitchFamily="49" charset="0"/>
+              <a:cs typeface="Courier New" panose="02070309020205020404" pitchFamily="49" charset="0"/>
+            </a:endParaRPr>
+          </a:p>
+          <a:p>
+            <a:pPr marL="0" indent="0">
+              <a:buNone/>
+            </a:pPr>
+            <a:r>
+              <a:rPr lang="en-US" dirty="0">
+                <a:latin typeface="Courier New" panose="02070309020205020404" pitchFamily="49" charset="0"/>
+                <a:cs typeface="Courier New" panose="02070309020205020404" pitchFamily="49" charset="0"/>
+              </a:rPr>
+              <a:t>kB=8.31446/1000</a:t>
+            </a:r>
+          </a:p>
+          <a:p>
+            <a:pPr marL="0" indent="0">
+              <a:buNone/>
+            </a:pPr>
+            <a:r>
+              <a:rPr lang="en-US" dirty="0">
+                <a:latin typeface="Courier New" panose="02070309020205020404" pitchFamily="49" charset="0"/>
+                <a:cs typeface="Courier New" panose="02070309020205020404" pitchFamily="49" charset="0"/>
+              </a:rPr>
+              <a:t>Temp=298.15</a:t>
+            </a:r>
+          </a:p>
+          <a:p>
+            <a:pPr marL="0" indent="0">
+              <a:buNone/>
+            </a:pPr>
+            <a:endParaRPr lang="en-US" dirty="0">
+              <a:latin typeface="Courier New" panose="02070309020205020404" pitchFamily="49" charset="0"/>
+              <a:cs typeface="Courier New" panose="02070309020205020404" pitchFamily="49" charset="0"/>
+            </a:endParaRPr>
+          </a:p>
+          <a:p>
+            <a:pPr marL="0" indent="0">
+              <a:buNone/>
+            </a:pPr>
+            <a:r>
+              <a:rPr lang="en-US" dirty="0" err="1">
+                <a:latin typeface="Courier New" panose="02070309020205020404" pitchFamily="49" charset="0"/>
+                <a:cs typeface="Courier New" panose="02070309020205020404" pitchFamily="49" charset="0"/>
+              </a:rPr>
+              <a:t>Traj</a:t>
+            </a:r>
+            <a:r>
+              <a:rPr lang="en-US" dirty="0">
+                <a:latin typeface="Courier New" panose="02070309020205020404" pitchFamily="49" charset="0"/>
+                <a:cs typeface="Courier New" panose="02070309020205020404" pitchFamily="49" charset="0"/>
+              </a:rPr>
+              <a:t>=</a:t>
+            </a:r>
+            <a:r>
+              <a:rPr lang="en-US" dirty="0" err="1">
+                <a:latin typeface="Courier New" panose="02070309020205020404" pitchFamily="49" charset="0"/>
+                <a:cs typeface="Courier New" panose="02070309020205020404" pitchFamily="49" charset="0"/>
+              </a:rPr>
+              <a:t>md.load</a:t>
+            </a:r>
+            <a:r>
+              <a:rPr lang="en-US" dirty="0">
+                <a:latin typeface="Courier New" panose="02070309020205020404" pitchFamily="49" charset="0"/>
+                <a:cs typeface="Courier New" panose="02070309020205020404" pitchFamily="49" charset="0"/>
+              </a:rPr>
+              <a:t>(‘&lt;file&gt;.dcd’, top=‘&lt;File&gt;.</a:t>
+            </a:r>
+            <a:r>
+              <a:rPr lang="en-US" dirty="0" err="1">
+                <a:latin typeface="Courier New" panose="02070309020205020404" pitchFamily="49" charset="0"/>
+                <a:cs typeface="Courier New" panose="02070309020205020404" pitchFamily="49" charset="0"/>
+              </a:rPr>
+              <a:t>pdb</a:t>
+            </a:r>
+            <a:r>
+              <a:rPr lang="en-US" dirty="0">
+                <a:latin typeface="Courier New" panose="02070309020205020404" pitchFamily="49" charset="0"/>
+                <a:cs typeface="Courier New" panose="02070309020205020404" pitchFamily="49" charset="0"/>
+              </a:rPr>
+              <a:t>’)</a:t>
             </a:r>
           </a:p>
         </p:txBody>
       </p:sp>
+      <p:cxnSp>
+        <p:nvCxnSpPr>
+          <p:cNvPr id="10" name="Straight Arrow Connector 9"/>
+          <p:cNvCxnSpPr/>
+          <p:nvPr/>
+        </p:nvCxnSpPr>
+        <p:spPr>
+          <a:xfrm flipH="1">
+            <a:off x="5569520" y="2445830"/>
+            <a:ext cx="3063466" cy="631953"/>
+          </a:xfrm>
+          <a:prstGeom prst="straightConnector1">
+            <a:avLst/>
+          </a:prstGeom>
+          <a:ln w="38100">
+            <a:tailEnd type="triangle"/>
+          </a:ln>
+        </p:spPr>
+        <p:style>
+          <a:lnRef idx="1">
+            <a:schemeClr val="accent1"/>
+          </a:lnRef>
+          <a:fillRef idx="0">
+            <a:schemeClr val="accent1"/>
+          </a:fillRef>
+          <a:effectRef idx="0">
+            <a:schemeClr val="accent1"/>
+          </a:effectRef>
+          <a:fontRef idx="minor">
+            <a:schemeClr val="tx1"/>
+          </a:fontRef>
+        </p:style>
+      </p:cxnSp>
+      <p:grpSp>
+        <p:nvGrpSpPr>
+          <p:cNvPr id="31" name="Group 30"/>
+          <p:cNvGrpSpPr/>
+          <p:nvPr/>
+        </p:nvGrpSpPr>
+        <p:grpSpPr>
+          <a:xfrm>
+            <a:off x="3882451" y="715557"/>
+            <a:ext cx="7165300" cy="1757820"/>
+            <a:chOff x="3882451" y="715557"/>
+            <a:chExt cx="7165300" cy="1757820"/>
+          </a:xfrm>
+        </p:grpSpPr>
+        <p:cxnSp>
+          <p:nvCxnSpPr>
+            <p:cNvPr id="3" name="Straight Arrow Connector 2"/>
+            <p:cNvCxnSpPr/>
+            <p:nvPr/>
+          </p:nvCxnSpPr>
+          <p:spPr>
+            <a:xfrm flipH="1">
+              <a:off x="3882451" y="1128451"/>
+              <a:ext cx="2459736" cy="1344926"/>
+            </a:xfrm>
+            <a:prstGeom prst="straightConnector1">
+              <a:avLst/>
+            </a:prstGeom>
+            <a:ln w="38100">
+              <a:tailEnd type="triangle"/>
+            </a:ln>
+          </p:spPr>
+          <p:style>
+            <a:lnRef idx="1">
+              <a:schemeClr val="accent1"/>
+            </a:lnRef>
+            <a:fillRef idx="0">
+              <a:schemeClr val="accent1"/>
+            </a:fillRef>
+            <a:effectRef idx="0">
+              <a:schemeClr val="accent1"/>
+            </a:effectRef>
+            <a:fontRef idx="minor">
+              <a:schemeClr val="tx1"/>
+            </a:fontRef>
+          </p:style>
+        </p:cxnSp>
+        <p:sp>
+          <p:nvSpPr>
+            <p:cNvPr id="23" name="TextBox 22"/>
+            <p:cNvSpPr txBox="1"/>
+            <p:nvPr/>
+          </p:nvSpPr>
+          <p:spPr>
+            <a:xfrm>
+              <a:off x="6595672" y="715557"/>
+              <a:ext cx="4452079" cy="369332"/>
+            </a:xfrm>
+            <a:prstGeom prst="rect">
+              <a:avLst/>
+            </a:prstGeom>
+            <a:noFill/>
+          </p:spPr>
+          <p:txBody>
+            <a:bodyPr wrap="square" rtlCol="0">
+              <a:spAutoFit/>
+            </a:bodyPr>
+            <a:lstStyle/>
+            <a:p>
+              <a:r>
+                <a:rPr lang="en-US" dirty="0" smtClean="0"/>
+                <a:t>Imports </a:t>
+              </a:r>
+              <a:r>
+                <a:rPr lang="en-US" dirty="0" err="1" smtClean="0"/>
+                <a:t>MDTraj</a:t>
+              </a:r>
+              <a:r>
+                <a:rPr lang="en-US" dirty="0" smtClean="0"/>
+                <a:t>, the important part</a:t>
+              </a:r>
+              <a:endParaRPr lang="en-US" dirty="0"/>
+            </a:p>
+          </p:txBody>
+        </p:sp>
+      </p:grpSp>
+      <p:grpSp>
+        <p:nvGrpSpPr>
+          <p:cNvPr id="32" name="Group 31"/>
+          <p:cNvGrpSpPr/>
+          <p:nvPr/>
+        </p:nvGrpSpPr>
+        <p:grpSpPr>
+          <a:xfrm>
+            <a:off x="3788664" y="1357801"/>
+            <a:ext cx="7468949" cy="1457379"/>
+            <a:chOff x="3788664" y="1357801"/>
+            <a:chExt cx="7468949" cy="1457379"/>
+          </a:xfrm>
+        </p:grpSpPr>
+        <p:cxnSp>
+          <p:nvCxnSpPr>
+            <p:cNvPr id="9" name="Straight Arrow Connector 8"/>
+            <p:cNvCxnSpPr/>
+            <p:nvPr/>
+          </p:nvCxnSpPr>
+          <p:spPr>
+            <a:xfrm flipH="1">
+              <a:off x="3788664" y="1683990"/>
+              <a:ext cx="3994404" cy="1131190"/>
+            </a:xfrm>
+            <a:prstGeom prst="straightConnector1">
+              <a:avLst/>
+            </a:prstGeom>
+            <a:ln w="38100">
+              <a:tailEnd type="triangle"/>
+            </a:ln>
+          </p:spPr>
+          <p:style>
+            <a:lnRef idx="1">
+              <a:schemeClr val="accent1"/>
+            </a:lnRef>
+            <a:fillRef idx="0">
+              <a:schemeClr val="accent1"/>
+            </a:fillRef>
+            <a:effectRef idx="0">
+              <a:schemeClr val="accent1"/>
+            </a:effectRef>
+            <a:fontRef idx="minor">
+              <a:schemeClr val="tx1"/>
+            </a:fontRef>
+          </p:style>
+        </p:cxnSp>
+        <p:sp>
+          <p:nvSpPr>
+            <p:cNvPr id="24" name="TextBox 23"/>
+            <p:cNvSpPr txBox="1"/>
+            <p:nvPr/>
+          </p:nvSpPr>
+          <p:spPr>
+            <a:xfrm>
+              <a:off x="7974767" y="1357801"/>
+              <a:ext cx="3282846" cy="369332"/>
+            </a:xfrm>
+            <a:prstGeom prst="rect">
+              <a:avLst/>
+            </a:prstGeom>
+            <a:noFill/>
+          </p:spPr>
+          <p:txBody>
+            <a:bodyPr wrap="square" rtlCol="0">
+              <a:spAutoFit/>
+            </a:bodyPr>
+            <a:lstStyle/>
+            <a:p>
+              <a:r>
+                <a:rPr lang="en-US" dirty="0" err="1" smtClean="0"/>
+                <a:t>Numpy</a:t>
+              </a:r>
+              <a:r>
+                <a:rPr lang="en-US" dirty="0" smtClean="0"/>
+                <a:t> for data management</a:t>
+              </a:r>
+              <a:endParaRPr lang="en-US" dirty="0"/>
+            </a:p>
+          </p:txBody>
+        </p:sp>
+      </p:grpSp>
       <p:sp>
         <p:nvSpPr>
-          <p:cNvPr id="5" name="Content Placeholder 4">
-            <a:extLst>
-              <a:ext uri="{FF2B5EF4-FFF2-40B4-BE49-F238E27FC236}">
-                <a16:creationId xmlns:a16="http://schemas.microsoft.com/office/drawing/2014/main" id="{D0B0F804-99E4-4BD0-AC62-0E3C663AC9E3}"/>
-              </a:ext>
-            </a:extLst>
-          </p:cNvPr>
-          <p:cNvSpPr>
-            <a:spLocks noGrp="1"/>
-          </p:cNvSpPr>
-          <p:nvPr>
-            <p:ph sz="half" idx="2"/>
-          </p:nvPr>
+          <p:cNvPr id="25" name="TextBox 24"/>
+          <p:cNvSpPr txBox="1"/>
+          <p:nvPr/>
         </p:nvSpPr>
-        <p:spPr/>
+        <p:spPr>
+          <a:xfrm>
+            <a:off x="8879173" y="2249585"/>
+            <a:ext cx="2168578" cy="369332"/>
+          </a:xfrm>
+          <a:prstGeom prst="rect">
+            <a:avLst/>
+          </a:prstGeom>
+          <a:noFill/>
+        </p:spPr>
         <p:txBody>
-          <a:bodyPr/>
+          <a:bodyPr wrap="square" rtlCol="0">
+            <a:spAutoFit/>
+          </a:bodyPr>
           <a:lstStyle/>
           <a:p>
-            <a:endParaRPr lang="en-US"/>
+            <a:r>
+              <a:rPr lang="en-US" dirty="0" smtClean="0"/>
+              <a:t>For plotting</a:t>
+            </a:r>
+            <a:endParaRPr lang="en-US" dirty="0"/>
           </a:p>
         </p:txBody>
       </p:sp>
+      <p:grpSp>
+        <p:nvGrpSpPr>
+          <p:cNvPr id="34" name="Group 33"/>
+          <p:cNvGrpSpPr/>
+          <p:nvPr/>
+        </p:nvGrpSpPr>
+        <p:grpSpPr>
+          <a:xfrm>
+            <a:off x="5112319" y="3442052"/>
+            <a:ext cx="6317681" cy="489400"/>
+            <a:chOff x="5112319" y="3442052"/>
+            <a:chExt cx="6317681" cy="489400"/>
+          </a:xfrm>
+        </p:grpSpPr>
+        <p:cxnSp>
+          <p:nvCxnSpPr>
+            <p:cNvPr id="11" name="Straight Arrow Connector 10"/>
+            <p:cNvCxnSpPr/>
+            <p:nvPr/>
+          </p:nvCxnSpPr>
+          <p:spPr>
+            <a:xfrm flipH="1" flipV="1">
+              <a:off x="5112319" y="3442052"/>
+              <a:ext cx="3766854" cy="240137"/>
+            </a:xfrm>
+            <a:prstGeom prst="straightConnector1">
+              <a:avLst/>
+            </a:prstGeom>
+            <a:ln w="38100">
+              <a:tailEnd type="triangle"/>
+            </a:ln>
+          </p:spPr>
+          <p:style>
+            <a:lnRef idx="1">
+              <a:schemeClr val="accent1"/>
+            </a:lnRef>
+            <a:fillRef idx="0">
+              <a:schemeClr val="accent1"/>
+            </a:fillRef>
+            <a:effectRef idx="0">
+              <a:schemeClr val="accent1"/>
+            </a:effectRef>
+            <a:fontRef idx="minor">
+              <a:schemeClr val="tx1"/>
+            </a:fontRef>
+          </p:style>
+        </p:cxnSp>
+        <p:sp>
+          <p:nvSpPr>
+            <p:cNvPr id="26" name="TextBox 25"/>
+            <p:cNvSpPr txBox="1"/>
+            <p:nvPr/>
+          </p:nvSpPr>
+          <p:spPr>
+            <a:xfrm>
+              <a:off x="8972960" y="3562120"/>
+              <a:ext cx="2457040" cy="369332"/>
+            </a:xfrm>
+            <a:prstGeom prst="rect">
+              <a:avLst/>
+            </a:prstGeom>
+            <a:noFill/>
+          </p:spPr>
+          <p:txBody>
+            <a:bodyPr wrap="square" rtlCol="0">
+              <a:spAutoFit/>
+            </a:bodyPr>
+            <a:lstStyle/>
+            <a:p>
+              <a:r>
+                <a:rPr lang="en-US" dirty="0" smtClean="0"/>
+                <a:t>To smooth plot</a:t>
+              </a:r>
+              <a:endParaRPr lang="en-US" dirty="0"/>
+            </a:p>
+          </p:txBody>
+        </p:sp>
+      </p:grpSp>
+      <p:grpSp>
+        <p:nvGrpSpPr>
+          <p:cNvPr id="35" name="Group 34"/>
+          <p:cNvGrpSpPr/>
+          <p:nvPr/>
+        </p:nvGrpSpPr>
+        <p:grpSpPr>
+          <a:xfrm>
+            <a:off x="4341911" y="3766180"/>
+            <a:ext cx="7341335" cy="801201"/>
+            <a:chOff x="4341911" y="3766180"/>
+            <a:chExt cx="7341335" cy="801201"/>
+          </a:xfrm>
+        </p:grpSpPr>
+        <p:cxnSp>
+          <p:nvCxnSpPr>
+            <p:cNvPr id="12" name="Straight Arrow Connector 11"/>
+            <p:cNvCxnSpPr/>
+            <p:nvPr/>
+          </p:nvCxnSpPr>
+          <p:spPr>
+            <a:xfrm flipH="1" flipV="1">
+              <a:off x="4341911" y="3766180"/>
+              <a:ext cx="3068127" cy="558170"/>
+            </a:xfrm>
+            <a:prstGeom prst="straightConnector1">
+              <a:avLst/>
+            </a:prstGeom>
+            <a:ln w="38100">
+              <a:tailEnd type="triangle"/>
+            </a:ln>
+          </p:spPr>
+          <p:style>
+            <a:lnRef idx="1">
+              <a:schemeClr val="accent1"/>
+            </a:lnRef>
+            <a:fillRef idx="0">
+              <a:schemeClr val="accent1"/>
+            </a:fillRef>
+            <a:effectRef idx="0">
+              <a:schemeClr val="accent1"/>
+            </a:effectRef>
+            <a:fontRef idx="minor">
+              <a:schemeClr val="tx1"/>
+            </a:fontRef>
+          </p:style>
+        </p:cxnSp>
+        <p:sp>
+          <p:nvSpPr>
+            <p:cNvPr id="27" name="TextBox 26"/>
+            <p:cNvSpPr txBox="1"/>
+            <p:nvPr/>
+          </p:nvSpPr>
+          <p:spPr>
+            <a:xfrm>
+              <a:off x="7549134" y="4198049"/>
+              <a:ext cx="4134112" cy="369332"/>
+            </a:xfrm>
+            <a:prstGeom prst="rect">
+              <a:avLst/>
+            </a:prstGeom>
+            <a:noFill/>
+          </p:spPr>
+          <p:txBody>
+            <a:bodyPr wrap="square" rtlCol="0">
+              <a:spAutoFit/>
+            </a:bodyPr>
+            <a:lstStyle/>
+            <a:p>
+              <a:r>
+                <a:rPr lang="en-US" dirty="0" smtClean="0"/>
+                <a:t>This allows for visualization and movies!!!</a:t>
+              </a:r>
+              <a:endParaRPr lang="en-US" dirty="0"/>
+            </a:p>
+          </p:txBody>
+        </p:sp>
+      </p:grpSp>
+      <p:grpSp>
+        <p:nvGrpSpPr>
+          <p:cNvPr id="36" name="Group 35"/>
+          <p:cNvGrpSpPr/>
+          <p:nvPr/>
+        </p:nvGrpSpPr>
+        <p:grpSpPr>
+          <a:xfrm>
+            <a:off x="3882451" y="4000482"/>
+            <a:ext cx="7547549" cy="1285624"/>
+            <a:chOff x="3882451" y="4000482"/>
+            <a:chExt cx="7547549" cy="1285624"/>
+          </a:xfrm>
+        </p:grpSpPr>
+        <p:cxnSp>
+          <p:nvCxnSpPr>
+            <p:cNvPr id="13" name="Straight Arrow Connector 12"/>
+            <p:cNvCxnSpPr/>
+            <p:nvPr/>
+          </p:nvCxnSpPr>
+          <p:spPr>
+            <a:xfrm flipH="1" flipV="1">
+              <a:off x="3882451" y="4000482"/>
+              <a:ext cx="3057996" cy="916292"/>
+            </a:xfrm>
+            <a:prstGeom prst="straightConnector1">
+              <a:avLst/>
+            </a:prstGeom>
+            <a:ln w="38100">
+              <a:tailEnd type="triangle"/>
+            </a:ln>
+          </p:spPr>
+          <p:style>
+            <a:lnRef idx="1">
+              <a:schemeClr val="accent1"/>
+            </a:lnRef>
+            <a:fillRef idx="0">
+              <a:schemeClr val="accent1"/>
+            </a:fillRef>
+            <a:effectRef idx="0">
+              <a:schemeClr val="accent1"/>
+            </a:effectRef>
+            <a:fontRef idx="minor">
+              <a:schemeClr val="tx1"/>
+            </a:fontRef>
+          </p:style>
+        </p:cxnSp>
+        <p:sp>
+          <p:nvSpPr>
+            <p:cNvPr id="28" name="TextBox 27"/>
+            <p:cNvSpPr txBox="1"/>
+            <p:nvPr/>
+          </p:nvSpPr>
+          <p:spPr>
+            <a:xfrm>
+              <a:off x="7180289" y="4916774"/>
+              <a:ext cx="4249711" cy="369332"/>
+            </a:xfrm>
+            <a:prstGeom prst="rect">
+              <a:avLst/>
+            </a:prstGeom>
+            <a:noFill/>
+          </p:spPr>
+          <p:txBody>
+            <a:bodyPr wrap="square" rtlCol="0">
+              <a:spAutoFit/>
+            </a:bodyPr>
+            <a:lstStyle/>
+            <a:p>
+              <a:r>
+                <a:rPr lang="en-US" dirty="0" smtClean="0"/>
+                <a:t>Can’t make pie without math</a:t>
+              </a:r>
+              <a:endParaRPr lang="en-US" dirty="0"/>
+            </a:p>
+          </p:txBody>
+        </p:sp>
+      </p:grpSp>
+      <p:grpSp>
+        <p:nvGrpSpPr>
+          <p:cNvPr id="37" name="Group 36"/>
+          <p:cNvGrpSpPr/>
+          <p:nvPr/>
+        </p:nvGrpSpPr>
+        <p:grpSpPr>
+          <a:xfrm>
+            <a:off x="3412860" y="4877995"/>
+            <a:ext cx="8504320" cy="992727"/>
+            <a:chOff x="3412860" y="4877995"/>
+            <a:chExt cx="8504320" cy="992727"/>
+          </a:xfrm>
+        </p:grpSpPr>
+        <p:cxnSp>
+          <p:nvCxnSpPr>
+            <p:cNvPr id="19" name="Straight Arrow Connector 18"/>
+            <p:cNvCxnSpPr/>
+            <p:nvPr/>
+          </p:nvCxnSpPr>
+          <p:spPr>
+            <a:xfrm flipH="1" flipV="1">
+              <a:off x="3412860" y="4877995"/>
+              <a:ext cx="4561907" cy="854238"/>
+            </a:xfrm>
+            <a:prstGeom prst="straightConnector1">
+              <a:avLst/>
+            </a:prstGeom>
+            <a:ln w="38100">
+              <a:tailEnd type="triangle"/>
+            </a:ln>
+          </p:spPr>
+          <p:style>
+            <a:lnRef idx="1">
+              <a:schemeClr val="accent1"/>
+            </a:lnRef>
+            <a:fillRef idx="0">
+              <a:schemeClr val="accent1"/>
+            </a:fillRef>
+            <a:effectRef idx="0">
+              <a:schemeClr val="accent1"/>
+            </a:effectRef>
+            <a:fontRef idx="minor">
+              <a:schemeClr val="tx1"/>
+            </a:fontRef>
+          </p:style>
+        </p:cxnSp>
+        <p:sp>
+          <p:nvSpPr>
+            <p:cNvPr id="29" name="TextBox 28"/>
+            <p:cNvSpPr txBox="1"/>
+            <p:nvPr/>
+          </p:nvSpPr>
+          <p:spPr>
+            <a:xfrm>
+              <a:off x="8079698" y="5501390"/>
+              <a:ext cx="3837482" cy="369332"/>
+            </a:xfrm>
+            <a:prstGeom prst="rect">
+              <a:avLst/>
+            </a:prstGeom>
+            <a:noFill/>
+          </p:spPr>
+          <p:txBody>
+            <a:bodyPr wrap="square" rtlCol="0">
+              <a:spAutoFit/>
+            </a:bodyPr>
+            <a:lstStyle/>
+            <a:p>
+              <a:r>
+                <a:rPr lang="en-US" dirty="0" smtClean="0"/>
+                <a:t>Values for </a:t>
+              </a:r>
+              <a:r>
+                <a:rPr lang="en-US" smtClean="0"/>
+                <a:t>Statistical Thermodynamics</a:t>
+              </a:r>
+              <a:endParaRPr lang="en-US"/>
+            </a:p>
+          </p:txBody>
+        </p:sp>
+      </p:grpSp>
+      <p:grpSp>
+        <p:nvGrpSpPr>
+          <p:cNvPr id="38" name="Group 37"/>
+          <p:cNvGrpSpPr/>
+          <p:nvPr/>
+        </p:nvGrpSpPr>
+        <p:grpSpPr>
+          <a:xfrm>
+            <a:off x="4293283" y="5967654"/>
+            <a:ext cx="7618706" cy="684006"/>
+            <a:chOff x="4293283" y="5967654"/>
+            <a:chExt cx="7618706" cy="684006"/>
+          </a:xfrm>
+        </p:grpSpPr>
+        <p:cxnSp>
+          <p:nvCxnSpPr>
+            <p:cNvPr id="21" name="Straight Arrow Connector 20"/>
+            <p:cNvCxnSpPr/>
+            <p:nvPr/>
+          </p:nvCxnSpPr>
+          <p:spPr>
+            <a:xfrm flipH="1" flipV="1">
+              <a:off x="4293283" y="5967654"/>
+              <a:ext cx="3681484" cy="629348"/>
+            </a:xfrm>
+            <a:prstGeom prst="straightConnector1">
+              <a:avLst/>
+            </a:prstGeom>
+            <a:ln w="38100">
+              <a:tailEnd type="triangle"/>
+            </a:ln>
+          </p:spPr>
+          <p:style>
+            <a:lnRef idx="1">
+              <a:schemeClr val="accent1"/>
+            </a:lnRef>
+            <a:fillRef idx="0">
+              <a:schemeClr val="accent1"/>
+            </a:fillRef>
+            <a:effectRef idx="0">
+              <a:schemeClr val="accent1"/>
+            </a:effectRef>
+            <a:fontRef idx="minor">
+              <a:schemeClr val="tx1"/>
+            </a:fontRef>
+          </p:style>
+        </p:cxnSp>
+        <p:sp>
+          <p:nvSpPr>
+            <p:cNvPr id="30" name="TextBox 29"/>
+            <p:cNvSpPr txBox="1"/>
+            <p:nvPr/>
+          </p:nvSpPr>
+          <p:spPr>
+            <a:xfrm>
+              <a:off x="8014934" y="6282328"/>
+              <a:ext cx="3897055" cy="369332"/>
+            </a:xfrm>
+            <a:prstGeom prst="rect">
+              <a:avLst/>
+            </a:prstGeom>
+            <a:noFill/>
+          </p:spPr>
+          <p:txBody>
+            <a:bodyPr wrap="square" rtlCol="0">
+              <a:spAutoFit/>
+            </a:bodyPr>
+            <a:lstStyle/>
+            <a:p>
+              <a:r>
+                <a:rPr lang="en-US" smtClean="0"/>
+                <a:t>Loads output and topology for analysis</a:t>
+              </a:r>
+              <a:endParaRPr lang="en-US"/>
+            </a:p>
+          </p:txBody>
+        </p:sp>
+      </p:grpSp>
     </p:spTree>
     <p:extLst>
       <p:ext uri="{BB962C8B-B14F-4D97-AF65-F5344CB8AC3E}">
-        <p14:creationId xmlns:p14="http://schemas.microsoft.com/office/powerpoint/2010/main" val="589725817"/>
+        <p14:creationId xmlns:p14="http://schemas.microsoft.com/office/powerpoint/2010/main" val="3555719613"/>
       </p:ext>
     </p:extLst>
   </p:cSld>
   <p:clrMapOvr>
     <a:masterClrMapping/>
   </p:clrMapOvr>
+  <p:timing>
+    <p:tnLst>
+      <p:par>
+        <p:cTn id="1" dur="indefinite" restart="never" nodeType="tmRoot">
+          <p:childTnLst>
+            <p:seq concurrent="1" nextAc="seek">
+              <p:cTn id="2" dur="indefinite" nodeType="mainSeq">
+                <p:childTnLst>
+                  <p:par>
+                    <p:cTn id="3" fill="hold">
+                      <p:stCondLst>
+                        <p:cond delay="indefinite"/>
+                      </p:stCondLst>
+                      <p:childTnLst>
+                        <p:par>
+                          <p:cTn id="4" fill="hold">
+                            <p:stCondLst>
+                              <p:cond delay="0"/>
+                            </p:stCondLst>
+                            <p:childTnLst>
+                              <p:par>
+                                <p:cTn id="5" presetID="2" presetClass="entr" presetSubtype="4" fill="hold" nodeType="clickEffect">
+                                  <p:stCondLst>
+                                    <p:cond delay="0"/>
+                                  </p:stCondLst>
+                                  <p:childTnLst>
+                                    <p:set>
+                                      <p:cBhvr>
+                                        <p:cTn id="6" dur="1" fill="hold">
+                                          <p:stCondLst>
+                                            <p:cond delay="0"/>
+                                          </p:stCondLst>
+                                        </p:cTn>
+                                        <p:tgtEl>
+                                          <p:spTgt spid="31"/>
+                                        </p:tgtEl>
+                                        <p:attrNameLst>
+                                          <p:attrName>style.visibility</p:attrName>
+                                        </p:attrNameLst>
+                                      </p:cBhvr>
+                                      <p:to>
+                                        <p:strVal val="visible"/>
+                                      </p:to>
+                                    </p:set>
+                                    <p:anim calcmode="lin" valueType="num">
+                                      <p:cBhvr additive="base">
+                                        <p:cTn id="7" dur="500" fill="hold"/>
+                                        <p:tgtEl>
+                                          <p:spTgt spid="31"/>
+                                        </p:tgtEl>
+                                        <p:attrNameLst>
+                                          <p:attrName>ppt_x</p:attrName>
+                                        </p:attrNameLst>
+                                      </p:cBhvr>
+                                      <p:tavLst>
+                                        <p:tav tm="0">
+                                          <p:val>
+                                            <p:strVal val="#ppt_x"/>
+                                          </p:val>
+                                        </p:tav>
+                                        <p:tav tm="100000">
+                                          <p:val>
+                                            <p:strVal val="#ppt_x"/>
+                                          </p:val>
+                                        </p:tav>
+                                      </p:tavLst>
+                                    </p:anim>
+                                    <p:anim calcmode="lin" valueType="num">
+                                      <p:cBhvr additive="base">
+                                        <p:cTn id="8" dur="500" fill="hold"/>
+                                        <p:tgtEl>
+                                          <p:spTgt spid="31"/>
+                                        </p:tgtEl>
+                                        <p:attrNameLst>
+                                          <p:attrName>ppt_y</p:attrName>
+                                        </p:attrNameLst>
+                                      </p:cBhvr>
+                                      <p:tavLst>
+                                        <p:tav tm="0">
+                                          <p:val>
+                                            <p:strVal val="1+#ppt_h/2"/>
+                                          </p:val>
+                                        </p:tav>
+                                        <p:tav tm="100000">
+                                          <p:val>
+                                            <p:strVal val="#ppt_y"/>
+                                          </p:val>
+                                        </p:tav>
+                                      </p:tavLst>
+                                    </p:anim>
+                                  </p:childTnLst>
+                                </p:cTn>
+                              </p:par>
+                            </p:childTnLst>
+                          </p:cTn>
+                        </p:par>
+                      </p:childTnLst>
+                    </p:cTn>
+                  </p:par>
+                  <p:par>
+                    <p:cTn id="9" fill="hold">
+                      <p:stCondLst>
+                        <p:cond delay="indefinite"/>
+                      </p:stCondLst>
+                      <p:childTnLst>
+                        <p:par>
+                          <p:cTn id="10" fill="hold">
+                            <p:stCondLst>
+                              <p:cond delay="0"/>
+                            </p:stCondLst>
+                            <p:childTnLst>
+                              <p:par>
+                                <p:cTn id="11" presetID="2" presetClass="entr" presetSubtype="4" fill="hold" nodeType="clickEffect">
+                                  <p:stCondLst>
+                                    <p:cond delay="0"/>
+                                  </p:stCondLst>
+                                  <p:childTnLst>
+                                    <p:set>
+                                      <p:cBhvr>
+                                        <p:cTn id="12" dur="1" fill="hold">
+                                          <p:stCondLst>
+                                            <p:cond delay="0"/>
+                                          </p:stCondLst>
+                                        </p:cTn>
+                                        <p:tgtEl>
+                                          <p:spTgt spid="32"/>
+                                        </p:tgtEl>
+                                        <p:attrNameLst>
+                                          <p:attrName>style.visibility</p:attrName>
+                                        </p:attrNameLst>
+                                      </p:cBhvr>
+                                      <p:to>
+                                        <p:strVal val="visible"/>
+                                      </p:to>
+                                    </p:set>
+                                    <p:anim calcmode="lin" valueType="num">
+                                      <p:cBhvr additive="base">
+                                        <p:cTn id="13" dur="500" fill="hold"/>
+                                        <p:tgtEl>
+                                          <p:spTgt spid="32"/>
+                                        </p:tgtEl>
+                                        <p:attrNameLst>
+                                          <p:attrName>ppt_x</p:attrName>
+                                        </p:attrNameLst>
+                                      </p:cBhvr>
+                                      <p:tavLst>
+                                        <p:tav tm="0">
+                                          <p:val>
+                                            <p:strVal val="#ppt_x"/>
+                                          </p:val>
+                                        </p:tav>
+                                        <p:tav tm="100000">
+                                          <p:val>
+                                            <p:strVal val="#ppt_x"/>
+                                          </p:val>
+                                        </p:tav>
+                                      </p:tavLst>
+                                    </p:anim>
+                                    <p:anim calcmode="lin" valueType="num">
+                                      <p:cBhvr additive="base">
+                                        <p:cTn id="14" dur="500" fill="hold"/>
+                                        <p:tgtEl>
+                                          <p:spTgt spid="32"/>
+                                        </p:tgtEl>
+                                        <p:attrNameLst>
+                                          <p:attrName>ppt_y</p:attrName>
+                                        </p:attrNameLst>
+                                      </p:cBhvr>
+                                      <p:tavLst>
+                                        <p:tav tm="0">
+                                          <p:val>
+                                            <p:strVal val="1+#ppt_h/2"/>
+                                          </p:val>
+                                        </p:tav>
+                                        <p:tav tm="100000">
+                                          <p:val>
+                                            <p:strVal val="#ppt_y"/>
+                                          </p:val>
+                                        </p:tav>
+                                      </p:tavLst>
+                                    </p:anim>
+                                  </p:childTnLst>
+                                </p:cTn>
+                              </p:par>
+                            </p:childTnLst>
+                          </p:cTn>
+                        </p:par>
+                      </p:childTnLst>
+                    </p:cTn>
+                  </p:par>
+                  <p:par>
+                    <p:cTn id="15" fill="hold">
+                      <p:stCondLst>
+                        <p:cond delay="indefinite"/>
+                      </p:stCondLst>
+                      <p:childTnLst>
+                        <p:par>
+                          <p:cTn id="16" fill="hold">
+                            <p:stCondLst>
+                              <p:cond delay="0"/>
+                            </p:stCondLst>
+                            <p:childTnLst>
+                              <p:par>
+                                <p:cTn id="17" presetID="2" presetClass="entr" presetSubtype="4" fill="hold" nodeType="clickEffect">
+                                  <p:stCondLst>
+                                    <p:cond delay="0"/>
+                                  </p:stCondLst>
+                                  <p:childTnLst>
+                                    <p:set>
+                                      <p:cBhvr>
+                                        <p:cTn id="18" dur="1" fill="hold">
+                                          <p:stCondLst>
+                                            <p:cond delay="0"/>
+                                          </p:stCondLst>
+                                        </p:cTn>
+                                        <p:tgtEl>
+                                          <p:spTgt spid="10"/>
+                                        </p:tgtEl>
+                                        <p:attrNameLst>
+                                          <p:attrName>style.visibility</p:attrName>
+                                        </p:attrNameLst>
+                                      </p:cBhvr>
+                                      <p:to>
+                                        <p:strVal val="visible"/>
+                                      </p:to>
+                                    </p:set>
+                                    <p:anim calcmode="lin" valueType="num">
+                                      <p:cBhvr additive="base">
+                                        <p:cTn id="19" dur="500" fill="hold"/>
+                                        <p:tgtEl>
+                                          <p:spTgt spid="10"/>
+                                        </p:tgtEl>
+                                        <p:attrNameLst>
+                                          <p:attrName>ppt_x</p:attrName>
+                                        </p:attrNameLst>
+                                      </p:cBhvr>
+                                      <p:tavLst>
+                                        <p:tav tm="0">
+                                          <p:val>
+                                            <p:strVal val="#ppt_x"/>
+                                          </p:val>
+                                        </p:tav>
+                                        <p:tav tm="100000">
+                                          <p:val>
+                                            <p:strVal val="#ppt_x"/>
+                                          </p:val>
+                                        </p:tav>
+                                      </p:tavLst>
+                                    </p:anim>
+                                    <p:anim calcmode="lin" valueType="num">
+                                      <p:cBhvr additive="base">
+                                        <p:cTn id="20" dur="500" fill="hold"/>
+                                        <p:tgtEl>
+                                          <p:spTgt spid="10"/>
+                                        </p:tgtEl>
+                                        <p:attrNameLst>
+                                          <p:attrName>ppt_y</p:attrName>
+                                        </p:attrNameLst>
+                                      </p:cBhvr>
+                                      <p:tavLst>
+                                        <p:tav tm="0">
+                                          <p:val>
+                                            <p:strVal val="1+#ppt_h/2"/>
+                                          </p:val>
+                                        </p:tav>
+                                        <p:tav tm="100000">
+                                          <p:val>
+                                            <p:strVal val="#ppt_y"/>
+                                          </p:val>
+                                        </p:tav>
+                                      </p:tavLst>
+                                    </p:anim>
+                                  </p:childTnLst>
+                                </p:cTn>
+                              </p:par>
+                              <p:par>
+                                <p:cTn id="21" presetID="2" presetClass="entr" presetSubtype="4" fill="hold" grpId="0" nodeType="withEffect">
+                                  <p:stCondLst>
+                                    <p:cond delay="0"/>
+                                  </p:stCondLst>
+                                  <p:childTnLst>
+                                    <p:set>
+                                      <p:cBhvr>
+                                        <p:cTn id="22" dur="1" fill="hold">
+                                          <p:stCondLst>
+                                            <p:cond delay="0"/>
+                                          </p:stCondLst>
+                                        </p:cTn>
+                                        <p:tgtEl>
+                                          <p:spTgt spid="25"/>
+                                        </p:tgtEl>
+                                        <p:attrNameLst>
+                                          <p:attrName>style.visibility</p:attrName>
+                                        </p:attrNameLst>
+                                      </p:cBhvr>
+                                      <p:to>
+                                        <p:strVal val="visible"/>
+                                      </p:to>
+                                    </p:set>
+                                    <p:anim calcmode="lin" valueType="num">
+                                      <p:cBhvr additive="base">
+                                        <p:cTn id="23" dur="500" fill="hold"/>
+                                        <p:tgtEl>
+                                          <p:spTgt spid="25"/>
+                                        </p:tgtEl>
+                                        <p:attrNameLst>
+                                          <p:attrName>ppt_x</p:attrName>
+                                        </p:attrNameLst>
+                                      </p:cBhvr>
+                                      <p:tavLst>
+                                        <p:tav tm="0">
+                                          <p:val>
+                                            <p:strVal val="#ppt_x"/>
+                                          </p:val>
+                                        </p:tav>
+                                        <p:tav tm="100000">
+                                          <p:val>
+                                            <p:strVal val="#ppt_x"/>
+                                          </p:val>
+                                        </p:tav>
+                                      </p:tavLst>
+                                    </p:anim>
+                                    <p:anim calcmode="lin" valueType="num">
+                                      <p:cBhvr additive="base">
+                                        <p:cTn id="24" dur="500" fill="hold"/>
+                                        <p:tgtEl>
+                                          <p:spTgt spid="25"/>
+                                        </p:tgtEl>
+                                        <p:attrNameLst>
+                                          <p:attrName>ppt_y</p:attrName>
+                                        </p:attrNameLst>
+                                      </p:cBhvr>
+                                      <p:tavLst>
+                                        <p:tav tm="0">
+                                          <p:val>
+                                            <p:strVal val="1+#ppt_h/2"/>
+                                          </p:val>
+                                        </p:tav>
+                                        <p:tav tm="100000">
+                                          <p:val>
+                                            <p:strVal val="#ppt_y"/>
+                                          </p:val>
+                                        </p:tav>
+                                      </p:tavLst>
+                                    </p:anim>
+                                  </p:childTnLst>
+                                </p:cTn>
+                              </p:par>
+                            </p:childTnLst>
+                          </p:cTn>
+                        </p:par>
+                      </p:childTnLst>
+                    </p:cTn>
+                  </p:par>
+                  <p:par>
+                    <p:cTn id="25" fill="hold">
+                      <p:stCondLst>
+                        <p:cond delay="indefinite"/>
+                      </p:stCondLst>
+                      <p:childTnLst>
+                        <p:par>
+                          <p:cTn id="26" fill="hold">
+                            <p:stCondLst>
+                              <p:cond delay="0"/>
+                            </p:stCondLst>
+                            <p:childTnLst>
+                              <p:par>
+                                <p:cTn id="27" presetID="2" presetClass="entr" presetSubtype="4" fill="hold" nodeType="clickEffect">
+                                  <p:stCondLst>
+                                    <p:cond delay="0"/>
+                                  </p:stCondLst>
+                                  <p:childTnLst>
+                                    <p:set>
+                                      <p:cBhvr>
+                                        <p:cTn id="28" dur="1" fill="hold">
+                                          <p:stCondLst>
+                                            <p:cond delay="0"/>
+                                          </p:stCondLst>
+                                        </p:cTn>
+                                        <p:tgtEl>
+                                          <p:spTgt spid="34"/>
+                                        </p:tgtEl>
+                                        <p:attrNameLst>
+                                          <p:attrName>style.visibility</p:attrName>
+                                        </p:attrNameLst>
+                                      </p:cBhvr>
+                                      <p:to>
+                                        <p:strVal val="visible"/>
+                                      </p:to>
+                                    </p:set>
+                                    <p:anim calcmode="lin" valueType="num">
+                                      <p:cBhvr additive="base">
+                                        <p:cTn id="29" dur="500" fill="hold"/>
+                                        <p:tgtEl>
+                                          <p:spTgt spid="34"/>
+                                        </p:tgtEl>
+                                        <p:attrNameLst>
+                                          <p:attrName>ppt_x</p:attrName>
+                                        </p:attrNameLst>
+                                      </p:cBhvr>
+                                      <p:tavLst>
+                                        <p:tav tm="0">
+                                          <p:val>
+                                            <p:strVal val="#ppt_x"/>
+                                          </p:val>
+                                        </p:tav>
+                                        <p:tav tm="100000">
+                                          <p:val>
+                                            <p:strVal val="#ppt_x"/>
+                                          </p:val>
+                                        </p:tav>
+                                      </p:tavLst>
+                                    </p:anim>
+                                    <p:anim calcmode="lin" valueType="num">
+                                      <p:cBhvr additive="base">
+                                        <p:cTn id="30" dur="500" fill="hold"/>
+                                        <p:tgtEl>
+                                          <p:spTgt spid="34"/>
+                                        </p:tgtEl>
+                                        <p:attrNameLst>
+                                          <p:attrName>ppt_y</p:attrName>
+                                        </p:attrNameLst>
+                                      </p:cBhvr>
+                                      <p:tavLst>
+                                        <p:tav tm="0">
+                                          <p:val>
+                                            <p:strVal val="1+#ppt_h/2"/>
+                                          </p:val>
+                                        </p:tav>
+                                        <p:tav tm="100000">
+                                          <p:val>
+                                            <p:strVal val="#ppt_y"/>
+                                          </p:val>
+                                        </p:tav>
+                                      </p:tavLst>
+                                    </p:anim>
+                                  </p:childTnLst>
+                                </p:cTn>
+                              </p:par>
+                            </p:childTnLst>
+                          </p:cTn>
+                        </p:par>
+                      </p:childTnLst>
+                    </p:cTn>
+                  </p:par>
+                  <p:par>
+                    <p:cTn id="31" fill="hold">
+                      <p:stCondLst>
+                        <p:cond delay="indefinite"/>
+                      </p:stCondLst>
+                      <p:childTnLst>
+                        <p:par>
+                          <p:cTn id="32" fill="hold">
+                            <p:stCondLst>
+                              <p:cond delay="0"/>
+                            </p:stCondLst>
+                            <p:childTnLst>
+                              <p:par>
+                                <p:cTn id="33" presetID="2" presetClass="entr" presetSubtype="4" fill="hold" nodeType="clickEffect">
+                                  <p:stCondLst>
+                                    <p:cond delay="0"/>
+                                  </p:stCondLst>
+                                  <p:childTnLst>
+                                    <p:set>
+                                      <p:cBhvr>
+                                        <p:cTn id="34" dur="1" fill="hold">
+                                          <p:stCondLst>
+                                            <p:cond delay="0"/>
+                                          </p:stCondLst>
+                                        </p:cTn>
+                                        <p:tgtEl>
+                                          <p:spTgt spid="35"/>
+                                        </p:tgtEl>
+                                        <p:attrNameLst>
+                                          <p:attrName>style.visibility</p:attrName>
+                                        </p:attrNameLst>
+                                      </p:cBhvr>
+                                      <p:to>
+                                        <p:strVal val="visible"/>
+                                      </p:to>
+                                    </p:set>
+                                    <p:anim calcmode="lin" valueType="num">
+                                      <p:cBhvr additive="base">
+                                        <p:cTn id="35" dur="500" fill="hold"/>
+                                        <p:tgtEl>
+                                          <p:spTgt spid="35"/>
+                                        </p:tgtEl>
+                                        <p:attrNameLst>
+                                          <p:attrName>ppt_x</p:attrName>
+                                        </p:attrNameLst>
+                                      </p:cBhvr>
+                                      <p:tavLst>
+                                        <p:tav tm="0">
+                                          <p:val>
+                                            <p:strVal val="#ppt_x"/>
+                                          </p:val>
+                                        </p:tav>
+                                        <p:tav tm="100000">
+                                          <p:val>
+                                            <p:strVal val="#ppt_x"/>
+                                          </p:val>
+                                        </p:tav>
+                                      </p:tavLst>
+                                    </p:anim>
+                                    <p:anim calcmode="lin" valueType="num">
+                                      <p:cBhvr additive="base">
+                                        <p:cTn id="36" dur="500" fill="hold"/>
+                                        <p:tgtEl>
+                                          <p:spTgt spid="35"/>
+                                        </p:tgtEl>
+                                        <p:attrNameLst>
+                                          <p:attrName>ppt_y</p:attrName>
+                                        </p:attrNameLst>
+                                      </p:cBhvr>
+                                      <p:tavLst>
+                                        <p:tav tm="0">
+                                          <p:val>
+                                            <p:strVal val="1+#ppt_h/2"/>
+                                          </p:val>
+                                        </p:tav>
+                                        <p:tav tm="100000">
+                                          <p:val>
+                                            <p:strVal val="#ppt_y"/>
+                                          </p:val>
+                                        </p:tav>
+                                      </p:tavLst>
+                                    </p:anim>
+                                  </p:childTnLst>
+                                </p:cTn>
+                              </p:par>
+                            </p:childTnLst>
+                          </p:cTn>
+                        </p:par>
+                      </p:childTnLst>
+                    </p:cTn>
+                  </p:par>
+                  <p:par>
+                    <p:cTn id="37" fill="hold">
+                      <p:stCondLst>
+                        <p:cond delay="indefinite"/>
+                      </p:stCondLst>
+                      <p:childTnLst>
+                        <p:par>
+                          <p:cTn id="38" fill="hold">
+                            <p:stCondLst>
+                              <p:cond delay="0"/>
+                            </p:stCondLst>
+                            <p:childTnLst>
+                              <p:par>
+                                <p:cTn id="39" presetID="2" presetClass="entr" presetSubtype="4" fill="hold" nodeType="clickEffect">
+                                  <p:stCondLst>
+                                    <p:cond delay="0"/>
+                                  </p:stCondLst>
+                                  <p:childTnLst>
+                                    <p:set>
+                                      <p:cBhvr>
+                                        <p:cTn id="40" dur="1" fill="hold">
+                                          <p:stCondLst>
+                                            <p:cond delay="0"/>
+                                          </p:stCondLst>
+                                        </p:cTn>
+                                        <p:tgtEl>
+                                          <p:spTgt spid="36"/>
+                                        </p:tgtEl>
+                                        <p:attrNameLst>
+                                          <p:attrName>style.visibility</p:attrName>
+                                        </p:attrNameLst>
+                                      </p:cBhvr>
+                                      <p:to>
+                                        <p:strVal val="visible"/>
+                                      </p:to>
+                                    </p:set>
+                                    <p:anim calcmode="lin" valueType="num">
+                                      <p:cBhvr additive="base">
+                                        <p:cTn id="41" dur="500" fill="hold"/>
+                                        <p:tgtEl>
+                                          <p:spTgt spid="36"/>
+                                        </p:tgtEl>
+                                        <p:attrNameLst>
+                                          <p:attrName>ppt_x</p:attrName>
+                                        </p:attrNameLst>
+                                      </p:cBhvr>
+                                      <p:tavLst>
+                                        <p:tav tm="0">
+                                          <p:val>
+                                            <p:strVal val="#ppt_x"/>
+                                          </p:val>
+                                        </p:tav>
+                                        <p:tav tm="100000">
+                                          <p:val>
+                                            <p:strVal val="#ppt_x"/>
+                                          </p:val>
+                                        </p:tav>
+                                      </p:tavLst>
+                                    </p:anim>
+                                    <p:anim calcmode="lin" valueType="num">
+                                      <p:cBhvr additive="base">
+                                        <p:cTn id="42" dur="500" fill="hold"/>
+                                        <p:tgtEl>
+                                          <p:spTgt spid="36"/>
+                                        </p:tgtEl>
+                                        <p:attrNameLst>
+                                          <p:attrName>ppt_y</p:attrName>
+                                        </p:attrNameLst>
+                                      </p:cBhvr>
+                                      <p:tavLst>
+                                        <p:tav tm="0">
+                                          <p:val>
+                                            <p:strVal val="1+#ppt_h/2"/>
+                                          </p:val>
+                                        </p:tav>
+                                        <p:tav tm="100000">
+                                          <p:val>
+                                            <p:strVal val="#ppt_y"/>
+                                          </p:val>
+                                        </p:tav>
+                                      </p:tavLst>
+                                    </p:anim>
+                                  </p:childTnLst>
+                                </p:cTn>
+                              </p:par>
+                            </p:childTnLst>
+                          </p:cTn>
+                        </p:par>
+                      </p:childTnLst>
+                    </p:cTn>
+                  </p:par>
+                  <p:par>
+                    <p:cTn id="43" fill="hold">
+                      <p:stCondLst>
+                        <p:cond delay="indefinite"/>
+                      </p:stCondLst>
+                      <p:childTnLst>
+                        <p:par>
+                          <p:cTn id="44" fill="hold">
+                            <p:stCondLst>
+                              <p:cond delay="0"/>
+                            </p:stCondLst>
+                            <p:childTnLst>
+                              <p:par>
+                                <p:cTn id="45" presetID="2" presetClass="entr" presetSubtype="4" fill="hold" nodeType="clickEffect">
+                                  <p:stCondLst>
+                                    <p:cond delay="0"/>
+                                  </p:stCondLst>
+                                  <p:childTnLst>
+                                    <p:set>
+                                      <p:cBhvr>
+                                        <p:cTn id="46" dur="1" fill="hold">
+                                          <p:stCondLst>
+                                            <p:cond delay="0"/>
+                                          </p:stCondLst>
+                                        </p:cTn>
+                                        <p:tgtEl>
+                                          <p:spTgt spid="37"/>
+                                        </p:tgtEl>
+                                        <p:attrNameLst>
+                                          <p:attrName>style.visibility</p:attrName>
+                                        </p:attrNameLst>
+                                      </p:cBhvr>
+                                      <p:to>
+                                        <p:strVal val="visible"/>
+                                      </p:to>
+                                    </p:set>
+                                    <p:anim calcmode="lin" valueType="num">
+                                      <p:cBhvr additive="base">
+                                        <p:cTn id="47" dur="500" fill="hold"/>
+                                        <p:tgtEl>
+                                          <p:spTgt spid="37"/>
+                                        </p:tgtEl>
+                                        <p:attrNameLst>
+                                          <p:attrName>ppt_x</p:attrName>
+                                        </p:attrNameLst>
+                                      </p:cBhvr>
+                                      <p:tavLst>
+                                        <p:tav tm="0">
+                                          <p:val>
+                                            <p:strVal val="#ppt_x"/>
+                                          </p:val>
+                                        </p:tav>
+                                        <p:tav tm="100000">
+                                          <p:val>
+                                            <p:strVal val="#ppt_x"/>
+                                          </p:val>
+                                        </p:tav>
+                                      </p:tavLst>
+                                    </p:anim>
+                                    <p:anim calcmode="lin" valueType="num">
+                                      <p:cBhvr additive="base">
+                                        <p:cTn id="48" dur="500" fill="hold"/>
+                                        <p:tgtEl>
+                                          <p:spTgt spid="37"/>
+                                        </p:tgtEl>
+                                        <p:attrNameLst>
+                                          <p:attrName>ppt_y</p:attrName>
+                                        </p:attrNameLst>
+                                      </p:cBhvr>
+                                      <p:tavLst>
+                                        <p:tav tm="0">
+                                          <p:val>
+                                            <p:strVal val="1+#ppt_h/2"/>
+                                          </p:val>
+                                        </p:tav>
+                                        <p:tav tm="100000">
+                                          <p:val>
+                                            <p:strVal val="#ppt_y"/>
+                                          </p:val>
+                                        </p:tav>
+                                      </p:tavLst>
+                                    </p:anim>
+                                  </p:childTnLst>
+                                </p:cTn>
+                              </p:par>
+                            </p:childTnLst>
+                          </p:cTn>
+                        </p:par>
+                      </p:childTnLst>
+                    </p:cTn>
+                  </p:par>
+                  <p:par>
+                    <p:cTn id="49" fill="hold">
+                      <p:stCondLst>
+                        <p:cond delay="indefinite"/>
+                      </p:stCondLst>
+                      <p:childTnLst>
+                        <p:par>
+                          <p:cTn id="50" fill="hold">
+                            <p:stCondLst>
+                              <p:cond delay="0"/>
+                            </p:stCondLst>
+                            <p:childTnLst>
+                              <p:par>
+                                <p:cTn id="51" presetID="2" presetClass="entr" presetSubtype="4" fill="hold" nodeType="clickEffect">
+                                  <p:stCondLst>
+                                    <p:cond delay="0"/>
+                                  </p:stCondLst>
+                                  <p:childTnLst>
+                                    <p:set>
+                                      <p:cBhvr>
+                                        <p:cTn id="52" dur="1" fill="hold">
+                                          <p:stCondLst>
+                                            <p:cond delay="0"/>
+                                          </p:stCondLst>
+                                        </p:cTn>
+                                        <p:tgtEl>
+                                          <p:spTgt spid="38"/>
+                                        </p:tgtEl>
+                                        <p:attrNameLst>
+                                          <p:attrName>style.visibility</p:attrName>
+                                        </p:attrNameLst>
+                                      </p:cBhvr>
+                                      <p:to>
+                                        <p:strVal val="visible"/>
+                                      </p:to>
+                                    </p:set>
+                                    <p:anim calcmode="lin" valueType="num">
+                                      <p:cBhvr additive="base">
+                                        <p:cTn id="53" dur="500" fill="hold"/>
+                                        <p:tgtEl>
+                                          <p:spTgt spid="38"/>
+                                        </p:tgtEl>
+                                        <p:attrNameLst>
+                                          <p:attrName>ppt_x</p:attrName>
+                                        </p:attrNameLst>
+                                      </p:cBhvr>
+                                      <p:tavLst>
+                                        <p:tav tm="0">
+                                          <p:val>
+                                            <p:strVal val="#ppt_x"/>
+                                          </p:val>
+                                        </p:tav>
+                                        <p:tav tm="100000">
+                                          <p:val>
+                                            <p:strVal val="#ppt_x"/>
+                                          </p:val>
+                                        </p:tav>
+                                      </p:tavLst>
+                                    </p:anim>
+                                    <p:anim calcmode="lin" valueType="num">
+                                      <p:cBhvr additive="base">
+                                        <p:cTn id="54" dur="500" fill="hold"/>
+                                        <p:tgtEl>
+                                          <p:spTgt spid="38"/>
+                                        </p:tgtEl>
+                                        <p:attrNameLst>
+                                          <p:attrName>ppt_y</p:attrName>
+                                        </p:attrNameLst>
+                                      </p:cBhvr>
+                                      <p:tavLst>
+                                        <p:tav tm="0">
+                                          <p:val>
+                                            <p:strVal val="1+#ppt_h/2"/>
+                                          </p:val>
+                                        </p:tav>
+                                        <p:tav tm="100000">
+                                          <p:val>
+                                            <p:strVal val="#ppt_y"/>
+                                          </p:val>
+                                        </p:tav>
+                                      </p:tavLst>
+                                    </p:anim>
+                                  </p:childTnLst>
+                                </p:cTn>
+                              </p:par>
+                            </p:childTnLst>
+                          </p:cTn>
+                        </p:par>
+                      </p:childTnLst>
+                    </p:cTn>
+                  </p:par>
+                </p:childTnLst>
+              </p:cTn>
+              <p:prevCondLst>
+                <p:cond evt="onPrev" delay="0">
+                  <p:tgtEl>
+                    <p:sldTgt/>
+                  </p:tgtEl>
+                </p:cond>
+              </p:prevCondLst>
+              <p:nextCondLst>
+                <p:cond evt="onNext" delay="0">
+                  <p:tgtEl>
+                    <p:sldTgt/>
+                  </p:tgtEl>
+                </p:cond>
+              </p:nextCondLst>
+            </p:seq>
+          </p:childTnLst>
+        </p:cTn>
+      </p:par>
+    </p:tnLst>
+    <p:bldLst>
+      <p:bldP spid="25" grpId="0"/>
+    </p:bldLst>
+  </p:timing>
 </p:sld>
 </file>
 
@@ -8752,7 +12912,7 @@
           <p:cNvPr id="2" name="Title 1">
             <a:extLst>
               <a:ext uri="{FF2B5EF4-FFF2-40B4-BE49-F238E27FC236}">
-                <a16:creationId xmlns:a16="http://schemas.microsoft.com/office/drawing/2014/main" id="{9700A78F-D620-45EF-B490-9F7C240ACD5C}"/>
+                <a16:creationId xmlns:a16="http://schemas.microsoft.com/office/drawing/2014/main" xmlns="" id="{84390C2B-0478-404D-B617-0AF65FAD8ADC}"/>
               </a:ext>
             </a:extLst>
           </p:cNvPr>
@@ -8774,17 +12934,17 @@
             </a:r>
             <a:r>
               <a:rPr lang="en-US" dirty="0"/>
-              <a:t>-Energetic Studies</a:t>
+              <a:t>-Visualize</a:t>
             </a:r>
           </a:p>
         </p:txBody>
       </p:sp>
       <p:sp>
         <p:nvSpPr>
-          <p:cNvPr id="3" name="Content Placeholder 2">
+          <p:cNvPr id="4" name="Content Placeholder 3">
             <a:extLst>
               <a:ext uri="{FF2B5EF4-FFF2-40B4-BE49-F238E27FC236}">
-                <a16:creationId xmlns:a16="http://schemas.microsoft.com/office/drawing/2014/main" id="{5260ED57-247D-480E-9D17-0911C53780DB}"/>
+                <a16:creationId xmlns:a16="http://schemas.microsoft.com/office/drawing/2014/main" xmlns="" id="{C45C7397-98D2-47F2-B31B-39608A369D5D}"/>
               </a:ext>
             </a:extLst>
           </p:cNvPr>
@@ -8797,32 +12957,51 @@
         </p:nvSpPr>
         <p:spPr>
           <a:xfrm>
-            <a:off x="1257300" y="2286000"/>
-            <a:ext cx="4800600" cy="4076700"/>
+            <a:off x="1251678" y="2286000"/>
+            <a:ext cx="4806222" cy="3619500"/>
           </a:xfrm>
         </p:spPr>
         <p:txBody>
-          <a:bodyPr>
-            <a:normAutofit fontScale="92500"/>
-          </a:bodyPr>
+          <a:bodyPr/>
           <a:lstStyle/>
           <a:p>
             <a:pPr marL="0" indent="0">
               <a:buNone/>
             </a:pPr>
             <a:r>
+              <a:rPr lang="en-US" dirty="0">
+                <a:latin typeface="Courier New" panose="02070309020205020404" pitchFamily="49" charset="0"/>
+                <a:cs typeface="Courier New" panose="02070309020205020404" pitchFamily="49" charset="0"/>
+              </a:rPr>
+              <a:t>Visualize= 	</a:t>
+            </a:r>
+            <a:r>
               <a:rPr lang="en-US" dirty="0" err="1">
                 <a:latin typeface="Courier New" panose="02070309020205020404" pitchFamily="49" charset="0"/>
                 <a:cs typeface="Courier New" panose="02070309020205020404" pitchFamily="49" charset="0"/>
               </a:rPr>
-              <a:t>Indicies</a:t>
+              <a:t>ngl.show_mdtraj</a:t>
             </a:r>
             <a:r>
               <a:rPr lang="en-US" dirty="0">
                 <a:latin typeface="Courier New" panose="02070309020205020404" pitchFamily="49" charset="0"/>
                 <a:cs typeface="Courier New" panose="02070309020205020404" pitchFamily="49" charset="0"/>
               </a:rPr>
-              <a:t>=[]</a:t>
+              <a:t>(</a:t>
+            </a:r>
+            <a:r>
+              <a:rPr lang="en-US" dirty="0" err="1">
+                <a:latin typeface="Courier New" panose="02070309020205020404" pitchFamily="49" charset="0"/>
+                <a:cs typeface="Courier New" panose="02070309020205020404" pitchFamily="49" charset="0"/>
+              </a:rPr>
+              <a:t>traj</a:t>
+            </a:r>
+            <a:r>
+              <a:rPr lang="en-US" dirty="0">
+                <a:latin typeface="Courier New" panose="02070309020205020404" pitchFamily="49" charset="0"/>
+                <a:cs typeface="Courier New" panose="02070309020205020404" pitchFamily="49" charset="0"/>
+              </a:rPr>
+              <a:t>)</a:t>
             </a:r>
           </a:p>
           <a:p>
@@ -8834,292 +13013,17 @@
                 <a:latin typeface="Courier New" panose="02070309020205020404" pitchFamily="49" charset="0"/>
                 <a:cs typeface="Courier New" panose="02070309020205020404" pitchFamily="49" charset="0"/>
               </a:rPr>
-              <a:t>Obj=</a:t>
-            </a:r>
-            <a:r>
-              <a:rPr lang="en-US" dirty="0" err="1">
-                <a:latin typeface="Courier New" panose="02070309020205020404" pitchFamily="49" charset="0"/>
-                <a:cs typeface="Courier New" panose="02070309020205020404" pitchFamily="49" charset="0"/>
-              </a:rPr>
-              <a:t>md.compute</a:t>
-            </a:r>
-            <a:r>
-              <a:rPr lang="en-US" dirty="0">
-                <a:latin typeface="Courier New" panose="02070309020205020404" pitchFamily="49" charset="0"/>
-                <a:cs typeface="Courier New" panose="02070309020205020404" pitchFamily="49" charset="0"/>
-              </a:rPr>
-              <a:t>_&lt;type&gt;(</a:t>
-            </a:r>
-            <a:r>
-              <a:rPr lang="en-US" dirty="0" err="1">
-                <a:latin typeface="Courier New" panose="02070309020205020404" pitchFamily="49" charset="0"/>
-                <a:cs typeface="Courier New" panose="02070309020205020404" pitchFamily="49" charset="0"/>
-              </a:rPr>
-              <a:t>traj</a:t>
-            </a:r>
-            <a:r>
-              <a:rPr lang="en-US" dirty="0">
-                <a:latin typeface="Courier New" panose="02070309020205020404" pitchFamily="49" charset="0"/>
-                <a:cs typeface="Courier New" panose="02070309020205020404" pitchFamily="49" charset="0"/>
-              </a:rPr>
-              <a:t>,</a:t>
-            </a:r>
-          </a:p>
-          <a:p>
-            <a:pPr marL="0" indent="0">
-              <a:buNone/>
-            </a:pPr>
-            <a:r>
-              <a:rPr lang="en-US" dirty="0">
-                <a:latin typeface="Courier New" panose="02070309020205020404" pitchFamily="49" charset="0"/>
-                <a:cs typeface="Courier New" panose="02070309020205020404" pitchFamily="49" charset="0"/>
-              </a:rPr>
-              <a:t>	[indices])*&lt;</a:t>
-            </a:r>
-            <a:r>
-              <a:rPr lang="en-US" dirty="0" err="1">
-                <a:latin typeface="Courier New" panose="02070309020205020404" pitchFamily="49" charset="0"/>
-                <a:cs typeface="Courier New" panose="02070309020205020404" pitchFamily="49" charset="0"/>
-              </a:rPr>
-              <a:t>unit_convert</a:t>
-            </a:r>
-            <a:r>
-              <a:rPr lang="en-US" dirty="0">
-                <a:latin typeface="Courier New" panose="02070309020205020404" pitchFamily="49" charset="0"/>
-                <a:cs typeface="Courier New" panose="02070309020205020404" pitchFamily="49" charset="0"/>
-              </a:rPr>
-              <a:t>&gt;</a:t>
-            </a:r>
-          </a:p>
-          <a:p>
-            <a:pPr marL="0" indent="0">
-              <a:buNone/>
-            </a:pPr>
-            <a:r>
-              <a:rPr lang="en-US" dirty="0" err="1">
-                <a:latin typeface="Courier New" panose="02070309020205020404" pitchFamily="49" charset="0"/>
-                <a:cs typeface="Courier New" panose="02070309020205020404" pitchFamily="49" charset="0"/>
-              </a:rPr>
-              <a:t>Objc,bine,other</a:t>
-            </a:r>
-            <a:r>
-              <a:rPr lang="en-US" dirty="0">
-                <a:latin typeface="Courier New" panose="02070309020205020404" pitchFamily="49" charset="0"/>
-                <a:cs typeface="Courier New" panose="02070309020205020404" pitchFamily="49" charset="0"/>
-              </a:rPr>
-              <a:t>=</a:t>
-            </a:r>
-            <a:r>
-              <a:rPr lang="en-US" dirty="0" err="1">
-                <a:latin typeface="Courier New" panose="02070309020205020404" pitchFamily="49" charset="0"/>
-                <a:cs typeface="Courier New" panose="02070309020205020404" pitchFamily="49" charset="0"/>
-              </a:rPr>
-              <a:t>plt.hsit</a:t>
-            </a:r>
-            <a:r>
-              <a:rPr lang="en-US" dirty="0">
-                <a:latin typeface="Courier New" panose="02070309020205020404" pitchFamily="49" charset="0"/>
-                <a:cs typeface="Courier New" panose="02070309020205020404" pitchFamily="49" charset="0"/>
-              </a:rPr>
-              <a:t>(obj)</a:t>
-            </a:r>
-          </a:p>
-          <a:p>
-            <a:pPr marL="0" indent="0">
-              <a:buNone/>
-            </a:pPr>
-            <a:r>
-              <a:rPr lang="en-US" dirty="0" err="1">
-                <a:latin typeface="Courier New" panose="02070309020205020404" pitchFamily="49" charset="0"/>
-                <a:cs typeface="Courier New" panose="02070309020205020404" pitchFamily="49" charset="0"/>
-              </a:rPr>
-              <a:t>Objc</a:t>
-            </a:r>
-            <a:r>
-              <a:rPr lang="en-US" dirty="0">
-                <a:latin typeface="Courier New" panose="02070309020205020404" pitchFamily="49" charset="0"/>
-                <a:cs typeface="Courier New" panose="02070309020205020404" pitchFamily="49" charset="0"/>
-              </a:rPr>
-              <a:t>[</a:t>
-            </a:r>
-            <a:r>
-              <a:rPr lang="en-US" dirty="0" err="1">
-                <a:latin typeface="Courier New" panose="02070309020205020404" pitchFamily="49" charset="0"/>
-                <a:cs typeface="Courier New" panose="02070309020205020404" pitchFamily="49" charset="0"/>
-              </a:rPr>
-              <a:t>objc</a:t>
-            </a:r>
-            <a:r>
-              <a:rPr lang="en-US" dirty="0">
-                <a:latin typeface="Courier New" panose="02070309020205020404" pitchFamily="49" charset="0"/>
-                <a:cs typeface="Courier New" panose="02070309020205020404" pitchFamily="49" charset="0"/>
-              </a:rPr>
-              <a:t>==0]=0.1</a:t>
-            </a:r>
-          </a:p>
-          <a:p>
-            <a:pPr marL="0" indent="0">
-              <a:buNone/>
-            </a:pPr>
-            <a:r>
-              <a:rPr lang="en-US" dirty="0" err="1">
-                <a:latin typeface="Courier New" panose="02070309020205020404" pitchFamily="49" charset="0"/>
-                <a:cs typeface="Courier New" panose="02070309020205020404" pitchFamily="49" charset="0"/>
-              </a:rPr>
-              <a:t>Pmf</a:t>
-            </a:r>
-            <a:r>
-              <a:rPr lang="en-US" dirty="0">
-                <a:latin typeface="Courier New" panose="02070309020205020404" pitchFamily="49" charset="0"/>
-                <a:cs typeface="Courier New" panose="02070309020205020404" pitchFamily="49" charset="0"/>
-              </a:rPr>
-              <a:t>=-kB*Temp*np.log(</a:t>
-            </a:r>
-            <a:r>
-              <a:rPr lang="en-US" dirty="0" err="1">
-                <a:latin typeface="Courier New" panose="02070309020205020404" pitchFamily="49" charset="0"/>
-                <a:cs typeface="Courier New" panose="02070309020205020404" pitchFamily="49" charset="0"/>
-              </a:rPr>
-              <a:t>objc</a:t>
-            </a:r>
-            <a:r>
-              <a:rPr lang="en-US" dirty="0">
-                <a:latin typeface="Courier New" panose="02070309020205020404" pitchFamily="49" charset="0"/>
-                <a:cs typeface="Courier New" panose="02070309020205020404" pitchFamily="49" charset="0"/>
-              </a:rPr>
-              <a:t>)</a:t>
-            </a:r>
-          </a:p>
-          <a:p>
-            <a:pPr marL="0" indent="0">
-              <a:buNone/>
-            </a:pPr>
-            <a:r>
-              <a:rPr lang="en-US" dirty="0" err="1">
-                <a:latin typeface="Courier New" panose="02070309020205020404" pitchFamily="49" charset="0"/>
-                <a:cs typeface="Courier New" panose="02070309020205020404" pitchFamily="49" charset="0"/>
-              </a:rPr>
-              <a:t>Pmf</a:t>
-            </a:r>
-            <a:r>
-              <a:rPr lang="en-US" dirty="0">
-                <a:latin typeface="Courier New" panose="02070309020205020404" pitchFamily="49" charset="0"/>
-                <a:cs typeface="Courier New" panose="02070309020205020404" pitchFamily="49" charset="0"/>
-              </a:rPr>
-              <a:t>=</a:t>
-            </a:r>
-            <a:r>
-              <a:rPr lang="en-US" dirty="0" err="1">
-                <a:latin typeface="Courier New" panose="02070309020205020404" pitchFamily="49" charset="0"/>
-                <a:cs typeface="Courier New" panose="02070309020205020404" pitchFamily="49" charset="0"/>
-              </a:rPr>
-              <a:t>pmf-np.min</a:t>
-            </a:r>
-            <a:r>
-              <a:rPr lang="en-US" dirty="0">
-                <a:latin typeface="Courier New" panose="02070309020205020404" pitchFamily="49" charset="0"/>
-                <a:cs typeface="Courier New" panose="02070309020205020404" pitchFamily="49" charset="0"/>
-              </a:rPr>
-              <a:t>(</a:t>
-            </a:r>
-            <a:r>
-              <a:rPr lang="en-US" dirty="0" err="1">
-                <a:latin typeface="Courier New" panose="02070309020205020404" pitchFamily="49" charset="0"/>
-                <a:cs typeface="Courier New" panose="02070309020205020404" pitchFamily="49" charset="0"/>
-              </a:rPr>
-              <a:t>pmf</a:t>
-            </a:r>
-            <a:r>
-              <a:rPr lang="en-US" dirty="0">
-                <a:latin typeface="Courier New" panose="02070309020205020404" pitchFamily="49" charset="0"/>
-                <a:cs typeface="Courier New" panose="02070309020205020404" pitchFamily="49" charset="0"/>
-              </a:rPr>
-              <a:t>)</a:t>
-            </a:r>
-          </a:p>
-          <a:p>
-            <a:pPr marL="0" indent="0">
-              <a:buNone/>
-            </a:pPr>
-            <a:r>
-              <a:rPr lang="en-US" dirty="0" err="1">
-                <a:latin typeface="Courier New" panose="02070309020205020404" pitchFamily="49" charset="0"/>
-                <a:cs typeface="Courier New" panose="02070309020205020404" pitchFamily="49" charset="0"/>
-              </a:rPr>
-              <a:t>Binc</a:t>
-            </a:r>
-            <a:r>
-              <a:rPr lang="en-US" dirty="0">
-                <a:latin typeface="Courier New" panose="02070309020205020404" pitchFamily="49" charset="0"/>
-                <a:cs typeface="Courier New" panose="02070309020205020404" pitchFamily="49" charset="0"/>
-              </a:rPr>
-              <a:t>=(bine[1:]+bine[:-1])/2</a:t>
-            </a:r>
-          </a:p>
-          <a:p>
-            <a:pPr marL="0" indent="0">
-              <a:buNone/>
-            </a:pPr>
-            <a:r>
-              <a:rPr lang="en-US" dirty="0" err="1">
-                <a:latin typeface="Courier New" panose="02070309020205020404" pitchFamily="49" charset="0"/>
-                <a:cs typeface="Courier New" panose="02070309020205020404" pitchFamily="49" charset="0"/>
-              </a:rPr>
-              <a:t>Pmfs</a:t>
-            </a:r>
-            <a:r>
-              <a:rPr lang="en-US" dirty="0">
-                <a:latin typeface="Courier New" panose="02070309020205020404" pitchFamily="49" charset="0"/>
-                <a:cs typeface="Courier New" panose="02070309020205020404" pitchFamily="49" charset="0"/>
-              </a:rPr>
-              <a:t>=</a:t>
-            </a:r>
-            <a:r>
-              <a:rPr lang="en-US" dirty="0" err="1">
-                <a:latin typeface="Courier New" panose="02070309020205020404" pitchFamily="49" charset="0"/>
-                <a:cs typeface="Courier New" panose="02070309020205020404" pitchFamily="49" charset="0"/>
-              </a:rPr>
-              <a:t>sm.nonparametric.lowess</a:t>
-            </a:r>
-            <a:endParaRPr lang="en-US" dirty="0">
-              <a:latin typeface="Courier New" panose="02070309020205020404" pitchFamily="49" charset="0"/>
-              <a:cs typeface="Courier New" panose="02070309020205020404" pitchFamily="49" charset="0"/>
-            </a:endParaRPr>
-          </a:p>
-          <a:p>
-            <a:pPr marL="0" indent="0">
-              <a:buNone/>
-            </a:pPr>
-            <a:r>
-              <a:rPr lang="en-US" dirty="0">
-                <a:latin typeface="Courier New" panose="02070309020205020404" pitchFamily="49" charset="0"/>
-                <a:cs typeface="Courier New" panose="02070309020205020404" pitchFamily="49" charset="0"/>
-              </a:rPr>
-              <a:t>	(</a:t>
-            </a:r>
-            <a:r>
-              <a:rPr lang="en-US" dirty="0" err="1">
-                <a:latin typeface="Courier New" panose="02070309020205020404" pitchFamily="49" charset="0"/>
-                <a:cs typeface="Courier New" panose="02070309020205020404" pitchFamily="49" charset="0"/>
-              </a:rPr>
-              <a:t>pmf,binc,frac</a:t>
-            </a:r>
-            <a:r>
-              <a:rPr lang="en-US" dirty="0">
-                <a:latin typeface="Courier New" panose="02070309020205020404" pitchFamily="49" charset="0"/>
-                <a:cs typeface="Courier New" panose="02070309020205020404" pitchFamily="49" charset="0"/>
-              </a:rPr>
-              <a:t>=0.05)</a:t>
+              <a:t>Visualize </a:t>
             </a:r>
           </a:p>
         </p:txBody>
       </p:sp>
       <p:sp>
         <p:nvSpPr>
-          <p:cNvPr id="4" name="Content Placeholder 3">
+          <p:cNvPr id="5" name="Content Placeholder 4">
             <a:extLst>
               <a:ext uri="{FF2B5EF4-FFF2-40B4-BE49-F238E27FC236}">
-                <a16:creationId xmlns:a16="http://schemas.microsoft.com/office/drawing/2014/main" id="{4B90CB71-4EDB-42E1-8DB9-3420B39942D9}"/>
+                <a16:creationId xmlns:a16="http://schemas.microsoft.com/office/drawing/2014/main" xmlns="" id="{D0B0F804-99E4-4BD0-AC62-0E3C663AC9E3}"/>
               </a:ext>
             </a:extLst>
           </p:cNvPr>
@@ -9130,32 +13034,32 @@
             <p:ph sz="half" idx="2"/>
           </p:nvPr>
         </p:nvSpPr>
-        <p:spPr>
-          <a:xfrm>
-            <a:off x="6647796" y="2286000"/>
-            <a:ext cx="4800600" cy="4076700"/>
-          </a:xfrm>
-        </p:spPr>
+        <p:spPr/>
         <p:txBody>
-          <a:bodyPr>
-            <a:normAutofit fontScale="92500"/>
-          </a:bodyPr>
+          <a:bodyPr/>
           <a:lstStyle/>
           <a:p>
-            <a:endParaRPr lang="en-US" dirty="0"/>
+            <a:endParaRPr lang="en-US"/>
           </a:p>
         </p:txBody>
       </p:sp>
     </p:spTree>
     <p:extLst>
       <p:ext uri="{BB962C8B-B14F-4D97-AF65-F5344CB8AC3E}">
-        <p14:creationId xmlns:p14="http://schemas.microsoft.com/office/powerpoint/2010/main" val="4148851378"/>
+        <p14:creationId xmlns:p14="http://schemas.microsoft.com/office/powerpoint/2010/main" val="589725817"/>
       </p:ext>
     </p:extLst>
   </p:cSld>
   <p:clrMapOvr>
     <a:masterClrMapping/>
   </p:clrMapOvr>
+  <p:timing>
+    <p:tnLst>
+      <p:par>
+        <p:cTn id="1" dur="indefinite" restart="never" nodeType="tmRoot"/>
+      </p:par>
+    </p:tnLst>
+  </p:timing>
 </p:sld>
 </file>
 
@@ -9181,7 +13085,7 @@
           <p:cNvPr id="2" name="Title 1">
             <a:extLst>
               <a:ext uri="{FF2B5EF4-FFF2-40B4-BE49-F238E27FC236}">
-                <a16:creationId xmlns:a16="http://schemas.microsoft.com/office/drawing/2014/main" id="{2FABBB84-8E07-4A6B-AD8C-5986C73A9ECE}"/>
+                <a16:creationId xmlns:a16="http://schemas.microsoft.com/office/drawing/2014/main" xmlns="" id="{9700A78F-D620-45EF-B490-9F7C240ACD5C}"/>
               </a:ext>
             </a:extLst>
           </p:cNvPr>
@@ -9198,8 +13102,12 @@
           <a:lstStyle/>
           <a:p>
             <a:r>
+              <a:rPr lang="en-US" dirty="0" err="1"/>
+              <a:t>MDTraj</a:t>
+            </a:r>
+            <a:r>
               <a:rPr lang="en-US" dirty="0"/>
-              <a:t>GitHub and Git</a:t>
+              <a:t>-Energetic Studies</a:t>
             </a:r>
           </a:p>
         </p:txBody>
@@ -9209,7 +13117,7 @@
           <p:cNvPr id="3" name="Content Placeholder 2">
             <a:extLst>
               <a:ext uri="{FF2B5EF4-FFF2-40B4-BE49-F238E27FC236}">
-                <a16:creationId xmlns:a16="http://schemas.microsoft.com/office/drawing/2014/main" id="{EAE919A2-E1B4-4B8C-850C-79C6AAA22F42}"/>
+                <a16:creationId xmlns:a16="http://schemas.microsoft.com/office/drawing/2014/main" xmlns="" id="{5260ED57-247D-480E-9D17-0911C53780DB}"/>
               </a:ext>
             </a:extLst>
           </p:cNvPr>
@@ -9217,63 +13125,355 @@
             <a:spLocks noGrp="1"/>
           </p:cNvSpPr>
           <p:nvPr>
-            <p:ph idx="1"/>
+            <p:ph sz="half" idx="1"/>
           </p:nvPr>
         </p:nvSpPr>
-        <p:spPr/>
+        <p:spPr>
+          <a:xfrm>
+            <a:off x="1257300" y="2286000"/>
+            <a:ext cx="4800600" cy="4076700"/>
+          </a:xfrm>
+        </p:spPr>
         <p:txBody>
-          <a:bodyPr/>
+          <a:bodyPr>
+            <a:normAutofit fontScale="92500"/>
+          </a:bodyPr>
           <a:lstStyle/>
           <a:p>
-            <a:r>
-              <a:rPr lang="en-US" dirty="0"/>
-              <a:t>Repository</a:t>
-            </a:r>
-          </a:p>
-          <a:p>
-            <a:pPr lvl="1"/>
-            <a:r>
-              <a:rPr lang="en-US" dirty="0"/>
-              <a:t>Place to store files, and back them up</a:t>
-            </a:r>
-          </a:p>
-          <a:p>
-            <a:pPr lvl="1"/>
-            <a:r>
-              <a:rPr lang="en-US" dirty="0"/>
-              <a:t>Share documents for collaboration</a:t>
-            </a:r>
-          </a:p>
-          <a:p>
-            <a:pPr lvl="1"/>
-            <a:r>
-              <a:rPr lang="en-US" dirty="0"/>
-              <a:t>Merge versions for program design</a:t>
-            </a:r>
-          </a:p>
-          <a:p>
-            <a:r>
-              <a:rPr lang="en-US" dirty="0" err="1"/>
-              <a:t>OpenMM</a:t>
-            </a:r>
-            <a:r>
-              <a:rPr lang="en-US" dirty="0"/>
-              <a:t> and </a:t>
-            </a:r>
-            <a:r>
-              <a:rPr lang="en-US" dirty="0" err="1"/>
-              <a:t>MDTraj</a:t>
-            </a:r>
-            <a:r>
-              <a:rPr lang="en-US" dirty="0"/>
-              <a:t> are maintained communally </a:t>
-            </a:r>
-            <a:r>
-              <a:rPr lang="en-US"/>
-              <a:t>through GitHub.</a:t>
-            </a:r>
-            <a:endParaRPr lang="en-US" dirty="0"/>
-          </a:p>
+            <a:pPr marL="0" indent="0">
+              <a:buNone/>
+            </a:pPr>
+            <a:r>
+              <a:rPr lang="en-US" dirty="0" err="1">
+                <a:latin typeface="Courier New" panose="02070309020205020404" pitchFamily="49" charset="0"/>
+                <a:cs typeface="Courier New" panose="02070309020205020404" pitchFamily="49" charset="0"/>
+              </a:rPr>
+              <a:t>Indicies</a:t>
+            </a:r>
+            <a:r>
+              <a:rPr lang="en-US" dirty="0">
+                <a:latin typeface="Courier New" panose="02070309020205020404" pitchFamily="49" charset="0"/>
+                <a:cs typeface="Courier New" panose="02070309020205020404" pitchFamily="49" charset="0"/>
+              </a:rPr>
+              <a:t>=[]</a:t>
+            </a:r>
+          </a:p>
+          <a:p>
+            <a:pPr marL="0" indent="0">
+              <a:buNone/>
+            </a:pPr>
+            <a:r>
+              <a:rPr lang="en-US" dirty="0">
+                <a:latin typeface="Courier New" panose="02070309020205020404" pitchFamily="49" charset="0"/>
+                <a:cs typeface="Courier New" panose="02070309020205020404" pitchFamily="49" charset="0"/>
+              </a:rPr>
+              <a:t>Obj=</a:t>
+            </a:r>
+            <a:r>
+              <a:rPr lang="en-US" dirty="0" err="1">
+                <a:latin typeface="Courier New" panose="02070309020205020404" pitchFamily="49" charset="0"/>
+                <a:cs typeface="Courier New" panose="02070309020205020404" pitchFamily="49" charset="0"/>
+              </a:rPr>
+              <a:t>md.compute</a:t>
+            </a:r>
+            <a:r>
+              <a:rPr lang="en-US" dirty="0">
+                <a:latin typeface="Courier New" panose="02070309020205020404" pitchFamily="49" charset="0"/>
+                <a:cs typeface="Courier New" panose="02070309020205020404" pitchFamily="49" charset="0"/>
+              </a:rPr>
+              <a:t>_&lt;type&gt;(</a:t>
+            </a:r>
+            <a:r>
+              <a:rPr lang="en-US" dirty="0" err="1">
+                <a:latin typeface="Courier New" panose="02070309020205020404" pitchFamily="49" charset="0"/>
+                <a:cs typeface="Courier New" panose="02070309020205020404" pitchFamily="49" charset="0"/>
+              </a:rPr>
+              <a:t>traj</a:t>
+            </a:r>
+            <a:r>
+              <a:rPr lang="en-US" dirty="0">
+                <a:latin typeface="Courier New" panose="02070309020205020404" pitchFamily="49" charset="0"/>
+                <a:cs typeface="Courier New" panose="02070309020205020404" pitchFamily="49" charset="0"/>
+              </a:rPr>
+              <a:t>,</a:t>
+            </a:r>
+          </a:p>
+          <a:p>
+            <a:pPr marL="0" indent="0">
+              <a:buNone/>
+            </a:pPr>
+            <a:r>
+              <a:rPr lang="en-US" dirty="0">
+                <a:latin typeface="Courier New" panose="02070309020205020404" pitchFamily="49" charset="0"/>
+                <a:cs typeface="Courier New" panose="02070309020205020404" pitchFamily="49" charset="0"/>
+              </a:rPr>
+              <a:t>	[indices])*&lt;</a:t>
+            </a:r>
+            <a:r>
+              <a:rPr lang="en-US" dirty="0" err="1">
+                <a:latin typeface="Courier New" panose="02070309020205020404" pitchFamily="49" charset="0"/>
+                <a:cs typeface="Courier New" panose="02070309020205020404" pitchFamily="49" charset="0"/>
+              </a:rPr>
+              <a:t>unit_convert</a:t>
+            </a:r>
+            <a:r>
+              <a:rPr lang="en-US" dirty="0">
+                <a:latin typeface="Courier New" panose="02070309020205020404" pitchFamily="49" charset="0"/>
+                <a:cs typeface="Courier New" panose="02070309020205020404" pitchFamily="49" charset="0"/>
+              </a:rPr>
+              <a:t>&gt;</a:t>
+            </a:r>
+          </a:p>
+          <a:p>
+            <a:pPr marL="0" indent="0">
+              <a:buNone/>
+            </a:pPr>
+            <a:r>
+              <a:rPr lang="en-US" dirty="0" err="1">
+                <a:latin typeface="Courier New" panose="02070309020205020404" pitchFamily="49" charset="0"/>
+                <a:cs typeface="Courier New" panose="02070309020205020404" pitchFamily="49" charset="0"/>
+              </a:rPr>
+              <a:t>Objc,bine,other</a:t>
+            </a:r>
+            <a:r>
+              <a:rPr lang="en-US" dirty="0">
+                <a:latin typeface="Courier New" panose="02070309020205020404" pitchFamily="49" charset="0"/>
+                <a:cs typeface="Courier New" panose="02070309020205020404" pitchFamily="49" charset="0"/>
+              </a:rPr>
+              <a:t>=</a:t>
+            </a:r>
+            <a:r>
+              <a:rPr lang="en-US" dirty="0" err="1">
+                <a:latin typeface="Courier New" panose="02070309020205020404" pitchFamily="49" charset="0"/>
+                <a:cs typeface="Courier New" panose="02070309020205020404" pitchFamily="49" charset="0"/>
+              </a:rPr>
+              <a:t>plt.hsit</a:t>
+            </a:r>
+            <a:r>
+              <a:rPr lang="en-US" dirty="0">
+                <a:latin typeface="Courier New" panose="02070309020205020404" pitchFamily="49" charset="0"/>
+                <a:cs typeface="Courier New" panose="02070309020205020404" pitchFamily="49" charset="0"/>
+              </a:rPr>
+              <a:t>(obj)</a:t>
+            </a:r>
+          </a:p>
+          <a:p>
+            <a:pPr marL="0" indent="0">
+              <a:buNone/>
+            </a:pPr>
+            <a:r>
+              <a:rPr lang="en-US" dirty="0" err="1">
+                <a:latin typeface="Courier New" panose="02070309020205020404" pitchFamily="49" charset="0"/>
+                <a:cs typeface="Courier New" panose="02070309020205020404" pitchFamily="49" charset="0"/>
+              </a:rPr>
+              <a:t>Objc</a:t>
+            </a:r>
+            <a:r>
+              <a:rPr lang="en-US" dirty="0">
+                <a:latin typeface="Courier New" panose="02070309020205020404" pitchFamily="49" charset="0"/>
+                <a:cs typeface="Courier New" panose="02070309020205020404" pitchFamily="49" charset="0"/>
+              </a:rPr>
+              <a:t>[</a:t>
+            </a:r>
+            <a:r>
+              <a:rPr lang="en-US" dirty="0" err="1">
+                <a:latin typeface="Courier New" panose="02070309020205020404" pitchFamily="49" charset="0"/>
+                <a:cs typeface="Courier New" panose="02070309020205020404" pitchFamily="49" charset="0"/>
+              </a:rPr>
+              <a:t>objc</a:t>
+            </a:r>
+            <a:r>
+              <a:rPr lang="en-US" dirty="0">
+                <a:latin typeface="Courier New" panose="02070309020205020404" pitchFamily="49" charset="0"/>
+                <a:cs typeface="Courier New" panose="02070309020205020404" pitchFamily="49" charset="0"/>
+              </a:rPr>
+              <a:t>==0]=0.1</a:t>
+            </a:r>
+          </a:p>
+          <a:p>
+            <a:pPr marL="0" indent="0">
+              <a:buNone/>
+            </a:pPr>
+            <a:r>
+              <a:rPr lang="en-US" dirty="0" err="1">
+                <a:latin typeface="Courier New" panose="02070309020205020404" pitchFamily="49" charset="0"/>
+                <a:cs typeface="Courier New" panose="02070309020205020404" pitchFamily="49" charset="0"/>
+              </a:rPr>
+              <a:t>Pmf</a:t>
+            </a:r>
+            <a:r>
+              <a:rPr lang="en-US" dirty="0">
+                <a:latin typeface="Courier New" panose="02070309020205020404" pitchFamily="49" charset="0"/>
+                <a:cs typeface="Courier New" panose="02070309020205020404" pitchFamily="49" charset="0"/>
+              </a:rPr>
+              <a:t>=-kB*Temp*np.log(</a:t>
+            </a:r>
+            <a:r>
+              <a:rPr lang="en-US" dirty="0" err="1">
+                <a:latin typeface="Courier New" panose="02070309020205020404" pitchFamily="49" charset="0"/>
+                <a:cs typeface="Courier New" panose="02070309020205020404" pitchFamily="49" charset="0"/>
+              </a:rPr>
+              <a:t>objc</a:t>
+            </a:r>
+            <a:r>
+              <a:rPr lang="en-US" dirty="0">
+                <a:latin typeface="Courier New" panose="02070309020205020404" pitchFamily="49" charset="0"/>
+                <a:cs typeface="Courier New" panose="02070309020205020404" pitchFamily="49" charset="0"/>
+              </a:rPr>
+              <a:t>)</a:t>
+            </a:r>
+          </a:p>
+          <a:p>
+            <a:pPr marL="0" indent="0">
+              <a:buNone/>
+            </a:pPr>
+            <a:r>
+              <a:rPr lang="en-US" dirty="0" err="1">
+                <a:latin typeface="Courier New" panose="02070309020205020404" pitchFamily="49" charset="0"/>
+                <a:cs typeface="Courier New" panose="02070309020205020404" pitchFamily="49" charset="0"/>
+              </a:rPr>
+              <a:t>Pmf</a:t>
+            </a:r>
+            <a:r>
+              <a:rPr lang="en-US" dirty="0">
+                <a:latin typeface="Courier New" panose="02070309020205020404" pitchFamily="49" charset="0"/>
+                <a:cs typeface="Courier New" panose="02070309020205020404" pitchFamily="49" charset="0"/>
+              </a:rPr>
+              <a:t>=</a:t>
+            </a:r>
+            <a:r>
+              <a:rPr lang="en-US" dirty="0" err="1">
+                <a:latin typeface="Courier New" panose="02070309020205020404" pitchFamily="49" charset="0"/>
+                <a:cs typeface="Courier New" panose="02070309020205020404" pitchFamily="49" charset="0"/>
+              </a:rPr>
+              <a:t>pmf-np.min</a:t>
+            </a:r>
+            <a:r>
+              <a:rPr lang="en-US" dirty="0">
+                <a:latin typeface="Courier New" panose="02070309020205020404" pitchFamily="49" charset="0"/>
+                <a:cs typeface="Courier New" panose="02070309020205020404" pitchFamily="49" charset="0"/>
+              </a:rPr>
+              <a:t>(</a:t>
+            </a:r>
+            <a:r>
+              <a:rPr lang="en-US" dirty="0" err="1">
+                <a:latin typeface="Courier New" panose="02070309020205020404" pitchFamily="49" charset="0"/>
+                <a:cs typeface="Courier New" panose="02070309020205020404" pitchFamily="49" charset="0"/>
+              </a:rPr>
+              <a:t>pmf</a:t>
+            </a:r>
+            <a:r>
+              <a:rPr lang="en-US" dirty="0">
+                <a:latin typeface="Courier New" panose="02070309020205020404" pitchFamily="49" charset="0"/>
+                <a:cs typeface="Courier New" panose="02070309020205020404" pitchFamily="49" charset="0"/>
+              </a:rPr>
+              <a:t>)</a:t>
+            </a:r>
+          </a:p>
+          <a:p>
+            <a:pPr marL="0" indent="0">
+              <a:buNone/>
+            </a:pPr>
+            <a:r>
+              <a:rPr lang="en-US" dirty="0" err="1">
+                <a:latin typeface="Courier New" panose="02070309020205020404" pitchFamily="49" charset="0"/>
+                <a:cs typeface="Courier New" panose="02070309020205020404" pitchFamily="49" charset="0"/>
+              </a:rPr>
+              <a:t>Binc</a:t>
+            </a:r>
+            <a:r>
+              <a:rPr lang="en-US" dirty="0">
+                <a:latin typeface="Courier New" panose="02070309020205020404" pitchFamily="49" charset="0"/>
+                <a:cs typeface="Courier New" panose="02070309020205020404" pitchFamily="49" charset="0"/>
+              </a:rPr>
+              <a:t>=(bine[1:]+bine[:-1])/2</a:t>
+            </a:r>
+          </a:p>
+          <a:p>
+            <a:pPr marL="0" indent="0">
+              <a:buNone/>
+            </a:pPr>
+            <a:r>
+              <a:rPr lang="en-US" dirty="0" err="1">
+                <a:latin typeface="Courier New" panose="02070309020205020404" pitchFamily="49" charset="0"/>
+                <a:cs typeface="Courier New" panose="02070309020205020404" pitchFamily="49" charset="0"/>
+              </a:rPr>
+              <a:t>Pmfs</a:t>
+            </a:r>
+            <a:r>
+              <a:rPr lang="en-US" dirty="0">
+                <a:latin typeface="Courier New" panose="02070309020205020404" pitchFamily="49" charset="0"/>
+                <a:cs typeface="Courier New" panose="02070309020205020404" pitchFamily="49" charset="0"/>
+              </a:rPr>
+              <a:t>=</a:t>
+            </a:r>
+            <a:r>
+              <a:rPr lang="en-US" dirty="0" err="1">
+                <a:latin typeface="Courier New" panose="02070309020205020404" pitchFamily="49" charset="0"/>
+                <a:cs typeface="Courier New" panose="02070309020205020404" pitchFamily="49" charset="0"/>
+              </a:rPr>
+              <a:t>sm.nonparametric.lowess</a:t>
+            </a:r>
+            <a:endParaRPr lang="en-US" dirty="0">
+              <a:latin typeface="Courier New" panose="02070309020205020404" pitchFamily="49" charset="0"/>
+              <a:cs typeface="Courier New" panose="02070309020205020404" pitchFamily="49" charset="0"/>
+            </a:endParaRPr>
+          </a:p>
+          <a:p>
+            <a:pPr marL="0" indent="0">
+              <a:buNone/>
+            </a:pPr>
+            <a:r>
+              <a:rPr lang="en-US" dirty="0">
+                <a:latin typeface="Courier New" panose="02070309020205020404" pitchFamily="49" charset="0"/>
+                <a:cs typeface="Courier New" panose="02070309020205020404" pitchFamily="49" charset="0"/>
+              </a:rPr>
+              <a:t>	(</a:t>
+            </a:r>
+            <a:r>
+              <a:rPr lang="en-US" dirty="0" err="1">
+                <a:latin typeface="Courier New" panose="02070309020205020404" pitchFamily="49" charset="0"/>
+                <a:cs typeface="Courier New" panose="02070309020205020404" pitchFamily="49" charset="0"/>
+              </a:rPr>
+              <a:t>pmf,binc,frac</a:t>
+            </a:r>
+            <a:r>
+              <a:rPr lang="en-US" dirty="0">
+                <a:latin typeface="Courier New" panose="02070309020205020404" pitchFamily="49" charset="0"/>
+                <a:cs typeface="Courier New" panose="02070309020205020404" pitchFamily="49" charset="0"/>
+              </a:rPr>
+              <a:t>=0.05)</a:t>
+            </a:r>
+          </a:p>
+        </p:txBody>
+      </p:sp>
+      <p:sp>
+        <p:nvSpPr>
+          <p:cNvPr id="4" name="Content Placeholder 3">
+            <a:extLst>
+              <a:ext uri="{FF2B5EF4-FFF2-40B4-BE49-F238E27FC236}">
+                <a16:creationId xmlns:a16="http://schemas.microsoft.com/office/drawing/2014/main" xmlns="" id="{4B90CB71-4EDB-42E1-8DB9-3420B39942D9}"/>
+              </a:ext>
+            </a:extLst>
+          </p:cNvPr>
+          <p:cNvSpPr>
+            <a:spLocks noGrp="1"/>
+          </p:cNvSpPr>
+          <p:nvPr>
+            <p:ph sz="half" idx="2"/>
+          </p:nvPr>
+        </p:nvSpPr>
+        <p:spPr>
+          <a:xfrm>
+            <a:off x="6647796" y="2286000"/>
+            <a:ext cx="4800600" cy="4076700"/>
+          </a:xfrm>
+        </p:spPr>
+        <p:txBody>
+          <a:bodyPr>
+            <a:normAutofit fontScale="92500"/>
+          </a:bodyPr>
+          <a:lstStyle/>
           <a:p>
             <a:endParaRPr lang="en-US" dirty="0"/>
           </a:p>
@@ -9282,13 +13482,20 @@
     </p:spTree>
     <p:extLst>
       <p:ext uri="{BB962C8B-B14F-4D97-AF65-F5344CB8AC3E}">
-        <p14:creationId xmlns:p14="http://schemas.microsoft.com/office/powerpoint/2010/main" val="3039199340"/>
+        <p14:creationId xmlns:p14="http://schemas.microsoft.com/office/powerpoint/2010/main" val="4148851378"/>
       </p:ext>
     </p:extLst>
   </p:cSld>
   <p:clrMapOvr>
     <a:masterClrMapping/>
   </p:clrMapOvr>
+  <p:timing>
+    <p:tnLst>
+      <p:par>
+        <p:cTn id="1" dur="indefinite" restart="never" nodeType="tmRoot"/>
+      </p:par>
+    </p:tnLst>
+  </p:timing>
 </p:sld>
 </file>
 
@@ -9314,7 +13521,7 @@
           <p:cNvPr id="2" name="Title 1">
             <a:extLst>
               <a:ext uri="{FF2B5EF4-FFF2-40B4-BE49-F238E27FC236}">
-                <a16:creationId xmlns:a16="http://schemas.microsoft.com/office/drawing/2014/main" id="{C5A4822E-DD79-4196-AE59-8F19513859CC}"/>
+                <a16:creationId xmlns:a16="http://schemas.microsoft.com/office/drawing/2014/main" xmlns="" id="{2FABBB84-8E07-4A6B-AD8C-5986C73A9ECE}"/>
               </a:ext>
             </a:extLst>
           </p:cNvPr>
@@ -9330,7 +13537,10 @@
           <a:bodyPr/>
           <a:lstStyle/>
           <a:p>
-            <a:endParaRPr lang="en-US" dirty="0"/>
+            <a:r>
+              <a:rPr lang="en-US" dirty="0"/>
+              <a:t>GitHub and Git</a:t>
+            </a:r>
           </a:p>
         </p:txBody>
       </p:sp>
@@ -9339,7 +13549,7 @@
           <p:cNvPr id="3" name="Content Placeholder 2">
             <a:extLst>
               <a:ext uri="{FF2B5EF4-FFF2-40B4-BE49-F238E27FC236}">
-                <a16:creationId xmlns:a16="http://schemas.microsoft.com/office/drawing/2014/main" id="{34F0E479-DABD-448D-B6CA-AA1FDD950506}"/>
+                <a16:creationId xmlns:a16="http://schemas.microsoft.com/office/drawing/2014/main" xmlns="" id="{EAE919A2-E1B4-4B8C-850C-79C6AAA22F42}"/>
               </a:ext>
             </a:extLst>
           </p:cNvPr>
@@ -9350,25 +13560,90 @@
             <p:ph idx="1"/>
           </p:nvPr>
         </p:nvSpPr>
-        <p:spPr/>
+        <p:spPr>
+          <a:xfrm>
+            <a:off x="1251678" y="2286001"/>
+            <a:ext cx="4844322" cy="3593591"/>
+          </a:xfrm>
+        </p:spPr>
         <p:txBody>
           <a:bodyPr/>
           <a:lstStyle/>
           <a:p>
-            <a:endParaRPr lang="en-US"/>
+            <a:r>
+              <a:rPr lang="en-US" dirty="0"/>
+              <a:t>Repository</a:t>
+            </a:r>
+          </a:p>
+          <a:p>
+            <a:pPr lvl="1"/>
+            <a:r>
+              <a:rPr lang="en-US" dirty="0"/>
+              <a:t>Place to store files, and back them up</a:t>
+            </a:r>
+          </a:p>
+          <a:p>
+            <a:pPr lvl="1"/>
+            <a:r>
+              <a:rPr lang="en-US" dirty="0"/>
+              <a:t>Share documents for collaboration</a:t>
+            </a:r>
+          </a:p>
+          <a:p>
+            <a:pPr lvl="1"/>
+            <a:r>
+              <a:rPr lang="en-US" dirty="0"/>
+              <a:t>Merge versions for program design</a:t>
+            </a:r>
+          </a:p>
+          <a:p>
+            <a:r>
+              <a:rPr lang="en-US" dirty="0" err="1"/>
+              <a:t>OpenMM</a:t>
+            </a:r>
+            <a:r>
+              <a:rPr lang="en-US" dirty="0"/>
+              <a:t> and </a:t>
+            </a:r>
+            <a:r>
+              <a:rPr lang="en-US" dirty="0" err="1"/>
+              <a:t>MDTraj</a:t>
+            </a:r>
+            <a:r>
+              <a:rPr lang="en-US" dirty="0"/>
+              <a:t> are maintained communally through </a:t>
+            </a:r>
+            <a:r>
+              <a:rPr lang="en-US" dirty="0" err="1"/>
+              <a:t>GitHub</a:t>
+            </a:r>
+            <a:r>
+              <a:rPr lang="en-US" dirty="0"/>
+              <a:t>.</a:t>
+            </a:r>
+          </a:p>
+          <a:p>
+            <a:endParaRPr lang="en-US" dirty="0"/>
           </a:p>
         </p:txBody>
       </p:sp>
     </p:spTree>
     <p:extLst>
       <p:ext uri="{BB962C8B-B14F-4D97-AF65-F5344CB8AC3E}">
-        <p14:creationId xmlns:p14="http://schemas.microsoft.com/office/powerpoint/2010/main" val="2012923741"/>
+        <p14:creationId xmlns:p14="http://schemas.microsoft.com/office/powerpoint/2010/main" val="3039199340"/>
       </p:ext>
     </p:extLst>
   </p:cSld>
   <p:clrMapOvr>
     <a:masterClrMapping/>
   </p:clrMapOvr>
+  <p:timing>
+    <p:tnLst>
+      <p:par>
+        <p:cTn id="1" dur="indefinite" restart="never" nodeType="tmRoot"/>
+      </p:par>
+    </p:tnLst>
+  </p:timing>
 </p:sld>
 </file>
 
@@ -9394,7 +13669,7 @@
           <p:cNvPr id="2" name="Title 1">
             <a:extLst>
               <a:ext uri="{FF2B5EF4-FFF2-40B4-BE49-F238E27FC236}">
-                <a16:creationId xmlns:a16="http://schemas.microsoft.com/office/drawing/2014/main" id="{9179705F-B6A9-45E7-89AB-86820218A7DB}"/>
+                <a16:creationId xmlns:a16="http://schemas.microsoft.com/office/drawing/2014/main" xmlns="" id="{9179705F-B6A9-45E7-89AB-86820218A7DB}"/>
               </a:ext>
             </a:extLst>
           </p:cNvPr>
@@ -9428,7 +13703,7 @@
           <p:cNvPr id="3" name="Content Placeholder 2">
             <a:extLst>
               <a:ext uri="{FF2B5EF4-FFF2-40B4-BE49-F238E27FC236}">
-                <a16:creationId xmlns:a16="http://schemas.microsoft.com/office/drawing/2014/main" id="{5A897501-6480-4412-9205-9DC6EC390DD0}"/>
+                <a16:creationId xmlns:a16="http://schemas.microsoft.com/office/drawing/2014/main" xmlns="" id="{5A897501-6480-4412-9205-9DC6EC390DD0}"/>
               </a:ext>
             </a:extLst>
           </p:cNvPr>
@@ -9473,7 +13748,7 @@
           <p:cNvPr id="1026" name="Picture 2" descr="MolSSI">
             <a:extLst>
               <a:ext uri="{FF2B5EF4-FFF2-40B4-BE49-F238E27FC236}">
-                <a16:creationId xmlns:a16="http://schemas.microsoft.com/office/drawing/2014/main" id="{D61C7398-3C46-482A-AD6D-B32274AD5924}"/>
+                <a16:creationId xmlns:a16="http://schemas.microsoft.com/office/drawing/2014/main" xmlns="" id="{D61C7398-3C46-482A-AD6D-B32274AD5924}"/>
               </a:ext>
             </a:extLst>
           </p:cNvPr>
@@ -9497,7 +13772,7 @@
         </p:blipFill>
         <p:spPr bwMode="auto">
           <a:xfrm>
-            <a:off x="6619875" y="1825625"/>
+            <a:off x="6496050" y="2681867"/>
             <a:ext cx="4933950" cy="3223633"/>
           </a:xfrm>
           <a:prstGeom prst="rect">
@@ -9525,6 +13800,187 @@
   <p:clrMapOvr>
     <a:masterClrMapping/>
   </p:clrMapOvr>
+  <p:timing>
+    <p:tnLst>
+      <p:par>
+        <p:cTn id="1" dur="indefinite" restart="never" nodeType="tmRoot"/>
+      </p:par>
+    </p:tnLst>
+  </p:timing>
+</p:sld>
+</file>
+
+<file path=ppt/slides/slide20.xml><?xml version="1.0" encoding="utf-8"?>
+<p:sld xmlns:a="http://schemas.openxmlformats.org/drawingml/2006/main" xmlns:r="http://schemas.openxmlformats.org/officeDocument/2006/relationships" xmlns:p="http://schemas.openxmlformats.org/presentationml/2006/main">
+  <p:cSld>
+    <p:spTree>
+      <p:nvGrpSpPr>
+        <p:cNvPr id="1" name=""/>
+        <p:cNvGrpSpPr/>
+        <p:nvPr/>
+      </p:nvGrpSpPr>
+      <p:grpSpPr>
+        <a:xfrm>
+          <a:off x="0" y="0"/>
+          <a:ext cx="0" cy="0"/>
+          <a:chOff x="0" y="0"/>
+          <a:chExt cx="0" cy="0"/>
+        </a:xfrm>
+      </p:grpSpPr>
+      <p:sp>
+        <p:nvSpPr>
+          <p:cNvPr id="15" name="Title 14"/>
+          <p:cNvSpPr>
+            <a:spLocks noGrp="1"/>
+          </p:cNvSpPr>
+          <p:nvPr>
+            <p:ph type="title"/>
+          </p:nvPr>
+        </p:nvSpPr>
+        <p:spPr/>
+        <p:txBody>
+          <a:bodyPr/>
+          <a:lstStyle/>
+          <a:p>
+            <a:r>
+              <a:rPr lang="en-US" dirty="0" smtClean="0"/>
+              <a:t>Thank You </a:t>
+            </a:r>
+            <a:r>
+              <a:rPr lang="en-US" dirty="0" err="1" smtClean="0"/>
+              <a:t>MolSSI</a:t>
+            </a:r>
+            <a:r>
+              <a:rPr lang="en-US" dirty="0" smtClean="0"/>
+              <a:t> for putting the Workshop</a:t>
+            </a:r>
+            <a:r>
+              <a:rPr lang="en-US" dirty="0"/>
+              <a:t> together</a:t>
+            </a:r>
+          </a:p>
+        </p:txBody>
+      </p:sp>
+      <p:pic>
+        <p:nvPicPr>
+          <p:cNvPr id="10" name="Content Placeholder 9"/>
+          <p:cNvPicPr>
+            <a:picLocks noGrp="1" noChangeAspect="1"/>
+          </p:cNvPicPr>
+          <p:nvPr>
+            <p:ph idx="1"/>
+          </p:nvPr>
+        </p:nvPicPr>
+        <p:blipFill rotWithShape="1">
+          <a:blip r:embed="rId2"/>
+          <a:srcRect t="29821" b="7618"/>
+          <a:stretch/>
+        </p:blipFill>
+        <p:spPr>
+          <a:xfrm>
+            <a:off x="1738863" y="2301484"/>
+            <a:ext cx="8739265" cy="4100565"/>
+          </a:xfrm>
+        </p:spPr>
+      </p:pic>
+    </p:spTree>
+    <p:extLst>
+      <p:ext uri="{BB962C8B-B14F-4D97-AF65-F5344CB8AC3E}">
+        <p14:creationId xmlns:p14="http://schemas.microsoft.com/office/powerpoint/2010/main" val="2012923741"/>
+      </p:ext>
+    </p:extLst>
+  </p:cSld>
+  <p:clrMapOvr>
+    <a:masterClrMapping/>
+  </p:clrMapOvr>
+  <p:timing>
+    <p:tnLst>
+      <p:par>
+        <p:cTn id="1" dur="indefinite" restart="never" nodeType="tmRoot"/>
+      </p:par>
+    </p:tnLst>
+  </p:timing>
+</p:sld>
+</file>
+
+<file path=ppt/slides/slide21.xml><?xml version="1.0" encoding="utf-8"?>
+<p:sld xmlns:a="http://schemas.openxmlformats.org/drawingml/2006/main" xmlns:r="http://schemas.openxmlformats.org/officeDocument/2006/relationships" xmlns:p="http://schemas.openxmlformats.org/presentationml/2006/main">
+  <p:cSld>
+    <p:spTree>
+      <p:nvGrpSpPr>
+        <p:cNvPr id="1" name=""/>
+        <p:cNvGrpSpPr/>
+        <p:nvPr/>
+      </p:nvGrpSpPr>
+      <p:grpSpPr>
+        <a:xfrm>
+          <a:off x="0" y="0"/>
+          <a:ext cx="0" cy="0"/>
+          <a:chOff x="0" y="0"/>
+          <a:chExt cx="0" cy="0"/>
+        </a:xfrm>
+      </p:grpSpPr>
+      <p:sp>
+        <p:nvSpPr>
+          <p:cNvPr id="2" name="Title 1"/>
+          <p:cNvSpPr>
+            <a:spLocks noGrp="1"/>
+          </p:cNvSpPr>
+          <p:nvPr>
+            <p:ph type="title"/>
+          </p:nvPr>
+        </p:nvSpPr>
+        <p:spPr/>
+        <p:txBody>
+          <a:bodyPr>
+            <a:normAutofit fontScale="90000"/>
+          </a:bodyPr>
+          <a:lstStyle/>
+          <a:p>
+            <a:r>
+              <a:rPr lang="en-US" dirty="0" smtClean="0"/>
+              <a:t>Welcome to The Extra section with Links and More detailed instructions</a:t>
+            </a:r>
+            <a:endParaRPr lang="en-US" dirty="0"/>
+          </a:p>
+        </p:txBody>
+      </p:sp>
+      <p:sp>
+        <p:nvSpPr>
+          <p:cNvPr id="3" name="Content Placeholder 2"/>
+          <p:cNvSpPr>
+            <a:spLocks noGrp="1"/>
+          </p:cNvSpPr>
+          <p:nvPr>
+            <p:ph idx="1"/>
+          </p:nvPr>
+        </p:nvSpPr>
+        <p:spPr/>
+        <p:txBody>
+          <a:bodyPr/>
+          <a:lstStyle/>
+          <a:p>
+            <a:endParaRPr lang="en-US" dirty="0"/>
+          </a:p>
+        </p:txBody>
+      </p:sp>
+    </p:spTree>
+    <p:extLst>
+      <p:ext uri="{BB962C8B-B14F-4D97-AF65-F5344CB8AC3E}">
+        <p14:creationId xmlns:p14="http://schemas.microsoft.com/office/powerpoint/2010/main" val="512820235"/>
+      </p:ext>
+    </p:extLst>
+  </p:cSld>
+  <p:clrMapOvr>
+    <a:masterClrMapping/>
+  </p:clrMapOvr>
+  <p:timing>
+    <p:tnLst>
+      <p:par>
+        <p:cTn id="1" dur="indefinite" restart="never" nodeType="tmRoot"/>
+      </p:par>
+    </p:tnLst>
+  </p:timing>
 </p:sld>
 </file>
 
@@ -9558,7 +14014,7 @@
           <p:cNvPr id="2" name="Title 1">
             <a:extLst>
               <a:ext uri="{FF2B5EF4-FFF2-40B4-BE49-F238E27FC236}">
-                <a16:creationId xmlns:a16="http://schemas.microsoft.com/office/drawing/2014/main" id="{B4BE5E4D-9232-496E-BFC4-2CC07E949630}"/>
+                <a16:creationId xmlns:a16="http://schemas.microsoft.com/office/drawing/2014/main" xmlns="" id="{B4BE5E4D-9232-496E-BFC4-2CC07E949630}"/>
               </a:ext>
             </a:extLst>
           </p:cNvPr>
@@ -9593,7 +14049,7 @@
           <p:cNvPr id="6" name="Content Placeholder 5">
             <a:extLst>
               <a:ext uri="{FF2B5EF4-FFF2-40B4-BE49-F238E27FC236}">
-                <a16:creationId xmlns:a16="http://schemas.microsoft.com/office/drawing/2014/main" id="{0F1FDE60-ED48-4876-9AA8-39036180BA6B}"/>
+                <a16:creationId xmlns:a16="http://schemas.microsoft.com/office/drawing/2014/main" xmlns="" id="{0F1FDE60-ED48-4876-9AA8-39036180BA6B}"/>
               </a:ext>
             </a:extLst>
           </p:cNvPr>
@@ -9625,7 +14081,7 @@
           <p:cNvPr id="7" name="Content Placeholder 3" descr="A screenshot of a cell phone&#10;&#10;Description generated with very high confidence">
             <a:extLst>
               <a:ext uri="{FF2B5EF4-FFF2-40B4-BE49-F238E27FC236}">
-                <a16:creationId xmlns:a16="http://schemas.microsoft.com/office/drawing/2014/main" id="{2DF56A38-6EC8-4F06-BB35-FD1F629AC365}"/>
+                <a16:creationId xmlns:a16="http://schemas.microsoft.com/office/drawing/2014/main" xmlns="" id="{2DF56A38-6EC8-4F06-BB35-FD1F629AC365}"/>
               </a:ext>
             </a:extLst>
           </p:cNvPr>
@@ -9647,6 +14103,20 @@
           <a:prstGeom prst="rect">
             <a:avLst/>
           </a:prstGeom>
+          <a:ln w="38100" cap="sq">
+            <a:solidFill>
+              <a:srgbClr val="000000"/>
+            </a:solidFill>
+            <a:prstDash val="solid"/>
+            <a:miter lim="800000"/>
+          </a:ln>
+          <a:effectLst>
+            <a:outerShdw blurRad="50800" dist="38100" dir="2700000" algn="tl" rotWithShape="0">
+              <a:srgbClr val="000000">
+                <a:alpha val="43000"/>
+              </a:srgbClr>
+            </a:outerShdw>
+          </a:effectLst>
         </p:spPr>
       </p:pic>
     </p:spTree>
@@ -9659,6 +14129,13 @@
   <p:clrMapOvr>
     <a:masterClrMapping/>
   </p:clrMapOvr>
+  <p:timing>
+    <p:tnLst>
+      <p:par>
+        <p:cTn id="1" dur="indefinite" restart="never" nodeType="tmRoot"/>
+      </p:par>
+    </p:tnLst>
+  </p:timing>
 </p:sld>
 </file>
 
@@ -9684,7 +14161,7 @@
           <p:cNvPr id="2" name="Title 1">
             <a:extLst>
               <a:ext uri="{FF2B5EF4-FFF2-40B4-BE49-F238E27FC236}">
-                <a16:creationId xmlns:a16="http://schemas.microsoft.com/office/drawing/2014/main" id="{E064594C-794E-4F5C-8668-B8CB4B102FE8}"/>
+                <a16:creationId xmlns:a16="http://schemas.microsoft.com/office/drawing/2014/main" xmlns="" id="{E064594C-794E-4F5C-8668-B8CB4B102FE8}"/>
               </a:ext>
             </a:extLst>
           </p:cNvPr>
@@ -9712,7 +14189,7 @@
           <p:cNvPr id="4" name="Text Placeholder 3">
             <a:extLst>
               <a:ext uri="{FF2B5EF4-FFF2-40B4-BE49-F238E27FC236}">
-                <a16:creationId xmlns:a16="http://schemas.microsoft.com/office/drawing/2014/main" id="{92D936BC-E7AD-45D3-B2FB-D79BA8894DD9}"/>
+                <a16:creationId xmlns:a16="http://schemas.microsoft.com/office/drawing/2014/main" xmlns="" id="{92D936BC-E7AD-45D3-B2FB-D79BA8894DD9}"/>
               </a:ext>
             </a:extLst>
           </p:cNvPr>
@@ -9735,14 +14212,14 @@
           </a:p>
         </p:txBody>
       </p:sp>
-      <mc:AlternateContent xmlns:mc="http://schemas.openxmlformats.org/markup-compatibility/2006">
-        <mc:Choice xmlns:a14="http://schemas.microsoft.com/office/drawing/2010/main" Requires="a14">
+      <mc:AlternateContent xmlns:mc="http://schemas.openxmlformats.org/markup-compatibility/2006" xmlns:a14="http://schemas.microsoft.com/office/drawing/2010/main">
+        <mc:Choice Requires="a14">
           <p:sp>
             <p:nvSpPr>
               <p:cNvPr id="3" name="Content Placeholder 2">
                 <a:extLst>
                   <a:ext uri="{FF2B5EF4-FFF2-40B4-BE49-F238E27FC236}">
-                    <a16:creationId xmlns:a16="http://schemas.microsoft.com/office/drawing/2014/main" id="{CA5B4343-69B1-42D0-BB09-622841E0BF77}"/>
+                    <a16:creationId xmlns:a16="http://schemas.microsoft.com/office/drawing/2014/main" xmlns="" id="{CA5B4343-69B1-42D0-BB09-622841E0BF77}"/>
                   </a:ext>
                 </a:extLst>
               </p:cNvPr>
@@ -9840,7 +14317,7 @@
                       <m:fPr>
                         <m:ctrlPr>
                           <a:rPr lang="en-US" b="0" i="1" smtClean="0">
-                            <a:latin typeface="Cambria Math" panose="02040503050406030204" pitchFamily="18" charset="0"/>
+                            <a:latin typeface="Cambria Math" charset="0"/>
                           </a:rPr>
                         </m:ctrlPr>
                       </m:fPr>
@@ -9871,7 +14348,7 @@
                       <m:sSupPr>
                         <m:ctrlPr>
                           <a:rPr lang="en-US" b="0" i="1" smtClean="0">
-                            <a:latin typeface="Cambria Math" panose="02040503050406030204" pitchFamily="18" charset="0"/>
+                            <a:latin typeface="Cambria Math" charset="0"/>
                           </a:rPr>
                         </m:ctrlPr>
                       </m:sSupPr>
@@ -9918,7 +14395,7 @@
                         <m:supHide m:val="on"/>
                         <m:ctrlPr>
                           <a:rPr lang="en-US" b="0" i="1" smtClean="0">
-                            <a:latin typeface="Cambria Math" panose="02040503050406030204" pitchFamily="18" charset="0"/>
+                            <a:latin typeface="Cambria Math" charset="0"/>
                           </a:rPr>
                         </m:ctrlPr>
                       </m:naryPr>
@@ -9946,7 +14423,7 @@
                         <m:supHide m:val="on"/>
                         <m:ctrlPr>
                           <a:rPr lang="en-US" b="0" i="1" smtClean="0">
-                            <a:latin typeface="Cambria Math" panose="02040503050406030204" pitchFamily="18" charset="0"/>
+                            <a:latin typeface="Cambria Math" charset="0"/>
                           </a:rPr>
                         </m:ctrlPr>
                       </m:naryPr>
@@ -9968,7 +14445,7 @@
             </p:txBody>
           </p:sp>
         </mc:Choice>
-        <mc:Fallback>
+        <mc:Fallback xmlns="">
           <p:sp>
             <p:nvSpPr>
               <p:cNvPr id="3" name="Content Placeholder 2">
@@ -10013,7 +14490,7 @@
           <p:cNvPr id="5" name="Text Placeholder 4">
             <a:extLst>
               <a:ext uri="{FF2B5EF4-FFF2-40B4-BE49-F238E27FC236}">
-                <a16:creationId xmlns:a16="http://schemas.microsoft.com/office/drawing/2014/main" id="{80AC6915-EEDB-4297-8AE7-72BE5BA2E3C9}"/>
+                <a16:creationId xmlns:a16="http://schemas.microsoft.com/office/drawing/2014/main" xmlns="" id="{80AC6915-EEDB-4297-8AE7-72BE5BA2E3C9}"/>
               </a:ext>
             </a:extLst>
           </p:cNvPr>
@@ -10041,7 +14518,7 @@
           <p:cNvPr id="6" name="Content Placeholder 5">
             <a:extLst>
               <a:ext uri="{FF2B5EF4-FFF2-40B4-BE49-F238E27FC236}">
-                <a16:creationId xmlns:a16="http://schemas.microsoft.com/office/drawing/2014/main" id="{0C48FE1C-256E-497D-AB06-8C47D2947AA3}"/>
+                <a16:creationId xmlns:a16="http://schemas.microsoft.com/office/drawing/2014/main" xmlns="" id="{0C48FE1C-256E-497D-AB06-8C47D2947AA3}"/>
               </a:ext>
             </a:extLst>
           </p:cNvPr>
@@ -10055,7 +14532,7 @@
         <p:spPr/>
         <p:txBody>
           <a:bodyPr>
-            <a:normAutofit fontScale="92500"/>
+            <a:normAutofit/>
           </a:bodyPr>
           <a:lstStyle/>
           <a:p>
@@ -10085,6 +14562,13 @@
   <p:clrMapOvr>
     <a:masterClrMapping/>
   </p:clrMapOvr>
+  <p:timing>
+    <p:tnLst>
+      <p:par>
+        <p:cTn id="1" dur="indefinite" restart="never" nodeType="tmRoot"/>
+      </p:par>
+    </p:tnLst>
+  </p:timing>
 </p:sld>
 </file>
 
@@ -10110,7 +14594,7 @@
           <p:cNvPr id="2" name="Title 1">
             <a:extLst>
               <a:ext uri="{FF2B5EF4-FFF2-40B4-BE49-F238E27FC236}">
-                <a16:creationId xmlns:a16="http://schemas.microsoft.com/office/drawing/2014/main" id="{ADF4353F-396C-483D-B428-56E457596EC8}"/>
+                <a16:creationId xmlns:a16="http://schemas.microsoft.com/office/drawing/2014/main" xmlns="" id="{ADF4353F-396C-483D-B428-56E457596EC8}"/>
               </a:ext>
             </a:extLst>
           </p:cNvPr>
@@ -10138,7 +14622,7 @@
           <p:cNvPr id="4" name="Content Placeholder 3">
             <a:extLst>
               <a:ext uri="{FF2B5EF4-FFF2-40B4-BE49-F238E27FC236}">
-                <a16:creationId xmlns:a16="http://schemas.microsoft.com/office/drawing/2014/main" id="{1DD0DDB2-1E23-4966-A2B4-26BC646C5602}"/>
+                <a16:creationId xmlns:a16="http://schemas.microsoft.com/office/drawing/2014/main" xmlns="" id="{1DD0DDB2-1E23-4966-A2B4-26BC646C5602}"/>
               </a:ext>
             </a:extLst>
           </p:cNvPr>
@@ -10199,7 +14683,7 @@
               <p:cNvPr id="5" name="Content Placeholder 4">
                 <a:extLst>
                   <a:ext uri="{FF2B5EF4-FFF2-40B4-BE49-F238E27FC236}">
-                    <a16:creationId xmlns:a16="http://schemas.microsoft.com/office/drawing/2014/main" id="{2EABC4F1-E428-4A9A-BC3E-36DA67B3E6FB}"/>
+                    <a16:creationId xmlns:a16="http://schemas.microsoft.com/office/drawing/2014/main" xmlns="" id="{2EABC4F1-E428-4A9A-BC3E-36DA67B3E6FB}"/>
                   </a:ext>
                 </a:extLst>
               </p:cNvPr>
@@ -10217,7 +14701,7 @@
               <a:p>
                 <a14:m>
                   <m:oMath xmlns:m="http://schemas.openxmlformats.org/officeDocument/2006/math">
-                    <a:fld id="{B0528D61-3EE1-4248-AA2A-2771780B3867}" type="mathplaceholder">
+                    <a:fld id="{5F1C3FFC-12C5-D143-84A5-F9FB816123E2}" type="mathplaceholder">
                       <a:rPr lang="en-US" i="1" smtClean="0">
                         <a:latin typeface="Cambria Math" panose="02040503050406030204" pitchFamily="18" charset="0"/>
                       </a:rPr>
@@ -10230,7 +14714,7 @@
               <a:p>
                 <a14:m>
                   <m:oMath xmlns:m="http://schemas.openxmlformats.org/officeDocument/2006/math">
-                    <a:fld id="{C841A0D8-FEAB-4B88-A45F-69038F986A18}" type="mathplaceholder">
+                    <a:fld id="{7E7039FC-E128-AE42-8541-76A3D617A9E9}" type="mathplaceholder">
                       <a:rPr lang="en-US" i="1" smtClean="0">
                         <a:latin typeface="Cambria Math" panose="02040503050406030204" pitchFamily="18" charset="0"/>
                       </a:rPr>
@@ -10243,7 +14727,7 @@
               <a:p>
                 <a14:m>
                   <m:oMath xmlns:m="http://schemas.openxmlformats.org/officeDocument/2006/math">
-                    <a:fld id="{CB5AEEA5-1573-47D5-BC26-FE78481187BB}" type="mathplaceholder">
+                    <a:fld id="{A0DEE77C-120E-7E48-9E8D-9596C8769445}" type="mathplaceholder">
                       <a:rPr lang="en-US" i="1" smtClean="0">
                         <a:latin typeface="Cambria Math" panose="02040503050406030204" pitchFamily="18" charset="0"/>
                       </a:rPr>
@@ -10309,6 +14793,14 @@
   <p:clrMapOvr>
     <a:masterClrMapping/>
   </p:clrMapOvr>
+  <mc:AlternateContent xmlns:mc="http://schemas.openxmlformats.org/markup-compatibility/2006">
+    <mc:Choice xmlns:p14="http://schemas.microsoft.com/office/powerpoint/2010/main" Requires="p14">
+      <p:transition spd="slow" p14:dur="2000"/>
+    </mc:Choice>
+    <mc:Fallback>
+      <p:transition spd="slow"/>
+    </mc:Fallback>
+  </mc:AlternateContent>
 </p:sld>
 </file>
 
@@ -10334,7 +14826,7 @@
           <p:cNvPr id="5" name="Title 4">
             <a:extLst>
               <a:ext uri="{FF2B5EF4-FFF2-40B4-BE49-F238E27FC236}">
-                <a16:creationId xmlns:a16="http://schemas.microsoft.com/office/drawing/2014/main" id="{B88CE5DD-F4C3-4A64-8474-21BB1F944665}"/>
+                <a16:creationId xmlns:a16="http://schemas.microsoft.com/office/drawing/2014/main" xmlns="" id="{B88CE5DD-F4C3-4A64-8474-21BB1F944665}"/>
               </a:ext>
             </a:extLst>
           </p:cNvPr>
@@ -10362,7 +14854,7 @@
           <p:cNvPr id="8" name="Text Placeholder 7">
             <a:extLst>
               <a:ext uri="{FF2B5EF4-FFF2-40B4-BE49-F238E27FC236}">
-                <a16:creationId xmlns:a16="http://schemas.microsoft.com/office/drawing/2014/main" id="{4A09C384-C68B-4655-8391-677A2F3407D0}"/>
+                <a16:creationId xmlns:a16="http://schemas.microsoft.com/office/drawing/2014/main" xmlns="" id="{4A09C384-C68B-4655-8391-677A2F3407D0}"/>
               </a:ext>
             </a:extLst>
           </p:cNvPr>
@@ -10390,7 +14882,7 @@
           <p:cNvPr id="6" name="Content Placeholder 5">
             <a:extLst>
               <a:ext uri="{FF2B5EF4-FFF2-40B4-BE49-F238E27FC236}">
-                <a16:creationId xmlns:a16="http://schemas.microsoft.com/office/drawing/2014/main" id="{C9580DB4-BFE4-4C7B-AA08-1EE32C5331A9}"/>
+                <a16:creationId xmlns:a16="http://schemas.microsoft.com/office/drawing/2014/main" xmlns="" id="{C9580DB4-BFE4-4C7B-AA08-1EE32C5331A9}"/>
               </a:ext>
             </a:extLst>
           </p:cNvPr>
@@ -10468,7 +14960,7 @@
           <p:cNvPr id="9" name="Text Placeholder 8">
             <a:extLst>
               <a:ext uri="{FF2B5EF4-FFF2-40B4-BE49-F238E27FC236}">
-                <a16:creationId xmlns:a16="http://schemas.microsoft.com/office/drawing/2014/main" id="{19001245-94A8-4F26-A15D-6396901E7A0C}"/>
+                <a16:creationId xmlns:a16="http://schemas.microsoft.com/office/drawing/2014/main" xmlns="" id="{19001245-94A8-4F26-A15D-6396901E7A0C}"/>
               </a:ext>
             </a:extLst>
           </p:cNvPr>
@@ -10496,7 +14988,7 @@
           <p:cNvPr id="7" name="Content Placeholder 6">
             <a:extLst>
               <a:ext uri="{FF2B5EF4-FFF2-40B4-BE49-F238E27FC236}">
-                <a16:creationId xmlns:a16="http://schemas.microsoft.com/office/drawing/2014/main" id="{F7452DD7-01BE-4822-9A51-18D809A2E6A0}"/>
+                <a16:creationId xmlns:a16="http://schemas.microsoft.com/office/drawing/2014/main" xmlns="" id="{F7452DD7-01BE-4822-9A51-18D809A2E6A0}"/>
               </a:ext>
             </a:extLst>
           </p:cNvPr>
@@ -10510,7 +15002,7 @@
         <p:spPr/>
         <p:txBody>
           <a:bodyPr>
-            <a:normAutofit fontScale="85000" lnSpcReduction="10000"/>
+            <a:normAutofit/>
           </a:bodyPr>
           <a:lstStyle/>
           <a:p>
@@ -10560,6 +15052,13 @@
   <p:clrMapOvr>
     <a:masterClrMapping/>
   </p:clrMapOvr>
+  <p:timing>
+    <p:tnLst>
+      <p:par>
+        <p:cTn id="1" dur="indefinite" restart="never" nodeType="tmRoot"/>
+      </p:par>
+    </p:tnLst>
+  </p:timing>
 </p:sld>
 </file>
 
@@ -10585,7 +15084,7 @@
           <p:cNvPr id="2" name="Title 1">
             <a:extLst>
               <a:ext uri="{FF2B5EF4-FFF2-40B4-BE49-F238E27FC236}">
-                <a16:creationId xmlns:a16="http://schemas.microsoft.com/office/drawing/2014/main" id="{DBF1A873-2754-47E8-B93C-C8B90D2CF7BB}"/>
+                <a16:creationId xmlns:a16="http://schemas.microsoft.com/office/drawing/2014/main" xmlns="" id="{DBF1A873-2754-47E8-B93C-C8B90D2CF7BB}"/>
               </a:ext>
             </a:extLst>
           </p:cNvPr>
@@ -10613,7 +15112,7 @@
           <p:cNvPr id="3" name="Content Placeholder 2">
             <a:extLst>
               <a:ext uri="{FF2B5EF4-FFF2-40B4-BE49-F238E27FC236}">
-                <a16:creationId xmlns:a16="http://schemas.microsoft.com/office/drawing/2014/main" id="{2A77E9E8-FA5D-449B-A372-5B54A30AFEE5}"/>
+                <a16:creationId xmlns:a16="http://schemas.microsoft.com/office/drawing/2014/main" xmlns="" id="{2A77E9E8-FA5D-449B-A372-5B54A30AFEE5}"/>
               </a:ext>
             </a:extLst>
           </p:cNvPr>
@@ -10690,6 +15189,14 @@
   <p:clrMapOvr>
     <a:masterClrMapping/>
   </p:clrMapOvr>
+  <mc:AlternateContent xmlns:mc="http://schemas.openxmlformats.org/markup-compatibility/2006">
+    <mc:Choice xmlns:p14="http://schemas.microsoft.com/office/powerpoint/2010/main" Requires="p14">
+      <p:transition spd="slow" p14:dur="2000"/>
+    </mc:Choice>
+    <mc:Fallback>
+      <p:transition spd="slow"/>
+    </mc:Fallback>
+  </mc:AlternateContent>
 </p:sld>
 </file>
 
@@ -10715,7 +15222,7 @@
           <p:cNvPr id="2" name="Title 1">
             <a:extLst>
               <a:ext uri="{FF2B5EF4-FFF2-40B4-BE49-F238E27FC236}">
-                <a16:creationId xmlns:a16="http://schemas.microsoft.com/office/drawing/2014/main" id="{BA1D404E-DFBA-4B04-BAE4-6BC3A7F2DC4E}"/>
+                <a16:creationId xmlns:a16="http://schemas.microsoft.com/office/drawing/2014/main" xmlns="" id="{BA1D404E-DFBA-4B04-BAE4-6BC3A7F2DC4E}"/>
               </a:ext>
             </a:extLst>
           </p:cNvPr>
@@ -10743,7 +15250,7 @@
           <p:cNvPr id="3" name="Content Placeholder 2">
             <a:extLst>
               <a:ext uri="{FF2B5EF4-FFF2-40B4-BE49-F238E27FC236}">
-                <a16:creationId xmlns:a16="http://schemas.microsoft.com/office/drawing/2014/main" id="{2182D6E6-D02B-4CFA-A2BD-B42FC521FBE1}"/>
+                <a16:creationId xmlns:a16="http://schemas.microsoft.com/office/drawing/2014/main" xmlns="" id="{2182D6E6-D02B-4CFA-A2BD-B42FC521FBE1}"/>
               </a:ext>
             </a:extLst>
           </p:cNvPr>
@@ -10856,6 +15363,13 @@
   <p:clrMapOvr>
     <a:masterClrMapping/>
   </p:clrMapOvr>
+  <p:timing>
+    <p:tnLst>
+      <p:par>
+        <p:cTn id="1" dur="indefinite" restart="never" nodeType="tmRoot"/>
+      </p:par>
+    </p:tnLst>
+  </p:timing>
 </p:sld>
 </file>
 
@@ -10881,7 +15395,7 @@
           <p:cNvPr id="2" name="Title 1">
             <a:extLst>
               <a:ext uri="{FF2B5EF4-FFF2-40B4-BE49-F238E27FC236}">
-                <a16:creationId xmlns:a16="http://schemas.microsoft.com/office/drawing/2014/main" id="{FDFCBC2B-5F61-4D68-B5CB-C06419AF82D0}"/>
+                <a16:creationId xmlns:a16="http://schemas.microsoft.com/office/drawing/2014/main" xmlns="" id="{FDFCBC2B-5F61-4D68-B5CB-C06419AF82D0}"/>
               </a:ext>
             </a:extLst>
           </p:cNvPr>
@@ -10927,7 +15441,7 @@
           <p:cNvPr id="3" name="Content Placeholder 2">
             <a:extLst>
               <a:ext uri="{FF2B5EF4-FFF2-40B4-BE49-F238E27FC236}">
-                <a16:creationId xmlns:a16="http://schemas.microsoft.com/office/drawing/2014/main" id="{1860DA71-E1DD-421B-9396-8BA609EEC4CA}"/>
+                <a16:creationId xmlns:a16="http://schemas.microsoft.com/office/drawing/2014/main" xmlns="" id="{1860DA71-E1DD-421B-9396-8BA609EEC4CA}"/>
               </a:ext>
             </a:extLst>
           </p:cNvPr>
@@ -11229,6 +15743,13 @@
   <p:clrMapOvr>
     <a:masterClrMapping/>
   </p:clrMapOvr>
+  <p:timing>
+    <p:tnLst>
+      <p:par>
+        <p:cTn id="1" dur="indefinite" restart="never" nodeType="tmRoot"/>
+      </p:par>
+    </p:tnLst>
+  </p:timing>
 </p:sld>
 </file>
 
